--- a/链表/数据结构可视化辅助理解，便于代码开发.pptx
+++ b/链表/数据结构可视化辅助理解，便于代码开发.pptx
@@ -9,6 +9,7 @@
     <p:sldId id="258" r:id="rId3"/>
     <p:sldId id="256" r:id="rId4"/>
     <p:sldId id="259" r:id="rId5"/>
+    <p:sldId id="260" r:id="rId6"/>
   </p:sldIdLst>
   <p:sldSz cx="12192000" cy="6858000"/>
   <p:notesSz cx="6858000" cy="9144000"/>
@@ -107,6 +108,11 @@
       </a:defRPr>
     </a:lvl9pPr>
   </p:defaultTextStyle>
+  <p:extLst>
+    <p:ext uri="{EFAFB233-063F-42B5-8137-9DF3F51BA10A}">
+      <p15:sldGuideLst xmlns:p15="http://schemas.microsoft.com/office/powerpoint/2012/main"/>
+    </p:ext>
+  </p:extLst>
 </p:presentation>
 </file>
 
@@ -257,7 +263,7 @@
           <a:p>
             <a:fld id="{00F45E2C-A052-4CA8-89FD-DA47DCEA70CB}" type="datetimeFigureOut">
               <a:rPr lang="zh-CN" altLang="en-US" smtClean="0"/>
-              <a:t>2019/5/21</a:t>
+              <a:t>2019/5/22</a:t>
             </a:fld>
             <a:endParaRPr lang="zh-CN" altLang="en-US"/>
           </a:p>
@@ -455,7 +461,7 @@
           <a:p>
             <a:fld id="{00F45E2C-A052-4CA8-89FD-DA47DCEA70CB}" type="datetimeFigureOut">
               <a:rPr lang="zh-CN" altLang="en-US" smtClean="0"/>
-              <a:t>2019/5/21</a:t>
+              <a:t>2019/5/22</a:t>
             </a:fld>
             <a:endParaRPr lang="zh-CN" altLang="en-US"/>
           </a:p>
@@ -663,7 +669,7 @@
           <a:p>
             <a:fld id="{00F45E2C-A052-4CA8-89FD-DA47DCEA70CB}" type="datetimeFigureOut">
               <a:rPr lang="zh-CN" altLang="en-US" smtClean="0"/>
-              <a:t>2019/5/21</a:t>
+              <a:t>2019/5/22</a:t>
             </a:fld>
             <a:endParaRPr lang="zh-CN" altLang="en-US"/>
           </a:p>
@@ -861,7 +867,7 @@
           <a:p>
             <a:fld id="{00F45E2C-A052-4CA8-89FD-DA47DCEA70CB}" type="datetimeFigureOut">
               <a:rPr lang="zh-CN" altLang="en-US" smtClean="0"/>
-              <a:t>2019/5/21</a:t>
+              <a:t>2019/5/22</a:t>
             </a:fld>
             <a:endParaRPr lang="zh-CN" altLang="en-US"/>
           </a:p>
@@ -1136,7 +1142,7 @@
           <a:p>
             <a:fld id="{00F45E2C-A052-4CA8-89FD-DA47DCEA70CB}" type="datetimeFigureOut">
               <a:rPr lang="zh-CN" altLang="en-US" smtClean="0"/>
-              <a:t>2019/5/21</a:t>
+              <a:t>2019/5/22</a:t>
             </a:fld>
             <a:endParaRPr lang="zh-CN" altLang="en-US"/>
           </a:p>
@@ -1401,7 +1407,7 @@
           <a:p>
             <a:fld id="{00F45E2C-A052-4CA8-89FD-DA47DCEA70CB}" type="datetimeFigureOut">
               <a:rPr lang="zh-CN" altLang="en-US" smtClean="0"/>
-              <a:t>2019/5/21</a:t>
+              <a:t>2019/5/22</a:t>
             </a:fld>
             <a:endParaRPr lang="zh-CN" altLang="en-US"/>
           </a:p>
@@ -1813,7 +1819,7 @@
           <a:p>
             <a:fld id="{00F45E2C-A052-4CA8-89FD-DA47DCEA70CB}" type="datetimeFigureOut">
               <a:rPr lang="zh-CN" altLang="en-US" smtClean="0"/>
-              <a:t>2019/5/21</a:t>
+              <a:t>2019/5/22</a:t>
             </a:fld>
             <a:endParaRPr lang="zh-CN" altLang="en-US"/>
           </a:p>
@@ -1954,7 +1960,7 @@
           <a:p>
             <a:fld id="{00F45E2C-A052-4CA8-89FD-DA47DCEA70CB}" type="datetimeFigureOut">
               <a:rPr lang="zh-CN" altLang="en-US" smtClean="0"/>
-              <a:t>2019/5/21</a:t>
+              <a:t>2019/5/22</a:t>
             </a:fld>
             <a:endParaRPr lang="zh-CN" altLang="en-US"/>
           </a:p>
@@ -2067,7 +2073,7 @@
           <a:p>
             <a:fld id="{00F45E2C-A052-4CA8-89FD-DA47DCEA70CB}" type="datetimeFigureOut">
               <a:rPr lang="zh-CN" altLang="en-US" smtClean="0"/>
-              <a:t>2019/5/21</a:t>
+              <a:t>2019/5/22</a:t>
             </a:fld>
             <a:endParaRPr lang="zh-CN" altLang="en-US"/>
           </a:p>
@@ -2378,7 +2384,7 @@
           <a:p>
             <a:fld id="{00F45E2C-A052-4CA8-89FD-DA47DCEA70CB}" type="datetimeFigureOut">
               <a:rPr lang="zh-CN" altLang="en-US" smtClean="0"/>
-              <a:t>2019/5/21</a:t>
+              <a:t>2019/5/22</a:t>
             </a:fld>
             <a:endParaRPr lang="zh-CN" altLang="en-US"/>
           </a:p>
@@ -2666,7 +2672,7 @@
           <a:p>
             <a:fld id="{00F45E2C-A052-4CA8-89FD-DA47DCEA70CB}" type="datetimeFigureOut">
               <a:rPr lang="zh-CN" altLang="en-US" smtClean="0"/>
-              <a:t>2019/5/21</a:t>
+              <a:t>2019/5/22</a:t>
             </a:fld>
             <a:endParaRPr lang="zh-CN" altLang="en-US"/>
           </a:p>
@@ -2907,7 +2913,7 @@
           <a:p>
             <a:fld id="{00F45E2C-A052-4CA8-89FD-DA47DCEA70CB}" type="datetimeFigureOut">
               <a:rPr lang="zh-CN" altLang="en-US" smtClean="0"/>
-              <a:t>2019/5/21</a:t>
+              <a:t>2019/5/22</a:t>
             </a:fld>
             <a:endParaRPr lang="zh-CN" altLang="en-US"/>
           </a:p>
@@ -9342,6 +9348,812 @@
 </p:sld>
 </file>
 
+<file path=ppt/slides/slide5.xml><?xml version="1.0" encoding="utf-8"?>
+<p:sld xmlns:a="http://schemas.openxmlformats.org/drawingml/2006/main" xmlns:r="http://schemas.openxmlformats.org/officeDocument/2006/relationships" xmlns:p="http://schemas.openxmlformats.org/presentationml/2006/main">
+  <p:cSld>
+    <p:spTree>
+      <p:nvGrpSpPr>
+        <p:cNvPr id="1" name=""/>
+        <p:cNvGrpSpPr/>
+        <p:nvPr/>
+      </p:nvGrpSpPr>
+      <p:grpSpPr>
+        <a:xfrm>
+          <a:off x="0" y="0"/>
+          <a:ext cx="0" cy="0"/>
+          <a:chOff x="0" y="0"/>
+          <a:chExt cx="0" cy="0"/>
+        </a:xfrm>
+      </p:grpSpPr>
+      <p:sp>
+        <p:nvSpPr>
+          <p:cNvPr id="4" name="矩形 3">
+            <a:extLst>
+              <a:ext uri="{FF2B5EF4-FFF2-40B4-BE49-F238E27FC236}">
+                <a16:creationId xmlns:a16="http://schemas.microsoft.com/office/drawing/2014/main" id="{88B56624-1CEE-4647-B361-775446D809B0}"/>
+              </a:ext>
+            </a:extLst>
+          </p:cNvPr>
+          <p:cNvSpPr/>
+          <p:nvPr/>
+        </p:nvSpPr>
+        <p:spPr>
+          <a:xfrm>
+            <a:off x="417248" y="914398"/>
+            <a:ext cx="568171" cy="568171"/>
+          </a:xfrm>
+          <a:prstGeom prst="rect">
+            <a:avLst/>
+          </a:prstGeom>
+        </p:spPr>
+        <p:style>
+          <a:lnRef idx="2">
+            <a:schemeClr val="accent4">
+              <a:shade val="50000"/>
+            </a:schemeClr>
+          </a:lnRef>
+          <a:fillRef idx="1">
+            <a:schemeClr val="accent4"/>
+          </a:fillRef>
+          <a:effectRef idx="0">
+            <a:schemeClr val="accent4"/>
+          </a:effectRef>
+          <a:fontRef idx="minor">
+            <a:schemeClr val="lt1"/>
+          </a:fontRef>
+        </p:style>
+        <p:txBody>
+          <a:bodyPr rtlCol="0" anchor="ctr"/>
+          <a:lstStyle/>
+          <a:p>
+            <a:pPr algn="ctr"/>
+            <a:r>
+              <a:rPr lang="en-US" altLang="zh-CN">
+                <a:solidFill>
+                  <a:schemeClr val="tx1"/>
+                </a:solidFill>
+              </a:rPr>
+              <a:t>10</a:t>
+            </a:r>
+            <a:endParaRPr lang="zh-CN" altLang="en-US">
+              <a:solidFill>
+                <a:schemeClr val="tx1"/>
+              </a:solidFill>
+            </a:endParaRPr>
+          </a:p>
+        </p:txBody>
+      </p:sp>
+      <p:sp>
+        <p:nvSpPr>
+          <p:cNvPr id="5" name="矩形 4">
+            <a:extLst>
+              <a:ext uri="{FF2B5EF4-FFF2-40B4-BE49-F238E27FC236}">
+                <a16:creationId xmlns:a16="http://schemas.microsoft.com/office/drawing/2014/main" id="{CC55C205-E3FF-45CF-9936-54E8C6ADA54C}"/>
+              </a:ext>
+            </a:extLst>
+          </p:cNvPr>
+          <p:cNvSpPr/>
+          <p:nvPr/>
+        </p:nvSpPr>
+        <p:spPr>
+          <a:xfrm>
+            <a:off x="910898" y="1878985"/>
+            <a:ext cx="1441816" cy="568171"/>
+          </a:xfrm>
+          <a:prstGeom prst="rect">
+            <a:avLst/>
+          </a:prstGeom>
+        </p:spPr>
+        <p:style>
+          <a:lnRef idx="2">
+            <a:schemeClr val="accent4">
+              <a:shade val="50000"/>
+            </a:schemeClr>
+          </a:lnRef>
+          <a:fillRef idx="1">
+            <a:schemeClr val="accent4"/>
+          </a:fillRef>
+          <a:effectRef idx="0">
+            <a:schemeClr val="accent4"/>
+          </a:effectRef>
+          <a:fontRef idx="minor">
+            <a:schemeClr val="lt1"/>
+          </a:fontRef>
+        </p:style>
+        <p:txBody>
+          <a:bodyPr rtlCol="0" anchor="ctr"/>
+          <a:lstStyle/>
+          <a:p>
+            <a:pPr algn="ctr"/>
+            <a:r>
+              <a:rPr lang="en-US" altLang="zh-CN">
+                <a:solidFill>
+                  <a:schemeClr val="tx1"/>
+                </a:solidFill>
+              </a:rPr>
+              <a:t>Old_num</a:t>
+            </a:r>
+            <a:endParaRPr lang="zh-CN" altLang="en-US">
+              <a:solidFill>
+                <a:schemeClr val="tx1"/>
+              </a:solidFill>
+            </a:endParaRPr>
+          </a:p>
+        </p:txBody>
+      </p:sp>
+      <p:sp>
+        <p:nvSpPr>
+          <p:cNvPr id="6" name="矩形 5">
+            <a:extLst>
+              <a:ext uri="{FF2B5EF4-FFF2-40B4-BE49-F238E27FC236}">
+                <a16:creationId xmlns:a16="http://schemas.microsoft.com/office/drawing/2014/main" id="{996DA585-1D82-4897-AD94-6FA369AC8E02}"/>
+              </a:ext>
+            </a:extLst>
+          </p:cNvPr>
+          <p:cNvSpPr/>
+          <p:nvPr/>
+        </p:nvSpPr>
+        <p:spPr>
+          <a:xfrm>
+            <a:off x="2530134" y="914399"/>
+            <a:ext cx="568171" cy="568171"/>
+          </a:xfrm>
+          <a:prstGeom prst="rect">
+            <a:avLst/>
+          </a:prstGeom>
+        </p:spPr>
+        <p:style>
+          <a:lnRef idx="2">
+            <a:schemeClr val="accent4">
+              <a:shade val="50000"/>
+            </a:schemeClr>
+          </a:lnRef>
+          <a:fillRef idx="1">
+            <a:schemeClr val="accent4"/>
+          </a:fillRef>
+          <a:effectRef idx="0">
+            <a:schemeClr val="accent4"/>
+          </a:effectRef>
+          <a:fontRef idx="minor">
+            <a:schemeClr val="lt1"/>
+          </a:fontRef>
+        </p:style>
+        <p:txBody>
+          <a:bodyPr rtlCol="0" anchor="ctr"/>
+          <a:lstStyle/>
+          <a:p>
+            <a:pPr algn="ctr"/>
+            <a:r>
+              <a:rPr lang="en-US" altLang="zh-CN">
+                <a:solidFill>
+                  <a:schemeClr val="tx1"/>
+                </a:solidFill>
+              </a:rPr>
+              <a:t>-30</a:t>
+            </a:r>
+            <a:endParaRPr lang="zh-CN" altLang="en-US">
+              <a:solidFill>
+                <a:schemeClr val="tx1"/>
+              </a:solidFill>
+            </a:endParaRPr>
+          </a:p>
+        </p:txBody>
+      </p:sp>
+      <p:sp>
+        <p:nvSpPr>
+          <p:cNvPr id="7" name="矩形 6">
+            <a:extLst>
+              <a:ext uri="{FF2B5EF4-FFF2-40B4-BE49-F238E27FC236}">
+                <a16:creationId xmlns:a16="http://schemas.microsoft.com/office/drawing/2014/main" id="{953B9434-8ECA-4C38-A9A7-3AAF7E519A1D}"/>
+              </a:ext>
+            </a:extLst>
+          </p:cNvPr>
+          <p:cNvSpPr/>
+          <p:nvPr/>
+        </p:nvSpPr>
+        <p:spPr>
+          <a:xfrm>
+            <a:off x="3737497" y="914398"/>
+            <a:ext cx="568171" cy="568171"/>
+          </a:xfrm>
+          <a:prstGeom prst="rect">
+            <a:avLst/>
+          </a:prstGeom>
+        </p:spPr>
+        <p:style>
+          <a:lnRef idx="2">
+            <a:schemeClr val="accent4">
+              <a:shade val="50000"/>
+            </a:schemeClr>
+          </a:lnRef>
+          <a:fillRef idx="1">
+            <a:schemeClr val="accent4"/>
+          </a:fillRef>
+          <a:effectRef idx="0">
+            <a:schemeClr val="accent4"/>
+          </a:effectRef>
+          <a:fontRef idx="minor">
+            <a:schemeClr val="lt1"/>
+          </a:fontRef>
+        </p:style>
+        <p:txBody>
+          <a:bodyPr rtlCol="0" anchor="ctr"/>
+          <a:lstStyle/>
+          <a:p>
+            <a:pPr algn="ctr"/>
+            <a:r>
+              <a:rPr lang="en-US" altLang="zh-CN">
+                <a:solidFill>
+                  <a:schemeClr val="tx1"/>
+                </a:solidFill>
+              </a:rPr>
+              <a:t>15</a:t>
+            </a:r>
+            <a:endParaRPr lang="zh-CN" altLang="en-US">
+              <a:solidFill>
+                <a:schemeClr val="tx1"/>
+              </a:solidFill>
+            </a:endParaRPr>
+          </a:p>
+        </p:txBody>
+      </p:sp>
+      <p:sp>
+        <p:nvSpPr>
+          <p:cNvPr id="8" name="矩形 7">
+            <a:extLst>
+              <a:ext uri="{FF2B5EF4-FFF2-40B4-BE49-F238E27FC236}">
+                <a16:creationId xmlns:a16="http://schemas.microsoft.com/office/drawing/2014/main" id="{9EEE1E24-F391-403F-B4E5-CEB20DD98A28}"/>
+              </a:ext>
+            </a:extLst>
+          </p:cNvPr>
+          <p:cNvSpPr/>
+          <p:nvPr/>
+        </p:nvSpPr>
+        <p:spPr>
+          <a:xfrm>
+            <a:off x="1631806" y="3831864"/>
+            <a:ext cx="568171" cy="568171"/>
+          </a:xfrm>
+          <a:prstGeom prst="rect">
+            <a:avLst/>
+          </a:prstGeom>
+        </p:spPr>
+        <p:style>
+          <a:lnRef idx="2">
+            <a:schemeClr val="accent3">
+              <a:shade val="50000"/>
+            </a:schemeClr>
+          </a:lnRef>
+          <a:fillRef idx="1">
+            <a:schemeClr val="accent3"/>
+          </a:fillRef>
+          <a:effectRef idx="0">
+            <a:schemeClr val="accent3"/>
+          </a:effectRef>
+          <a:fontRef idx="minor">
+            <a:schemeClr val="lt1"/>
+          </a:fontRef>
+        </p:style>
+        <p:txBody>
+          <a:bodyPr rtlCol="0" anchor="ctr"/>
+          <a:lstStyle/>
+          <a:p>
+            <a:pPr algn="ctr"/>
+            <a:r>
+              <a:rPr lang="en-US" altLang="zh-CN">
+                <a:solidFill>
+                  <a:schemeClr val="tx1"/>
+                </a:solidFill>
+              </a:rPr>
+              <a:t>10</a:t>
+            </a:r>
+            <a:endParaRPr lang="zh-CN" altLang="en-US">
+              <a:solidFill>
+                <a:schemeClr val="tx1"/>
+              </a:solidFill>
+            </a:endParaRPr>
+          </a:p>
+        </p:txBody>
+      </p:sp>
+      <p:sp>
+        <p:nvSpPr>
+          <p:cNvPr id="9" name="矩形 8">
+            <a:extLst>
+              <a:ext uri="{FF2B5EF4-FFF2-40B4-BE49-F238E27FC236}">
+                <a16:creationId xmlns:a16="http://schemas.microsoft.com/office/drawing/2014/main" id="{AC531A66-69BD-4583-9DF4-0D6413AB9723}"/>
+              </a:ext>
+            </a:extLst>
+          </p:cNvPr>
+          <p:cNvSpPr/>
+          <p:nvPr/>
+        </p:nvSpPr>
+        <p:spPr>
+          <a:xfrm>
+            <a:off x="115408" y="550416"/>
+            <a:ext cx="4829452" cy="1216240"/>
+          </a:xfrm>
+          <a:prstGeom prst="rect">
+            <a:avLst/>
+          </a:prstGeom>
+          <a:noFill/>
+          <a:ln>
+            <a:solidFill>
+              <a:schemeClr val="tx1"/>
+            </a:solidFill>
+          </a:ln>
+        </p:spPr>
+        <p:style>
+          <a:lnRef idx="2">
+            <a:schemeClr val="accent1">
+              <a:shade val="50000"/>
+            </a:schemeClr>
+          </a:lnRef>
+          <a:fillRef idx="1">
+            <a:schemeClr val="accent1"/>
+          </a:fillRef>
+          <a:effectRef idx="0">
+            <a:schemeClr val="accent1"/>
+          </a:effectRef>
+          <a:fontRef idx="minor">
+            <a:schemeClr val="lt1"/>
+          </a:fontRef>
+        </p:style>
+        <p:txBody>
+          <a:bodyPr rtlCol="0" anchor="ctr"/>
+          <a:lstStyle/>
+          <a:p>
+            <a:pPr algn="ctr"/>
+            <a:endParaRPr lang="zh-CN" altLang="en-US"/>
+          </a:p>
+        </p:txBody>
+      </p:sp>
+      <p:sp>
+        <p:nvSpPr>
+          <p:cNvPr id="10" name="矩形 9">
+            <a:extLst>
+              <a:ext uri="{FF2B5EF4-FFF2-40B4-BE49-F238E27FC236}">
+                <a16:creationId xmlns:a16="http://schemas.microsoft.com/office/drawing/2014/main" id="{2DEE2B68-EEF3-4139-95A1-BD2146832161}"/>
+              </a:ext>
+            </a:extLst>
+          </p:cNvPr>
+          <p:cNvSpPr/>
+          <p:nvPr/>
+        </p:nvSpPr>
+        <p:spPr>
+          <a:xfrm>
+            <a:off x="264848" y="3526685"/>
+            <a:ext cx="4829452" cy="1216240"/>
+          </a:xfrm>
+          <a:prstGeom prst="rect">
+            <a:avLst/>
+          </a:prstGeom>
+          <a:noFill/>
+          <a:ln>
+            <a:solidFill>
+              <a:schemeClr val="tx1"/>
+            </a:solidFill>
+          </a:ln>
+        </p:spPr>
+        <p:style>
+          <a:lnRef idx="2">
+            <a:schemeClr val="accent1">
+              <a:shade val="50000"/>
+            </a:schemeClr>
+          </a:lnRef>
+          <a:fillRef idx="1">
+            <a:schemeClr val="accent1"/>
+          </a:fillRef>
+          <a:effectRef idx="0">
+            <a:schemeClr val="accent1"/>
+          </a:effectRef>
+          <a:fontRef idx="minor">
+            <a:schemeClr val="lt1"/>
+          </a:fontRef>
+        </p:style>
+        <p:txBody>
+          <a:bodyPr rtlCol="0" anchor="ctr"/>
+          <a:lstStyle/>
+          <a:p>
+            <a:pPr algn="ctr"/>
+            <a:endParaRPr lang="zh-CN" altLang="en-US"/>
+          </a:p>
+        </p:txBody>
+      </p:sp>
+      <p:sp>
+        <p:nvSpPr>
+          <p:cNvPr id="15" name="文本框 14">
+            <a:extLst>
+              <a:ext uri="{FF2B5EF4-FFF2-40B4-BE49-F238E27FC236}">
+                <a16:creationId xmlns:a16="http://schemas.microsoft.com/office/drawing/2014/main" id="{44880A0D-BA57-4D4A-A020-D4326EE02437}"/>
+              </a:ext>
+            </a:extLst>
+          </p:cNvPr>
+          <p:cNvSpPr txBox="1"/>
+          <p:nvPr/>
+        </p:nvSpPr>
+        <p:spPr>
+          <a:xfrm>
+            <a:off x="5647677" y="726654"/>
+            <a:ext cx="4181376" cy="369332"/>
+          </a:xfrm>
+          <a:prstGeom prst="rect">
+            <a:avLst/>
+          </a:prstGeom>
+          <a:noFill/>
+        </p:spPr>
+        <p:txBody>
+          <a:bodyPr wrap="square" rtlCol="0">
+            <a:spAutoFit/>
+          </a:bodyPr>
+          <a:lstStyle/>
+          <a:p>
+            <a:r>
+              <a:rPr lang="zh-CN" altLang="en-US"/>
+              <a:t>旧序列，从</a:t>
+            </a:r>
+            <a:r>
+              <a:rPr lang="en-US" altLang="zh-CN"/>
+              <a:t>2</a:t>
+            </a:r>
+            <a:r>
+              <a:rPr lang="zh-CN" altLang="en-US"/>
+              <a:t>开始遍历到</a:t>
+            </a:r>
+            <a:r>
+              <a:rPr lang="en-US" altLang="zh-CN"/>
+              <a:t>N</a:t>
+            </a:r>
+            <a:endParaRPr lang="en-US" altLang="zh-CN" dirty="0"/>
+          </a:p>
+        </p:txBody>
+      </p:sp>
+      <p:sp>
+        <p:nvSpPr>
+          <p:cNvPr id="16" name="文本框 15">
+            <a:extLst>
+              <a:ext uri="{FF2B5EF4-FFF2-40B4-BE49-F238E27FC236}">
+                <a16:creationId xmlns:a16="http://schemas.microsoft.com/office/drawing/2014/main" id="{D5A1BED2-329C-42C1-A71D-94CE409B79E0}"/>
+              </a:ext>
+            </a:extLst>
+          </p:cNvPr>
+          <p:cNvSpPr txBox="1"/>
+          <p:nvPr/>
+        </p:nvSpPr>
+        <p:spPr>
+          <a:xfrm>
+            <a:off x="5647677" y="1978405"/>
+            <a:ext cx="4712564" cy="369332"/>
+          </a:xfrm>
+          <a:prstGeom prst="rect">
+            <a:avLst/>
+          </a:prstGeom>
+          <a:noFill/>
+        </p:spPr>
+        <p:txBody>
+          <a:bodyPr wrap="square" rtlCol="0">
+            <a:spAutoFit/>
+          </a:bodyPr>
+          <a:lstStyle/>
+          <a:p>
+            <a:r>
+              <a:rPr lang="zh-CN" altLang="en-US"/>
+              <a:t>新序列，从</a:t>
+            </a:r>
+            <a:r>
+              <a:rPr lang="en-US" altLang="zh-CN"/>
+              <a:t>N</a:t>
+            </a:r>
+            <a:r>
+              <a:rPr lang="zh-CN" altLang="en-US"/>
+              <a:t>开始遍历到直到比他小的数前面</a:t>
+            </a:r>
+            <a:endParaRPr lang="en-US" altLang="zh-CN" dirty="0"/>
+          </a:p>
+        </p:txBody>
+      </p:sp>
+      <p:sp>
+        <p:nvSpPr>
+          <p:cNvPr id="17" name="矩形 16">
+            <a:extLst>
+              <a:ext uri="{FF2B5EF4-FFF2-40B4-BE49-F238E27FC236}">
+                <a16:creationId xmlns:a16="http://schemas.microsoft.com/office/drawing/2014/main" id="{DBAF723E-3490-4A97-A1DA-C3B5D21EAECC}"/>
+              </a:ext>
+            </a:extLst>
+          </p:cNvPr>
+          <p:cNvSpPr/>
+          <p:nvPr/>
+        </p:nvSpPr>
+        <p:spPr>
+          <a:xfrm>
+            <a:off x="1404150" y="1020252"/>
+            <a:ext cx="568171" cy="568171"/>
+          </a:xfrm>
+          <a:prstGeom prst="rect">
+            <a:avLst/>
+          </a:prstGeom>
+        </p:spPr>
+        <p:style>
+          <a:lnRef idx="2">
+            <a:schemeClr val="accent4">
+              <a:shade val="50000"/>
+            </a:schemeClr>
+          </a:lnRef>
+          <a:fillRef idx="1">
+            <a:schemeClr val="accent4"/>
+          </a:fillRef>
+          <a:effectRef idx="0">
+            <a:schemeClr val="accent4"/>
+          </a:effectRef>
+          <a:fontRef idx="minor">
+            <a:schemeClr val="lt1"/>
+          </a:fontRef>
+        </p:style>
+        <p:txBody>
+          <a:bodyPr rtlCol="0" anchor="ctr"/>
+          <a:lstStyle/>
+          <a:p>
+            <a:pPr algn="ctr"/>
+            <a:r>
+              <a:rPr lang="en-US" altLang="zh-CN">
+                <a:solidFill>
+                  <a:schemeClr val="tx1"/>
+                </a:solidFill>
+              </a:rPr>
+              <a:t>20</a:t>
+            </a:r>
+            <a:endParaRPr lang="zh-CN" altLang="en-US">
+              <a:solidFill>
+                <a:schemeClr val="tx1"/>
+              </a:solidFill>
+            </a:endParaRPr>
+          </a:p>
+        </p:txBody>
+      </p:sp>
+      <p:sp>
+        <p:nvSpPr>
+          <p:cNvPr id="18" name="矩形 17">
+            <a:extLst>
+              <a:ext uri="{FF2B5EF4-FFF2-40B4-BE49-F238E27FC236}">
+                <a16:creationId xmlns:a16="http://schemas.microsoft.com/office/drawing/2014/main" id="{D68A7775-C186-4779-AE86-5A25131C527C}"/>
+              </a:ext>
+            </a:extLst>
+          </p:cNvPr>
+          <p:cNvSpPr/>
+          <p:nvPr/>
+        </p:nvSpPr>
+        <p:spPr>
+          <a:xfrm>
+            <a:off x="2530133" y="1887741"/>
+            <a:ext cx="3117543" cy="568171"/>
+          </a:xfrm>
+          <a:prstGeom prst="rect">
+            <a:avLst/>
+          </a:prstGeom>
+        </p:spPr>
+        <p:style>
+          <a:lnRef idx="2">
+            <a:schemeClr val="accent3">
+              <a:shade val="50000"/>
+            </a:schemeClr>
+          </a:lnRef>
+          <a:fillRef idx="1">
+            <a:schemeClr val="accent3"/>
+          </a:fillRef>
+          <a:effectRef idx="0">
+            <a:schemeClr val="accent3"/>
+          </a:effectRef>
+          <a:fontRef idx="minor">
+            <a:schemeClr val="lt1"/>
+          </a:fontRef>
+        </p:style>
+        <p:txBody>
+          <a:bodyPr rtlCol="0" anchor="ctr"/>
+          <a:lstStyle/>
+          <a:p>
+            <a:pPr algn="ctr"/>
+            <a:r>
+              <a:rPr lang="en-US" altLang="zh-CN">
+                <a:solidFill>
+                  <a:schemeClr val="tx1"/>
+                </a:solidFill>
+              </a:rPr>
+              <a:t>New_list[new],new=0</a:t>
+            </a:r>
+            <a:endParaRPr lang="zh-CN" altLang="en-US">
+              <a:solidFill>
+                <a:schemeClr val="tx1"/>
+              </a:solidFill>
+            </a:endParaRPr>
+          </a:p>
+        </p:txBody>
+      </p:sp>
+      <p:sp>
+        <p:nvSpPr>
+          <p:cNvPr id="19" name="矩形 18">
+            <a:extLst>
+              <a:ext uri="{FF2B5EF4-FFF2-40B4-BE49-F238E27FC236}">
+                <a16:creationId xmlns:a16="http://schemas.microsoft.com/office/drawing/2014/main" id="{F6DAC9F8-4E7B-477B-815B-D8779D1AEDB4}"/>
+              </a:ext>
+            </a:extLst>
+          </p:cNvPr>
+          <p:cNvSpPr/>
+          <p:nvPr/>
+        </p:nvSpPr>
+        <p:spPr>
+          <a:xfrm>
+            <a:off x="2613730" y="3845873"/>
+            <a:ext cx="568171" cy="568171"/>
+          </a:xfrm>
+          <a:prstGeom prst="rect">
+            <a:avLst/>
+          </a:prstGeom>
+        </p:spPr>
+        <p:style>
+          <a:lnRef idx="2">
+            <a:schemeClr val="accent3">
+              <a:shade val="50000"/>
+            </a:schemeClr>
+          </a:lnRef>
+          <a:fillRef idx="1">
+            <a:schemeClr val="accent3"/>
+          </a:fillRef>
+          <a:effectRef idx="0">
+            <a:schemeClr val="accent3"/>
+          </a:effectRef>
+          <a:fontRef idx="minor">
+            <a:schemeClr val="lt1"/>
+          </a:fontRef>
+        </p:style>
+        <p:txBody>
+          <a:bodyPr rtlCol="0" anchor="ctr"/>
+          <a:lstStyle/>
+          <a:p>
+            <a:pPr algn="ctr"/>
+            <a:r>
+              <a:rPr lang="en-US" altLang="zh-CN">
+                <a:solidFill>
+                  <a:schemeClr val="tx1"/>
+                </a:solidFill>
+              </a:rPr>
+              <a:t>20</a:t>
+            </a:r>
+            <a:endParaRPr lang="zh-CN" altLang="en-US">
+              <a:solidFill>
+                <a:schemeClr val="tx1"/>
+              </a:solidFill>
+            </a:endParaRPr>
+          </a:p>
+        </p:txBody>
+      </p:sp>
+      <p:sp>
+        <p:nvSpPr>
+          <p:cNvPr id="26" name="矩形 25">
+            <a:extLst>
+              <a:ext uri="{FF2B5EF4-FFF2-40B4-BE49-F238E27FC236}">
+                <a16:creationId xmlns:a16="http://schemas.microsoft.com/office/drawing/2014/main" id="{C7851E16-80F4-4446-AF7E-9F824B7BD02A}"/>
+              </a:ext>
+            </a:extLst>
+          </p:cNvPr>
+          <p:cNvSpPr/>
+          <p:nvPr/>
+        </p:nvSpPr>
+        <p:spPr>
+          <a:xfrm>
+            <a:off x="584442" y="3831863"/>
+            <a:ext cx="568171" cy="568171"/>
+          </a:xfrm>
+          <a:prstGeom prst="rect">
+            <a:avLst/>
+          </a:prstGeom>
+        </p:spPr>
+        <p:style>
+          <a:lnRef idx="2">
+            <a:schemeClr val="accent3">
+              <a:shade val="50000"/>
+            </a:schemeClr>
+          </a:lnRef>
+          <a:fillRef idx="1">
+            <a:schemeClr val="accent3"/>
+          </a:fillRef>
+          <a:effectRef idx="0">
+            <a:schemeClr val="accent3"/>
+          </a:effectRef>
+          <a:fontRef idx="minor">
+            <a:schemeClr val="lt1"/>
+          </a:fontRef>
+        </p:style>
+        <p:txBody>
+          <a:bodyPr rtlCol="0" anchor="ctr"/>
+          <a:lstStyle/>
+          <a:p>
+            <a:pPr algn="ctr"/>
+            <a:r>
+              <a:rPr lang="en-US" altLang="zh-CN">
+                <a:solidFill>
+                  <a:schemeClr val="tx1"/>
+                </a:solidFill>
+              </a:rPr>
+              <a:t>-30</a:t>
+            </a:r>
+            <a:endParaRPr lang="zh-CN" altLang="en-US">
+              <a:solidFill>
+                <a:schemeClr val="tx1"/>
+              </a:solidFill>
+            </a:endParaRPr>
+          </a:p>
+        </p:txBody>
+      </p:sp>
+      <p:sp>
+        <p:nvSpPr>
+          <p:cNvPr id="28" name="矩形 27">
+            <a:extLst>
+              <a:ext uri="{FF2B5EF4-FFF2-40B4-BE49-F238E27FC236}">
+                <a16:creationId xmlns:a16="http://schemas.microsoft.com/office/drawing/2014/main" id="{406E1DBD-39D3-4FBF-842C-391F5D57A3CC}"/>
+              </a:ext>
+            </a:extLst>
+          </p:cNvPr>
+          <p:cNvSpPr/>
+          <p:nvPr/>
+        </p:nvSpPr>
+        <p:spPr>
+          <a:xfrm>
+            <a:off x="1191839" y="2603839"/>
+            <a:ext cx="568171" cy="568171"/>
+          </a:xfrm>
+          <a:prstGeom prst="rect">
+            <a:avLst/>
+          </a:prstGeom>
+        </p:spPr>
+        <p:style>
+          <a:lnRef idx="2">
+            <a:schemeClr val="accent4">
+              <a:shade val="50000"/>
+            </a:schemeClr>
+          </a:lnRef>
+          <a:fillRef idx="1">
+            <a:schemeClr val="accent4"/>
+          </a:fillRef>
+          <a:effectRef idx="0">
+            <a:schemeClr val="accent4"/>
+          </a:effectRef>
+          <a:fontRef idx="minor">
+            <a:schemeClr val="lt1"/>
+          </a:fontRef>
+        </p:style>
+        <p:txBody>
+          <a:bodyPr rtlCol="0" anchor="ctr"/>
+          <a:lstStyle/>
+          <a:p>
+            <a:pPr algn="ctr"/>
+            <a:r>
+              <a:rPr lang="en-US" altLang="zh-CN" sz="2000">
+                <a:solidFill>
+                  <a:schemeClr val="tx1"/>
+                </a:solidFill>
+              </a:rPr>
+              <a:t>0</a:t>
+            </a:r>
+            <a:endParaRPr lang="zh-CN" altLang="en-US" sz="2000">
+              <a:solidFill>
+                <a:schemeClr val="tx1"/>
+              </a:solidFill>
+            </a:endParaRPr>
+          </a:p>
+        </p:txBody>
+      </p:sp>
+    </p:spTree>
+    <p:extLst>
+      <p:ext uri="{BB962C8B-B14F-4D97-AF65-F5344CB8AC3E}">
+        <p14:creationId xmlns:p14="http://schemas.microsoft.com/office/powerpoint/2010/main" val="1710001620"/>
+      </p:ext>
+    </p:extLst>
+  </p:cSld>
+  <p:clrMapOvr>
+    <a:masterClrMapping/>
+  </p:clrMapOvr>
+</p:sld>
+</file>
+
 <file path=ppt/theme/theme1.xml><?xml version="1.0" encoding="utf-8"?>
 <a:theme xmlns:a="http://schemas.openxmlformats.org/drawingml/2006/main" name="Office 主题​​">
   <a:themeElements>

--- a/链表/数据结构可视化辅助理解，便于代码开发.pptx
+++ b/链表/数据结构可视化辅助理解，便于代码开发.pptx
@@ -10,6 +10,7 @@
     <p:sldId id="256" r:id="rId4"/>
     <p:sldId id="259" r:id="rId5"/>
     <p:sldId id="260" r:id="rId6"/>
+    <p:sldId id="261" r:id="rId7"/>
   </p:sldIdLst>
   <p:sldSz cx="12192000" cy="6858000"/>
   <p:notesSz cx="6858000" cy="9144000"/>
@@ -806,7 +807,38 @@
         <p:spPr/>
         <p:txBody>
           <a:bodyPr/>
-          <a:lstStyle/>
+          <a:lstStyle>
+            <a:lvl1pPr>
+              <a:defRPr baseline="0">
+                <a:latin typeface="Times New Roman" panose="02020603050405020304" pitchFamily="18" charset="0"/>
+                <a:ea typeface="微软雅黑" panose="020B0503020204020204" pitchFamily="34" charset="-122"/>
+              </a:defRPr>
+            </a:lvl1pPr>
+            <a:lvl2pPr>
+              <a:defRPr baseline="0">
+                <a:latin typeface="Times New Roman" panose="02020603050405020304" pitchFamily="18" charset="0"/>
+                <a:ea typeface="微软雅黑" panose="020B0503020204020204" pitchFamily="34" charset="-122"/>
+              </a:defRPr>
+            </a:lvl2pPr>
+            <a:lvl3pPr>
+              <a:defRPr baseline="0">
+                <a:latin typeface="Times New Roman" panose="02020603050405020304" pitchFamily="18" charset="0"/>
+                <a:ea typeface="微软雅黑" panose="020B0503020204020204" pitchFamily="34" charset="-122"/>
+              </a:defRPr>
+            </a:lvl3pPr>
+            <a:lvl4pPr>
+              <a:defRPr baseline="0">
+                <a:latin typeface="Times New Roman" panose="02020603050405020304" pitchFamily="18" charset="0"/>
+                <a:ea typeface="微软雅黑" panose="020B0503020204020204" pitchFamily="34" charset="-122"/>
+              </a:defRPr>
+            </a:lvl4pPr>
+            <a:lvl5pPr>
+              <a:defRPr baseline="0">
+                <a:latin typeface="Times New Roman" panose="02020603050405020304" pitchFamily="18" charset="0"/>
+                <a:ea typeface="微软雅黑" panose="020B0503020204020204" pitchFamily="34" charset="-122"/>
+              </a:defRPr>
+            </a:lvl5pPr>
+          </a:lstStyle>
           <a:p>
             <a:pPr lvl="0"/>
             <a:r>
@@ -9379,7 +9411,7 @@
         </p:nvSpPr>
         <p:spPr>
           <a:xfrm>
-            <a:off x="417248" y="914398"/>
+            <a:off x="186425" y="911320"/>
             <a:ext cx="568171" cy="568171"/>
           </a:xfrm>
           <a:prstGeom prst="rect">
@@ -9413,7 +9445,7 @@
                   <a:schemeClr val="tx1"/>
                 </a:solidFill>
               </a:rPr>
-              <a:t>10</a:t>
+              <a:t>14</a:t>
             </a:r>
             <a:endParaRPr lang="zh-CN" altLang="en-US">
               <a:solidFill>
@@ -9611,8 +9643,8 @@
         </p:nvSpPr>
         <p:spPr>
           <a:xfrm>
-            <a:off x="1631806" y="3831864"/>
-            <a:ext cx="568171" cy="568171"/>
+            <a:off x="1653596" y="4604921"/>
+            <a:ext cx="568171" cy="470018"/>
           </a:xfrm>
           <a:prstGeom prst="rect">
             <a:avLst/>
@@ -9644,6 +9676,8 @@
                 <a:solidFill>
                   <a:schemeClr val="tx1"/>
                 </a:solidFill>
+                <a:latin typeface="Times New Roman" panose="02020603050405020304" pitchFamily="18" charset="0"/>
+                <a:cs typeface="Times New Roman" panose="02020603050405020304" pitchFamily="18" charset="0"/>
               </a:rPr>
               <a:t>10</a:t>
             </a:r>
@@ -9651,6 +9685,8 @@
               <a:solidFill>
                 <a:schemeClr val="tx1"/>
               </a:solidFill>
+              <a:latin typeface="Times New Roman" panose="02020603050405020304" pitchFamily="18" charset="0"/>
+              <a:cs typeface="Times New Roman" panose="02020603050405020304" pitchFamily="18" charset="0"/>
             </a:endParaRPr>
           </a:p>
         </p:txBody>
@@ -9721,14 +9757,14 @@
         </p:nvSpPr>
         <p:spPr>
           <a:xfrm>
-            <a:off x="264848" y="3526685"/>
-            <a:ext cx="4829452" cy="1216240"/>
+            <a:off x="398013" y="4263532"/>
+            <a:ext cx="7964752" cy="1216240"/>
           </a:xfrm>
           <a:prstGeom prst="rect">
             <a:avLst/>
           </a:prstGeom>
           <a:noFill/>
-          <a:ln>
+          <a:ln w="19050">
             <a:solidFill>
               <a:schemeClr val="tx1"/>
             </a:solidFill>
@@ -9755,7 +9791,10 @@
           <a:lstStyle/>
           <a:p>
             <a:pPr algn="ctr"/>
-            <a:endParaRPr lang="zh-CN" altLang="en-US"/>
+            <a:endParaRPr lang="zh-CN" altLang="en-US">
+              <a:latin typeface="Times New Roman" panose="02020603050405020304" pitchFamily="18" charset="0"/>
+              <a:cs typeface="Times New Roman" panose="02020603050405020304" pitchFamily="18" charset="0"/>
+            </a:endParaRPr>
           </a:p>
         </p:txBody>
       </p:sp>
@@ -9865,7 +9904,7 @@
         </p:nvSpPr>
         <p:spPr>
           <a:xfrm>
-            <a:off x="1404150" y="1020252"/>
+            <a:off x="1109702" y="914398"/>
             <a:ext cx="568171" cy="568171"/>
           </a:xfrm>
           <a:prstGeom prst="rect">
@@ -9981,8 +10020,8 @@
         </p:nvSpPr>
         <p:spPr>
           <a:xfrm>
-            <a:off x="2613730" y="3845873"/>
-            <a:ext cx="568171" cy="568171"/>
+            <a:off x="2589585" y="4569854"/>
+            <a:ext cx="568171" cy="540152"/>
           </a:xfrm>
           <a:prstGeom prst="rect">
             <a:avLst/>
@@ -10014,6 +10053,8 @@
                 <a:solidFill>
                   <a:schemeClr val="tx1"/>
                 </a:solidFill>
+                <a:latin typeface="Times New Roman" panose="02020603050405020304" pitchFamily="18" charset="0"/>
+                <a:cs typeface="Times New Roman" panose="02020603050405020304" pitchFamily="18" charset="0"/>
               </a:rPr>
               <a:t>20</a:t>
             </a:r>
@@ -10021,6 +10062,8 @@
               <a:solidFill>
                 <a:schemeClr val="tx1"/>
               </a:solidFill>
+              <a:latin typeface="Times New Roman" panose="02020603050405020304" pitchFamily="18" charset="0"/>
+              <a:cs typeface="Times New Roman" panose="02020603050405020304" pitchFamily="18" charset="0"/>
             </a:endParaRPr>
           </a:p>
         </p:txBody>
@@ -10039,7 +10082,7 @@
         </p:nvSpPr>
         <p:spPr>
           <a:xfrm>
-            <a:off x="584442" y="3831863"/>
+            <a:off x="717607" y="4555845"/>
             <a:ext cx="568171" cy="568171"/>
           </a:xfrm>
           <a:prstGeom prst="rect">
@@ -10072,6 +10115,8 @@
                 <a:solidFill>
                   <a:schemeClr val="tx1"/>
                 </a:solidFill>
+                <a:latin typeface="Times New Roman" panose="02020603050405020304" pitchFamily="18" charset="0"/>
+                <a:cs typeface="Times New Roman" panose="02020603050405020304" pitchFamily="18" charset="0"/>
               </a:rPr>
               <a:t>-30</a:t>
             </a:r>
@@ -10079,6 +10124,8 @@
               <a:solidFill>
                 <a:schemeClr val="tx1"/>
               </a:solidFill>
+              <a:latin typeface="Times New Roman" panose="02020603050405020304" pitchFamily="18" charset="0"/>
+              <a:cs typeface="Times New Roman" panose="02020603050405020304" pitchFamily="18" charset="0"/>
             </a:endParaRPr>
           </a:p>
         </p:txBody>
@@ -10097,8 +10144,8 @@
         </p:nvSpPr>
         <p:spPr>
           <a:xfrm>
-            <a:off x="1191839" y="2603839"/>
-            <a:ext cx="568171" cy="568171"/>
+            <a:off x="6273141" y="3601081"/>
+            <a:ext cx="568171" cy="540763"/>
           </a:xfrm>
           <a:prstGeom prst="rect">
             <a:avLst/>
@@ -10130,14 +10177,1050 @@
                 <a:solidFill>
                   <a:schemeClr val="tx1"/>
                 </a:solidFill>
+                <a:latin typeface="Times New Roman" panose="02020603050405020304" pitchFamily="18" charset="0"/>
+                <a:cs typeface="Times New Roman" panose="02020603050405020304" pitchFamily="18" charset="0"/>
               </a:rPr>
-              <a:t>0</a:t>
+              <a:t>24</a:t>
             </a:r>
             <a:endParaRPr lang="zh-CN" altLang="en-US" sz="2000">
               <a:solidFill>
                 <a:schemeClr val="tx1"/>
               </a:solidFill>
+              <a:latin typeface="Times New Roman" panose="02020603050405020304" pitchFamily="18" charset="0"/>
+              <a:cs typeface="Times New Roman" panose="02020603050405020304" pitchFamily="18" charset="0"/>
             </a:endParaRPr>
+          </a:p>
+        </p:txBody>
+      </p:sp>
+      <p:sp>
+        <p:nvSpPr>
+          <p:cNvPr id="20" name="矩形 19">
+            <a:extLst>
+              <a:ext uri="{FF2B5EF4-FFF2-40B4-BE49-F238E27FC236}">
+                <a16:creationId xmlns:a16="http://schemas.microsoft.com/office/drawing/2014/main" id="{18457C01-7495-413D-8F5D-B99DF13C9E3C}"/>
+              </a:ext>
+            </a:extLst>
+          </p:cNvPr>
+          <p:cNvSpPr/>
+          <p:nvPr/>
+        </p:nvSpPr>
+        <p:spPr>
+          <a:xfrm>
+            <a:off x="5397552" y="4594555"/>
+            <a:ext cx="568171" cy="540152"/>
+          </a:xfrm>
+          <a:prstGeom prst="rect">
+            <a:avLst/>
+          </a:prstGeom>
+        </p:spPr>
+        <p:style>
+          <a:lnRef idx="2">
+            <a:schemeClr val="accent3">
+              <a:shade val="50000"/>
+            </a:schemeClr>
+          </a:lnRef>
+          <a:fillRef idx="1">
+            <a:schemeClr val="accent3"/>
+          </a:fillRef>
+          <a:effectRef idx="0">
+            <a:schemeClr val="accent3"/>
+          </a:effectRef>
+          <a:fontRef idx="minor">
+            <a:schemeClr val="lt1"/>
+          </a:fontRef>
+        </p:style>
+        <p:txBody>
+          <a:bodyPr rtlCol="0" anchor="ctr"/>
+          <a:lstStyle/>
+          <a:p>
+            <a:pPr algn="ctr"/>
+            <a:r>
+              <a:rPr lang="en-US" altLang="zh-CN">
+                <a:solidFill>
+                  <a:schemeClr val="tx1"/>
+                </a:solidFill>
+                <a:latin typeface="Times New Roman" panose="02020603050405020304" pitchFamily="18" charset="0"/>
+                <a:cs typeface="Times New Roman" panose="02020603050405020304" pitchFamily="18" charset="0"/>
+              </a:rPr>
+              <a:t>25</a:t>
+            </a:r>
+            <a:endParaRPr lang="zh-CN" altLang="en-US">
+              <a:solidFill>
+                <a:schemeClr val="tx1"/>
+              </a:solidFill>
+              <a:latin typeface="Times New Roman" panose="02020603050405020304" pitchFamily="18" charset="0"/>
+              <a:cs typeface="Times New Roman" panose="02020603050405020304" pitchFamily="18" charset="0"/>
+            </a:endParaRPr>
+          </a:p>
+        </p:txBody>
+      </p:sp>
+      <p:sp>
+        <p:nvSpPr>
+          <p:cNvPr id="21" name="矩形 20">
+            <a:extLst>
+              <a:ext uri="{FF2B5EF4-FFF2-40B4-BE49-F238E27FC236}">
+                <a16:creationId xmlns:a16="http://schemas.microsoft.com/office/drawing/2014/main" id="{37F5CD25-C06C-4238-B334-42A0730BF5F6}"/>
+              </a:ext>
+            </a:extLst>
+          </p:cNvPr>
+          <p:cNvSpPr/>
+          <p:nvPr/>
+        </p:nvSpPr>
+        <p:spPr>
+          <a:xfrm>
+            <a:off x="6333541" y="4574537"/>
+            <a:ext cx="568171" cy="540152"/>
+          </a:xfrm>
+          <a:prstGeom prst="rect">
+            <a:avLst/>
+          </a:prstGeom>
+        </p:spPr>
+        <p:style>
+          <a:lnRef idx="2">
+            <a:schemeClr val="accent3">
+              <a:shade val="50000"/>
+            </a:schemeClr>
+          </a:lnRef>
+          <a:fillRef idx="1">
+            <a:schemeClr val="accent3"/>
+          </a:fillRef>
+          <a:effectRef idx="0">
+            <a:schemeClr val="accent3"/>
+          </a:effectRef>
+          <a:fontRef idx="minor">
+            <a:schemeClr val="lt1"/>
+          </a:fontRef>
+        </p:style>
+        <p:txBody>
+          <a:bodyPr rtlCol="0" anchor="ctr"/>
+          <a:lstStyle/>
+          <a:p>
+            <a:pPr algn="ctr"/>
+            <a:r>
+              <a:rPr lang="en-US" altLang="zh-CN">
+                <a:solidFill>
+                  <a:schemeClr val="tx1"/>
+                </a:solidFill>
+                <a:latin typeface="Times New Roman" panose="02020603050405020304" pitchFamily="18" charset="0"/>
+                <a:cs typeface="Times New Roman" panose="02020603050405020304" pitchFamily="18" charset="0"/>
+              </a:rPr>
+              <a:t>34</a:t>
+            </a:r>
+            <a:endParaRPr lang="zh-CN" altLang="en-US">
+              <a:solidFill>
+                <a:schemeClr val="tx1"/>
+              </a:solidFill>
+              <a:latin typeface="Times New Roman" panose="02020603050405020304" pitchFamily="18" charset="0"/>
+              <a:cs typeface="Times New Roman" panose="02020603050405020304" pitchFamily="18" charset="0"/>
+            </a:endParaRPr>
+          </a:p>
+        </p:txBody>
+      </p:sp>
+      <p:sp>
+        <p:nvSpPr>
+          <p:cNvPr id="23" name="矩形 22">
+            <a:extLst>
+              <a:ext uri="{FF2B5EF4-FFF2-40B4-BE49-F238E27FC236}">
+                <a16:creationId xmlns:a16="http://schemas.microsoft.com/office/drawing/2014/main" id="{09C40E8E-99CE-4AD7-8CB1-9538AB1E56CC}"/>
+              </a:ext>
+            </a:extLst>
+          </p:cNvPr>
+          <p:cNvSpPr/>
+          <p:nvPr/>
+        </p:nvSpPr>
+        <p:spPr>
+          <a:xfrm>
+            <a:off x="7269531" y="4574537"/>
+            <a:ext cx="568171" cy="540152"/>
+          </a:xfrm>
+          <a:prstGeom prst="rect">
+            <a:avLst/>
+          </a:prstGeom>
+        </p:spPr>
+        <p:style>
+          <a:lnRef idx="2">
+            <a:schemeClr val="accent3">
+              <a:shade val="50000"/>
+            </a:schemeClr>
+          </a:lnRef>
+          <a:fillRef idx="1">
+            <a:schemeClr val="accent3"/>
+          </a:fillRef>
+          <a:effectRef idx="0">
+            <a:schemeClr val="accent3"/>
+          </a:effectRef>
+          <a:fontRef idx="minor">
+            <a:schemeClr val="lt1"/>
+          </a:fontRef>
+        </p:style>
+        <p:txBody>
+          <a:bodyPr rtlCol="0" anchor="ctr"/>
+          <a:lstStyle/>
+          <a:p>
+            <a:pPr algn="ctr"/>
+            <a:r>
+              <a:rPr lang="en-US" altLang="zh-CN">
+                <a:solidFill>
+                  <a:schemeClr val="tx1"/>
+                </a:solidFill>
+                <a:latin typeface="Times New Roman" panose="02020603050405020304" pitchFamily="18" charset="0"/>
+                <a:cs typeface="Times New Roman" panose="02020603050405020304" pitchFamily="18" charset="0"/>
+              </a:rPr>
+              <a:t>64</a:t>
+            </a:r>
+            <a:endParaRPr lang="zh-CN" altLang="en-US">
+              <a:solidFill>
+                <a:schemeClr val="tx1"/>
+              </a:solidFill>
+              <a:latin typeface="Times New Roman" panose="02020603050405020304" pitchFamily="18" charset="0"/>
+              <a:cs typeface="Times New Roman" panose="02020603050405020304" pitchFamily="18" charset="0"/>
+            </a:endParaRPr>
+          </a:p>
+        </p:txBody>
+      </p:sp>
+      <p:cxnSp>
+        <p:nvCxnSpPr>
+          <p:cNvPr id="3" name="直接连接符 2">
+            <a:extLst>
+              <a:ext uri="{FF2B5EF4-FFF2-40B4-BE49-F238E27FC236}">
+                <a16:creationId xmlns:a16="http://schemas.microsoft.com/office/drawing/2014/main" id="{F2DDDAF0-92F5-4DA8-A52F-D43067A0034F}"/>
+              </a:ext>
+            </a:extLst>
+          </p:cNvPr>
+          <p:cNvCxnSpPr/>
+          <p:nvPr/>
+        </p:nvCxnSpPr>
+        <p:spPr>
+          <a:xfrm>
+            <a:off x="4264165" y="3362447"/>
+            <a:ext cx="0" cy="3018407"/>
+          </a:xfrm>
+          <a:prstGeom prst="line">
+            <a:avLst/>
+          </a:prstGeom>
+          <a:ln w="28575">
+            <a:prstDash val="lgDash"/>
+          </a:ln>
+        </p:spPr>
+        <p:style>
+          <a:lnRef idx="3">
+            <a:schemeClr val="accent1"/>
+          </a:lnRef>
+          <a:fillRef idx="0">
+            <a:schemeClr val="accent1"/>
+          </a:fillRef>
+          <a:effectRef idx="2">
+            <a:schemeClr val="accent1"/>
+          </a:effectRef>
+          <a:fontRef idx="minor">
+            <a:schemeClr val="tx1"/>
+          </a:fontRef>
+        </p:style>
+      </p:cxnSp>
+      <p:sp>
+        <p:nvSpPr>
+          <p:cNvPr id="24" name="矩形 23">
+            <a:extLst>
+              <a:ext uri="{FF2B5EF4-FFF2-40B4-BE49-F238E27FC236}">
+                <a16:creationId xmlns:a16="http://schemas.microsoft.com/office/drawing/2014/main" id="{97C85589-BDC6-445C-977C-F427C1DD94C9}"/>
+              </a:ext>
+            </a:extLst>
+          </p:cNvPr>
+          <p:cNvSpPr/>
+          <p:nvPr/>
+        </p:nvSpPr>
+        <p:spPr>
+          <a:xfrm>
+            <a:off x="6855826" y="2745380"/>
+            <a:ext cx="780024" cy="568171"/>
+          </a:xfrm>
+          <a:prstGeom prst="rect">
+            <a:avLst/>
+          </a:prstGeom>
+        </p:spPr>
+        <p:style>
+          <a:lnRef idx="2">
+            <a:schemeClr val="accent4">
+              <a:shade val="50000"/>
+            </a:schemeClr>
+          </a:lnRef>
+          <a:fillRef idx="1">
+            <a:schemeClr val="accent4"/>
+          </a:fillRef>
+          <a:effectRef idx="0">
+            <a:schemeClr val="accent4"/>
+          </a:effectRef>
+          <a:fontRef idx="minor">
+            <a:schemeClr val="lt1"/>
+          </a:fontRef>
+        </p:style>
+        <p:txBody>
+          <a:bodyPr rtlCol="0" anchor="ctr"/>
+          <a:lstStyle/>
+          <a:p>
+            <a:pPr algn="ctr"/>
+            <a:r>
+              <a:rPr lang="en-US" altLang="zh-CN">
+                <a:solidFill>
+                  <a:schemeClr val="tx1"/>
+                </a:solidFill>
+                <a:latin typeface="Times New Roman" panose="02020603050405020304" pitchFamily="18" charset="0"/>
+                <a:cs typeface="Times New Roman" panose="02020603050405020304" pitchFamily="18" charset="0"/>
+              </a:rPr>
+              <a:t>-112</a:t>
+            </a:r>
+            <a:endParaRPr lang="zh-CN" altLang="en-US">
+              <a:solidFill>
+                <a:schemeClr val="tx1"/>
+              </a:solidFill>
+              <a:latin typeface="Times New Roman" panose="02020603050405020304" pitchFamily="18" charset="0"/>
+              <a:cs typeface="Times New Roman" panose="02020603050405020304" pitchFamily="18" charset="0"/>
+            </a:endParaRPr>
+          </a:p>
+        </p:txBody>
+      </p:sp>
+      <p:cxnSp>
+        <p:nvCxnSpPr>
+          <p:cNvPr id="25" name="直接连接符 24">
+            <a:extLst>
+              <a:ext uri="{FF2B5EF4-FFF2-40B4-BE49-F238E27FC236}">
+                <a16:creationId xmlns:a16="http://schemas.microsoft.com/office/drawing/2014/main" id="{17850238-CA84-4B56-898B-A578D9686A7D}"/>
+              </a:ext>
+            </a:extLst>
+          </p:cNvPr>
+          <p:cNvCxnSpPr/>
+          <p:nvPr/>
+        </p:nvCxnSpPr>
+        <p:spPr>
+          <a:xfrm>
+            <a:off x="2485879" y="3362448"/>
+            <a:ext cx="0" cy="3018407"/>
+          </a:xfrm>
+          <a:prstGeom prst="line">
+            <a:avLst/>
+          </a:prstGeom>
+          <a:ln w="28575"/>
+        </p:spPr>
+        <p:style>
+          <a:lnRef idx="2">
+            <a:schemeClr val="accent2"/>
+          </a:lnRef>
+          <a:fillRef idx="0">
+            <a:schemeClr val="accent2"/>
+          </a:fillRef>
+          <a:effectRef idx="1">
+            <a:schemeClr val="accent2"/>
+          </a:effectRef>
+          <a:fontRef idx="minor">
+            <a:schemeClr val="tx1"/>
+          </a:fontRef>
+        </p:style>
+      </p:cxnSp>
+      <p:cxnSp>
+        <p:nvCxnSpPr>
+          <p:cNvPr id="27" name="直接连接符 26">
+            <a:extLst>
+              <a:ext uri="{FF2B5EF4-FFF2-40B4-BE49-F238E27FC236}">
+                <a16:creationId xmlns:a16="http://schemas.microsoft.com/office/drawing/2014/main" id="{157DB2E9-547F-45CA-8F4E-EC56E481E9DA}"/>
+              </a:ext>
+            </a:extLst>
+          </p:cNvPr>
+          <p:cNvCxnSpPr>
+            <a:cxnSpLocks/>
+          </p:cNvCxnSpPr>
+          <p:nvPr/>
+        </p:nvCxnSpPr>
+        <p:spPr>
+          <a:xfrm flipH="1">
+            <a:off x="115408" y="2752357"/>
+            <a:ext cx="11336786" cy="29009"/>
+          </a:xfrm>
+          <a:prstGeom prst="line">
+            <a:avLst/>
+          </a:prstGeom>
+          <a:ln w="38100">
+            <a:solidFill>
+              <a:srgbClr val="00B0F0"/>
+            </a:solidFill>
+            <a:prstDash val="lgDash"/>
+          </a:ln>
+        </p:spPr>
+        <p:style>
+          <a:lnRef idx="3">
+            <a:schemeClr val="dk1"/>
+          </a:lnRef>
+          <a:fillRef idx="0">
+            <a:schemeClr val="dk1"/>
+          </a:fillRef>
+          <a:effectRef idx="2">
+            <a:schemeClr val="dk1"/>
+          </a:effectRef>
+          <a:fontRef idx="minor">
+            <a:schemeClr val="tx1"/>
+          </a:fontRef>
+        </p:style>
+      </p:cxnSp>
+      <p:cxnSp>
+        <p:nvCxnSpPr>
+          <p:cNvPr id="29" name="直接连接符 28">
+            <a:extLst>
+              <a:ext uri="{FF2B5EF4-FFF2-40B4-BE49-F238E27FC236}">
+                <a16:creationId xmlns:a16="http://schemas.microsoft.com/office/drawing/2014/main" id="{8321F165-F269-4241-927C-D0ECABDECD01}"/>
+              </a:ext>
+            </a:extLst>
+          </p:cNvPr>
+          <p:cNvCxnSpPr/>
+          <p:nvPr/>
+        </p:nvCxnSpPr>
+        <p:spPr>
+          <a:xfrm>
+            <a:off x="7128900" y="3330726"/>
+            <a:ext cx="0" cy="3018407"/>
+          </a:xfrm>
+          <a:prstGeom prst="line">
+            <a:avLst/>
+          </a:prstGeom>
+          <a:ln w="28575"/>
+        </p:spPr>
+        <p:style>
+          <a:lnRef idx="2">
+            <a:schemeClr val="accent6"/>
+          </a:lnRef>
+          <a:fillRef idx="0">
+            <a:schemeClr val="accent6"/>
+          </a:fillRef>
+          <a:effectRef idx="1">
+            <a:schemeClr val="accent6"/>
+          </a:effectRef>
+          <a:fontRef idx="minor">
+            <a:schemeClr val="tx1"/>
+          </a:fontRef>
+        </p:style>
+      </p:cxnSp>
+      <p:cxnSp>
+        <p:nvCxnSpPr>
+          <p:cNvPr id="30" name="直接连接符 29">
+            <a:extLst>
+              <a:ext uri="{FF2B5EF4-FFF2-40B4-BE49-F238E27FC236}">
+                <a16:creationId xmlns:a16="http://schemas.microsoft.com/office/drawing/2014/main" id="{14D1E6C6-87A6-4B3E-A059-E307A30E7D6D}"/>
+              </a:ext>
+            </a:extLst>
+          </p:cNvPr>
+          <p:cNvCxnSpPr/>
+          <p:nvPr/>
+        </p:nvCxnSpPr>
+        <p:spPr>
+          <a:xfrm>
+            <a:off x="6045952" y="3362447"/>
+            <a:ext cx="0" cy="3018407"/>
+          </a:xfrm>
+          <a:prstGeom prst="line">
+            <a:avLst/>
+          </a:prstGeom>
+          <a:ln w="28575"/>
+        </p:spPr>
+        <p:style>
+          <a:lnRef idx="2">
+            <a:schemeClr val="accent6"/>
+          </a:lnRef>
+          <a:fillRef idx="0">
+            <a:schemeClr val="accent6"/>
+          </a:fillRef>
+          <a:effectRef idx="1">
+            <a:schemeClr val="accent6"/>
+          </a:effectRef>
+          <a:fontRef idx="minor">
+            <a:schemeClr val="tx1"/>
+          </a:fontRef>
+        </p:style>
+      </p:cxnSp>
+      <p:sp>
+        <p:nvSpPr>
+          <p:cNvPr id="31" name="文本框 30">
+            <a:extLst>
+              <a:ext uri="{FF2B5EF4-FFF2-40B4-BE49-F238E27FC236}">
+                <a16:creationId xmlns:a16="http://schemas.microsoft.com/office/drawing/2014/main" id="{3F9AA356-15DB-41A4-8961-500C0ED6D93E}"/>
+              </a:ext>
+            </a:extLst>
+          </p:cNvPr>
+          <p:cNvSpPr txBox="1"/>
+          <p:nvPr/>
+        </p:nvSpPr>
+        <p:spPr>
+          <a:xfrm>
+            <a:off x="5194916" y="131480"/>
+            <a:ext cx="4181376" cy="369332"/>
+          </a:xfrm>
+          <a:prstGeom prst="rect">
+            <a:avLst/>
+          </a:prstGeom>
+          <a:noFill/>
+        </p:spPr>
+        <p:txBody>
+          <a:bodyPr wrap="square" rtlCol="0">
+            <a:spAutoFit/>
+          </a:bodyPr>
+          <a:lstStyle/>
+          <a:p>
+            <a:r>
+              <a:rPr lang="zh-CN" altLang="en-US"/>
+              <a:t>直接法</a:t>
+            </a:r>
+            <a:endParaRPr lang="en-US" altLang="zh-CN" dirty="0"/>
+          </a:p>
+        </p:txBody>
+      </p:sp>
+      <p:sp>
+        <p:nvSpPr>
+          <p:cNvPr id="32" name="文本框 31">
+            <a:extLst>
+              <a:ext uri="{FF2B5EF4-FFF2-40B4-BE49-F238E27FC236}">
+                <a16:creationId xmlns:a16="http://schemas.microsoft.com/office/drawing/2014/main" id="{2EF0AC23-4C14-4B24-AFDC-23469DE68318}"/>
+              </a:ext>
+            </a:extLst>
+          </p:cNvPr>
+          <p:cNvSpPr txBox="1"/>
+          <p:nvPr/>
+        </p:nvSpPr>
+        <p:spPr>
+          <a:xfrm>
+            <a:off x="9522040" y="2993115"/>
+            <a:ext cx="1372329" cy="369332"/>
+          </a:xfrm>
+          <a:prstGeom prst="rect">
+            <a:avLst/>
+          </a:prstGeom>
+          <a:noFill/>
+        </p:spPr>
+        <p:txBody>
+          <a:bodyPr wrap="square" rtlCol="0">
+            <a:spAutoFit/>
+          </a:bodyPr>
+          <a:lstStyle/>
+          <a:p>
+            <a:r>
+              <a:rPr lang="zh-CN" altLang="en-US">
+                <a:latin typeface="Times New Roman" panose="02020603050405020304" pitchFamily="18" charset="0"/>
+                <a:ea typeface="微软雅黑" panose="020B0503020204020204" pitchFamily="34" charset="-122"/>
+                <a:cs typeface="Times New Roman" panose="02020603050405020304" pitchFamily="18" charset="0"/>
+              </a:rPr>
+              <a:t>二分搜索法</a:t>
+            </a:r>
+            <a:endParaRPr lang="en-US" altLang="zh-CN" dirty="0">
+              <a:latin typeface="Times New Roman" panose="02020603050405020304" pitchFamily="18" charset="0"/>
+              <a:ea typeface="微软雅黑" panose="020B0503020204020204" pitchFamily="34" charset="-122"/>
+              <a:cs typeface="Times New Roman" panose="02020603050405020304" pitchFamily="18" charset="0"/>
+            </a:endParaRPr>
+          </a:p>
+        </p:txBody>
+      </p:sp>
+      <p:sp>
+        <p:nvSpPr>
+          <p:cNvPr id="33" name="文本框 32">
+            <a:extLst>
+              <a:ext uri="{FF2B5EF4-FFF2-40B4-BE49-F238E27FC236}">
+                <a16:creationId xmlns:a16="http://schemas.microsoft.com/office/drawing/2014/main" id="{F992522F-7822-410C-B32D-4C80E2D8AF12}"/>
+              </a:ext>
+            </a:extLst>
+          </p:cNvPr>
+          <p:cNvSpPr txBox="1"/>
+          <p:nvPr/>
+        </p:nvSpPr>
+        <p:spPr>
+          <a:xfrm>
+            <a:off x="8627345" y="3508438"/>
+            <a:ext cx="2866005" cy="369332"/>
+          </a:xfrm>
+          <a:prstGeom prst="rect">
+            <a:avLst/>
+          </a:prstGeom>
+          <a:noFill/>
+        </p:spPr>
+        <p:txBody>
+          <a:bodyPr wrap="square" rtlCol="0">
+            <a:spAutoFit/>
+          </a:bodyPr>
+          <a:lstStyle/>
+          <a:p>
+            <a:r>
+              <a:rPr lang="zh-CN" altLang="en-US">
+                <a:latin typeface="Times New Roman" panose="02020603050405020304" pitchFamily="18" charset="0"/>
+                <a:ea typeface="微软雅黑" panose="020B0503020204020204" pitchFamily="34" charset="-122"/>
+                <a:cs typeface="Times New Roman" panose="02020603050405020304" pitchFamily="18" charset="0"/>
+              </a:rPr>
+              <a:t>旧序列，从</a:t>
+            </a:r>
+            <a:r>
+              <a:rPr lang="en-US" altLang="zh-CN">
+                <a:latin typeface="Times New Roman" panose="02020603050405020304" pitchFamily="18" charset="0"/>
+                <a:ea typeface="微软雅黑" panose="020B0503020204020204" pitchFamily="34" charset="-122"/>
+                <a:cs typeface="Times New Roman" panose="02020603050405020304" pitchFamily="18" charset="0"/>
+              </a:rPr>
+              <a:t>2</a:t>
+            </a:r>
+            <a:r>
+              <a:rPr lang="zh-CN" altLang="en-US">
+                <a:latin typeface="Times New Roman" panose="02020603050405020304" pitchFamily="18" charset="0"/>
+                <a:ea typeface="微软雅黑" panose="020B0503020204020204" pitchFamily="34" charset="-122"/>
+                <a:cs typeface="Times New Roman" panose="02020603050405020304" pitchFamily="18" charset="0"/>
+              </a:rPr>
+              <a:t>开始遍历到</a:t>
+            </a:r>
+            <a:r>
+              <a:rPr lang="en-US" altLang="zh-CN">
+                <a:latin typeface="Times New Roman" panose="02020603050405020304" pitchFamily="18" charset="0"/>
+                <a:ea typeface="微软雅黑" panose="020B0503020204020204" pitchFamily="34" charset="-122"/>
+                <a:cs typeface="Times New Roman" panose="02020603050405020304" pitchFamily="18" charset="0"/>
+              </a:rPr>
+              <a:t>N</a:t>
+            </a:r>
+            <a:endParaRPr lang="en-US" altLang="zh-CN" dirty="0">
+              <a:latin typeface="Times New Roman" panose="02020603050405020304" pitchFamily="18" charset="0"/>
+              <a:ea typeface="微软雅黑" panose="020B0503020204020204" pitchFamily="34" charset="-122"/>
+              <a:cs typeface="Times New Roman" panose="02020603050405020304" pitchFamily="18" charset="0"/>
+            </a:endParaRPr>
+          </a:p>
+        </p:txBody>
+      </p:sp>
+      <p:sp>
+        <p:nvSpPr>
+          <p:cNvPr id="34" name="文本框 33">
+            <a:extLst>
+              <a:ext uri="{FF2B5EF4-FFF2-40B4-BE49-F238E27FC236}">
+                <a16:creationId xmlns:a16="http://schemas.microsoft.com/office/drawing/2014/main" id="{3FDC45DD-22A1-4F99-B8BB-12F7D76F2428}"/>
+              </a:ext>
+            </a:extLst>
+          </p:cNvPr>
+          <p:cNvSpPr txBox="1"/>
+          <p:nvPr/>
+        </p:nvSpPr>
+        <p:spPr>
+          <a:xfrm>
+            <a:off x="8515502" y="4023761"/>
+            <a:ext cx="3098302" cy="923330"/>
+          </a:xfrm>
+          <a:prstGeom prst="rect">
+            <a:avLst/>
+          </a:prstGeom>
+          <a:noFill/>
+        </p:spPr>
+        <p:txBody>
+          <a:bodyPr wrap="square" rtlCol="0">
+            <a:spAutoFit/>
+          </a:bodyPr>
+          <a:lstStyle/>
+          <a:p>
+            <a:r>
+              <a:rPr lang="zh-CN" altLang="en-US">
+                <a:latin typeface="Times New Roman" panose="02020603050405020304" pitchFamily="18" charset="0"/>
+                <a:ea typeface="微软雅黑" panose="020B0503020204020204" pitchFamily="34" charset="-122"/>
+                <a:cs typeface="Times New Roman" panose="02020603050405020304" pitchFamily="18" charset="0"/>
+              </a:rPr>
+              <a:t>新序列，从二分点开始搜索左边序列开始判断，切分的终止条件是：</a:t>
+            </a:r>
+            <a:endParaRPr lang="en-US" altLang="zh-CN" dirty="0">
+              <a:latin typeface="Times New Roman" panose="02020603050405020304" pitchFamily="18" charset="0"/>
+              <a:ea typeface="微软雅黑" panose="020B0503020204020204" pitchFamily="34" charset="-122"/>
+              <a:cs typeface="Times New Roman" panose="02020603050405020304" pitchFamily="18" charset="0"/>
+            </a:endParaRPr>
+          </a:p>
+        </p:txBody>
+      </p:sp>
+      <p:sp>
+        <p:nvSpPr>
+          <p:cNvPr id="35" name="文本框 34">
+            <a:extLst>
+              <a:ext uri="{FF2B5EF4-FFF2-40B4-BE49-F238E27FC236}">
+                <a16:creationId xmlns:a16="http://schemas.microsoft.com/office/drawing/2014/main" id="{8857A199-2CC9-4B17-90FD-8AC665FB573C}"/>
+              </a:ext>
+            </a:extLst>
+          </p:cNvPr>
+          <p:cNvSpPr txBox="1"/>
+          <p:nvPr/>
+        </p:nvSpPr>
+        <p:spPr>
+          <a:xfrm>
+            <a:off x="8607772" y="5074939"/>
+            <a:ext cx="3098302" cy="369332"/>
+          </a:xfrm>
+          <a:prstGeom prst="rect">
+            <a:avLst/>
+          </a:prstGeom>
+          <a:noFill/>
+        </p:spPr>
+        <p:txBody>
+          <a:bodyPr wrap="square" rtlCol="0">
+            <a:spAutoFit/>
+          </a:bodyPr>
+          <a:lstStyle/>
+          <a:p>
+            <a:pPr marL="342900" indent="-342900">
+              <a:buFont typeface="+mj-lt"/>
+              <a:buAutoNum type="arabicPeriod"/>
+            </a:pPr>
+            <a:r>
+              <a:rPr lang="zh-CN" altLang="en-US">
+                <a:latin typeface="Times New Roman" panose="02020603050405020304" pitchFamily="18" charset="0"/>
+                <a:ea typeface="微软雅黑" panose="020B0503020204020204" pitchFamily="34" charset="-122"/>
+                <a:cs typeface="Times New Roman" panose="02020603050405020304" pitchFamily="18" charset="0"/>
+              </a:rPr>
+              <a:t>该序列是个数为</a:t>
+            </a:r>
+            <a:r>
+              <a:rPr lang="en-US" altLang="zh-CN">
+                <a:latin typeface="Times New Roman" panose="02020603050405020304" pitchFamily="18" charset="0"/>
+                <a:ea typeface="微软雅黑" panose="020B0503020204020204" pitchFamily="34" charset="-122"/>
+                <a:cs typeface="Times New Roman" panose="02020603050405020304" pitchFamily="18" charset="0"/>
+              </a:rPr>
+              <a:t>1</a:t>
+            </a:r>
+            <a:endParaRPr lang="en-US" altLang="zh-CN" dirty="0">
+              <a:latin typeface="Times New Roman" panose="02020603050405020304" pitchFamily="18" charset="0"/>
+              <a:ea typeface="微软雅黑" panose="020B0503020204020204" pitchFamily="34" charset="-122"/>
+              <a:cs typeface="Times New Roman" panose="02020603050405020304" pitchFamily="18" charset="0"/>
+            </a:endParaRPr>
+          </a:p>
+        </p:txBody>
+      </p:sp>
+      <p:cxnSp>
+        <p:nvCxnSpPr>
+          <p:cNvPr id="36" name="直接连接符 35">
+            <a:extLst>
+              <a:ext uri="{FF2B5EF4-FFF2-40B4-BE49-F238E27FC236}">
+                <a16:creationId xmlns:a16="http://schemas.microsoft.com/office/drawing/2014/main" id="{0FCD61C4-AF57-42BE-B6C8-80FB2906782C}"/>
+              </a:ext>
+            </a:extLst>
+          </p:cNvPr>
+          <p:cNvCxnSpPr/>
+          <p:nvPr/>
+        </p:nvCxnSpPr>
+        <p:spPr>
+          <a:xfrm>
+            <a:off x="1482702" y="3362447"/>
+            <a:ext cx="0" cy="3018407"/>
+          </a:xfrm>
+          <a:prstGeom prst="line">
+            <a:avLst/>
+          </a:prstGeom>
+          <a:ln w="28575"/>
+        </p:spPr>
+        <p:style>
+          <a:lnRef idx="2">
+            <a:schemeClr val="accent2"/>
+          </a:lnRef>
+          <a:fillRef idx="0">
+            <a:schemeClr val="accent2"/>
+          </a:fillRef>
+          <a:effectRef idx="1">
+            <a:schemeClr val="accent2"/>
+          </a:effectRef>
+          <a:fontRef idx="minor">
+            <a:schemeClr val="tx1"/>
+          </a:fontRef>
+        </p:style>
+      </p:cxnSp>
+      <p:sp>
+        <p:nvSpPr>
+          <p:cNvPr id="37" name="矩形 36">
+            <a:extLst>
+              <a:ext uri="{FF2B5EF4-FFF2-40B4-BE49-F238E27FC236}">
+                <a16:creationId xmlns:a16="http://schemas.microsoft.com/office/drawing/2014/main" id="{BFBC4300-1A29-4FD9-A797-2FFA6D96A504}"/>
+              </a:ext>
+            </a:extLst>
+          </p:cNvPr>
+          <p:cNvSpPr/>
+          <p:nvPr/>
+        </p:nvSpPr>
+        <p:spPr>
+          <a:xfrm>
+            <a:off x="3525574" y="4598531"/>
+            <a:ext cx="568171" cy="540152"/>
+          </a:xfrm>
+          <a:prstGeom prst="rect">
+            <a:avLst/>
+          </a:prstGeom>
+        </p:spPr>
+        <p:style>
+          <a:lnRef idx="2">
+            <a:schemeClr val="accent3">
+              <a:shade val="50000"/>
+            </a:schemeClr>
+          </a:lnRef>
+          <a:fillRef idx="1">
+            <a:schemeClr val="accent3"/>
+          </a:fillRef>
+          <a:effectRef idx="0">
+            <a:schemeClr val="accent3"/>
+          </a:effectRef>
+          <a:fontRef idx="minor">
+            <a:schemeClr val="lt1"/>
+          </a:fontRef>
+        </p:style>
+        <p:txBody>
+          <a:bodyPr rtlCol="0" anchor="ctr"/>
+          <a:lstStyle/>
+          <a:p>
+            <a:pPr algn="ctr"/>
+            <a:r>
+              <a:rPr lang="en-US" altLang="zh-CN">
+                <a:solidFill>
+                  <a:schemeClr val="tx1"/>
+                </a:solidFill>
+                <a:latin typeface="Times New Roman" panose="02020603050405020304" pitchFamily="18" charset="0"/>
+                <a:cs typeface="Times New Roman" panose="02020603050405020304" pitchFamily="18" charset="0"/>
+              </a:rPr>
+              <a:t>21</a:t>
+            </a:r>
+            <a:endParaRPr lang="zh-CN" altLang="en-US">
+              <a:solidFill>
+                <a:schemeClr val="tx1"/>
+              </a:solidFill>
+              <a:latin typeface="Times New Roman" panose="02020603050405020304" pitchFamily="18" charset="0"/>
+              <a:cs typeface="Times New Roman" panose="02020603050405020304" pitchFamily="18" charset="0"/>
+            </a:endParaRPr>
+          </a:p>
+        </p:txBody>
+      </p:sp>
+      <p:sp>
+        <p:nvSpPr>
+          <p:cNvPr id="38" name="矩形 37">
+            <a:extLst>
+              <a:ext uri="{FF2B5EF4-FFF2-40B4-BE49-F238E27FC236}">
+                <a16:creationId xmlns:a16="http://schemas.microsoft.com/office/drawing/2014/main" id="{C4EBDD81-4C91-46DA-AE0C-F4CC86BB22B5}"/>
+              </a:ext>
+            </a:extLst>
+          </p:cNvPr>
+          <p:cNvSpPr/>
+          <p:nvPr/>
+        </p:nvSpPr>
+        <p:spPr>
+          <a:xfrm>
+            <a:off x="4461563" y="4580332"/>
+            <a:ext cx="568171" cy="540152"/>
+          </a:xfrm>
+          <a:prstGeom prst="rect">
+            <a:avLst/>
+          </a:prstGeom>
+        </p:spPr>
+        <p:style>
+          <a:lnRef idx="2">
+            <a:schemeClr val="accent3">
+              <a:shade val="50000"/>
+            </a:schemeClr>
+          </a:lnRef>
+          <a:fillRef idx="1">
+            <a:schemeClr val="accent3"/>
+          </a:fillRef>
+          <a:effectRef idx="0">
+            <a:schemeClr val="accent3"/>
+          </a:effectRef>
+          <a:fontRef idx="minor">
+            <a:schemeClr val="lt1"/>
+          </a:fontRef>
+        </p:style>
+        <p:txBody>
+          <a:bodyPr rtlCol="0" anchor="ctr"/>
+          <a:lstStyle/>
+          <a:p>
+            <a:pPr algn="ctr"/>
+            <a:r>
+              <a:rPr lang="en-US" altLang="zh-CN">
+                <a:solidFill>
+                  <a:schemeClr val="tx1"/>
+                </a:solidFill>
+                <a:latin typeface="Times New Roman" panose="02020603050405020304" pitchFamily="18" charset="0"/>
+                <a:cs typeface="Times New Roman" panose="02020603050405020304" pitchFamily="18" charset="0"/>
+              </a:rPr>
+              <a:t>21</a:t>
+            </a:r>
+            <a:endParaRPr lang="zh-CN" altLang="en-US">
+              <a:solidFill>
+                <a:schemeClr val="tx1"/>
+              </a:solidFill>
+              <a:latin typeface="Times New Roman" panose="02020603050405020304" pitchFamily="18" charset="0"/>
+              <a:cs typeface="Times New Roman" panose="02020603050405020304" pitchFamily="18" charset="0"/>
+            </a:endParaRPr>
+          </a:p>
+        </p:txBody>
+      </p:sp>
+      <p:cxnSp>
+        <p:nvCxnSpPr>
+          <p:cNvPr id="40" name="直接连接符 39">
+            <a:extLst>
+              <a:ext uri="{FF2B5EF4-FFF2-40B4-BE49-F238E27FC236}">
+                <a16:creationId xmlns:a16="http://schemas.microsoft.com/office/drawing/2014/main" id="{75DDD551-3B9D-4374-9855-E6D9455EF004}"/>
+              </a:ext>
+            </a:extLst>
+          </p:cNvPr>
+          <p:cNvCxnSpPr/>
+          <p:nvPr/>
+        </p:nvCxnSpPr>
+        <p:spPr>
+          <a:xfrm>
+            <a:off x="3365246" y="3401383"/>
+            <a:ext cx="0" cy="3018407"/>
+          </a:xfrm>
+          <a:prstGeom prst="line">
+            <a:avLst/>
+          </a:prstGeom>
+          <a:ln w="28575"/>
+        </p:spPr>
+        <p:style>
+          <a:lnRef idx="2">
+            <a:schemeClr val="accent2"/>
+          </a:lnRef>
+          <a:fillRef idx="0">
+            <a:schemeClr val="accent2"/>
+          </a:fillRef>
+          <a:effectRef idx="1">
+            <a:schemeClr val="accent2"/>
+          </a:effectRef>
+          <a:fontRef idx="minor">
+            <a:schemeClr val="tx1"/>
+          </a:fontRef>
+        </p:style>
+      </p:cxnSp>
+      <p:sp>
+        <p:nvSpPr>
+          <p:cNvPr id="14" name="椭圆 13">
+            <a:extLst>
+              <a:ext uri="{FF2B5EF4-FFF2-40B4-BE49-F238E27FC236}">
+                <a16:creationId xmlns:a16="http://schemas.microsoft.com/office/drawing/2014/main" id="{81AB0795-3B46-4994-BFB3-78743108D29A}"/>
+              </a:ext>
+            </a:extLst>
+          </p:cNvPr>
+          <p:cNvSpPr/>
+          <p:nvPr/>
+        </p:nvSpPr>
+        <p:spPr>
+          <a:xfrm>
+            <a:off x="3975899" y="2857809"/>
+            <a:ext cx="485664" cy="485664"/>
+          </a:xfrm>
+          <a:prstGeom prst="ellipse">
+            <a:avLst/>
+          </a:prstGeom>
+        </p:spPr>
+        <p:style>
+          <a:lnRef idx="2">
+            <a:schemeClr val="accent1"/>
+          </a:lnRef>
+          <a:fillRef idx="1">
+            <a:schemeClr val="lt1"/>
+          </a:fillRef>
+          <a:effectRef idx="0">
+            <a:schemeClr val="accent1"/>
+          </a:effectRef>
+          <a:fontRef idx="minor">
+            <a:schemeClr val="dk1"/>
+          </a:fontRef>
+        </p:style>
+        <p:txBody>
+          <a:bodyPr rtlCol="0" anchor="ctr"/>
+          <a:lstStyle/>
+          <a:p>
+            <a:pPr algn="ctr"/>
+            <a:r>
+              <a:rPr lang="en-US" altLang="zh-CN"/>
+              <a:t>1</a:t>
+            </a:r>
+            <a:endParaRPr lang="zh-CN" altLang="en-US"/>
+          </a:p>
+        </p:txBody>
+      </p:sp>
+      <p:sp>
+        <p:nvSpPr>
+          <p:cNvPr id="41" name="椭圆 40">
+            <a:extLst>
+              <a:ext uri="{FF2B5EF4-FFF2-40B4-BE49-F238E27FC236}">
+                <a16:creationId xmlns:a16="http://schemas.microsoft.com/office/drawing/2014/main" id="{347DA2D9-8135-4463-9512-3CAD539D351B}"/>
+              </a:ext>
+            </a:extLst>
+          </p:cNvPr>
+          <p:cNvSpPr/>
+          <p:nvPr/>
+        </p:nvSpPr>
+        <p:spPr>
+          <a:xfrm>
+            <a:off x="2221767" y="2823867"/>
+            <a:ext cx="485664" cy="485664"/>
+          </a:xfrm>
+          <a:prstGeom prst="ellipse">
+            <a:avLst/>
+          </a:prstGeom>
+        </p:spPr>
+        <p:style>
+          <a:lnRef idx="2">
+            <a:schemeClr val="accent1"/>
+          </a:lnRef>
+          <a:fillRef idx="1">
+            <a:schemeClr val="lt1"/>
+          </a:fillRef>
+          <a:effectRef idx="0">
+            <a:schemeClr val="accent1"/>
+          </a:effectRef>
+          <a:fontRef idx="minor">
+            <a:schemeClr val="dk1"/>
+          </a:fontRef>
+        </p:style>
+        <p:txBody>
+          <a:bodyPr rtlCol="0" anchor="ctr"/>
+          <a:lstStyle/>
+          <a:p>
+            <a:pPr algn="ctr"/>
+            <a:r>
+              <a:rPr lang="en-US" altLang="zh-CN"/>
+              <a:t>2</a:t>
+            </a:r>
+            <a:endParaRPr lang="zh-CN" altLang="en-US"/>
+          </a:p>
+        </p:txBody>
+      </p:sp>
+      <p:sp>
+        <p:nvSpPr>
+          <p:cNvPr id="42" name="椭圆 41">
+            <a:extLst>
+              <a:ext uri="{FF2B5EF4-FFF2-40B4-BE49-F238E27FC236}">
+                <a16:creationId xmlns:a16="http://schemas.microsoft.com/office/drawing/2014/main" id="{3D7E3803-F89F-4334-87E1-B046D6BAF8DE}"/>
+              </a:ext>
+            </a:extLst>
+          </p:cNvPr>
+          <p:cNvSpPr/>
+          <p:nvPr/>
+        </p:nvSpPr>
+        <p:spPr>
+          <a:xfrm>
+            <a:off x="1239870" y="2792167"/>
+            <a:ext cx="485664" cy="485664"/>
+          </a:xfrm>
+          <a:prstGeom prst="ellipse">
+            <a:avLst/>
+          </a:prstGeom>
+        </p:spPr>
+        <p:style>
+          <a:lnRef idx="2">
+            <a:schemeClr val="accent1"/>
+          </a:lnRef>
+          <a:fillRef idx="1">
+            <a:schemeClr val="lt1"/>
+          </a:fillRef>
+          <a:effectRef idx="0">
+            <a:schemeClr val="accent1"/>
+          </a:effectRef>
+          <a:fontRef idx="minor">
+            <a:schemeClr val="dk1"/>
+          </a:fontRef>
+        </p:style>
+        <p:txBody>
+          <a:bodyPr rtlCol="0" anchor="ctr"/>
+          <a:lstStyle/>
+          <a:p>
+            <a:pPr algn="ctr"/>
+            <a:r>
+              <a:rPr lang="en-US" altLang="zh-CN"/>
+              <a:t>3</a:t>
+            </a:r>
+            <a:endParaRPr lang="zh-CN" altLang="en-US"/>
           </a:p>
         </p:txBody>
       </p:sp>
@@ -10145,6 +11228,689 @@
     <p:extLst>
       <p:ext uri="{BB962C8B-B14F-4D97-AF65-F5344CB8AC3E}">
         <p14:creationId xmlns:p14="http://schemas.microsoft.com/office/powerpoint/2010/main" val="1710001620"/>
+      </p:ext>
+    </p:extLst>
+  </p:cSld>
+  <p:clrMapOvr>
+    <a:masterClrMapping/>
+  </p:clrMapOvr>
+</p:sld>
+</file>
+
+<file path=ppt/slides/slide6.xml><?xml version="1.0" encoding="utf-8"?>
+<p:sld xmlns:a="http://schemas.openxmlformats.org/drawingml/2006/main" xmlns:r="http://schemas.openxmlformats.org/officeDocument/2006/relationships" xmlns:p="http://schemas.openxmlformats.org/presentationml/2006/main">
+  <p:cSld>
+    <p:spTree>
+      <p:nvGrpSpPr>
+        <p:cNvPr id="1" name=""/>
+        <p:cNvGrpSpPr/>
+        <p:nvPr/>
+      </p:nvGrpSpPr>
+      <p:grpSpPr>
+        <a:xfrm>
+          <a:off x="0" y="0"/>
+          <a:ext cx="0" cy="0"/>
+          <a:chOff x="0" y="0"/>
+          <a:chExt cx="0" cy="0"/>
+        </a:xfrm>
+      </p:grpSpPr>
+      <p:sp>
+        <p:nvSpPr>
+          <p:cNvPr id="3" name="内容占位符 2">
+            <a:extLst>
+              <a:ext uri="{FF2B5EF4-FFF2-40B4-BE49-F238E27FC236}">
+                <a16:creationId xmlns:a16="http://schemas.microsoft.com/office/drawing/2014/main" id="{B2CFD0E6-8168-4F47-ADF5-2E226EDA52B0}"/>
+              </a:ext>
+            </a:extLst>
+          </p:cNvPr>
+          <p:cNvSpPr>
+            <a:spLocks noGrp="1"/>
+          </p:cNvSpPr>
+          <p:nvPr>
+            <p:ph idx="1"/>
+          </p:nvPr>
+        </p:nvSpPr>
+        <p:spPr>
+          <a:xfrm>
+            <a:off x="8895425" y="266330"/>
+            <a:ext cx="2485008" cy="2057724"/>
+          </a:xfrm>
+        </p:spPr>
+        <p:txBody>
+          <a:bodyPr/>
+          <a:lstStyle/>
+          <a:p>
+            <a:endParaRPr lang="zh-CN" altLang="en-US"/>
+          </a:p>
+        </p:txBody>
+      </p:sp>
+      <p:sp>
+        <p:nvSpPr>
+          <p:cNvPr id="5" name="矩形 4">
+            <a:extLst>
+              <a:ext uri="{FF2B5EF4-FFF2-40B4-BE49-F238E27FC236}">
+                <a16:creationId xmlns:a16="http://schemas.microsoft.com/office/drawing/2014/main" id="{C41505B5-7AD0-47C4-A2E9-25805211FF20}"/>
+              </a:ext>
+            </a:extLst>
+          </p:cNvPr>
+          <p:cNvSpPr/>
+          <p:nvPr/>
+        </p:nvSpPr>
+        <p:spPr>
+          <a:xfrm>
+            <a:off x="193826" y="2212760"/>
+            <a:ext cx="7964752" cy="1216240"/>
+          </a:xfrm>
+          <a:prstGeom prst="rect">
+            <a:avLst/>
+          </a:prstGeom>
+          <a:noFill/>
+          <a:ln w="19050">
+            <a:solidFill>
+              <a:schemeClr val="tx1"/>
+            </a:solidFill>
+          </a:ln>
+        </p:spPr>
+        <p:style>
+          <a:lnRef idx="2">
+            <a:schemeClr val="accent1">
+              <a:shade val="50000"/>
+            </a:schemeClr>
+          </a:lnRef>
+          <a:fillRef idx="1">
+            <a:schemeClr val="accent1"/>
+          </a:fillRef>
+          <a:effectRef idx="0">
+            <a:schemeClr val="accent1"/>
+          </a:effectRef>
+          <a:fontRef idx="minor">
+            <a:schemeClr val="lt1"/>
+          </a:fontRef>
+        </p:style>
+        <p:txBody>
+          <a:bodyPr rtlCol="0" anchor="ctr"/>
+          <a:lstStyle/>
+          <a:p>
+            <a:pPr algn="ctr"/>
+            <a:endParaRPr lang="zh-CN" altLang="en-US">
+              <a:latin typeface="Times New Roman" panose="02020603050405020304" pitchFamily="18" charset="0"/>
+              <a:cs typeface="Times New Roman" panose="02020603050405020304" pitchFamily="18" charset="0"/>
+            </a:endParaRPr>
+          </a:p>
+        </p:txBody>
+      </p:sp>
+      <p:sp>
+        <p:nvSpPr>
+          <p:cNvPr id="6" name="矩形 5">
+            <a:extLst>
+              <a:ext uri="{FF2B5EF4-FFF2-40B4-BE49-F238E27FC236}">
+                <a16:creationId xmlns:a16="http://schemas.microsoft.com/office/drawing/2014/main" id="{403D9145-FAF8-4151-B9EA-CC303AFD6FF2}"/>
+              </a:ext>
+            </a:extLst>
+          </p:cNvPr>
+          <p:cNvSpPr/>
+          <p:nvPr/>
+        </p:nvSpPr>
+        <p:spPr>
+          <a:xfrm>
+            <a:off x="2385398" y="2519082"/>
+            <a:ext cx="568171" cy="540152"/>
+          </a:xfrm>
+          <a:prstGeom prst="rect">
+            <a:avLst/>
+          </a:prstGeom>
+        </p:spPr>
+        <p:style>
+          <a:lnRef idx="2">
+            <a:schemeClr val="accent3">
+              <a:shade val="50000"/>
+            </a:schemeClr>
+          </a:lnRef>
+          <a:fillRef idx="1">
+            <a:schemeClr val="accent3"/>
+          </a:fillRef>
+          <a:effectRef idx="0">
+            <a:schemeClr val="accent3"/>
+          </a:effectRef>
+          <a:fontRef idx="minor">
+            <a:schemeClr val="lt1"/>
+          </a:fontRef>
+        </p:style>
+        <p:txBody>
+          <a:bodyPr rtlCol="0" anchor="ctr"/>
+          <a:lstStyle/>
+          <a:p>
+            <a:pPr algn="ctr"/>
+            <a:r>
+              <a:rPr lang="en-US" altLang="zh-CN">
+                <a:solidFill>
+                  <a:schemeClr val="tx1"/>
+                </a:solidFill>
+                <a:latin typeface="Times New Roman" panose="02020603050405020304" pitchFamily="18" charset="0"/>
+                <a:cs typeface="Times New Roman" panose="02020603050405020304" pitchFamily="18" charset="0"/>
+              </a:rPr>
+              <a:t>20</a:t>
+            </a:r>
+            <a:endParaRPr lang="zh-CN" altLang="en-US">
+              <a:solidFill>
+                <a:schemeClr val="tx1"/>
+              </a:solidFill>
+              <a:latin typeface="Times New Roman" panose="02020603050405020304" pitchFamily="18" charset="0"/>
+              <a:cs typeface="Times New Roman" panose="02020603050405020304" pitchFamily="18" charset="0"/>
+            </a:endParaRPr>
+          </a:p>
+        </p:txBody>
+      </p:sp>
+      <p:sp>
+        <p:nvSpPr>
+          <p:cNvPr id="8" name="矩形 7">
+            <a:extLst>
+              <a:ext uri="{FF2B5EF4-FFF2-40B4-BE49-F238E27FC236}">
+                <a16:creationId xmlns:a16="http://schemas.microsoft.com/office/drawing/2014/main" id="{37BFB3EC-02E5-46F8-868F-87EF4AF207E6}"/>
+              </a:ext>
+            </a:extLst>
+          </p:cNvPr>
+          <p:cNvSpPr/>
+          <p:nvPr/>
+        </p:nvSpPr>
+        <p:spPr>
+          <a:xfrm>
+            <a:off x="5796092" y="1664241"/>
+            <a:ext cx="786258" cy="540763"/>
+          </a:xfrm>
+          <a:prstGeom prst="rect">
+            <a:avLst/>
+          </a:prstGeom>
+        </p:spPr>
+        <p:style>
+          <a:lnRef idx="2">
+            <a:schemeClr val="accent4">
+              <a:shade val="50000"/>
+            </a:schemeClr>
+          </a:lnRef>
+          <a:fillRef idx="1">
+            <a:schemeClr val="accent4"/>
+          </a:fillRef>
+          <a:effectRef idx="0">
+            <a:schemeClr val="accent4"/>
+          </a:effectRef>
+          <a:fontRef idx="minor">
+            <a:schemeClr val="lt1"/>
+          </a:fontRef>
+        </p:style>
+        <p:txBody>
+          <a:bodyPr rtlCol="0" anchor="ctr"/>
+          <a:lstStyle/>
+          <a:p>
+            <a:pPr algn="ctr"/>
+            <a:r>
+              <a:rPr lang="en-US" altLang="zh-CN" sz="2000">
+                <a:solidFill>
+                  <a:schemeClr val="tx1"/>
+                </a:solidFill>
+                <a:latin typeface="Times New Roman" panose="02020603050405020304" pitchFamily="18" charset="0"/>
+                <a:cs typeface="Times New Roman" panose="02020603050405020304" pitchFamily="18" charset="0"/>
+              </a:rPr>
+              <a:t>33</a:t>
+            </a:r>
+            <a:endParaRPr lang="zh-CN" altLang="en-US" sz="2000">
+              <a:solidFill>
+                <a:schemeClr val="tx1"/>
+              </a:solidFill>
+              <a:latin typeface="Times New Roman" panose="02020603050405020304" pitchFamily="18" charset="0"/>
+              <a:cs typeface="Times New Roman" panose="02020603050405020304" pitchFamily="18" charset="0"/>
+            </a:endParaRPr>
+          </a:p>
+        </p:txBody>
+      </p:sp>
+      <p:sp>
+        <p:nvSpPr>
+          <p:cNvPr id="9" name="矩形 8">
+            <a:extLst>
+              <a:ext uri="{FF2B5EF4-FFF2-40B4-BE49-F238E27FC236}">
+                <a16:creationId xmlns:a16="http://schemas.microsoft.com/office/drawing/2014/main" id="{8EEF4D8F-F484-49AF-B336-37ED83001B37}"/>
+              </a:ext>
+            </a:extLst>
+          </p:cNvPr>
+          <p:cNvSpPr/>
+          <p:nvPr/>
+        </p:nvSpPr>
+        <p:spPr>
+          <a:xfrm>
+            <a:off x="5193365" y="2543783"/>
+            <a:ext cx="568171" cy="540152"/>
+          </a:xfrm>
+          <a:prstGeom prst="rect">
+            <a:avLst/>
+          </a:prstGeom>
+        </p:spPr>
+        <p:style>
+          <a:lnRef idx="2">
+            <a:schemeClr val="accent3">
+              <a:shade val="50000"/>
+            </a:schemeClr>
+          </a:lnRef>
+          <a:fillRef idx="1">
+            <a:schemeClr val="accent3"/>
+          </a:fillRef>
+          <a:effectRef idx="0">
+            <a:schemeClr val="accent3"/>
+          </a:effectRef>
+          <a:fontRef idx="minor">
+            <a:schemeClr val="lt1"/>
+          </a:fontRef>
+        </p:style>
+        <p:txBody>
+          <a:bodyPr rtlCol="0" anchor="ctr"/>
+          <a:lstStyle/>
+          <a:p>
+            <a:pPr algn="ctr"/>
+            <a:r>
+              <a:rPr lang="en-US" altLang="zh-CN">
+                <a:solidFill>
+                  <a:schemeClr val="tx1"/>
+                </a:solidFill>
+                <a:latin typeface="Times New Roman" panose="02020603050405020304" pitchFamily="18" charset="0"/>
+                <a:cs typeface="Times New Roman" panose="02020603050405020304" pitchFamily="18" charset="0"/>
+              </a:rPr>
+              <a:t>25</a:t>
+            </a:r>
+            <a:endParaRPr lang="zh-CN" altLang="en-US">
+              <a:solidFill>
+                <a:schemeClr val="tx1"/>
+              </a:solidFill>
+              <a:latin typeface="Times New Roman" panose="02020603050405020304" pitchFamily="18" charset="0"/>
+              <a:cs typeface="Times New Roman" panose="02020603050405020304" pitchFamily="18" charset="0"/>
+            </a:endParaRPr>
+          </a:p>
+        </p:txBody>
+      </p:sp>
+      <p:sp>
+        <p:nvSpPr>
+          <p:cNvPr id="10" name="矩形 9">
+            <a:extLst>
+              <a:ext uri="{FF2B5EF4-FFF2-40B4-BE49-F238E27FC236}">
+                <a16:creationId xmlns:a16="http://schemas.microsoft.com/office/drawing/2014/main" id="{58FAAE42-19DD-4F33-A7FC-A3FB68BE02BA}"/>
+              </a:ext>
+            </a:extLst>
+          </p:cNvPr>
+          <p:cNvSpPr/>
+          <p:nvPr/>
+        </p:nvSpPr>
+        <p:spPr>
+          <a:xfrm>
+            <a:off x="6129354" y="2523765"/>
+            <a:ext cx="568171" cy="540152"/>
+          </a:xfrm>
+          <a:prstGeom prst="rect">
+            <a:avLst/>
+          </a:prstGeom>
+        </p:spPr>
+        <p:style>
+          <a:lnRef idx="2">
+            <a:schemeClr val="accent3">
+              <a:shade val="50000"/>
+            </a:schemeClr>
+          </a:lnRef>
+          <a:fillRef idx="1">
+            <a:schemeClr val="accent3"/>
+          </a:fillRef>
+          <a:effectRef idx="0">
+            <a:schemeClr val="accent3"/>
+          </a:effectRef>
+          <a:fontRef idx="minor">
+            <a:schemeClr val="lt1"/>
+          </a:fontRef>
+        </p:style>
+        <p:txBody>
+          <a:bodyPr rtlCol="0" anchor="ctr"/>
+          <a:lstStyle/>
+          <a:p>
+            <a:pPr algn="ctr"/>
+            <a:r>
+              <a:rPr lang="en-US" altLang="zh-CN">
+                <a:solidFill>
+                  <a:schemeClr val="tx1"/>
+                </a:solidFill>
+                <a:latin typeface="Times New Roman" panose="02020603050405020304" pitchFamily="18" charset="0"/>
+                <a:cs typeface="Times New Roman" panose="02020603050405020304" pitchFamily="18" charset="0"/>
+              </a:rPr>
+              <a:t>30</a:t>
+            </a:r>
+            <a:endParaRPr lang="zh-CN" altLang="en-US">
+              <a:solidFill>
+                <a:schemeClr val="tx1"/>
+              </a:solidFill>
+              <a:latin typeface="Times New Roman" panose="02020603050405020304" pitchFamily="18" charset="0"/>
+              <a:cs typeface="Times New Roman" panose="02020603050405020304" pitchFamily="18" charset="0"/>
+            </a:endParaRPr>
+          </a:p>
+        </p:txBody>
+      </p:sp>
+      <p:grpSp>
+        <p:nvGrpSpPr>
+          <p:cNvPr id="24" name="组合 23">
+            <a:extLst>
+              <a:ext uri="{FF2B5EF4-FFF2-40B4-BE49-F238E27FC236}">
+                <a16:creationId xmlns:a16="http://schemas.microsoft.com/office/drawing/2014/main" id="{4160B59D-4647-427D-BFF4-153603059D75}"/>
+              </a:ext>
+            </a:extLst>
+          </p:cNvPr>
+          <p:cNvGrpSpPr/>
+          <p:nvPr/>
+        </p:nvGrpSpPr>
+        <p:grpSpPr>
+          <a:xfrm>
+            <a:off x="3981008" y="1027635"/>
+            <a:ext cx="485664" cy="3523045"/>
+            <a:chOff x="3771712" y="807037"/>
+            <a:chExt cx="485664" cy="3523045"/>
+          </a:xfrm>
+        </p:grpSpPr>
+        <p:cxnSp>
+          <p:nvCxnSpPr>
+            <p:cNvPr id="12" name="直接连接符 11">
+              <a:extLst>
+                <a:ext uri="{FF2B5EF4-FFF2-40B4-BE49-F238E27FC236}">
+                  <a16:creationId xmlns:a16="http://schemas.microsoft.com/office/drawing/2014/main" id="{9B8310E0-5C8A-41D0-BF07-641BE76C94C4}"/>
+                </a:ext>
+              </a:extLst>
+            </p:cNvPr>
+            <p:cNvCxnSpPr/>
+            <p:nvPr/>
+          </p:nvCxnSpPr>
+          <p:spPr>
+            <a:xfrm>
+              <a:off x="4059978" y="1311675"/>
+              <a:ext cx="0" cy="3018407"/>
+            </a:xfrm>
+            <a:prstGeom prst="line">
+              <a:avLst/>
+            </a:prstGeom>
+            <a:ln w="28575">
+              <a:prstDash val="lgDash"/>
+            </a:ln>
+          </p:spPr>
+          <p:style>
+            <a:lnRef idx="3">
+              <a:schemeClr val="accent1"/>
+            </a:lnRef>
+            <a:fillRef idx="0">
+              <a:schemeClr val="accent1"/>
+            </a:fillRef>
+            <a:effectRef idx="2">
+              <a:schemeClr val="accent1"/>
+            </a:effectRef>
+            <a:fontRef idx="minor">
+              <a:schemeClr val="tx1"/>
+            </a:fontRef>
+          </p:style>
+        </p:cxnSp>
+        <p:sp>
+          <p:nvSpPr>
+            <p:cNvPr id="21" name="椭圆 20">
+              <a:extLst>
+                <a:ext uri="{FF2B5EF4-FFF2-40B4-BE49-F238E27FC236}">
+                  <a16:creationId xmlns:a16="http://schemas.microsoft.com/office/drawing/2014/main" id="{6D434F14-C64D-4040-A8C4-6FB72C3C537D}"/>
+                </a:ext>
+              </a:extLst>
+            </p:cNvPr>
+            <p:cNvSpPr/>
+            <p:nvPr/>
+          </p:nvSpPr>
+          <p:spPr>
+            <a:xfrm>
+              <a:off x="3771712" y="807037"/>
+              <a:ext cx="485664" cy="485664"/>
+            </a:xfrm>
+            <a:prstGeom prst="ellipse">
+              <a:avLst/>
+            </a:prstGeom>
+          </p:spPr>
+          <p:style>
+            <a:lnRef idx="2">
+              <a:schemeClr val="accent1"/>
+            </a:lnRef>
+            <a:fillRef idx="1">
+              <a:schemeClr val="lt1"/>
+            </a:fillRef>
+            <a:effectRef idx="0">
+              <a:schemeClr val="accent1"/>
+            </a:effectRef>
+            <a:fontRef idx="minor">
+              <a:schemeClr val="dk1"/>
+            </a:fontRef>
+          </p:style>
+          <p:txBody>
+            <a:bodyPr rtlCol="0" anchor="ctr"/>
+            <a:lstStyle/>
+            <a:p>
+              <a:pPr algn="ctr"/>
+              <a:r>
+                <a:rPr lang="en-US" altLang="zh-CN"/>
+                <a:t>1</a:t>
+              </a:r>
+              <a:endParaRPr lang="zh-CN" altLang="en-US"/>
+            </a:p>
+          </p:txBody>
+        </p:sp>
+      </p:grpSp>
+      <p:grpSp>
+        <p:nvGrpSpPr>
+          <p:cNvPr id="25" name="组合 24">
+            <a:extLst>
+              <a:ext uri="{FF2B5EF4-FFF2-40B4-BE49-F238E27FC236}">
+                <a16:creationId xmlns:a16="http://schemas.microsoft.com/office/drawing/2014/main" id="{6CF77AB7-48CF-48CE-9EE2-D940D3FB83A5}"/>
+              </a:ext>
+            </a:extLst>
+          </p:cNvPr>
+          <p:cNvGrpSpPr/>
+          <p:nvPr/>
+        </p:nvGrpSpPr>
+        <p:grpSpPr>
+          <a:xfrm>
+            <a:off x="8284169" y="2324054"/>
+            <a:ext cx="485664" cy="3504071"/>
+            <a:chOff x="2017580" y="773095"/>
+            <a:chExt cx="485664" cy="3504071"/>
+          </a:xfrm>
+        </p:grpSpPr>
+        <p:cxnSp>
+          <p:nvCxnSpPr>
+            <p:cNvPr id="14" name="直接连接符 13">
+              <a:extLst>
+                <a:ext uri="{FF2B5EF4-FFF2-40B4-BE49-F238E27FC236}">
+                  <a16:creationId xmlns:a16="http://schemas.microsoft.com/office/drawing/2014/main" id="{73EE938C-1C07-421F-AB38-225F790463EC}"/>
+                </a:ext>
+              </a:extLst>
+            </p:cNvPr>
+            <p:cNvCxnSpPr/>
+            <p:nvPr/>
+          </p:nvCxnSpPr>
+          <p:spPr>
+            <a:xfrm>
+              <a:off x="2287176" y="1258759"/>
+              <a:ext cx="0" cy="3018407"/>
+            </a:xfrm>
+            <a:prstGeom prst="line">
+              <a:avLst/>
+            </a:prstGeom>
+            <a:ln w="28575"/>
+          </p:spPr>
+          <p:style>
+            <a:lnRef idx="2">
+              <a:schemeClr val="accent2"/>
+            </a:lnRef>
+            <a:fillRef idx="0">
+              <a:schemeClr val="accent2"/>
+            </a:fillRef>
+            <a:effectRef idx="1">
+              <a:schemeClr val="accent2"/>
+            </a:effectRef>
+            <a:fontRef idx="minor">
+              <a:schemeClr val="tx1"/>
+            </a:fontRef>
+          </p:style>
+        </p:cxnSp>
+        <p:sp>
+          <p:nvSpPr>
+            <p:cNvPr id="22" name="椭圆 21">
+              <a:extLst>
+                <a:ext uri="{FF2B5EF4-FFF2-40B4-BE49-F238E27FC236}">
+                  <a16:creationId xmlns:a16="http://schemas.microsoft.com/office/drawing/2014/main" id="{F15162F7-5D2B-483C-A682-415B292167A6}"/>
+                </a:ext>
+              </a:extLst>
+            </p:cNvPr>
+            <p:cNvSpPr/>
+            <p:nvPr/>
+          </p:nvSpPr>
+          <p:spPr>
+            <a:xfrm>
+              <a:off x="2017580" y="773095"/>
+              <a:ext cx="485664" cy="485664"/>
+            </a:xfrm>
+            <a:prstGeom prst="ellipse">
+              <a:avLst/>
+            </a:prstGeom>
+          </p:spPr>
+          <p:style>
+            <a:lnRef idx="2">
+              <a:schemeClr val="accent1"/>
+            </a:lnRef>
+            <a:fillRef idx="1">
+              <a:schemeClr val="lt1"/>
+            </a:fillRef>
+            <a:effectRef idx="0">
+              <a:schemeClr val="accent1"/>
+            </a:effectRef>
+            <a:fontRef idx="minor">
+              <a:schemeClr val="dk1"/>
+            </a:fontRef>
+          </p:style>
+          <p:txBody>
+            <a:bodyPr rtlCol="0" anchor="ctr"/>
+            <a:lstStyle/>
+            <a:p>
+              <a:pPr algn="ctr"/>
+              <a:r>
+                <a:rPr lang="en-US" altLang="zh-CN"/>
+                <a:t>2</a:t>
+              </a:r>
+              <a:endParaRPr lang="zh-CN" altLang="en-US"/>
+            </a:p>
+          </p:txBody>
+        </p:sp>
+      </p:grpSp>
+      <p:grpSp>
+        <p:nvGrpSpPr>
+          <p:cNvPr id="26" name="组合 25">
+            <a:extLst>
+              <a:ext uri="{FF2B5EF4-FFF2-40B4-BE49-F238E27FC236}">
+                <a16:creationId xmlns:a16="http://schemas.microsoft.com/office/drawing/2014/main" id="{100F8431-D94D-4317-874D-02C3FC0E89D9}"/>
+              </a:ext>
+            </a:extLst>
+          </p:cNvPr>
+          <p:cNvGrpSpPr/>
+          <p:nvPr/>
+        </p:nvGrpSpPr>
+        <p:grpSpPr>
+          <a:xfrm>
+            <a:off x="9050179" y="2324054"/>
+            <a:ext cx="485664" cy="3588687"/>
+            <a:chOff x="1035683" y="741395"/>
+            <a:chExt cx="485664" cy="3588687"/>
+          </a:xfrm>
+        </p:grpSpPr>
+        <p:cxnSp>
+          <p:nvCxnSpPr>
+            <p:cNvPr id="17" name="直接连接符 16">
+              <a:extLst>
+                <a:ext uri="{FF2B5EF4-FFF2-40B4-BE49-F238E27FC236}">
+                  <a16:creationId xmlns:a16="http://schemas.microsoft.com/office/drawing/2014/main" id="{ECD8279C-8C5F-4573-8646-A7E1D2012A52}"/>
+                </a:ext>
+              </a:extLst>
+            </p:cNvPr>
+            <p:cNvCxnSpPr/>
+            <p:nvPr/>
+          </p:nvCxnSpPr>
+          <p:spPr>
+            <a:xfrm>
+              <a:off x="1278515" y="1311675"/>
+              <a:ext cx="0" cy="3018407"/>
+            </a:xfrm>
+            <a:prstGeom prst="line">
+              <a:avLst/>
+            </a:prstGeom>
+            <a:ln w="28575"/>
+          </p:spPr>
+          <p:style>
+            <a:lnRef idx="2">
+              <a:schemeClr val="accent2"/>
+            </a:lnRef>
+            <a:fillRef idx="0">
+              <a:schemeClr val="accent2"/>
+            </a:fillRef>
+            <a:effectRef idx="1">
+              <a:schemeClr val="accent2"/>
+            </a:effectRef>
+            <a:fontRef idx="minor">
+              <a:schemeClr val="tx1"/>
+            </a:fontRef>
+          </p:style>
+        </p:cxnSp>
+        <p:sp>
+          <p:nvSpPr>
+            <p:cNvPr id="23" name="椭圆 22">
+              <a:extLst>
+                <a:ext uri="{FF2B5EF4-FFF2-40B4-BE49-F238E27FC236}">
+                  <a16:creationId xmlns:a16="http://schemas.microsoft.com/office/drawing/2014/main" id="{D20D5DFB-63D7-450C-91D3-1CB72EA4D238}"/>
+                </a:ext>
+              </a:extLst>
+            </p:cNvPr>
+            <p:cNvSpPr/>
+            <p:nvPr/>
+          </p:nvSpPr>
+          <p:spPr>
+            <a:xfrm>
+              <a:off x="1035683" y="741395"/>
+              <a:ext cx="485664" cy="485664"/>
+            </a:xfrm>
+            <a:prstGeom prst="ellipse">
+              <a:avLst/>
+            </a:prstGeom>
+          </p:spPr>
+          <p:style>
+            <a:lnRef idx="2">
+              <a:schemeClr val="accent1"/>
+            </a:lnRef>
+            <a:fillRef idx="1">
+              <a:schemeClr val="lt1"/>
+            </a:fillRef>
+            <a:effectRef idx="0">
+              <a:schemeClr val="accent1"/>
+            </a:effectRef>
+            <a:fontRef idx="minor">
+              <a:schemeClr val="dk1"/>
+            </a:fontRef>
+          </p:style>
+          <p:txBody>
+            <a:bodyPr rtlCol="0" anchor="ctr"/>
+            <a:lstStyle/>
+            <a:p>
+              <a:pPr algn="ctr"/>
+              <a:r>
+                <a:rPr lang="en-US" altLang="zh-CN"/>
+                <a:t>3</a:t>
+              </a:r>
+              <a:endParaRPr lang="zh-CN" altLang="en-US"/>
+            </a:p>
+          </p:txBody>
+        </p:sp>
+      </p:grpSp>
+    </p:spTree>
+    <p:extLst>
+      <p:ext uri="{BB962C8B-B14F-4D97-AF65-F5344CB8AC3E}">
+        <p14:creationId xmlns:p14="http://schemas.microsoft.com/office/powerpoint/2010/main" val="2017035178"/>
       </p:ext>
     </p:extLst>
   </p:cSld>

--- a/链表/数据结构可视化辅助理解，便于代码开发.pptx
+++ b/链表/数据结构可视化辅助理解，便于代码开发.pptx
@@ -11,6 +11,8 @@
     <p:sldId id="259" r:id="rId5"/>
     <p:sldId id="260" r:id="rId6"/>
     <p:sldId id="261" r:id="rId7"/>
+    <p:sldId id="262" r:id="rId8"/>
+    <p:sldId id="263" r:id="rId9"/>
   </p:sldIdLst>
   <p:sldSz cx="12192000" cy="6858000"/>
   <p:notesSz cx="6858000" cy="9144000"/>
@@ -264,7 +266,7 @@
           <a:p>
             <a:fld id="{00F45E2C-A052-4CA8-89FD-DA47DCEA70CB}" type="datetimeFigureOut">
               <a:rPr lang="zh-CN" altLang="en-US" smtClean="0"/>
-              <a:t>2019/5/22</a:t>
+              <a:t>2019/5/24</a:t>
             </a:fld>
             <a:endParaRPr lang="zh-CN" altLang="en-US"/>
           </a:p>
@@ -462,7 +464,7 @@
           <a:p>
             <a:fld id="{00F45E2C-A052-4CA8-89FD-DA47DCEA70CB}" type="datetimeFigureOut">
               <a:rPr lang="zh-CN" altLang="en-US" smtClean="0"/>
-              <a:t>2019/5/22</a:t>
+              <a:t>2019/5/24</a:t>
             </a:fld>
             <a:endParaRPr lang="zh-CN" altLang="en-US"/>
           </a:p>
@@ -670,7 +672,7 @@
           <a:p>
             <a:fld id="{00F45E2C-A052-4CA8-89FD-DA47DCEA70CB}" type="datetimeFigureOut">
               <a:rPr lang="zh-CN" altLang="en-US" smtClean="0"/>
-              <a:t>2019/5/22</a:t>
+              <a:t>2019/5/24</a:t>
             </a:fld>
             <a:endParaRPr lang="zh-CN" altLang="en-US"/>
           </a:p>
@@ -899,7 +901,7 @@
           <a:p>
             <a:fld id="{00F45E2C-A052-4CA8-89FD-DA47DCEA70CB}" type="datetimeFigureOut">
               <a:rPr lang="zh-CN" altLang="en-US" smtClean="0"/>
-              <a:t>2019/5/22</a:t>
+              <a:t>2019/5/24</a:t>
             </a:fld>
             <a:endParaRPr lang="zh-CN" altLang="en-US"/>
           </a:p>
@@ -1174,7 +1176,7 @@
           <a:p>
             <a:fld id="{00F45E2C-A052-4CA8-89FD-DA47DCEA70CB}" type="datetimeFigureOut">
               <a:rPr lang="zh-CN" altLang="en-US" smtClean="0"/>
-              <a:t>2019/5/22</a:t>
+              <a:t>2019/5/24</a:t>
             </a:fld>
             <a:endParaRPr lang="zh-CN" altLang="en-US"/>
           </a:p>
@@ -1439,7 +1441,7 @@
           <a:p>
             <a:fld id="{00F45E2C-A052-4CA8-89FD-DA47DCEA70CB}" type="datetimeFigureOut">
               <a:rPr lang="zh-CN" altLang="en-US" smtClean="0"/>
-              <a:t>2019/5/22</a:t>
+              <a:t>2019/5/24</a:t>
             </a:fld>
             <a:endParaRPr lang="zh-CN" altLang="en-US"/>
           </a:p>
@@ -1851,7 +1853,7 @@
           <a:p>
             <a:fld id="{00F45E2C-A052-4CA8-89FD-DA47DCEA70CB}" type="datetimeFigureOut">
               <a:rPr lang="zh-CN" altLang="en-US" smtClean="0"/>
-              <a:t>2019/5/22</a:t>
+              <a:t>2019/5/24</a:t>
             </a:fld>
             <a:endParaRPr lang="zh-CN" altLang="en-US"/>
           </a:p>
@@ -1992,7 +1994,7 @@
           <a:p>
             <a:fld id="{00F45E2C-A052-4CA8-89FD-DA47DCEA70CB}" type="datetimeFigureOut">
               <a:rPr lang="zh-CN" altLang="en-US" smtClean="0"/>
-              <a:t>2019/5/22</a:t>
+              <a:t>2019/5/24</a:t>
             </a:fld>
             <a:endParaRPr lang="zh-CN" altLang="en-US"/>
           </a:p>
@@ -2105,7 +2107,7 @@
           <a:p>
             <a:fld id="{00F45E2C-A052-4CA8-89FD-DA47DCEA70CB}" type="datetimeFigureOut">
               <a:rPr lang="zh-CN" altLang="en-US" smtClean="0"/>
-              <a:t>2019/5/22</a:t>
+              <a:t>2019/5/24</a:t>
             </a:fld>
             <a:endParaRPr lang="zh-CN" altLang="en-US"/>
           </a:p>
@@ -2416,7 +2418,7 @@
           <a:p>
             <a:fld id="{00F45E2C-A052-4CA8-89FD-DA47DCEA70CB}" type="datetimeFigureOut">
               <a:rPr lang="zh-CN" altLang="en-US" smtClean="0"/>
-              <a:t>2019/5/22</a:t>
+              <a:t>2019/5/24</a:t>
             </a:fld>
             <a:endParaRPr lang="zh-CN" altLang="en-US"/>
           </a:p>
@@ -2704,7 +2706,7 @@
           <a:p>
             <a:fld id="{00F45E2C-A052-4CA8-89FD-DA47DCEA70CB}" type="datetimeFigureOut">
               <a:rPr lang="zh-CN" altLang="en-US" smtClean="0"/>
-              <a:t>2019/5/22</a:t>
+              <a:t>2019/5/24</a:t>
             </a:fld>
             <a:endParaRPr lang="zh-CN" altLang="en-US"/>
           </a:p>
@@ -2945,7 +2947,7 @@
           <a:p>
             <a:fld id="{00F45E2C-A052-4CA8-89FD-DA47DCEA70CB}" type="datetimeFigureOut">
               <a:rPr lang="zh-CN" altLang="en-US" smtClean="0"/>
-              <a:t>2019/5/22</a:t>
+              <a:t>2019/5/24</a:t>
             </a:fld>
             <a:endParaRPr lang="zh-CN" altLang="en-US"/>
           </a:p>
@@ -11920,6 +11922,4710 @@
 </p:sld>
 </file>
 
+<file path=ppt/slides/slide7.xml><?xml version="1.0" encoding="utf-8"?>
+<p:sld xmlns:a="http://schemas.openxmlformats.org/drawingml/2006/main" xmlns:r="http://schemas.openxmlformats.org/officeDocument/2006/relationships" xmlns:p="http://schemas.openxmlformats.org/presentationml/2006/main">
+  <p:cSld>
+    <p:spTree>
+      <p:nvGrpSpPr>
+        <p:cNvPr id="1" name=""/>
+        <p:cNvGrpSpPr/>
+        <p:nvPr/>
+      </p:nvGrpSpPr>
+      <p:grpSpPr>
+        <a:xfrm>
+          <a:off x="0" y="0"/>
+          <a:ext cx="0" cy="0"/>
+          <a:chOff x="0" y="0"/>
+          <a:chExt cx="0" cy="0"/>
+        </a:xfrm>
+      </p:grpSpPr>
+      <p:sp>
+        <p:nvSpPr>
+          <p:cNvPr id="4" name="矩形 3">
+            <a:extLst>
+              <a:ext uri="{FF2B5EF4-FFF2-40B4-BE49-F238E27FC236}">
+                <a16:creationId xmlns:a16="http://schemas.microsoft.com/office/drawing/2014/main" id="{0BD39AEF-50F7-4B48-89F3-0D544F7DC8CD}"/>
+              </a:ext>
+            </a:extLst>
+          </p:cNvPr>
+          <p:cNvSpPr/>
+          <p:nvPr/>
+        </p:nvSpPr>
+        <p:spPr>
+          <a:xfrm>
+            <a:off x="1481257" y="1791335"/>
+            <a:ext cx="568171" cy="470018"/>
+          </a:xfrm>
+          <a:prstGeom prst="rect">
+            <a:avLst/>
+          </a:prstGeom>
+        </p:spPr>
+        <p:style>
+          <a:lnRef idx="2">
+            <a:schemeClr val="accent2">
+              <a:shade val="50000"/>
+            </a:schemeClr>
+          </a:lnRef>
+          <a:fillRef idx="1">
+            <a:schemeClr val="accent2"/>
+          </a:fillRef>
+          <a:effectRef idx="0">
+            <a:schemeClr val="accent2"/>
+          </a:effectRef>
+          <a:fontRef idx="minor">
+            <a:schemeClr val="lt1"/>
+          </a:fontRef>
+        </p:style>
+        <p:txBody>
+          <a:bodyPr rtlCol="0" anchor="ctr"/>
+          <a:lstStyle/>
+          <a:p>
+            <a:pPr algn="ctr"/>
+            <a:r>
+              <a:rPr lang="en-US" altLang="zh-CN">
+                <a:solidFill>
+                  <a:schemeClr val="tx1"/>
+                </a:solidFill>
+                <a:latin typeface="Times New Roman" panose="02020603050405020304" pitchFamily="18" charset="0"/>
+                <a:cs typeface="Times New Roman" panose="02020603050405020304" pitchFamily="18" charset="0"/>
+              </a:rPr>
+              <a:t>-10</a:t>
+            </a:r>
+            <a:endParaRPr lang="zh-CN" altLang="en-US">
+              <a:solidFill>
+                <a:schemeClr val="tx1"/>
+              </a:solidFill>
+              <a:latin typeface="Times New Roman" panose="02020603050405020304" pitchFamily="18" charset="0"/>
+              <a:cs typeface="Times New Roman" panose="02020603050405020304" pitchFamily="18" charset="0"/>
+            </a:endParaRPr>
+          </a:p>
+        </p:txBody>
+      </p:sp>
+      <p:sp>
+        <p:nvSpPr>
+          <p:cNvPr id="5" name="矩形 4">
+            <a:extLst>
+              <a:ext uri="{FF2B5EF4-FFF2-40B4-BE49-F238E27FC236}">
+                <a16:creationId xmlns:a16="http://schemas.microsoft.com/office/drawing/2014/main" id="{0A3DB0D8-B065-4E07-8E2E-32800DAB9706}"/>
+              </a:ext>
+            </a:extLst>
+          </p:cNvPr>
+          <p:cNvSpPr/>
+          <p:nvPr/>
+        </p:nvSpPr>
+        <p:spPr>
+          <a:xfrm>
+            <a:off x="2454906" y="1756268"/>
+            <a:ext cx="568171" cy="540152"/>
+          </a:xfrm>
+          <a:prstGeom prst="rect">
+            <a:avLst/>
+          </a:prstGeom>
+        </p:spPr>
+        <p:style>
+          <a:lnRef idx="2">
+            <a:schemeClr val="accent6">
+              <a:shade val="50000"/>
+            </a:schemeClr>
+          </a:lnRef>
+          <a:fillRef idx="1">
+            <a:schemeClr val="accent6"/>
+          </a:fillRef>
+          <a:effectRef idx="0">
+            <a:schemeClr val="accent6"/>
+          </a:effectRef>
+          <a:fontRef idx="minor">
+            <a:schemeClr val="lt1"/>
+          </a:fontRef>
+        </p:style>
+        <p:txBody>
+          <a:bodyPr rtlCol="0" anchor="ctr"/>
+          <a:lstStyle/>
+          <a:p>
+            <a:pPr algn="ctr"/>
+            <a:r>
+              <a:rPr lang="en-US" altLang="zh-CN">
+                <a:solidFill>
+                  <a:schemeClr val="tx1"/>
+                </a:solidFill>
+                <a:latin typeface="Times New Roman" panose="02020603050405020304" pitchFamily="18" charset="0"/>
+                <a:cs typeface="Times New Roman" panose="02020603050405020304" pitchFamily="18" charset="0"/>
+              </a:rPr>
+              <a:t>15</a:t>
+            </a:r>
+            <a:endParaRPr lang="zh-CN" altLang="en-US">
+              <a:solidFill>
+                <a:schemeClr val="tx1"/>
+              </a:solidFill>
+              <a:latin typeface="Times New Roman" panose="02020603050405020304" pitchFamily="18" charset="0"/>
+              <a:cs typeface="Times New Roman" panose="02020603050405020304" pitchFamily="18" charset="0"/>
+            </a:endParaRPr>
+          </a:p>
+        </p:txBody>
+      </p:sp>
+      <p:sp>
+        <p:nvSpPr>
+          <p:cNvPr id="6" name="矩形 5">
+            <a:extLst>
+              <a:ext uri="{FF2B5EF4-FFF2-40B4-BE49-F238E27FC236}">
+                <a16:creationId xmlns:a16="http://schemas.microsoft.com/office/drawing/2014/main" id="{3D02EFD0-B929-4E04-895E-E74B6C528DD7}"/>
+              </a:ext>
+            </a:extLst>
+          </p:cNvPr>
+          <p:cNvSpPr/>
+          <p:nvPr/>
+        </p:nvSpPr>
+        <p:spPr>
+          <a:xfrm>
+            <a:off x="603622" y="1770277"/>
+            <a:ext cx="568171" cy="512134"/>
+          </a:xfrm>
+          <a:prstGeom prst="rect">
+            <a:avLst/>
+          </a:prstGeom>
+        </p:spPr>
+        <p:style>
+          <a:lnRef idx="2">
+            <a:schemeClr val="accent1">
+              <a:shade val="50000"/>
+            </a:schemeClr>
+          </a:lnRef>
+          <a:fillRef idx="1">
+            <a:schemeClr val="accent1"/>
+          </a:fillRef>
+          <a:effectRef idx="0">
+            <a:schemeClr val="accent1"/>
+          </a:effectRef>
+          <a:fontRef idx="minor">
+            <a:schemeClr val="lt1"/>
+          </a:fontRef>
+        </p:style>
+        <p:txBody>
+          <a:bodyPr rtlCol="0" anchor="ctr"/>
+          <a:lstStyle/>
+          <a:p>
+            <a:pPr algn="ctr"/>
+            <a:r>
+              <a:rPr lang="en-US" altLang="zh-CN">
+                <a:solidFill>
+                  <a:schemeClr val="tx1"/>
+                </a:solidFill>
+                <a:latin typeface="Times New Roman" panose="02020603050405020304" pitchFamily="18" charset="0"/>
+                <a:cs typeface="Times New Roman" panose="02020603050405020304" pitchFamily="18" charset="0"/>
+              </a:rPr>
+              <a:t>30</a:t>
+            </a:r>
+            <a:endParaRPr lang="zh-CN" altLang="en-US">
+              <a:solidFill>
+                <a:schemeClr val="tx1"/>
+              </a:solidFill>
+              <a:latin typeface="Times New Roman" panose="02020603050405020304" pitchFamily="18" charset="0"/>
+              <a:cs typeface="Times New Roman" panose="02020603050405020304" pitchFamily="18" charset="0"/>
+            </a:endParaRPr>
+          </a:p>
+        </p:txBody>
+      </p:sp>
+      <p:sp>
+        <p:nvSpPr>
+          <p:cNvPr id="7" name="矩形 6">
+            <a:extLst>
+              <a:ext uri="{FF2B5EF4-FFF2-40B4-BE49-F238E27FC236}">
+                <a16:creationId xmlns:a16="http://schemas.microsoft.com/office/drawing/2014/main" id="{7A0DA981-7384-4314-B674-959B0F101514}"/>
+              </a:ext>
+            </a:extLst>
+          </p:cNvPr>
+          <p:cNvSpPr/>
+          <p:nvPr/>
+        </p:nvSpPr>
+        <p:spPr>
+          <a:xfrm>
+            <a:off x="5303230" y="1756268"/>
+            <a:ext cx="568171" cy="540152"/>
+          </a:xfrm>
+          <a:prstGeom prst="rect">
+            <a:avLst/>
+          </a:prstGeom>
+        </p:spPr>
+        <p:style>
+          <a:lnRef idx="2">
+            <a:schemeClr val="accent2">
+              <a:shade val="50000"/>
+            </a:schemeClr>
+          </a:lnRef>
+          <a:fillRef idx="1">
+            <a:schemeClr val="accent2"/>
+          </a:fillRef>
+          <a:effectRef idx="0">
+            <a:schemeClr val="accent2"/>
+          </a:effectRef>
+          <a:fontRef idx="minor">
+            <a:schemeClr val="lt1"/>
+          </a:fontRef>
+        </p:style>
+        <p:txBody>
+          <a:bodyPr rtlCol="0" anchor="ctr"/>
+          <a:lstStyle/>
+          <a:p>
+            <a:pPr algn="ctr"/>
+            <a:r>
+              <a:rPr lang="en-US" altLang="zh-CN">
+                <a:solidFill>
+                  <a:schemeClr val="tx1"/>
+                </a:solidFill>
+                <a:latin typeface="Times New Roman" panose="02020603050405020304" pitchFamily="18" charset="0"/>
+                <a:cs typeface="Times New Roman" panose="02020603050405020304" pitchFamily="18" charset="0"/>
+              </a:rPr>
+              <a:t>-25</a:t>
+            </a:r>
+            <a:endParaRPr lang="zh-CN" altLang="en-US">
+              <a:solidFill>
+                <a:schemeClr val="tx1"/>
+              </a:solidFill>
+              <a:latin typeface="Times New Roman" panose="02020603050405020304" pitchFamily="18" charset="0"/>
+              <a:cs typeface="Times New Roman" panose="02020603050405020304" pitchFamily="18" charset="0"/>
+            </a:endParaRPr>
+          </a:p>
+        </p:txBody>
+      </p:sp>
+      <p:sp>
+        <p:nvSpPr>
+          <p:cNvPr id="8" name="矩形 7">
+            <a:extLst>
+              <a:ext uri="{FF2B5EF4-FFF2-40B4-BE49-F238E27FC236}">
+                <a16:creationId xmlns:a16="http://schemas.microsoft.com/office/drawing/2014/main" id="{26E00A56-A379-4C56-9DA4-3C10D524B943}"/>
+              </a:ext>
+            </a:extLst>
+          </p:cNvPr>
+          <p:cNvSpPr/>
+          <p:nvPr/>
+        </p:nvSpPr>
+        <p:spPr>
+          <a:xfrm>
+            <a:off x="6141170" y="1756268"/>
+            <a:ext cx="568171" cy="540152"/>
+          </a:xfrm>
+          <a:prstGeom prst="rect">
+            <a:avLst/>
+          </a:prstGeom>
+        </p:spPr>
+        <p:style>
+          <a:lnRef idx="2">
+            <a:schemeClr val="accent6">
+              <a:shade val="50000"/>
+            </a:schemeClr>
+          </a:lnRef>
+          <a:fillRef idx="1">
+            <a:schemeClr val="accent6"/>
+          </a:fillRef>
+          <a:effectRef idx="0">
+            <a:schemeClr val="accent6"/>
+          </a:effectRef>
+          <a:fontRef idx="minor">
+            <a:schemeClr val="lt1"/>
+          </a:fontRef>
+        </p:style>
+        <p:txBody>
+          <a:bodyPr rtlCol="0" anchor="ctr"/>
+          <a:lstStyle/>
+          <a:p>
+            <a:pPr algn="ctr"/>
+            <a:r>
+              <a:rPr lang="en-US" altLang="zh-CN">
+                <a:solidFill>
+                  <a:schemeClr val="tx1"/>
+                </a:solidFill>
+                <a:latin typeface="Times New Roman" panose="02020603050405020304" pitchFamily="18" charset="0"/>
+                <a:cs typeface="Times New Roman" panose="02020603050405020304" pitchFamily="18" charset="0"/>
+              </a:rPr>
+              <a:t>54</a:t>
+            </a:r>
+            <a:endParaRPr lang="zh-CN" altLang="en-US">
+              <a:solidFill>
+                <a:schemeClr val="tx1"/>
+              </a:solidFill>
+              <a:latin typeface="Times New Roman" panose="02020603050405020304" pitchFamily="18" charset="0"/>
+              <a:cs typeface="Times New Roman" panose="02020603050405020304" pitchFamily="18" charset="0"/>
+            </a:endParaRPr>
+          </a:p>
+        </p:txBody>
+      </p:sp>
+      <p:sp>
+        <p:nvSpPr>
+          <p:cNvPr id="9" name="矩形 8">
+            <a:extLst>
+              <a:ext uri="{FF2B5EF4-FFF2-40B4-BE49-F238E27FC236}">
+                <a16:creationId xmlns:a16="http://schemas.microsoft.com/office/drawing/2014/main" id="{1761DD5A-4748-4560-8755-F1E5E6050A2D}"/>
+              </a:ext>
+            </a:extLst>
+          </p:cNvPr>
+          <p:cNvSpPr/>
+          <p:nvPr/>
+        </p:nvSpPr>
+        <p:spPr>
+          <a:xfrm>
+            <a:off x="3415446" y="1756268"/>
+            <a:ext cx="568171" cy="540152"/>
+          </a:xfrm>
+          <a:prstGeom prst="rect">
+            <a:avLst/>
+          </a:prstGeom>
+        </p:spPr>
+        <p:style>
+          <a:lnRef idx="1">
+            <a:schemeClr val="accent5"/>
+          </a:lnRef>
+          <a:fillRef idx="2">
+            <a:schemeClr val="accent5"/>
+          </a:fillRef>
+          <a:effectRef idx="1">
+            <a:schemeClr val="accent5"/>
+          </a:effectRef>
+          <a:fontRef idx="minor">
+            <a:schemeClr val="dk1"/>
+          </a:fontRef>
+        </p:style>
+        <p:txBody>
+          <a:bodyPr rtlCol="0" anchor="ctr"/>
+          <a:lstStyle/>
+          <a:p>
+            <a:pPr algn="ctr"/>
+            <a:r>
+              <a:rPr lang="en-US" altLang="zh-CN">
+                <a:solidFill>
+                  <a:schemeClr val="tx1"/>
+                </a:solidFill>
+                <a:latin typeface="Times New Roman" panose="02020603050405020304" pitchFamily="18" charset="0"/>
+                <a:cs typeface="Times New Roman" panose="02020603050405020304" pitchFamily="18" charset="0"/>
+              </a:rPr>
+              <a:t>-64</a:t>
+            </a:r>
+            <a:endParaRPr lang="zh-CN" altLang="en-US">
+              <a:solidFill>
+                <a:schemeClr val="tx1"/>
+              </a:solidFill>
+              <a:latin typeface="Times New Roman" panose="02020603050405020304" pitchFamily="18" charset="0"/>
+              <a:cs typeface="Times New Roman" panose="02020603050405020304" pitchFamily="18" charset="0"/>
+            </a:endParaRPr>
+          </a:p>
+        </p:txBody>
+      </p:sp>
+      <p:sp>
+        <p:nvSpPr>
+          <p:cNvPr id="10" name="矩形 9">
+            <a:extLst>
+              <a:ext uri="{FF2B5EF4-FFF2-40B4-BE49-F238E27FC236}">
+                <a16:creationId xmlns:a16="http://schemas.microsoft.com/office/drawing/2014/main" id="{24577A42-F46C-47F4-8539-66D7E93ED7F3}"/>
+              </a:ext>
+            </a:extLst>
+          </p:cNvPr>
+          <p:cNvSpPr/>
+          <p:nvPr/>
+        </p:nvSpPr>
+        <p:spPr>
+          <a:xfrm>
+            <a:off x="7173256" y="1784945"/>
+            <a:ext cx="568171" cy="482798"/>
+          </a:xfrm>
+          <a:prstGeom prst="rect">
+            <a:avLst/>
+          </a:prstGeom>
+        </p:spPr>
+        <p:style>
+          <a:lnRef idx="1">
+            <a:schemeClr val="accent5"/>
+          </a:lnRef>
+          <a:fillRef idx="2">
+            <a:schemeClr val="accent5"/>
+          </a:fillRef>
+          <a:effectRef idx="1">
+            <a:schemeClr val="accent5"/>
+          </a:effectRef>
+          <a:fontRef idx="minor">
+            <a:schemeClr val="dk1"/>
+          </a:fontRef>
+        </p:style>
+        <p:txBody>
+          <a:bodyPr rtlCol="0" anchor="ctr"/>
+          <a:lstStyle/>
+          <a:p>
+            <a:pPr algn="ctr"/>
+            <a:r>
+              <a:rPr lang="en-US" altLang="zh-CN">
+                <a:solidFill>
+                  <a:schemeClr val="tx1"/>
+                </a:solidFill>
+                <a:latin typeface="Times New Roman" panose="02020603050405020304" pitchFamily="18" charset="0"/>
+                <a:cs typeface="Times New Roman" panose="02020603050405020304" pitchFamily="18" charset="0"/>
+              </a:rPr>
+              <a:t>-21</a:t>
+            </a:r>
+            <a:endParaRPr lang="zh-CN" altLang="en-US">
+              <a:solidFill>
+                <a:schemeClr val="tx1"/>
+              </a:solidFill>
+              <a:latin typeface="Times New Roman" panose="02020603050405020304" pitchFamily="18" charset="0"/>
+              <a:cs typeface="Times New Roman" panose="02020603050405020304" pitchFamily="18" charset="0"/>
+            </a:endParaRPr>
+          </a:p>
+        </p:txBody>
+      </p:sp>
+      <p:sp>
+        <p:nvSpPr>
+          <p:cNvPr id="11" name="矩形 10">
+            <a:extLst>
+              <a:ext uri="{FF2B5EF4-FFF2-40B4-BE49-F238E27FC236}">
+                <a16:creationId xmlns:a16="http://schemas.microsoft.com/office/drawing/2014/main" id="{37454F6E-E850-477B-8B7E-D745B8F1334C}"/>
+              </a:ext>
+            </a:extLst>
+          </p:cNvPr>
+          <p:cNvSpPr/>
+          <p:nvPr/>
+        </p:nvSpPr>
+        <p:spPr>
+          <a:xfrm>
+            <a:off x="4274940" y="1756268"/>
+            <a:ext cx="568171" cy="540152"/>
+          </a:xfrm>
+          <a:prstGeom prst="rect">
+            <a:avLst/>
+          </a:prstGeom>
+        </p:spPr>
+        <p:style>
+          <a:lnRef idx="2">
+            <a:schemeClr val="accent1">
+              <a:shade val="50000"/>
+            </a:schemeClr>
+          </a:lnRef>
+          <a:fillRef idx="1">
+            <a:schemeClr val="accent1"/>
+          </a:fillRef>
+          <a:effectRef idx="0">
+            <a:schemeClr val="accent1"/>
+          </a:effectRef>
+          <a:fontRef idx="minor">
+            <a:schemeClr val="lt1"/>
+          </a:fontRef>
+        </p:style>
+        <p:txBody>
+          <a:bodyPr rtlCol="0" anchor="ctr"/>
+          <a:lstStyle/>
+          <a:p>
+            <a:pPr algn="ctr"/>
+            <a:r>
+              <a:rPr lang="en-US" altLang="zh-CN">
+                <a:solidFill>
+                  <a:schemeClr val="tx1"/>
+                </a:solidFill>
+                <a:latin typeface="Times New Roman" panose="02020603050405020304" pitchFamily="18" charset="0"/>
+                <a:cs typeface="Times New Roman" panose="02020603050405020304" pitchFamily="18" charset="0"/>
+              </a:rPr>
+              <a:t>13</a:t>
+            </a:r>
+            <a:endParaRPr lang="zh-CN" altLang="en-US">
+              <a:solidFill>
+                <a:schemeClr val="tx1"/>
+              </a:solidFill>
+              <a:latin typeface="Times New Roman" panose="02020603050405020304" pitchFamily="18" charset="0"/>
+              <a:cs typeface="Times New Roman" panose="02020603050405020304" pitchFamily="18" charset="0"/>
+            </a:endParaRPr>
+          </a:p>
+        </p:txBody>
+      </p:sp>
+      <p:sp>
+        <p:nvSpPr>
+          <p:cNvPr id="15" name="矩形 14">
+            <a:extLst>
+              <a:ext uri="{FF2B5EF4-FFF2-40B4-BE49-F238E27FC236}">
+                <a16:creationId xmlns:a16="http://schemas.microsoft.com/office/drawing/2014/main" id="{7F483B59-6245-4D65-94F4-27DF2FAC710A}"/>
+              </a:ext>
+            </a:extLst>
+          </p:cNvPr>
+          <p:cNvSpPr/>
+          <p:nvPr/>
+        </p:nvSpPr>
+        <p:spPr>
+          <a:xfrm>
+            <a:off x="3415446" y="2937485"/>
+            <a:ext cx="568171" cy="540152"/>
+          </a:xfrm>
+          <a:prstGeom prst="rect">
+            <a:avLst/>
+          </a:prstGeom>
+        </p:spPr>
+        <p:style>
+          <a:lnRef idx="2">
+            <a:schemeClr val="accent1">
+              <a:shade val="50000"/>
+            </a:schemeClr>
+          </a:lnRef>
+          <a:fillRef idx="1">
+            <a:schemeClr val="accent1"/>
+          </a:fillRef>
+          <a:effectRef idx="0">
+            <a:schemeClr val="accent1"/>
+          </a:effectRef>
+          <a:fontRef idx="minor">
+            <a:schemeClr val="lt1"/>
+          </a:fontRef>
+        </p:style>
+        <p:txBody>
+          <a:bodyPr rtlCol="0" anchor="ctr"/>
+          <a:lstStyle/>
+          <a:p>
+            <a:pPr algn="ctr"/>
+            <a:r>
+              <a:rPr lang="en-US" altLang="zh-CN">
+                <a:solidFill>
+                  <a:schemeClr val="tx1"/>
+                </a:solidFill>
+                <a:latin typeface="Times New Roman" panose="02020603050405020304" pitchFamily="18" charset="0"/>
+                <a:cs typeface="Times New Roman" panose="02020603050405020304" pitchFamily="18" charset="0"/>
+              </a:rPr>
+              <a:t>13</a:t>
+            </a:r>
+            <a:endParaRPr lang="zh-CN" altLang="en-US">
+              <a:solidFill>
+                <a:schemeClr val="tx1"/>
+              </a:solidFill>
+              <a:latin typeface="Times New Roman" panose="02020603050405020304" pitchFamily="18" charset="0"/>
+              <a:cs typeface="Times New Roman" panose="02020603050405020304" pitchFamily="18" charset="0"/>
+            </a:endParaRPr>
+          </a:p>
+        </p:txBody>
+      </p:sp>
+      <p:sp>
+        <p:nvSpPr>
+          <p:cNvPr id="16" name="矩形 15">
+            <a:extLst>
+              <a:ext uri="{FF2B5EF4-FFF2-40B4-BE49-F238E27FC236}">
+                <a16:creationId xmlns:a16="http://schemas.microsoft.com/office/drawing/2014/main" id="{95C11A18-7108-4516-8B6B-370935714CB4}"/>
+              </a:ext>
+            </a:extLst>
+          </p:cNvPr>
+          <p:cNvSpPr/>
+          <p:nvPr/>
+        </p:nvSpPr>
+        <p:spPr>
+          <a:xfrm>
+            <a:off x="7173256" y="2951494"/>
+            <a:ext cx="568171" cy="512134"/>
+          </a:xfrm>
+          <a:prstGeom prst="rect">
+            <a:avLst/>
+          </a:prstGeom>
+        </p:spPr>
+        <p:style>
+          <a:lnRef idx="0">
+            <a:schemeClr val="accent2"/>
+          </a:lnRef>
+          <a:fillRef idx="3">
+            <a:schemeClr val="accent2"/>
+          </a:fillRef>
+          <a:effectRef idx="3">
+            <a:schemeClr val="accent2"/>
+          </a:effectRef>
+          <a:fontRef idx="minor">
+            <a:schemeClr val="lt1"/>
+          </a:fontRef>
+        </p:style>
+        <p:txBody>
+          <a:bodyPr rtlCol="0" anchor="ctr"/>
+          <a:lstStyle/>
+          <a:p>
+            <a:pPr algn="ctr"/>
+            <a:r>
+              <a:rPr lang="en-US" altLang="zh-CN">
+                <a:solidFill>
+                  <a:schemeClr val="tx1"/>
+                </a:solidFill>
+                <a:latin typeface="Times New Roman" panose="02020603050405020304" pitchFamily="18" charset="0"/>
+                <a:cs typeface="Times New Roman" panose="02020603050405020304" pitchFamily="18" charset="0"/>
+              </a:rPr>
+              <a:t>30</a:t>
+            </a:r>
+            <a:endParaRPr lang="zh-CN" altLang="en-US">
+              <a:solidFill>
+                <a:schemeClr val="tx1"/>
+              </a:solidFill>
+              <a:latin typeface="Times New Roman" panose="02020603050405020304" pitchFamily="18" charset="0"/>
+              <a:cs typeface="Times New Roman" panose="02020603050405020304" pitchFamily="18" charset="0"/>
+            </a:endParaRPr>
+          </a:p>
+        </p:txBody>
+      </p:sp>
+      <p:sp>
+        <p:nvSpPr>
+          <p:cNvPr id="17" name="矩形 16">
+            <a:extLst>
+              <a:ext uri="{FF2B5EF4-FFF2-40B4-BE49-F238E27FC236}">
+                <a16:creationId xmlns:a16="http://schemas.microsoft.com/office/drawing/2014/main" id="{1040A365-81DB-464C-B34F-FC610308A17C}"/>
+              </a:ext>
+            </a:extLst>
+          </p:cNvPr>
+          <p:cNvSpPr/>
+          <p:nvPr/>
+        </p:nvSpPr>
+        <p:spPr>
+          <a:xfrm>
+            <a:off x="4274940" y="2972552"/>
+            <a:ext cx="568171" cy="470018"/>
+          </a:xfrm>
+          <a:prstGeom prst="rect">
+            <a:avLst/>
+          </a:prstGeom>
+        </p:spPr>
+        <p:style>
+          <a:lnRef idx="0">
+            <a:schemeClr val="accent2"/>
+          </a:lnRef>
+          <a:fillRef idx="3">
+            <a:schemeClr val="accent2"/>
+          </a:fillRef>
+          <a:effectRef idx="3">
+            <a:schemeClr val="accent2"/>
+          </a:effectRef>
+          <a:fontRef idx="minor">
+            <a:schemeClr val="lt1"/>
+          </a:fontRef>
+        </p:style>
+        <p:txBody>
+          <a:bodyPr rtlCol="0" anchor="ctr"/>
+          <a:lstStyle/>
+          <a:p>
+            <a:pPr algn="ctr"/>
+            <a:r>
+              <a:rPr lang="en-US" altLang="zh-CN">
+                <a:solidFill>
+                  <a:schemeClr val="tx1"/>
+                </a:solidFill>
+                <a:latin typeface="Times New Roman" panose="02020603050405020304" pitchFamily="18" charset="0"/>
+                <a:cs typeface="Times New Roman" panose="02020603050405020304" pitchFamily="18" charset="0"/>
+              </a:rPr>
+              <a:t>-10</a:t>
+            </a:r>
+            <a:endParaRPr lang="zh-CN" altLang="en-US">
+              <a:solidFill>
+                <a:schemeClr val="tx1"/>
+              </a:solidFill>
+              <a:latin typeface="Times New Roman" panose="02020603050405020304" pitchFamily="18" charset="0"/>
+              <a:cs typeface="Times New Roman" panose="02020603050405020304" pitchFamily="18" charset="0"/>
+            </a:endParaRPr>
+          </a:p>
+        </p:txBody>
+      </p:sp>
+      <p:sp>
+        <p:nvSpPr>
+          <p:cNvPr id="18" name="矩形 17">
+            <a:extLst>
+              <a:ext uri="{FF2B5EF4-FFF2-40B4-BE49-F238E27FC236}">
+                <a16:creationId xmlns:a16="http://schemas.microsoft.com/office/drawing/2014/main" id="{AD32AFF1-DB5B-4FC0-B1B8-66F13349EEBF}"/>
+              </a:ext>
+            </a:extLst>
+          </p:cNvPr>
+          <p:cNvSpPr/>
+          <p:nvPr/>
+        </p:nvSpPr>
+        <p:spPr>
+          <a:xfrm>
+            <a:off x="2454906" y="2937485"/>
+            <a:ext cx="568171" cy="540152"/>
+          </a:xfrm>
+          <a:prstGeom prst="rect">
+            <a:avLst/>
+          </a:prstGeom>
+        </p:spPr>
+        <p:style>
+          <a:lnRef idx="2">
+            <a:schemeClr val="accent6">
+              <a:shade val="50000"/>
+            </a:schemeClr>
+          </a:lnRef>
+          <a:fillRef idx="1">
+            <a:schemeClr val="accent6"/>
+          </a:fillRef>
+          <a:effectRef idx="0">
+            <a:schemeClr val="accent6"/>
+          </a:effectRef>
+          <a:fontRef idx="minor">
+            <a:schemeClr val="lt1"/>
+          </a:fontRef>
+        </p:style>
+        <p:txBody>
+          <a:bodyPr rtlCol="0" anchor="ctr"/>
+          <a:lstStyle/>
+          <a:p>
+            <a:pPr algn="ctr"/>
+            <a:r>
+              <a:rPr lang="en-US" altLang="zh-CN">
+                <a:solidFill>
+                  <a:schemeClr val="tx1"/>
+                </a:solidFill>
+                <a:latin typeface="Times New Roman" panose="02020603050405020304" pitchFamily="18" charset="0"/>
+                <a:cs typeface="Times New Roman" panose="02020603050405020304" pitchFamily="18" charset="0"/>
+              </a:rPr>
+              <a:t>-25</a:t>
+            </a:r>
+            <a:endParaRPr lang="zh-CN" altLang="en-US">
+              <a:solidFill>
+                <a:schemeClr val="tx1"/>
+              </a:solidFill>
+              <a:latin typeface="Times New Roman" panose="02020603050405020304" pitchFamily="18" charset="0"/>
+              <a:cs typeface="Times New Roman" panose="02020603050405020304" pitchFamily="18" charset="0"/>
+            </a:endParaRPr>
+          </a:p>
+        </p:txBody>
+      </p:sp>
+      <p:sp>
+        <p:nvSpPr>
+          <p:cNvPr id="19" name="矩形 18">
+            <a:extLst>
+              <a:ext uri="{FF2B5EF4-FFF2-40B4-BE49-F238E27FC236}">
+                <a16:creationId xmlns:a16="http://schemas.microsoft.com/office/drawing/2014/main" id="{3A852DCB-69EE-45A6-86AD-AF81DB466223}"/>
+              </a:ext>
+            </a:extLst>
+          </p:cNvPr>
+          <p:cNvSpPr/>
+          <p:nvPr/>
+        </p:nvSpPr>
+        <p:spPr>
+          <a:xfrm>
+            <a:off x="5303230" y="2937485"/>
+            <a:ext cx="568171" cy="540152"/>
+          </a:xfrm>
+          <a:prstGeom prst="rect">
+            <a:avLst/>
+          </a:prstGeom>
+        </p:spPr>
+        <p:style>
+          <a:lnRef idx="2">
+            <a:schemeClr val="accent6">
+              <a:shade val="50000"/>
+            </a:schemeClr>
+          </a:lnRef>
+          <a:fillRef idx="1">
+            <a:schemeClr val="accent6"/>
+          </a:fillRef>
+          <a:effectRef idx="0">
+            <a:schemeClr val="accent6"/>
+          </a:effectRef>
+          <a:fontRef idx="minor">
+            <a:schemeClr val="lt1"/>
+          </a:fontRef>
+        </p:style>
+        <p:txBody>
+          <a:bodyPr rtlCol="0" anchor="ctr"/>
+          <a:lstStyle/>
+          <a:p>
+            <a:pPr algn="ctr"/>
+            <a:r>
+              <a:rPr lang="en-US" altLang="zh-CN">
+                <a:solidFill>
+                  <a:schemeClr val="tx1"/>
+                </a:solidFill>
+                <a:latin typeface="Times New Roman" panose="02020603050405020304" pitchFamily="18" charset="0"/>
+                <a:cs typeface="Times New Roman" panose="02020603050405020304" pitchFamily="18" charset="0"/>
+              </a:rPr>
+              <a:t>15</a:t>
+            </a:r>
+            <a:endParaRPr lang="zh-CN" altLang="en-US">
+              <a:solidFill>
+                <a:schemeClr val="tx1"/>
+              </a:solidFill>
+              <a:latin typeface="Times New Roman" panose="02020603050405020304" pitchFamily="18" charset="0"/>
+              <a:cs typeface="Times New Roman" panose="02020603050405020304" pitchFamily="18" charset="0"/>
+            </a:endParaRPr>
+          </a:p>
+        </p:txBody>
+      </p:sp>
+      <p:sp>
+        <p:nvSpPr>
+          <p:cNvPr id="20" name="矩形 19">
+            <a:extLst>
+              <a:ext uri="{FF2B5EF4-FFF2-40B4-BE49-F238E27FC236}">
+                <a16:creationId xmlns:a16="http://schemas.microsoft.com/office/drawing/2014/main" id="{D79BAB39-47AA-4051-9ECE-8AB7A70FBF33}"/>
+              </a:ext>
+            </a:extLst>
+          </p:cNvPr>
+          <p:cNvSpPr/>
+          <p:nvPr/>
+        </p:nvSpPr>
+        <p:spPr>
+          <a:xfrm>
+            <a:off x="6141170" y="2937485"/>
+            <a:ext cx="568171" cy="540152"/>
+          </a:xfrm>
+          <a:prstGeom prst="rect">
+            <a:avLst/>
+          </a:prstGeom>
+        </p:spPr>
+        <p:style>
+          <a:lnRef idx="2">
+            <a:schemeClr val="accent1">
+              <a:shade val="50000"/>
+            </a:schemeClr>
+          </a:lnRef>
+          <a:fillRef idx="1">
+            <a:schemeClr val="accent1"/>
+          </a:fillRef>
+          <a:effectRef idx="0">
+            <a:schemeClr val="accent1"/>
+          </a:effectRef>
+          <a:fontRef idx="minor">
+            <a:schemeClr val="lt1"/>
+          </a:fontRef>
+        </p:style>
+        <p:txBody>
+          <a:bodyPr rtlCol="0" anchor="ctr"/>
+          <a:lstStyle/>
+          <a:p>
+            <a:pPr algn="ctr"/>
+            <a:r>
+              <a:rPr lang="en-US" altLang="zh-CN">
+                <a:solidFill>
+                  <a:schemeClr val="tx1"/>
+                </a:solidFill>
+                <a:latin typeface="Times New Roman" panose="02020603050405020304" pitchFamily="18" charset="0"/>
+                <a:cs typeface="Times New Roman" panose="02020603050405020304" pitchFamily="18" charset="0"/>
+              </a:rPr>
+              <a:t>54</a:t>
+            </a:r>
+            <a:endParaRPr lang="zh-CN" altLang="en-US">
+              <a:solidFill>
+                <a:schemeClr val="tx1"/>
+              </a:solidFill>
+              <a:latin typeface="Times New Roman" panose="02020603050405020304" pitchFamily="18" charset="0"/>
+              <a:cs typeface="Times New Roman" panose="02020603050405020304" pitchFamily="18" charset="0"/>
+            </a:endParaRPr>
+          </a:p>
+        </p:txBody>
+      </p:sp>
+      <p:sp>
+        <p:nvSpPr>
+          <p:cNvPr id="31" name="矩形 30">
+            <a:extLst>
+              <a:ext uri="{FF2B5EF4-FFF2-40B4-BE49-F238E27FC236}">
+                <a16:creationId xmlns:a16="http://schemas.microsoft.com/office/drawing/2014/main" id="{2FF83611-3DB3-43BE-9311-C0ACA37D01C2}"/>
+              </a:ext>
+            </a:extLst>
+          </p:cNvPr>
+          <p:cNvSpPr/>
+          <p:nvPr/>
+        </p:nvSpPr>
+        <p:spPr>
+          <a:xfrm>
+            <a:off x="9685538" y="1639592"/>
+            <a:ext cx="2201662" cy="855033"/>
+          </a:xfrm>
+          <a:prstGeom prst="rect">
+            <a:avLst/>
+          </a:prstGeom>
+        </p:spPr>
+        <p:style>
+          <a:lnRef idx="2">
+            <a:schemeClr val="accent1">
+              <a:shade val="50000"/>
+            </a:schemeClr>
+          </a:lnRef>
+          <a:fillRef idx="1">
+            <a:schemeClr val="accent1"/>
+          </a:fillRef>
+          <a:effectRef idx="0">
+            <a:schemeClr val="accent1"/>
+          </a:effectRef>
+          <a:fontRef idx="minor">
+            <a:schemeClr val="lt1"/>
+          </a:fontRef>
+        </p:style>
+        <p:txBody>
+          <a:bodyPr rtlCol="0" anchor="ctr"/>
+          <a:lstStyle/>
+          <a:p>
+            <a:pPr algn="ctr"/>
+            <a:r>
+              <a:rPr lang="zh-CN" altLang="en-US"/>
+              <a:t>以</a:t>
+            </a:r>
+            <a:r>
+              <a:rPr lang="en-US" altLang="zh-CN"/>
+              <a:t>8//2 =4</a:t>
+            </a:r>
+            <a:r>
+              <a:rPr lang="zh-CN" altLang="en-US"/>
+              <a:t>间隔</a:t>
+            </a:r>
+          </a:p>
+        </p:txBody>
+      </p:sp>
+      <p:sp>
+        <p:nvSpPr>
+          <p:cNvPr id="32" name="矩形 31">
+            <a:extLst>
+              <a:ext uri="{FF2B5EF4-FFF2-40B4-BE49-F238E27FC236}">
+                <a16:creationId xmlns:a16="http://schemas.microsoft.com/office/drawing/2014/main" id="{1D4E5CB0-DD83-49B0-9DD5-731A9BE4B459}"/>
+              </a:ext>
+            </a:extLst>
+          </p:cNvPr>
+          <p:cNvSpPr/>
+          <p:nvPr/>
+        </p:nvSpPr>
+        <p:spPr>
+          <a:xfrm>
+            <a:off x="9685538" y="2837415"/>
+            <a:ext cx="2201662" cy="855033"/>
+          </a:xfrm>
+          <a:prstGeom prst="rect">
+            <a:avLst/>
+          </a:prstGeom>
+        </p:spPr>
+        <p:style>
+          <a:lnRef idx="2">
+            <a:schemeClr val="accent1">
+              <a:shade val="50000"/>
+            </a:schemeClr>
+          </a:lnRef>
+          <a:fillRef idx="1">
+            <a:schemeClr val="accent1"/>
+          </a:fillRef>
+          <a:effectRef idx="0">
+            <a:schemeClr val="accent1"/>
+          </a:effectRef>
+          <a:fontRef idx="minor">
+            <a:schemeClr val="lt1"/>
+          </a:fontRef>
+        </p:style>
+        <p:txBody>
+          <a:bodyPr rtlCol="0" anchor="ctr"/>
+          <a:lstStyle/>
+          <a:p>
+            <a:pPr algn="ctr"/>
+            <a:r>
+              <a:rPr lang="zh-CN" altLang="en-US"/>
+              <a:t>以</a:t>
+            </a:r>
+            <a:r>
+              <a:rPr lang="en-US" altLang="zh-CN"/>
+              <a:t>8//2 - 1 =3</a:t>
+            </a:r>
+            <a:r>
+              <a:rPr lang="zh-CN" altLang="en-US"/>
+              <a:t>间隔</a:t>
+            </a:r>
+          </a:p>
+        </p:txBody>
+      </p:sp>
+      <p:sp>
+        <p:nvSpPr>
+          <p:cNvPr id="33" name="矩形 32">
+            <a:extLst>
+              <a:ext uri="{FF2B5EF4-FFF2-40B4-BE49-F238E27FC236}">
+                <a16:creationId xmlns:a16="http://schemas.microsoft.com/office/drawing/2014/main" id="{A5DCDE3A-AC98-4061-8B21-C0803415BBB7}"/>
+              </a:ext>
+            </a:extLst>
+          </p:cNvPr>
+          <p:cNvSpPr/>
+          <p:nvPr/>
+        </p:nvSpPr>
+        <p:spPr>
+          <a:xfrm>
+            <a:off x="1481257" y="1024174"/>
+            <a:ext cx="568171" cy="470018"/>
+          </a:xfrm>
+          <a:prstGeom prst="rect">
+            <a:avLst/>
+          </a:prstGeom>
+        </p:spPr>
+        <p:style>
+          <a:lnRef idx="2">
+            <a:schemeClr val="accent4"/>
+          </a:lnRef>
+          <a:fillRef idx="1">
+            <a:schemeClr val="lt1"/>
+          </a:fillRef>
+          <a:effectRef idx="0">
+            <a:schemeClr val="accent4"/>
+          </a:effectRef>
+          <a:fontRef idx="minor">
+            <a:schemeClr val="dk1"/>
+          </a:fontRef>
+        </p:style>
+        <p:txBody>
+          <a:bodyPr rtlCol="0" anchor="ctr"/>
+          <a:lstStyle/>
+          <a:p>
+            <a:pPr algn="ctr"/>
+            <a:r>
+              <a:rPr lang="en-US" altLang="zh-CN">
+                <a:solidFill>
+                  <a:schemeClr val="tx1"/>
+                </a:solidFill>
+                <a:latin typeface="Times New Roman" panose="02020603050405020304" pitchFamily="18" charset="0"/>
+                <a:cs typeface="Times New Roman" panose="02020603050405020304" pitchFamily="18" charset="0"/>
+              </a:rPr>
+              <a:t>-10</a:t>
+            </a:r>
+            <a:endParaRPr lang="zh-CN" altLang="en-US">
+              <a:solidFill>
+                <a:schemeClr val="tx1"/>
+              </a:solidFill>
+              <a:latin typeface="Times New Roman" panose="02020603050405020304" pitchFamily="18" charset="0"/>
+              <a:cs typeface="Times New Roman" panose="02020603050405020304" pitchFamily="18" charset="0"/>
+            </a:endParaRPr>
+          </a:p>
+        </p:txBody>
+      </p:sp>
+      <p:sp>
+        <p:nvSpPr>
+          <p:cNvPr id="34" name="矩形 33">
+            <a:extLst>
+              <a:ext uri="{FF2B5EF4-FFF2-40B4-BE49-F238E27FC236}">
+                <a16:creationId xmlns:a16="http://schemas.microsoft.com/office/drawing/2014/main" id="{2EEF386B-AECD-495A-A454-60212457B265}"/>
+              </a:ext>
+            </a:extLst>
+          </p:cNvPr>
+          <p:cNvSpPr/>
+          <p:nvPr/>
+        </p:nvSpPr>
+        <p:spPr>
+          <a:xfrm>
+            <a:off x="2454906" y="989107"/>
+            <a:ext cx="568171" cy="540152"/>
+          </a:xfrm>
+          <a:prstGeom prst="rect">
+            <a:avLst/>
+          </a:prstGeom>
+        </p:spPr>
+        <p:style>
+          <a:lnRef idx="2">
+            <a:schemeClr val="accent4"/>
+          </a:lnRef>
+          <a:fillRef idx="1">
+            <a:schemeClr val="lt1"/>
+          </a:fillRef>
+          <a:effectRef idx="0">
+            <a:schemeClr val="accent4"/>
+          </a:effectRef>
+          <a:fontRef idx="minor">
+            <a:schemeClr val="dk1"/>
+          </a:fontRef>
+        </p:style>
+        <p:txBody>
+          <a:bodyPr rtlCol="0" anchor="ctr"/>
+          <a:lstStyle/>
+          <a:p>
+            <a:pPr algn="ctr"/>
+            <a:r>
+              <a:rPr lang="en-US" altLang="zh-CN">
+                <a:solidFill>
+                  <a:schemeClr val="tx1"/>
+                </a:solidFill>
+                <a:latin typeface="Times New Roman" panose="02020603050405020304" pitchFamily="18" charset="0"/>
+                <a:cs typeface="Times New Roman" panose="02020603050405020304" pitchFamily="18" charset="0"/>
+              </a:rPr>
+              <a:t>15</a:t>
+            </a:r>
+            <a:endParaRPr lang="zh-CN" altLang="en-US">
+              <a:solidFill>
+                <a:schemeClr val="tx1"/>
+              </a:solidFill>
+              <a:latin typeface="Times New Roman" panose="02020603050405020304" pitchFamily="18" charset="0"/>
+              <a:cs typeface="Times New Roman" panose="02020603050405020304" pitchFamily="18" charset="0"/>
+            </a:endParaRPr>
+          </a:p>
+        </p:txBody>
+      </p:sp>
+      <p:sp>
+        <p:nvSpPr>
+          <p:cNvPr id="35" name="矩形 34">
+            <a:extLst>
+              <a:ext uri="{FF2B5EF4-FFF2-40B4-BE49-F238E27FC236}">
+                <a16:creationId xmlns:a16="http://schemas.microsoft.com/office/drawing/2014/main" id="{0F68B3B9-823B-4259-A77F-F7ACA346C000}"/>
+              </a:ext>
+            </a:extLst>
+          </p:cNvPr>
+          <p:cNvSpPr/>
+          <p:nvPr/>
+        </p:nvSpPr>
+        <p:spPr>
+          <a:xfrm>
+            <a:off x="603622" y="1003116"/>
+            <a:ext cx="568171" cy="512134"/>
+          </a:xfrm>
+          <a:prstGeom prst="rect">
+            <a:avLst/>
+          </a:prstGeom>
+        </p:spPr>
+        <p:style>
+          <a:lnRef idx="2">
+            <a:schemeClr val="accent4"/>
+          </a:lnRef>
+          <a:fillRef idx="1">
+            <a:schemeClr val="lt1"/>
+          </a:fillRef>
+          <a:effectRef idx="0">
+            <a:schemeClr val="accent4"/>
+          </a:effectRef>
+          <a:fontRef idx="minor">
+            <a:schemeClr val="dk1"/>
+          </a:fontRef>
+        </p:style>
+        <p:txBody>
+          <a:bodyPr rtlCol="0" anchor="ctr"/>
+          <a:lstStyle/>
+          <a:p>
+            <a:pPr algn="ctr"/>
+            <a:r>
+              <a:rPr lang="en-US" altLang="zh-CN">
+                <a:solidFill>
+                  <a:schemeClr val="tx1"/>
+                </a:solidFill>
+                <a:latin typeface="Times New Roman" panose="02020603050405020304" pitchFamily="18" charset="0"/>
+                <a:cs typeface="Times New Roman" panose="02020603050405020304" pitchFamily="18" charset="0"/>
+              </a:rPr>
+              <a:t>30</a:t>
+            </a:r>
+            <a:endParaRPr lang="zh-CN" altLang="en-US">
+              <a:solidFill>
+                <a:schemeClr val="tx1"/>
+              </a:solidFill>
+              <a:latin typeface="Times New Roman" panose="02020603050405020304" pitchFamily="18" charset="0"/>
+              <a:cs typeface="Times New Roman" panose="02020603050405020304" pitchFamily="18" charset="0"/>
+            </a:endParaRPr>
+          </a:p>
+        </p:txBody>
+      </p:sp>
+      <p:sp>
+        <p:nvSpPr>
+          <p:cNvPr id="36" name="矩形 35">
+            <a:extLst>
+              <a:ext uri="{FF2B5EF4-FFF2-40B4-BE49-F238E27FC236}">
+                <a16:creationId xmlns:a16="http://schemas.microsoft.com/office/drawing/2014/main" id="{EEF15F52-726A-4808-8C5A-AE89740E5EE3}"/>
+              </a:ext>
+            </a:extLst>
+          </p:cNvPr>
+          <p:cNvSpPr/>
+          <p:nvPr/>
+        </p:nvSpPr>
+        <p:spPr>
+          <a:xfrm>
+            <a:off x="5303230" y="989107"/>
+            <a:ext cx="568171" cy="540152"/>
+          </a:xfrm>
+          <a:prstGeom prst="rect">
+            <a:avLst/>
+          </a:prstGeom>
+        </p:spPr>
+        <p:style>
+          <a:lnRef idx="2">
+            <a:schemeClr val="accent4"/>
+          </a:lnRef>
+          <a:fillRef idx="1">
+            <a:schemeClr val="lt1"/>
+          </a:fillRef>
+          <a:effectRef idx="0">
+            <a:schemeClr val="accent4"/>
+          </a:effectRef>
+          <a:fontRef idx="minor">
+            <a:schemeClr val="dk1"/>
+          </a:fontRef>
+        </p:style>
+        <p:txBody>
+          <a:bodyPr rtlCol="0" anchor="ctr"/>
+          <a:lstStyle/>
+          <a:p>
+            <a:pPr algn="ctr"/>
+            <a:r>
+              <a:rPr lang="en-US" altLang="zh-CN">
+                <a:solidFill>
+                  <a:schemeClr val="tx1"/>
+                </a:solidFill>
+                <a:latin typeface="Times New Roman" panose="02020603050405020304" pitchFamily="18" charset="0"/>
+                <a:cs typeface="Times New Roman" panose="02020603050405020304" pitchFamily="18" charset="0"/>
+              </a:rPr>
+              <a:t>-25</a:t>
+            </a:r>
+            <a:endParaRPr lang="zh-CN" altLang="en-US">
+              <a:solidFill>
+                <a:schemeClr val="tx1"/>
+              </a:solidFill>
+              <a:latin typeface="Times New Roman" panose="02020603050405020304" pitchFamily="18" charset="0"/>
+              <a:cs typeface="Times New Roman" panose="02020603050405020304" pitchFamily="18" charset="0"/>
+            </a:endParaRPr>
+          </a:p>
+        </p:txBody>
+      </p:sp>
+      <p:sp>
+        <p:nvSpPr>
+          <p:cNvPr id="37" name="矩形 36">
+            <a:extLst>
+              <a:ext uri="{FF2B5EF4-FFF2-40B4-BE49-F238E27FC236}">
+                <a16:creationId xmlns:a16="http://schemas.microsoft.com/office/drawing/2014/main" id="{68EF89E2-EA79-4CD2-9520-688963375EE7}"/>
+              </a:ext>
+            </a:extLst>
+          </p:cNvPr>
+          <p:cNvSpPr/>
+          <p:nvPr/>
+        </p:nvSpPr>
+        <p:spPr>
+          <a:xfrm>
+            <a:off x="6141170" y="989107"/>
+            <a:ext cx="568171" cy="540152"/>
+          </a:xfrm>
+          <a:prstGeom prst="rect">
+            <a:avLst/>
+          </a:prstGeom>
+        </p:spPr>
+        <p:style>
+          <a:lnRef idx="2">
+            <a:schemeClr val="accent4"/>
+          </a:lnRef>
+          <a:fillRef idx="1">
+            <a:schemeClr val="lt1"/>
+          </a:fillRef>
+          <a:effectRef idx="0">
+            <a:schemeClr val="accent4"/>
+          </a:effectRef>
+          <a:fontRef idx="minor">
+            <a:schemeClr val="dk1"/>
+          </a:fontRef>
+        </p:style>
+        <p:txBody>
+          <a:bodyPr rtlCol="0" anchor="ctr"/>
+          <a:lstStyle/>
+          <a:p>
+            <a:pPr algn="ctr"/>
+            <a:r>
+              <a:rPr lang="en-US" altLang="zh-CN">
+                <a:solidFill>
+                  <a:schemeClr val="tx1"/>
+                </a:solidFill>
+                <a:latin typeface="Times New Roman" panose="02020603050405020304" pitchFamily="18" charset="0"/>
+                <a:cs typeface="Times New Roman" panose="02020603050405020304" pitchFamily="18" charset="0"/>
+              </a:rPr>
+              <a:t>54</a:t>
+            </a:r>
+            <a:endParaRPr lang="zh-CN" altLang="en-US">
+              <a:solidFill>
+                <a:schemeClr val="tx1"/>
+              </a:solidFill>
+              <a:latin typeface="Times New Roman" panose="02020603050405020304" pitchFamily="18" charset="0"/>
+              <a:cs typeface="Times New Roman" panose="02020603050405020304" pitchFamily="18" charset="0"/>
+            </a:endParaRPr>
+          </a:p>
+        </p:txBody>
+      </p:sp>
+      <p:sp>
+        <p:nvSpPr>
+          <p:cNvPr id="38" name="矩形 37">
+            <a:extLst>
+              <a:ext uri="{FF2B5EF4-FFF2-40B4-BE49-F238E27FC236}">
+                <a16:creationId xmlns:a16="http://schemas.microsoft.com/office/drawing/2014/main" id="{53F9E800-5EC8-474B-BA02-82B69E4A1FCE}"/>
+              </a:ext>
+            </a:extLst>
+          </p:cNvPr>
+          <p:cNvSpPr/>
+          <p:nvPr/>
+        </p:nvSpPr>
+        <p:spPr>
+          <a:xfrm>
+            <a:off x="7173256" y="989107"/>
+            <a:ext cx="568171" cy="540152"/>
+          </a:xfrm>
+          <a:prstGeom prst="rect">
+            <a:avLst/>
+          </a:prstGeom>
+        </p:spPr>
+        <p:style>
+          <a:lnRef idx="2">
+            <a:schemeClr val="accent4"/>
+          </a:lnRef>
+          <a:fillRef idx="1">
+            <a:schemeClr val="lt1"/>
+          </a:fillRef>
+          <a:effectRef idx="0">
+            <a:schemeClr val="accent4"/>
+          </a:effectRef>
+          <a:fontRef idx="minor">
+            <a:schemeClr val="dk1"/>
+          </a:fontRef>
+        </p:style>
+        <p:txBody>
+          <a:bodyPr rtlCol="0" anchor="ctr"/>
+          <a:lstStyle/>
+          <a:p>
+            <a:pPr algn="ctr"/>
+            <a:r>
+              <a:rPr lang="en-US" altLang="zh-CN">
+                <a:solidFill>
+                  <a:schemeClr val="tx1"/>
+                </a:solidFill>
+                <a:latin typeface="Times New Roman" panose="02020603050405020304" pitchFamily="18" charset="0"/>
+                <a:cs typeface="Times New Roman" panose="02020603050405020304" pitchFamily="18" charset="0"/>
+              </a:rPr>
+              <a:t>-64</a:t>
+            </a:r>
+            <a:endParaRPr lang="zh-CN" altLang="en-US">
+              <a:solidFill>
+                <a:schemeClr val="tx1"/>
+              </a:solidFill>
+              <a:latin typeface="Times New Roman" panose="02020603050405020304" pitchFamily="18" charset="0"/>
+              <a:cs typeface="Times New Roman" panose="02020603050405020304" pitchFamily="18" charset="0"/>
+            </a:endParaRPr>
+          </a:p>
+        </p:txBody>
+      </p:sp>
+      <p:sp>
+        <p:nvSpPr>
+          <p:cNvPr id="39" name="矩形 38">
+            <a:extLst>
+              <a:ext uri="{FF2B5EF4-FFF2-40B4-BE49-F238E27FC236}">
+                <a16:creationId xmlns:a16="http://schemas.microsoft.com/office/drawing/2014/main" id="{56F1335C-AC6A-4ADA-8807-20FFB479260C}"/>
+              </a:ext>
+            </a:extLst>
+          </p:cNvPr>
+          <p:cNvSpPr/>
+          <p:nvPr/>
+        </p:nvSpPr>
+        <p:spPr>
+          <a:xfrm>
+            <a:off x="3415446" y="1017784"/>
+            <a:ext cx="568171" cy="482798"/>
+          </a:xfrm>
+          <a:prstGeom prst="rect">
+            <a:avLst/>
+          </a:prstGeom>
+        </p:spPr>
+        <p:style>
+          <a:lnRef idx="2">
+            <a:schemeClr val="accent4"/>
+          </a:lnRef>
+          <a:fillRef idx="1">
+            <a:schemeClr val="lt1"/>
+          </a:fillRef>
+          <a:effectRef idx="0">
+            <a:schemeClr val="accent4"/>
+          </a:effectRef>
+          <a:fontRef idx="minor">
+            <a:schemeClr val="dk1"/>
+          </a:fontRef>
+        </p:style>
+        <p:txBody>
+          <a:bodyPr rtlCol="0" anchor="ctr"/>
+          <a:lstStyle/>
+          <a:p>
+            <a:pPr algn="ctr"/>
+            <a:r>
+              <a:rPr lang="en-US" altLang="zh-CN">
+                <a:solidFill>
+                  <a:schemeClr val="tx1"/>
+                </a:solidFill>
+                <a:latin typeface="Times New Roman" panose="02020603050405020304" pitchFamily="18" charset="0"/>
+                <a:cs typeface="Times New Roman" panose="02020603050405020304" pitchFamily="18" charset="0"/>
+              </a:rPr>
+              <a:t>-21</a:t>
+            </a:r>
+            <a:endParaRPr lang="zh-CN" altLang="en-US">
+              <a:solidFill>
+                <a:schemeClr val="tx1"/>
+              </a:solidFill>
+              <a:latin typeface="Times New Roman" panose="02020603050405020304" pitchFamily="18" charset="0"/>
+              <a:cs typeface="Times New Roman" panose="02020603050405020304" pitchFamily="18" charset="0"/>
+            </a:endParaRPr>
+          </a:p>
+        </p:txBody>
+      </p:sp>
+      <p:sp>
+        <p:nvSpPr>
+          <p:cNvPr id="40" name="矩形 39">
+            <a:extLst>
+              <a:ext uri="{FF2B5EF4-FFF2-40B4-BE49-F238E27FC236}">
+                <a16:creationId xmlns:a16="http://schemas.microsoft.com/office/drawing/2014/main" id="{01714F50-1698-4CF3-A5A8-FD02F3CA9A80}"/>
+              </a:ext>
+            </a:extLst>
+          </p:cNvPr>
+          <p:cNvSpPr/>
+          <p:nvPr/>
+        </p:nvSpPr>
+        <p:spPr>
+          <a:xfrm>
+            <a:off x="4274940" y="989107"/>
+            <a:ext cx="568171" cy="540152"/>
+          </a:xfrm>
+          <a:prstGeom prst="rect">
+            <a:avLst/>
+          </a:prstGeom>
+        </p:spPr>
+        <p:style>
+          <a:lnRef idx="2">
+            <a:schemeClr val="accent4"/>
+          </a:lnRef>
+          <a:fillRef idx="1">
+            <a:schemeClr val="lt1"/>
+          </a:fillRef>
+          <a:effectRef idx="0">
+            <a:schemeClr val="accent4"/>
+          </a:effectRef>
+          <a:fontRef idx="minor">
+            <a:schemeClr val="dk1"/>
+          </a:fontRef>
+        </p:style>
+        <p:txBody>
+          <a:bodyPr rtlCol="0" anchor="ctr"/>
+          <a:lstStyle/>
+          <a:p>
+            <a:pPr algn="ctr"/>
+            <a:r>
+              <a:rPr lang="en-US" altLang="zh-CN">
+                <a:solidFill>
+                  <a:schemeClr val="tx1"/>
+                </a:solidFill>
+                <a:latin typeface="Times New Roman" panose="02020603050405020304" pitchFamily="18" charset="0"/>
+                <a:cs typeface="Times New Roman" panose="02020603050405020304" pitchFamily="18" charset="0"/>
+              </a:rPr>
+              <a:t>13</a:t>
+            </a:r>
+            <a:endParaRPr lang="zh-CN" altLang="en-US">
+              <a:solidFill>
+                <a:schemeClr val="tx1"/>
+              </a:solidFill>
+              <a:latin typeface="Times New Roman" panose="02020603050405020304" pitchFamily="18" charset="0"/>
+              <a:cs typeface="Times New Roman" panose="02020603050405020304" pitchFamily="18" charset="0"/>
+            </a:endParaRPr>
+          </a:p>
+        </p:txBody>
+      </p:sp>
+      <p:sp>
+        <p:nvSpPr>
+          <p:cNvPr id="41" name="矩形 40">
+            <a:extLst>
+              <a:ext uri="{FF2B5EF4-FFF2-40B4-BE49-F238E27FC236}">
+                <a16:creationId xmlns:a16="http://schemas.microsoft.com/office/drawing/2014/main" id="{0AD3D7E6-2B0E-4F59-9340-5DA94AEF0636}"/>
+              </a:ext>
+            </a:extLst>
+          </p:cNvPr>
+          <p:cNvSpPr/>
+          <p:nvPr/>
+        </p:nvSpPr>
+        <p:spPr>
+          <a:xfrm>
+            <a:off x="603622" y="2937485"/>
+            <a:ext cx="568171" cy="540152"/>
+          </a:xfrm>
+          <a:prstGeom prst="rect">
+            <a:avLst/>
+          </a:prstGeom>
+        </p:spPr>
+        <p:style>
+          <a:lnRef idx="3">
+            <a:schemeClr val="lt1"/>
+          </a:lnRef>
+          <a:fillRef idx="1">
+            <a:schemeClr val="accent1"/>
+          </a:fillRef>
+          <a:effectRef idx="1">
+            <a:schemeClr val="accent1"/>
+          </a:effectRef>
+          <a:fontRef idx="minor">
+            <a:schemeClr val="lt1"/>
+          </a:fontRef>
+        </p:style>
+        <p:txBody>
+          <a:bodyPr rtlCol="0" anchor="ctr"/>
+          <a:lstStyle/>
+          <a:p>
+            <a:pPr algn="ctr"/>
+            <a:r>
+              <a:rPr lang="en-US" altLang="zh-CN">
+                <a:solidFill>
+                  <a:schemeClr val="tx1"/>
+                </a:solidFill>
+                <a:latin typeface="Times New Roman" panose="02020603050405020304" pitchFamily="18" charset="0"/>
+                <a:cs typeface="Times New Roman" panose="02020603050405020304" pitchFamily="18" charset="0"/>
+              </a:rPr>
+              <a:t>-64</a:t>
+            </a:r>
+            <a:endParaRPr lang="zh-CN" altLang="en-US">
+              <a:solidFill>
+                <a:schemeClr val="tx1"/>
+              </a:solidFill>
+              <a:latin typeface="Times New Roman" panose="02020603050405020304" pitchFamily="18" charset="0"/>
+              <a:cs typeface="Times New Roman" panose="02020603050405020304" pitchFamily="18" charset="0"/>
+            </a:endParaRPr>
+          </a:p>
+        </p:txBody>
+      </p:sp>
+      <p:sp>
+        <p:nvSpPr>
+          <p:cNvPr id="42" name="矩形 41">
+            <a:extLst>
+              <a:ext uri="{FF2B5EF4-FFF2-40B4-BE49-F238E27FC236}">
+                <a16:creationId xmlns:a16="http://schemas.microsoft.com/office/drawing/2014/main" id="{B82D0B77-7FB0-4C5A-AEB3-000FE1B5BEB2}"/>
+              </a:ext>
+            </a:extLst>
+          </p:cNvPr>
+          <p:cNvSpPr/>
+          <p:nvPr/>
+        </p:nvSpPr>
+        <p:spPr>
+          <a:xfrm>
+            <a:off x="1481257" y="2966162"/>
+            <a:ext cx="568171" cy="482798"/>
+          </a:xfrm>
+          <a:prstGeom prst="rect">
+            <a:avLst/>
+          </a:prstGeom>
+        </p:spPr>
+        <p:style>
+          <a:lnRef idx="1">
+            <a:schemeClr val="accent2"/>
+          </a:lnRef>
+          <a:fillRef idx="3">
+            <a:schemeClr val="accent2"/>
+          </a:fillRef>
+          <a:effectRef idx="2">
+            <a:schemeClr val="accent2"/>
+          </a:effectRef>
+          <a:fontRef idx="minor">
+            <a:schemeClr val="lt1"/>
+          </a:fontRef>
+        </p:style>
+        <p:txBody>
+          <a:bodyPr rtlCol="0" anchor="ctr"/>
+          <a:lstStyle/>
+          <a:p>
+            <a:pPr algn="ctr"/>
+            <a:r>
+              <a:rPr lang="en-US" altLang="zh-CN">
+                <a:solidFill>
+                  <a:schemeClr val="tx1"/>
+                </a:solidFill>
+                <a:latin typeface="Times New Roman" panose="02020603050405020304" pitchFamily="18" charset="0"/>
+                <a:cs typeface="Times New Roman" panose="02020603050405020304" pitchFamily="18" charset="0"/>
+              </a:rPr>
+              <a:t>-21</a:t>
+            </a:r>
+            <a:endParaRPr lang="zh-CN" altLang="en-US">
+              <a:solidFill>
+                <a:schemeClr val="tx1"/>
+              </a:solidFill>
+              <a:latin typeface="Times New Roman" panose="02020603050405020304" pitchFamily="18" charset="0"/>
+              <a:cs typeface="Times New Roman" panose="02020603050405020304" pitchFamily="18" charset="0"/>
+            </a:endParaRPr>
+          </a:p>
+        </p:txBody>
+      </p:sp>
+      <p:cxnSp>
+        <p:nvCxnSpPr>
+          <p:cNvPr id="53" name="直接连接符 52">
+            <a:extLst>
+              <a:ext uri="{FF2B5EF4-FFF2-40B4-BE49-F238E27FC236}">
+                <a16:creationId xmlns:a16="http://schemas.microsoft.com/office/drawing/2014/main" id="{23A8D0FD-23BB-4B37-96FA-1A9B6957B931}"/>
+              </a:ext>
+            </a:extLst>
+          </p:cNvPr>
+          <p:cNvCxnSpPr>
+            <a:cxnSpLocks/>
+          </p:cNvCxnSpPr>
+          <p:nvPr/>
+        </p:nvCxnSpPr>
+        <p:spPr>
+          <a:xfrm>
+            <a:off x="4072393" y="1680929"/>
+            <a:ext cx="0" cy="772357"/>
+          </a:xfrm>
+          <a:prstGeom prst="line">
+            <a:avLst/>
+          </a:prstGeom>
+          <a:ln w="38100">
+            <a:solidFill>
+              <a:schemeClr val="tx1"/>
+            </a:solidFill>
+            <a:prstDash val="lgDash"/>
+          </a:ln>
+        </p:spPr>
+        <p:style>
+          <a:lnRef idx="1">
+            <a:schemeClr val="accent1"/>
+          </a:lnRef>
+          <a:fillRef idx="0">
+            <a:schemeClr val="accent1"/>
+          </a:fillRef>
+          <a:effectRef idx="0">
+            <a:schemeClr val="accent1"/>
+          </a:effectRef>
+          <a:fontRef idx="minor">
+            <a:schemeClr val="tx1"/>
+          </a:fontRef>
+        </p:style>
+      </p:cxnSp>
+      <p:cxnSp>
+        <p:nvCxnSpPr>
+          <p:cNvPr id="55" name="直接连接符 54">
+            <a:extLst>
+              <a:ext uri="{FF2B5EF4-FFF2-40B4-BE49-F238E27FC236}">
+                <a16:creationId xmlns:a16="http://schemas.microsoft.com/office/drawing/2014/main" id="{CF950BD3-1C58-441B-9B1E-D60ED3B78F26}"/>
+              </a:ext>
+            </a:extLst>
+          </p:cNvPr>
+          <p:cNvCxnSpPr>
+            <a:cxnSpLocks/>
+          </p:cNvCxnSpPr>
+          <p:nvPr/>
+        </p:nvCxnSpPr>
+        <p:spPr>
+          <a:xfrm>
+            <a:off x="3156242" y="2553487"/>
+            <a:ext cx="0" cy="1285441"/>
+          </a:xfrm>
+          <a:prstGeom prst="line">
+            <a:avLst/>
+          </a:prstGeom>
+          <a:ln w="38100">
+            <a:solidFill>
+              <a:schemeClr val="tx1"/>
+            </a:solidFill>
+            <a:prstDash val="lgDash"/>
+          </a:ln>
+        </p:spPr>
+        <p:style>
+          <a:lnRef idx="1">
+            <a:schemeClr val="accent1"/>
+          </a:lnRef>
+          <a:fillRef idx="0">
+            <a:schemeClr val="accent1"/>
+          </a:fillRef>
+          <a:effectRef idx="0">
+            <a:schemeClr val="accent1"/>
+          </a:effectRef>
+          <a:fontRef idx="minor">
+            <a:schemeClr val="tx1"/>
+          </a:fontRef>
+        </p:style>
+      </p:cxnSp>
+      <p:cxnSp>
+        <p:nvCxnSpPr>
+          <p:cNvPr id="57" name="直接连接符 56">
+            <a:extLst>
+              <a:ext uri="{FF2B5EF4-FFF2-40B4-BE49-F238E27FC236}">
+                <a16:creationId xmlns:a16="http://schemas.microsoft.com/office/drawing/2014/main" id="{6AFCA5F6-DBB3-48A0-B93D-A483B34FB262}"/>
+              </a:ext>
+            </a:extLst>
+          </p:cNvPr>
+          <p:cNvCxnSpPr>
+            <a:cxnSpLocks/>
+          </p:cNvCxnSpPr>
+          <p:nvPr/>
+        </p:nvCxnSpPr>
+        <p:spPr>
+          <a:xfrm>
+            <a:off x="6002747" y="2553487"/>
+            <a:ext cx="0" cy="1285441"/>
+          </a:xfrm>
+          <a:prstGeom prst="line">
+            <a:avLst/>
+          </a:prstGeom>
+          <a:ln w="38100">
+            <a:solidFill>
+              <a:schemeClr val="tx1"/>
+            </a:solidFill>
+            <a:prstDash val="lgDash"/>
+          </a:ln>
+        </p:spPr>
+        <p:style>
+          <a:lnRef idx="1">
+            <a:schemeClr val="accent1"/>
+          </a:lnRef>
+          <a:fillRef idx="0">
+            <a:schemeClr val="accent1"/>
+          </a:fillRef>
+          <a:effectRef idx="0">
+            <a:schemeClr val="accent1"/>
+          </a:effectRef>
+          <a:fontRef idx="minor">
+            <a:schemeClr val="tx1"/>
+          </a:fontRef>
+        </p:style>
+      </p:cxnSp>
+      <p:sp>
+        <p:nvSpPr>
+          <p:cNvPr id="58" name="矩形 57">
+            <a:extLst>
+              <a:ext uri="{FF2B5EF4-FFF2-40B4-BE49-F238E27FC236}">
+                <a16:creationId xmlns:a16="http://schemas.microsoft.com/office/drawing/2014/main" id="{1D7A3AA4-176F-4EAD-9A07-49A90C9540DF}"/>
+              </a:ext>
+            </a:extLst>
+          </p:cNvPr>
+          <p:cNvSpPr/>
+          <p:nvPr/>
+        </p:nvSpPr>
+        <p:spPr>
+          <a:xfrm>
+            <a:off x="9685538" y="4204576"/>
+            <a:ext cx="2201662" cy="855033"/>
+          </a:xfrm>
+          <a:prstGeom prst="rect">
+            <a:avLst/>
+          </a:prstGeom>
+        </p:spPr>
+        <p:style>
+          <a:lnRef idx="2">
+            <a:schemeClr val="accent1">
+              <a:shade val="50000"/>
+            </a:schemeClr>
+          </a:lnRef>
+          <a:fillRef idx="1">
+            <a:schemeClr val="accent1"/>
+          </a:fillRef>
+          <a:effectRef idx="0">
+            <a:schemeClr val="accent1"/>
+          </a:effectRef>
+          <a:fontRef idx="minor">
+            <a:schemeClr val="lt1"/>
+          </a:fontRef>
+        </p:style>
+        <p:txBody>
+          <a:bodyPr rtlCol="0" anchor="ctr"/>
+          <a:lstStyle/>
+          <a:p>
+            <a:pPr algn="ctr"/>
+            <a:r>
+              <a:rPr lang="zh-CN" altLang="en-US"/>
+              <a:t>以</a:t>
+            </a:r>
+            <a:r>
+              <a:rPr lang="en-US" altLang="zh-CN"/>
+              <a:t>8//2 - 1 =2</a:t>
+            </a:r>
+            <a:r>
+              <a:rPr lang="zh-CN" altLang="en-US"/>
+              <a:t>间隔</a:t>
+            </a:r>
+          </a:p>
+        </p:txBody>
+      </p:sp>
+      <p:sp>
+        <p:nvSpPr>
+          <p:cNvPr id="59" name="矩形 58">
+            <a:extLst>
+              <a:ext uri="{FF2B5EF4-FFF2-40B4-BE49-F238E27FC236}">
+                <a16:creationId xmlns:a16="http://schemas.microsoft.com/office/drawing/2014/main" id="{69DB1060-6DD4-4BBD-8FBF-5A54CBBAE6BB}"/>
+              </a:ext>
+            </a:extLst>
+          </p:cNvPr>
+          <p:cNvSpPr/>
+          <p:nvPr/>
+        </p:nvSpPr>
+        <p:spPr>
+          <a:xfrm>
+            <a:off x="3415446" y="4126207"/>
+            <a:ext cx="568171" cy="540152"/>
+          </a:xfrm>
+          <a:prstGeom prst="rect">
+            <a:avLst/>
+          </a:prstGeom>
+        </p:spPr>
+        <p:style>
+          <a:lnRef idx="1">
+            <a:schemeClr val="accent2"/>
+          </a:lnRef>
+          <a:fillRef idx="3">
+            <a:schemeClr val="accent2"/>
+          </a:fillRef>
+          <a:effectRef idx="2">
+            <a:schemeClr val="accent2"/>
+          </a:effectRef>
+          <a:fontRef idx="minor">
+            <a:schemeClr val="lt1"/>
+          </a:fontRef>
+        </p:style>
+        <p:txBody>
+          <a:bodyPr rtlCol="0" anchor="ctr"/>
+          <a:lstStyle/>
+          <a:p>
+            <a:pPr algn="ctr"/>
+            <a:r>
+              <a:rPr lang="en-US" altLang="zh-CN">
+                <a:solidFill>
+                  <a:schemeClr val="tx1"/>
+                </a:solidFill>
+                <a:latin typeface="Times New Roman" panose="02020603050405020304" pitchFamily="18" charset="0"/>
+                <a:cs typeface="Times New Roman" panose="02020603050405020304" pitchFamily="18" charset="0"/>
+              </a:rPr>
+              <a:t>13</a:t>
+            </a:r>
+            <a:endParaRPr lang="zh-CN" altLang="en-US">
+              <a:solidFill>
+                <a:schemeClr val="tx1"/>
+              </a:solidFill>
+              <a:latin typeface="Times New Roman" panose="02020603050405020304" pitchFamily="18" charset="0"/>
+              <a:cs typeface="Times New Roman" panose="02020603050405020304" pitchFamily="18" charset="0"/>
+            </a:endParaRPr>
+          </a:p>
+        </p:txBody>
+      </p:sp>
+      <p:sp>
+        <p:nvSpPr>
+          <p:cNvPr id="60" name="矩形 59">
+            <a:extLst>
+              <a:ext uri="{FF2B5EF4-FFF2-40B4-BE49-F238E27FC236}">
+                <a16:creationId xmlns:a16="http://schemas.microsoft.com/office/drawing/2014/main" id="{6015E916-1AA1-492A-BAFA-BE3C7B561834}"/>
+              </a:ext>
+            </a:extLst>
+          </p:cNvPr>
+          <p:cNvSpPr/>
+          <p:nvPr/>
+        </p:nvSpPr>
+        <p:spPr>
+          <a:xfrm>
+            <a:off x="7173256" y="4140216"/>
+            <a:ext cx="568171" cy="512134"/>
+          </a:xfrm>
+          <a:prstGeom prst="rect">
+            <a:avLst/>
+          </a:prstGeom>
+        </p:spPr>
+        <p:style>
+          <a:lnRef idx="1">
+            <a:schemeClr val="accent2"/>
+          </a:lnRef>
+          <a:fillRef idx="3">
+            <a:schemeClr val="accent2"/>
+          </a:fillRef>
+          <a:effectRef idx="2">
+            <a:schemeClr val="accent2"/>
+          </a:effectRef>
+          <a:fontRef idx="minor">
+            <a:schemeClr val="lt1"/>
+          </a:fontRef>
+        </p:style>
+        <p:txBody>
+          <a:bodyPr rtlCol="0" anchor="ctr"/>
+          <a:lstStyle/>
+          <a:p>
+            <a:pPr algn="ctr"/>
+            <a:r>
+              <a:rPr lang="en-US" altLang="zh-CN">
+                <a:solidFill>
+                  <a:schemeClr val="tx1"/>
+                </a:solidFill>
+                <a:latin typeface="Times New Roman" panose="02020603050405020304" pitchFamily="18" charset="0"/>
+                <a:cs typeface="Times New Roman" panose="02020603050405020304" pitchFamily="18" charset="0"/>
+              </a:rPr>
+              <a:t>30</a:t>
+            </a:r>
+            <a:endParaRPr lang="zh-CN" altLang="en-US">
+              <a:solidFill>
+                <a:schemeClr val="tx1"/>
+              </a:solidFill>
+              <a:latin typeface="Times New Roman" panose="02020603050405020304" pitchFamily="18" charset="0"/>
+              <a:cs typeface="Times New Roman" panose="02020603050405020304" pitchFamily="18" charset="0"/>
+            </a:endParaRPr>
+          </a:p>
+        </p:txBody>
+      </p:sp>
+      <p:sp>
+        <p:nvSpPr>
+          <p:cNvPr id="61" name="矩形 60">
+            <a:extLst>
+              <a:ext uri="{FF2B5EF4-FFF2-40B4-BE49-F238E27FC236}">
+                <a16:creationId xmlns:a16="http://schemas.microsoft.com/office/drawing/2014/main" id="{ACEA56FF-C82C-4978-B3D0-92BDD72D311A}"/>
+              </a:ext>
+            </a:extLst>
+          </p:cNvPr>
+          <p:cNvSpPr/>
+          <p:nvPr/>
+        </p:nvSpPr>
+        <p:spPr>
+          <a:xfrm>
+            <a:off x="4274940" y="4161274"/>
+            <a:ext cx="568171" cy="470018"/>
+          </a:xfrm>
+          <a:prstGeom prst="rect">
+            <a:avLst/>
+          </a:prstGeom>
+        </p:spPr>
+        <p:style>
+          <a:lnRef idx="2">
+            <a:schemeClr val="accent1">
+              <a:shade val="50000"/>
+            </a:schemeClr>
+          </a:lnRef>
+          <a:fillRef idx="1">
+            <a:schemeClr val="accent1"/>
+          </a:fillRef>
+          <a:effectRef idx="0">
+            <a:schemeClr val="accent1"/>
+          </a:effectRef>
+          <a:fontRef idx="minor">
+            <a:schemeClr val="lt1"/>
+          </a:fontRef>
+        </p:style>
+        <p:txBody>
+          <a:bodyPr rtlCol="0" anchor="ctr"/>
+          <a:lstStyle/>
+          <a:p>
+            <a:pPr algn="ctr"/>
+            <a:r>
+              <a:rPr lang="en-US" altLang="zh-CN">
+                <a:solidFill>
+                  <a:schemeClr val="tx1"/>
+                </a:solidFill>
+                <a:latin typeface="Times New Roman" panose="02020603050405020304" pitchFamily="18" charset="0"/>
+                <a:cs typeface="Times New Roman" panose="02020603050405020304" pitchFamily="18" charset="0"/>
+              </a:rPr>
+              <a:t>-10</a:t>
+            </a:r>
+            <a:endParaRPr lang="zh-CN" altLang="en-US">
+              <a:solidFill>
+                <a:schemeClr val="tx1"/>
+              </a:solidFill>
+              <a:latin typeface="Times New Roman" panose="02020603050405020304" pitchFamily="18" charset="0"/>
+              <a:cs typeface="Times New Roman" panose="02020603050405020304" pitchFamily="18" charset="0"/>
+            </a:endParaRPr>
+          </a:p>
+        </p:txBody>
+      </p:sp>
+      <p:sp>
+        <p:nvSpPr>
+          <p:cNvPr id="62" name="矩形 61">
+            <a:extLst>
+              <a:ext uri="{FF2B5EF4-FFF2-40B4-BE49-F238E27FC236}">
+                <a16:creationId xmlns:a16="http://schemas.microsoft.com/office/drawing/2014/main" id="{0805DBF8-5EDB-4A2E-808D-DD45356B6E40}"/>
+              </a:ext>
+            </a:extLst>
+          </p:cNvPr>
+          <p:cNvSpPr/>
+          <p:nvPr/>
+        </p:nvSpPr>
+        <p:spPr>
+          <a:xfrm>
+            <a:off x="2454906" y="4126207"/>
+            <a:ext cx="568171" cy="540152"/>
+          </a:xfrm>
+          <a:prstGeom prst="rect">
+            <a:avLst/>
+          </a:prstGeom>
+        </p:spPr>
+        <p:style>
+          <a:lnRef idx="2">
+            <a:schemeClr val="accent1">
+              <a:shade val="50000"/>
+            </a:schemeClr>
+          </a:lnRef>
+          <a:fillRef idx="1">
+            <a:schemeClr val="accent1"/>
+          </a:fillRef>
+          <a:effectRef idx="0">
+            <a:schemeClr val="accent1"/>
+          </a:effectRef>
+          <a:fontRef idx="minor">
+            <a:schemeClr val="lt1"/>
+          </a:fontRef>
+        </p:style>
+        <p:txBody>
+          <a:bodyPr rtlCol="0" anchor="ctr"/>
+          <a:lstStyle/>
+          <a:p>
+            <a:pPr algn="ctr"/>
+            <a:r>
+              <a:rPr lang="en-US" altLang="zh-CN">
+                <a:solidFill>
+                  <a:schemeClr val="tx1"/>
+                </a:solidFill>
+                <a:latin typeface="Times New Roman" panose="02020603050405020304" pitchFamily="18" charset="0"/>
+                <a:cs typeface="Times New Roman" panose="02020603050405020304" pitchFamily="18" charset="0"/>
+              </a:rPr>
+              <a:t>-25</a:t>
+            </a:r>
+            <a:endParaRPr lang="zh-CN" altLang="en-US">
+              <a:solidFill>
+                <a:schemeClr val="tx1"/>
+              </a:solidFill>
+              <a:latin typeface="Times New Roman" panose="02020603050405020304" pitchFamily="18" charset="0"/>
+              <a:cs typeface="Times New Roman" panose="02020603050405020304" pitchFamily="18" charset="0"/>
+            </a:endParaRPr>
+          </a:p>
+        </p:txBody>
+      </p:sp>
+      <p:sp>
+        <p:nvSpPr>
+          <p:cNvPr id="63" name="矩形 62">
+            <a:extLst>
+              <a:ext uri="{FF2B5EF4-FFF2-40B4-BE49-F238E27FC236}">
+                <a16:creationId xmlns:a16="http://schemas.microsoft.com/office/drawing/2014/main" id="{E962CAB0-67C4-4D14-8DCC-469D88A909A7}"/>
+              </a:ext>
+            </a:extLst>
+          </p:cNvPr>
+          <p:cNvSpPr/>
+          <p:nvPr/>
+        </p:nvSpPr>
+        <p:spPr>
+          <a:xfrm>
+            <a:off x="5303230" y="4126207"/>
+            <a:ext cx="568171" cy="540152"/>
+          </a:xfrm>
+          <a:prstGeom prst="rect">
+            <a:avLst/>
+          </a:prstGeom>
+        </p:spPr>
+        <p:style>
+          <a:lnRef idx="1">
+            <a:schemeClr val="accent2"/>
+          </a:lnRef>
+          <a:fillRef idx="3">
+            <a:schemeClr val="accent2"/>
+          </a:fillRef>
+          <a:effectRef idx="2">
+            <a:schemeClr val="accent2"/>
+          </a:effectRef>
+          <a:fontRef idx="minor">
+            <a:schemeClr val="lt1"/>
+          </a:fontRef>
+        </p:style>
+        <p:txBody>
+          <a:bodyPr rtlCol="0" anchor="ctr"/>
+          <a:lstStyle/>
+          <a:p>
+            <a:pPr algn="ctr"/>
+            <a:r>
+              <a:rPr lang="en-US" altLang="zh-CN">
+                <a:solidFill>
+                  <a:schemeClr val="tx1"/>
+                </a:solidFill>
+                <a:latin typeface="Times New Roman" panose="02020603050405020304" pitchFamily="18" charset="0"/>
+                <a:cs typeface="Times New Roman" panose="02020603050405020304" pitchFamily="18" charset="0"/>
+              </a:rPr>
+              <a:t>15</a:t>
+            </a:r>
+            <a:endParaRPr lang="zh-CN" altLang="en-US">
+              <a:solidFill>
+                <a:schemeClr val="tx1"/>
+              </a:solidFill>
+              <a:latin typeface="Times New Roman" panose="02020603050405020304" pitchFamily="18" charset="0"/>
+              <a:cs typeface="Times New Roman" panose="02020603050405020304" pitchFamily="18" charset="0"/>
+            </a:endParaRPr>
+          </a:p>
+        </p:txBody>
+      </p:sp>
+      <p:sp>
+        <p:nvSpPr>
+          <p:cNvPr id="64" name="矩形 63">
+            <a:extLst>
+              <a:ext uri="{FF2B5EF4-FFF2-40B4-BE49-F238E27FC236}">
+                <a16:creationId xmlns:a16="http://schemas.microsoft.com/office/drawing/2014/main" id="{0B9B5B8F-92F6-4019-93DC-A64FFA6144CA}"/>
+              </a:ext>
+            </a:extLst>
+          </p:cNvPr>
+          <p:cNvSpPr/>
+          <p:nvPr/>
+        </p:nvSpPr>
+        <p:spPr>
+          <a:xfrm>
+            <a:off x="6141170" y="4126207"/>
+            <a:ext cx="568171" cy="540152"/>
+          </a:xfrm>
+          <a:prstGeom prst="rect">
+            <a:avLst/>
+          </a:prstGeom>
+        </p:spPr>
+        <p:style>
+          <a:lnRef idx="2">
+            <a:schemeClr val="accent1">
+              <a:shade val="50000"/>
+            </a:schemeClr>
+          </a:lnRef>
+          <a:fillRef idx="1">
+            <a:schemeClr val="accent1"/>
+          </a:fillRef>
+          <a:effectRef idx="0">
+            <a:schemeClr val="accent1"/>
+          </a:effectRef>
+          <a:fontRef idx="minor">
+            <a:schemeClr val="lt1"/>
+          </a:fontRef>
+        </p:style>
+        <p:txBody>
+          <a:bodyPr rtlCol="0" anchor="ctr"/>
+          <a:lstStyle/>
+          <a:p>
+            <a:pPr algn="ctr"/>
+            <a:r>
+              <a:rPr lang="en-US" altLang="zh-CN">
+                <a:solidFill>
+                  <a:schemeClr val="tx1"/>
+                </a:solidFill>
+                <a:latin typeface="Times New Roman" panose="02020603050405020304" pitchFamily="18" charset="0"/>
+                <a:cs typeface="Times New Roman" panose="02020603050405020304" pitchFamily="18" charset="0"/>
+              </a:rPr>
+              <a:t>54</a:t>
+            </a:r>
+            <a:endParaRPr lang="zh-CN" altLang="en-US">
+              <a:solidFill>
+                <a:schemeClr val="tx1"/>
+              </a:solidFill>
+              <a:latin typeface="Times New Roman" panose="02020603050405020304" pitchFamily="18" charset="0"/>
+              <a:cs typeface="Times New Roman" panose="02020603050405020304" pitchFamily="18" charset="0"/>
+            </a:endParaRPr>
+          </a:p>
+        </p:txBody>
+      </p:sp>
+      <p:sp>
+        <p:nvSpPr>
+          <p:cNvPr id="65" name="矩形 64">
+            <a:extLst>
+              <a:ext uri="{FF2B5EF4-FFF2-40B4-BE49-F238E27FC236}">
+                <a16:creationId xmlns:a16="http://schemas.microsoft.com/office/drawing/2014/main" id="{B5D4FBC5-64A3-4AD3-9390-2134D8DA05F8}"/>
+              </a:ext>
+            </a:extLst>
+          </p:cNvPr>
+          <p:cNvSpPr/>
+          <p:nvPr/>
+        </p:nvSpPr>
+        <p:spPr>
+          <a:xfrm>
+            <a:off x="603622" y="4126207"/>
+            <a:ext cx="568171" cy="540152"/>
+          </a:xfrm>
+          <a:prstGeom prst="rect">
+            <a:avLst/>
+          </a:prstGeom>
+        </p:spPr>
+        <p:style>
+          <a:lnRef idx="2">
+            <a:schemeClr val="accent1">
+              <a:shade val="50000"/>
+            </a:schemeClr>
+          </a:lnRef>
+          <a:fillRef idx="1">
+            <a:schemeClr val="accent1"/>
+          </a:fillRef>
+          <a:effectRef idx="0">
+            <a:schemeClr val="accent1"/>
+          </a:effectRef>
+          <a:fontRef idx="minor">
+            <a:schemeClr val="lt1"/>
+          </a:fontRef>
+        </p:style>
+        <p:txBody>
+          <a:bodyPr rtlCol="0" anchor="ctr"/>
+          <a:lstStyle/>
+          <a:p>
+            <a:pPr algn="ctr"/>
+            <a:r>
+              <a:rPr lang="en-US" altLang="zh-CN">
+                <a:solidFill>
+                  <a:schemeClr val="tx1"/>
+                </a:solidFill>
+                <a:latin typeface="Times New Roman" panose="02020603050405020304" pitchFamily="18" charset="0"/>
+                <a:cs typeface="Times New Roman" panose="02020603050405020304" pitchFamily="18" charset="0"/>
+              </a:rPr>
+              <a:t>-64</a:t>
+            </a:r>
+            <a:endParaRPr lang="zh-CN" altLang="en-US">
+              <a:solidFill>
+                <a:schemeClr val="tx1"/>
+              </a:solidFill>
+              <a:latin typeface="Times New Roman" panose="02020603050405020304" pitchFamily="18" charset="0"/>
+              <a:cs typeface="Times New Roman" panose="02020603050405020304" pitchFamily="18" charset="0"/>
+            </a:endParaRPr>
+          </a:p>
+        </p:txBody>
+      </p:sp>
+      <p:sp>
+        <p:nvSpPr>
+          <p:cNvPr id="66" name="矩形 65">
+            <a:extLst>
+              <a:ext uri="{FF2B5EF4-FFF2-40B4-BE49-F238E27FC236}">
+                <a16:creationId xmlns:a16="http://schemas.microsoft.com/office/drawing/2014/main" id="{13B5AA24-2B2E-48BC-8056-B86AEBDC5220}"/>
+              </a:ext>
+            </a:extLst>
+          </p:cNvPr>
+          <p:cNvSpPr/>
+          <p:nvPr/>
+        </p:nvSpPr>
+        <p:spPr>
+          <a:xfrm>
+            <a:off x="1481257" y="4154884"/>
+            <a:ext cx="568171" cy="482798"/>
+          </a:xfrm>
+          <a:prstGeom prst="rect">
+            <a:avLst/>
+          </a:prstGeom>
+        </p:spPr>
+        <p:style>
+          <a:lnRef idx="1">
+            <a:schemeClr val="accent2"/>
+          </a:lnRef>
+          <a:fillRef idx="3">
+            <a:schemeClr val="accent2"/>
+          </a:fillRef>
+          <a:effectRef idx="2">
+            <a:schemeClr val="accent2"/>
+          </a:effectRef>
+          <a:fontRef idx="minor">
+            <a:schemeClr val="lt1"/>
+          </a:fontRef>
+        </p:style>
+        <p:txBody>
+          <a:bodyPr rtlCol="0" anchor="ctr"/>
+          <a:lstStyle/>
+          <a:p>
+            <a:pPr algn="ctr"/>
+            <a:r>
+              <a:rPr lang="en-US" altLang="zh-CN">
+                <a:solidFill>
+                  <a:schemeClr val="tx1"/>
+                </a:solidFill>
+                <a:latin typeface="Times New Roman" panose="02020603050405020304" pitchFamily="18" charset="0"/>
+                <a:cs typeface="Times New Roman" panose="02020603050405020304" pitchFamily="18" charset="0"/>
+              </a:rPr>
+              <a:t>-21</a:t>
+            </a:r>
+            <a:endParaRPr lang="zh-CN" altLang="en-US">
+              <a:solidFill>
+                <a:schemeClr val="tx1"/>
+              </a:solidFill>
+              <a:latin typeface="Times New Roman" panose="02020603050405020304" pitchFamily="18" charset="0"/>
+              <a:cs typeface="Times New Roman" panose="02020603050405020304" pitchFamily="18" charset="0"/>
+            </a:endParaRPr>
+          </a:p>
+        </p:txBody>
+      </p:sp>
+      <p:cxnSp>
+        <p:nvCxnSpPr>
+          <p:cNvPr id="67" name="直接连接符 66">
+            <a:extLst>
+              <a:ext uri="{FF2B5EF4-FFF2-40B4-BE49-F238E27FC236}">
+                <a16:creationId xmlns:a16="http://schemas.microsoft.com/office/drawing/2014/main" id="{3624E6AD-830C-4581-BBD6-8E7E12C0D243}"/>
+              </a:ext>
+            </a:extLst>
+          </p:cNvPr>
+          <p:cNvCxnSpPr>
+            <a:cxnSpLocks/>
+          </p:cNvCxnSpPr>
+          <p:nvPr/>
+        </p:nvCxnSpPr>
+        <p:spPr>
+          <a:xfrm>
+            <a:off x="2213836" y="3705446"/>
+            <a:ext cx="0" cy="1285441"/>
+          </a:xfrm>
+          <a:prstGeom prst="line">
+            <a:avLst/>
+          </a:prstGeom>
+          <a:ln w="38100">
+            <a:solidFill>
+              <a:schemeClr val="tx1"/>
+            </a:solidFill>
+            <a:prstDash val="lgDash"/>
+          </a:ln>
+        </p:spPr>
+        <p:style>
+          <a:lnRef idx="1">
+            <a:schemeClr val="accent1"/>
+          </a:lnRef>
+          <a:fillRef idx="0">
+            <a:schemeClr val="accent1"/>
+          </a:fillRef>
+          <a:effectRef idx="0">
+            <a:schemeClr val="accent1"/>
+          </a:effectRef>
+          <a:fontRef idx="minor">
+            <a:schemeClr val="tx1"/>
+          </a:fontRef>
+        </p:style>
+      </p:cxnSp>
+      <p:cxnSp>
+        <p:nvCxnSpPr>
+          <p:cNvPr id="68" name="直接连接符 67">
+            <a:extLst>
+              <a:ext uri="{FF2B5EF4-FFF2-40B4-BE49-F238E27FC236}">
+                <a16:creationId xmlns:a16="http://schemas.microsoft.com/office/drawing/2014/main" id="{2BD808A9-9D63-40E5-8BDD-054A770BA188}"/>
+              </a:ext>
+            </a:extLst>
+          </p:cNvPr>
+          <p:cNvCxnSpPr>
+            <a:cxnSpLocks/>
+          </p:cNvCxnSpPr>
+          <p:nvPr/>
+        </p:nvCxnSpPr>
+        <p:spPr>
+          <a:xfrm>
+            <a:off x="4170047" y="3681085"/>
+            <a:ext cx="0" cy="1285441"/>
+          </a:xfrm>
+          <a:prstGeom prst="line">
+            <a:avLst/>
+          </a:prstGeom>
+          <a:ln w="38100">
+            <a:solidFill>
+              <a:schemeClr val="tx1"/>
+            </a:solidFill>
+            <a:prstDash val="lgDash"/>
+          </a:ln>
+        </p:spPr>
+        <p:style>
+          <a:lnRef idx="1">
+            <a:schemeClr val="accent1"/>
+          </a:lnRef>
+          <a:fillRef idx="0">
+            <a:schemeClr val="accent1"/>
+          </a:fillRef>
+          <a:effectRef idx="0">
+            <a:schemeClr val="accent1"/>
+          </a:effectRef>
+          <a:fontRef idx="minor">
+            <a:schemeClr val="tx1"/>
+          </a:fontRef>
+        </p:style>
+      </p:cxnSp>
+      <p:cxnSp>
+        <p:nvCxnSpPr>
+          <p:cNvPr id="69" name="直接连接符 68">
+            <a:extLst>
+              <a:ext uri="{FF2B5EF4-FFF2-40B4-BE49-F238E27FC236}">
+                <a16:creationId xmlns:a16="http://schemas.microsoft.com/office/drawing/2014/main" id="{FA0C75A8-472B-4673-B9F5-886E9367CEA2}"/>
+              </a:ext>
+            </a:extLst>
+          </p:cNvPr>
+          <p:cNvCxnSpPr>
+            <a:cxnSpLocks/>
+          </p:cNvCxnSpPr>
+          <p:nvPr/>
+        </p:nvCxnSpPr>
+        <p:spPr>
+          <a:xfrm>
+            <a:off x="6076067" y="3753562"/>
+            <a:ext cx="0" cy="1285441"/>
+          </a:xfrm>
+          <a:prstGeom prst="line">
+            <a:avLst/>
+          </a:prstGeom>
+          <a:ln w="38100">
+            <a:solidFill>
+              <a:schemeClr val="tx1"/>
+            </a:solidFill>
+            <a:prstDash val="lgDash"/>
+          </a:ln>
+        </p:spPr>
+        <p:style>
+          <a:lnRef idx="1">
+            <a:schemeClr val="accent1"/>
+          </a:lnRef>
+          <a:fillRef idx="0">
+            <a:schemeClr val="accent1"/>
+          </a:fillRef>
+          <a:effectRef idx="0">
+            <a:schemeClr val="accent1"/>
+          </a:effectRef>
+          <a:fontRef idx="minor">
+            <a:schemeClr val="tx1"/>
+          </a:fontRef>
+        </p:style>
+      </p:cxnSp>
+      <p:sp>
+        <p:nvSpPr>
+          <p:cNvPr id="70" name="矩形 69">
+            <a:extLst>
+              <a:ext uri="{FF2B5EF4-FFF2-40B4-BE49-F238E27FC236}">
+                <a16:creationId xmlns:a16="http://schemas.microsoft.com/office/drawing/2014/main" id="{F187989B-E96E-4131-88C6-215697038A8B}"/>
+              </a:ext>
+            </a:extLst>
+          </p:cNvPr>
+          <p:cNvSpPr/>
+          <p:nvPr/>
+        </p:nvSpPr>
+        <p:spPr>
+          <a:xfrm>
+            <a:off x="9685538" y="5465656"/>
+            <a:ext cx="2201662" cy="855033"/>
+          </a:xfrm>
+          <a:prstGeom prst="rect">
+            <a:avLst/>
+          </a:prstGeom>
+        </p:spPr>
+        <p:style>
+          <a:lnRef idx="2">
+            <a:schemeClr val="accent1">
+              <a:shade val="50000"/>
+            </a:schemeClr>
+          </a:lnRef>
+          <a:fillRef idx="1">
+            <a:schemeClr val="accent1"/>
+          </a:fillRef>
+          <a:effectRef idx="0">
+            <a:schemeClr val="accent1"/>
+          </a:effectRef>
+          <a:fontRef idx="minor">
+            <a:schemeClr val="lt1"/>
+          </a:fontRef>
+        </p:style>
+        <p:txBody>
+          <a:bodyPr rtlCol="0" anchor="ctr"/>
+          <a:lstStyle/>
+          <a:p>
+            <a:pPr algn="ctr"/>
+            <a:r>
+              <a:rPr lang="zh-CN" altLang="en-US"/>
+              <a:t>以</a:t>
+            </a:r>
+            <a:r>
+              <a:rPr lang="en-US" altLang="zh-CN"/>
+              <a:t>8//2 - 1 =1</a:t>
+            </a:r>
+            <a:r>
+              <a:rPr lang="zh-CN" altLang="en-US"/>
+              <a:t>间隔</a:t>
+            </a:r>
+          </a:p>
+        </p:txBody>
+      </p:sp>
+      <p:sp>
+        <p:nvSpPr>
+          <p:cNvPr id="71" name="矩形 70">
+            <a:extLst>
+              <a:ext uri="{FF2B5EF4-FFF2-40B4-BE49-F238E27FC236}">
+                <a16:creationId xmlns:a16="http://schemas.microsoft.com/office/drawing/2014/main" id="{F644201D-75F8-4AE2-9654-0A21DC0A28E6}"/>
+              </a:ext>
+            </a:extLst>
+          </p:cNvPr>
+          <p:cNvSpPr/>
+          <p:nvPr/>
+        </p:nvSpPr>
+        <p:spPr>
+          <a:xfrm>
+            <a:off x="4274940" y="5429902"/>
+            <a:ext cx="568171" cy="540152"/>
+          </a:xfrm>
+          <a:prstGeom prst="rect">
+            <a:avLst/>
+          </a:prstGeom>
+        </p:spPr>
+        <p:style>
+          <a:lnRef idx="1">
+            <a:schemeClr val="accent2"/>
+          </a:lnRef>
+          <a:fillRef idx="3">
+            <a:schemeClr val="accent2"/>
+          </a:fillRef>
+          <a:effectRef idx="2">
+            <a:schemeClr val="accent2"/>
+          </a:effectRef>
+          <a:fontRef idx="minor">
+            <a:schemeClr val="lt1"/>
+          </a:fontRef>
+        </p:style>
+        <p:txBody>
+          <a:bodyPr rtlCol="0" anchor="ctr"/>
+          <a:lstStyle/>
+          <a:p>
+            <a:pPr algn="ctr"/>
+            <a:r>
+              <a:rPr lang="en-US" altLang="zh-CN">
+                <a:solidFill>
+                  <a:schemeClr val="tx1"/>
+                </a:solidFill>
+                <a:latin typeface="Times New Roman" panose="02020603050405020304" pitchFamily="18" charset="0"/>
+                <a:cs typeface="Times New Roman" panose="02020603050405020304" pitchFamily="18" charset="0"/>
+              </a:rPr>
+              <a:t>13</a:t>
+            </a:r>
+            <a:endParaRPr lang="zh-CN" altLang="en-US">
+              <a:solidFill>
+                <a:schemeClr val="tx1"/>
+              </a:solidFill>
+              <a:latin typeface="Times New Roman" panose="02020603050405020304" pitchFamily="18" charset="0"/>
+              <a:cs typeface="Times New Roman" panose="02020603050405020304" pitchFamily="18" charset="0"/>
+            </a:endParaRPr>
+          </a:p>
+        </p:txBody>
+      </p:sp>
+      <p:sp>
+        <p:nvSpPr>
+          <p:cNvPr id="72" name="矩形 71">
+            <a:extLst>
+              <a:ext uri="{FF2B5EF4-FFF2-40B4-BE49-F238E27FC236}">
+                <a16:creationId xmlns:a16="http://schemas.microsoft.com/office/drawing/2014/main" id="{900F215B-2C7F-45DA-8AE6-83431FE846A7}"/>
+              </a:ext>
+            </a:extLst>
+          </p:cNvPr>
+          <p:cNvSpPr/>
+          <p:nvPr/>
+        </p:nvSpPr>
+        <p:spPr>
+          <a:xfrm>
+            <a:off x="6141170" y="5443911"/>
+            <a:ext cx="568171" cy="512134"/>
+          </a:xfrm>
+          <a:prstGeom prst="rect">
+            <a:avLst/>
+          </a:prstGeom>
+        </p:spPr>
+        <p:style>
+          <a:lnRef idx="1">
+            <a:schemeClr val="accent2"/>
+          </a:lnRef>
+          <a:fillRef idx="3">
+            <a:schemeClr val="accent2"/>
+          </a:fillRef>
+          <a:effectRef idx="2">
+            <a:schemeClr val="accent2"/>
+          </a:effectRef>
+          <a:fontRef idx="minor">
+            <a:schemeClr val="lt1"/>
+          </a:fontRef>
+        </p:style>
+        <p:txBody>
+          <a:bodyPr rtlCol="0" anchor="ctr"/>
+          <a:lstStyle/>
+          <a:p>
+            <a:pPr algn="ctr"/>
+            <a:r>
+              <a:rPr lang="en-US" altLang="zh-CN">
+                <a:solidFill>
+                  <a:schemeClr val="tx1"/>
+                </a:solidFill>
+                <a:latin typeface="Times New Roman" panose="02020603050405020304" pitchFamily="18" charset="0"/>
+                <a:cs typeface="Times New Roman" panose="02020603050405020304" pitchFamily="18" charset="0"/>
+              </a:rPr>
+              <a:t>30</a:t>
+            </a:r>
+            <a:endParaRPr lang="zh-CN" altLang="en-US">
+              <a:solidFill>
+                <a:schemeClr val="tx1"/>
+              </a:solidFill>
+              <a:latin typeface="Times New Roman" panose="02020603050405020304" pitchFamily="18" charset="0"/>
+              <a:cs typeface="Times New Roman" panose="02020603050405020304" pitchFamily="18" charset="0"/>
+            </a:endParaRPr>
+          </a:p>
+        </p:txBody>
+      </p:sp>
+      <p:sp>
+        <p:nvSpPr>
+          <p:cNvPr id="73" name="矩形 72">
+            <a:extLst>
+              <a:ext uri="{FF2B5EF4-FFF2-40B4-BE49-F238E27FC236}">
+                <a16:creationId xmlns:a16="http://schemas.microsoft.com/office/drawing/2014/main" id="{FA93C94C-76AD-4915-B6F3-6F0EA0E191BB}"/>
+              </a:ext>
+            </a:extLst>
+          </p:cNvPr>
+          <p:cNvSpPr/>
+          <p:nvPr/>
+        </p:nvSpPr>
+        <p:spPr>
+          <a:xfrm>
+            <a:off x="3415446" y="5464969"/>
+            <a:ext cx="568171" cy="470018"/>
+          </a:xfrm>
+          <a:prstGeom prst="rect">
+            <a:avLst/>
+          </a:prstGeom>
+        </p:spPr>
+        <p:style>
+          <a:lnRef idx="2">
+            <a:schemeClr val="accent1">
+              <a:shade val="50000"/>
+            </a:schemeClr>
+          </a:lnRef>
+          <a:fillRef idx="1">
+            <a:schemeClr val="accent1"/>
+          </a:fillRef>
+          <a:effectRef idx="0">
+            <a:schemeClr val="accent1"/>
+          </a:effectRef>
+          <a:fontRef idx="minor">
+            <a:schemeClr val="lt1"/>
+          </a:fontRef>
+        </p:style>
+        <p:txBody>
+          <a:bodyPr rtlCol="0" anchor="ctr"/>
+          <a:lstStyle/>
+          <a:p>
+            <a:pPr algn="ctr"/>
+            <a:r>
+              <a:rPr lang="en-US" altLang="zh-CN">
+                <a:solidFill>
+                  <a:schemeClr val="tx1"/>
+                </a:solidFill>
+                <a:latin typeface="Times New Roman" panose="02020603050405020304" pitchFamily="18" charset="0"/>
+                <a:cs typeface="Times New Roman" panose="02020603050405020304" pitchFamily="18" charset="0"/>
+              </a:rPr>
+              <a:t>-10</a:t>
+            </a:r>
+            <a:endParaRPr lang="zh-CN" altLang="en-US">
+              <a:solidFill>
+                <a:schemeClr val="tx1"/>
+              </a:solidFill>
+              <a:latin typeface="Times New Roman" panose="02020603050405020304" pitchFamily="18" charset="0"/>
+              <a:cs typeface="Times New Roman" panose="02020603050405020304" pitchFamily="18" charset="0"/>
+            </a:endParaRPr>
+          </a:p>
+        </p:txBody>
+      </p:sp>
+      <p:sp>
+        <p:nvSpPr>
+          <p:cNvPr id="74" name="矩形 73">
+            <a:extLst>
+              <a:ext uri="{FF2B5EF4-FFF2-40B4-BE49-F238E27FC236}">
+                <a16:creationId xmlns:a16="http://schemas.microsoft.com/office/drawing/2014/main" id="{676E4CB2-52AA-4259-9734-52095B2E2B8C}"/>
+              </a:ext>
+            </a:extLst>
+          </p:cNvPr>
+          <p:cNvSpPr/>
+          <p:nvPr/>
+        </p:nvSpPr>
+        <p:spPr>
+          <a:xfrm>
+            <a:off x="1481257" y="5429902"/>
+            <a:ext cx="568171" cy="540152"/>
+          </a:xfrm>
+          <a:prstGeom prst="rect">
+            <a:avLst/>
+          </a:prstGeom>
+        </p:spPr>
+        <p:style>
+          <a:lnRef idx="2">
+            <a:schemeClr val="accent1">
+              <a:shade val="50000"/>
+            </a:schemeClr>
+          </a:lnRef>
+          <a:fillRef idx="1">
+            <a:schemeClr val="accent1"/>
+          </a:fillRef>
+          <a:effectRef idx="0">
+            <a:schemeClr val="accent1"/>
+          </a:effectRef>
+          <a:fontRef idx="minor">
+            <a:schemeClr val="lt1"/>
+          </a:fontRef>
+        </p:style>
+        <p:txBody>
+          <a:bodyPr rtlCol="0" anchor="ctr"/>
+          <a:lstStyle/>
+          <a:p>
+            <a:pPr algn="ctr"/>
+            <a:r>
+              <a:rPr lang="en-US" altLang="zh-CN">
+                <a:solidFill>
+                  <a:schemeClr val="tx1"/>
+                </a:solidFill>
+                <a:latin typeface="Times New Roman" panose="02020603050405020304" pitchFamily="18" charset="0"/>
+                <a:cs typeface="Times New Roman" panose="02020603050405020304" pitchFamily="18" charset="0"/>
+              </a:rPr>
+              <a:t>-25</a:t>
+            </a:r>
+            <a:endParaRPr lang="zh-CN" altLang="en-US">
+              <a:solidFill>
+                <a:schemeClr val="tx1"/>
+              </a:solidFill>
+              <a:latin typeface="Times New Roman" panose="02020603050405020304" pitchFamily="18" charset="0"/>
+              <a:cs typeface="Times New Roman" panose="02020603050405020304" pitchFamily="18" charset="0"/>
+            </a:endParaRPr>
+          </a:p>
+        </p:txBody>
+      </p:sp>
+      <p:sp>
+        <p:nvSpPr>
+          <p:cNvPr id="75" name="矩形 74">
+            <a:extLst>
+              <a:ext uri="{FF2B5EF4-FFF2-40B4-BE49-F238E27FC236}">
+                <a16:creationId xmlns:a16="http://schemas.microsoft.com/office/drawing/2014/main" id="{5A4234B7-4BBD-4EEC-9D86-230822D8F55B}"/>
+              </a:ext>
+            </a:extLst>
+          </p:cNvPr>
+          <p:cNvSpPr/>
+          <p:nvPr/>
+        </p:nvSpPr>
+        <p:spPr>
+          <a:xfrm>
+            <a:off x="5303230" y="5429902"/>
+            <a:ext cx="568171" cy="540152"/>
+          </a:xfrm>
+          <a:prstGeom prst="rect">
+            <a:avLst/>
+          </a:prstGeom>
+        </p:spPr>
+        <p:style>
+          <a:lnRef idx="1">
+            <a:schemeClr val="accent2"/>
+          </a:lnRef>
+          <a:fillRef idx="3">
+            <a:schemeClr val="accent2"/>
+          </a:fillRef>
+          <a:effectRef idx="2">
+            <a:schemeClr val="accent2"/>
+          </a:effectRef>
+          <a:fontRef idx="minor">
+            <a:schemeClr val="lt1"/>
+          </a:fontRef>
+        </p:style>
+        <p:txBody>
+          <a:bodyPr rtlCol="0" anchor="ctr"/>
+          <a:lstStyle/>
+          <a:p>
+            <a:pPr algn="ctr"/>
+            <a:r>
+              <a:rPr lang="en-US" altLang="zh-CN">
+                <a:solidFill>
+                  <a:schemeClr val="tx1"/>
+                </a:solidFill>
+                <a:latin typeface="Times New Roman" panose="02020603050405020304" pitchFamily="18" charset="0"/>
+                <a:cs typeface="Times New Roman" panose="02020603050405020304" pitchFamily="18" charset="0"/>
+              </a:rPr>
+              <a:t>15</a:t>
+            </a:r>
+            <a:endParaRPr lang="zh-CN" altLang="en-US">
+              <a:solidFill>
+                <a:schemeClr val="tx1"/>
+              </a:solidFill>
+              <a:latin typeface="Times New Roman" panose="02020603050405020304" pitchFamily="18" charset="0"/>
+              <a:cs typeface="Times New Roman" panose="02020603050405020304" pitchFamily="18" charset="0"/>
+            </a:endParaRPr>
+          </a:p>
+        </p:txBody>
+      </p:sp>
+      <p:sp>
+        <p:nvSpPr>
+          <p:cNvPr id="76" name="矩形 75">
+            <a:extLst>
+              <a:ext uri="{FF2B5EF4-FFF2-40B4-BE49-F238E27FC236}">
+                <a16:creationId xmlns:a16="http://schemas.microsoft.com/office/drawing/2014/main" id="{C1784A40-8052-42A6-9EF8-A52C69AC7411}"/>
+              </a:ext>
+            </a:extLst>
+          </p:cNvPr>
+          <p:cNvSpPr/>
+          <p:nvPr/>
+        </p:nvSpPr>
+        <p:spPr>
+          <a:xfrm>
+            <a:off x="7173256" y="5429902"/>
+            <a:ext cx="568171" cy="540152"/>
+          </a:xfrm>
+          <a:prstGeom prst="rect">
+            <a:avLst/>
+          </a:prstGeom>
+        </p:spPr>
+        <p:style>
+          <a:lnRef idx="2">
+            <a:schemeClr val="accent1">
+              <a:shade val="50000"/>
+            </a:schemeClr>
+          </a:lnRef>
+          <a:fillRef idx="1">
+            <a:schemeClr val="accent1"/>
+          </a:fillRef>
+          <a:effectRef idx="0">
+            <a:schemeClr val="accent1"/>
+          </a:effectRef>
+          <a:fontRef idx="minor">
+            <a:schemeClr val="lt1"/>
+          </a:fontRef>
+        </p:style>
+        <p:txBody>
+          <a:bodyPr rtlCol="0" anchor="ctr"/>
+          <a:lstStyle/>
+          <a:p>
+            <a:pPr algn="ctr"/>
+            <a:r>
+              <a:rPr lang="en-US" altLang="zh-CN">
+                <a:solidFill>
+                  <a:schemeClr val="tx1"/>
+                </a:solidFill>
+                <a:latin typeface="Times New Roman" panose="02020603050405020304" pitchFamily="18" charset="0"/>
+                <a:cs typeface="Times New Roman" panose="02020603050405020304" pitchFamily="18" charset="0"/>
+              </a:rPr>
+              <a:t>54</a:t>
+            </a:r>
+            <a:endParaRPr lang="zh-CN" altLang="en-US">
+              <a:solidFill>
+                <a:schemeClr val="tx1"/>
+              </a:solidFill>
+              <a:latin typeface="Times New Roman" panose="02020603050405020304" pitchFamily="18" charset="0"/>
+              <a:cs typeface="Times New Roman" panose="02020603050405020304" pitchFamily="18" charset="0"/>
+            </a:endParaRPr>
+          </a:p>
+        </p:txBody>
+      </p:sp>
+      <p:sp>
+        <p:nvSpPr>
+          <p:cNvPr id="77" name="矩形 76">
+            <a:extLst>
+              <a:ext uri="{FF2B5EF4-FFF2-40B4-BE49-F238E27FC236}">
+                <a16:creationId xmlns:a16="http://schemas.microsoft.com/office/drawing/2014/main" id="{DCBC1BCF-A93E-40F3-901F-0E7E93E72AFF}"/>
+              </a:ext>
+            </a:extLst>
+          </p:cNvPr>
+          <p:cNvSpPr/>
+          <p:nvPr/>
+        </p:nvSpPr>
+        <p:spPr>
+          <a:xfrm>
+            <a:off x="603622" y="5429902"/>
+            <a:ext cx="568171" cy="540152"/>
+          </a:xfrm>
+          <a:prstGeom prst="rect">
+            <a:avLst/>
+          </a:prstGeom>
+        </p:spPr>
+        <p:style>
+          <a:lnRef idx="2">
+            <a:schemeClr val="accent1">
+              <a:shade val="50000"/>
+            </a:schemeClr>
+          </a:lnRef>
+          <a:fillRef idx="1">
+            <a:schemeClr val="accent1"/>
+          </a:fillRef>
+          <a:effectRef idx="0">
+            <a:schemeClr val="accent1"/>
+          </a:effectRef>
+          <a:fontRef idx="minor">
+            <a:schemeClr val="lt1"/>
+          </a:fontRef>
+        </p:style>
+        <p:txBody>
+          <a:bodyPr rtlCol="0" anchor="ctr"/>
+          <a:lstStyle/>
+          <a:p>
+            <a:pPr algn="ctr"/>
+            <a:r>
+              <a:rPr lang="en-US" altLang="zh-CN">
+                <a:solidFill>
+                  <a:schemeClr val="tx1"/>
+                </a:solidFill>
+                <a:latin typeface="Times New Roman" panose="02020603050405020304" pitchFamily="18" charset="0"/>
+                <a:cs typeface="Times New Roman" panose="02020603050405020304" pitchFamily="18" charset="0"/>
+              </a:rPr>
+              <a:t>-64</a:t>
+            </a:r>
+            <a:endParaRPr lang="zh-CN" altLang="en-US">
+              <a:solidFill>
+                <a:schemeClr val="tx1"/>
+              </a:solidFill>
+              <a:latin typeface="Times New Roman" panose="02020603050405020304" pitchFamily="18" charset="0"/>
+              <a:cs typeface="Times New Roman" panose="02020603050405020304" pitchFamily="18" charset="0"/>
+            </a:endParaRPr>
+          </a:p>
+        </p:txBody>
+      </p:sp>
+      <p:sp>
+        <p:nvSpPr>
+          <p:cNvPr id="78" name="矩形 77">
+            <a:extLst>
+              <a:ext uri="{FF2B5EF4-FFF2-40B4-BE49-F238E27FC236}">
+                <a16:creationId xmlns:a16="http://schemas.microsoft.com/office/drawing/2014/main" id="{95644AEC-5956-4DB7-ACBD-D6F75F42D06C}"/>
+              </a:ext>
+            </a:extLst>
+          </p:cNvPr>
+          <p:cNvSpPr/>
+          <p:nvPr/>
+        </p:nvSpPr>
+        <p:spPr>
+          <a:xfrm>
+            <a:off x="2454906" y="5458579"/>
+            <a:ext cx="568171" cy="482798"/>
+          </a:xfrm>
+          <a:prstGeom prst="rect">
+            <a:avLst/>
+          </a:prstGeom>
+        </p:spPr>
+        <p:style>
+          <a:lnRef idx="1">
+            <a:schemeClr val="accent2"/>
+          </a:lnRef>
+          <a:fillRef idx="3">
+            <a:schemeClr val="accent2"/>
+          </a:fillRef>
+          <a:effectRef idx="2">
+            <a:schemeClr val="accent2"/>
+          </a:effectRef>
+          <a:fontRef idx="minor">
+            <a:schemeClr val="lt1"/>
+          </a:fontRef>
+        </p:style>
+        <p:txBody>
+          <a:bodyPr rtlCol="0" anchor="ctr"/>
+          <a:lstStyle/>
+          <a:p>
+            <a:pPr algn="ctr"/>
+            <a:r>
+              <a:rPr lang="en-US" altLang="zh-CN">
+                <a:solidFill>
+                  <a:schemeClr val="tx1"/>
+                </a:solidFill>
+                <a:latin typeface="Times New Roman" panose="02020603050405020304" pitchFamily="18" charset="0"/>
+                <a:cs typeface="Times New Roman" panose="02020603050405020304" pitchFamily="18" charset="0"/>
+              </a:rPr>
+              <a:t>-21</a:t>
+            </a:r>
+            <a:endParaRPr lang="zh-CN" altLang="en-US">
+              <a:solidFill>
+                <a:schemeClr val="tx1"/>
+              </a:solidFill>
+              <a:latin typeface="Times New Roman" panose="02020603050405020304" pitchFamily="18" charset="0"/>
+              <a:cs typeface="Times New Roman" panose="02020603050405020304" pitchFamily="18" charset="0"/>
+            </a:endParaRPr>
+          </a:p>
+        </p:txBody>
+      </p:sp>
+      <p:cxnSp>
+        <p:nvCxnSpPr>
+          <p:cNvPr id="79" name="直接连接符 78">
+            <a:extLst>
+              <a:ext uri="{FF2B5EF4-FFF2-40B4-BE49-F238E27FC236}">
+                <a16:creationId xmlns:a16="http://schemas.microsoft.com/office/drawing/2014/main" id="{72306D44-2113-4F68-B034-F1BD6643DE01}"/>
+              </a:ext>
+            </a:extLst>
+          </p:cNvPr>
+          <p:cNvCxnSpPr>
+            <a:cxnSpLocks/>
+          </p:cNvCxnSpPr>
+          <p:nvPr/>
+        </p:nvCxnSpPr>
+        <p:spPr>
+          <a:xfrm>
+            <a:off x="1367101" y="4966526"/>
+            <a:ext cx="0" cy="1285441"/>
+          </a:xfrm>
+          <a:prstGeom prst="line">
+            <a:avLst/>
+          </a:prstGeom>
+          <a:ln w="38100">
+            <a:solidFill>
+              <a:schemeClr val="tx1"/>
+            </a:solidFill>
+            <a:prstDash val="lgDash"/>
+          </a:ln>
+        </p:spPr>
+        <p:style>
+          <a:lnRef idx="1">
+            <a:schemeClr val="accent1"/>
+          </a:lnRef>
+          <a:fillRef idx="0">
+            <a:schemeClr val="accent1"/>
+          </a:fillRef>
+          <a:effectRef idx="0">
+            <a:schemeClr val="accent1"/>
+          </a:effectRef>
+          <a:fontRef idx="minor">
+            <a:schemeClr val="tx1"/>
+          </a:fontRef>
+        </p:style>
+      </p:cxnSp>
+      <p:cxnSp>
+        <p:nvCxnSpPr>
+          <p:cNvPr id="80" name="直接连接符 79">
+            <a:extLst>
+              <a:ext uri="{FF2B5EF4-FFF2-40B4-BE49-F238E27FC236}">
+                <a16:creationId xmlns:a16="http://schemas.microsoft.com/office/drawing/2014/main" id="{E7AE2B17-6B9A-4461-9A01-524F2FBA06B6}"/>
+              </a:ext>
+            </a:extLst>
+          </p:cNvPr>
+          <p:cNvCxnSpPr>
+            <a:cxnSpLocks/>
+          </p:cNvCxnSpPr>
+          <p:nvPr/>
+        </p:nvCxnSpPr>
+        <p:spPr>
+          <a:xfrm>
+            <a:off x="2262893" y="5035248"/>
+            <a:ext cx="0" cy="1285441"/>
+          </a:xfrm>
+          <a:prstGeom prst="line">
+            <a:avLst/>
+          </a:prstGeom>
+          <a:ln w="38100">
+            <a:solidFill>
+              <a:schemeClr val="tx1"/>
+            </a:solidFill>
+            <a:prstDash val="lgDash"/>
+          </a:ln>
+        </p:spPr>
+        <p:style>
+          <a:lnRef idx="1">
+            <a:schemeClr val="accent1"/>
+          </a:lnRef>
+          <a:fillRef idx="0">
+            <a:schemeClr val="accent1"/>
+          </a:fillRef>
+          <a:effectRef idx="0">
+            <a:schemeClr val="accent1"/>
+          </a:effectRef>
+          <a:fontRef idx="minor">
+            <a:schemeClr val="tx1"/>
+          </a:fontRef>
+        </p:style>
+      </p:cxnSp>
+      <p:cxnSp>
+        <p:nvCxnSpPr>
+          <p:cNvPr id="81" name="直接连接符 80">
+            <a:extLst>
+              <a:ext uri="{FF2B5EF4-FFF2-40B4-BE49-F238E27FC236}">
+                <a16:creationId xmlns:a16="http://schemas.microsoft.com/office/drawing/2014/main" id="{75CF8F88-7590-411E-B5CB-6995CF75EC21}"/>
+              </a:ext>
+            </a:extLst>
+          </p:cNvPr>
+          <p:cNvCxnSpPr>
+            <a:cxnSpLocks/>
+          </p:cNvCxnSpPr>
+          <p:nvPr/>
+        </p:nvCxnSpPr>
+        <p:spPr>
+          <a:xfrm>
+            <a:off x="3264525" y="4973992"/>
+            <a:ext cx="0" cy="1285441"/>
+          </a:xfrm>
+          <a:prstGeom prst="line">
+            <a:avLst/>
+          </a:prstGeom>
+          <a:ln w="38100">
+            <a:solidFill>
+              <a:schemeClr val="tx1"/>
+            </a:solidFill>
+            <a:prstDash val="lgDash"/>
+          </a:ln>
+        </p:spPr>
+        <p:style>
+          <a:lnRef idx="1">
+            <a:schemeClr val="accent1"/>
+          </a:lnRef>
+          <a:fillRef idx="0">
+            <a:schemeClr val="accent1"/>
+          </a:fillRef>
+          <a:effectRef idx="0">
+            <a:schemeClr val="accent1"/>
+          </a:effectRef>
+          <a:fontRef idx="minor">
+            <a:schemeClr val="tx1"/>
+          </a:fontRef>
+        </p:style>
+      </p:cxnSp>
+      <p:cxnSp>
+        <p:nvCxnSpPr>
+          <p:cNvPr id="82" name="直接连接符 81">
+            <a:extLst>
+              <a:ext uri="{FF2B5EF4-FFF2-40B4-BE49-F238E27FC236}">
+                <a16:creationId xmlns:a16="http://schemas.microsoft.com/office/drawing/2014/main" id="{C59CD74D-B16F-4466-85CB-06E69DD8EB54}"/>
+              </a:ext>
+            </a:extLst>
+          </p:cNvPr>
+          <p:cNvCxnSpPr>
+            <a:cxnSpLocks/>
+          </p:cNvCxnSpPr>
+          <p:nvPr/>
+        </p:nvCxnSpPr>
+        <p:spPr>
+          <a:xfrm>
+            <a:off x="4201460" y="4973992"/>
+            <a:ext cx="0" cy="1285441"/>
+          </a:xfrm>
+          <a:prstGeom prst="line">
+            <a:avLst/>
+          </a:prstGeom>
+          <a:ln w="38100">
+            <a:solidFill>
+              <a:schemeClr val="tx1"/>
+            </a:solidFill>
+            <a:prstDash val="lgDash"/>
+          </a:ln>
+        </p:spPr>
+        <p:style>
+          <a:lnRef idx="1">
+            <a:schemeClr val="accent1"/>
+          </a:lnRef>
+          <a:fillRef idx="0">
+            <a:schemeClr val="accent1"/>
+          </a:fillRef>
+          <a:effectRef idx="0">
+            <a:schemeClr val="accent1"/>
+          </a:effectRef>
+          <a:fontRef idx="minor">
+            <a:schemeClr val="tx1"/>
+          </a:fontRef>
+        </p:style>
+      </p:cxnSp>
+      <p:cxnSp>
+        <p:nvCxnSpPr>
+          <p:cNvPr id="83" name="直接连接符 82">
+            <a:extLst>
+              <a:ext uri="{FF2B5EF4-FFF2-40B4-BE49-F238E27FC236}">
+                <a16:creationId xmlns:a16="http://schemas.microsoft.com/office/drawing/2014/main" id="{C1E3993F-55E9-4D85-89C2-2EC908C41129}"/>
+              </a:ext>
+            </a:extLst>
+          </p:cNvPr>
+          <p:cNvCxnSpPr>
+            <a:cxnSpLocks/>
+          </p:cNvCxnSpPr>
+          <p:nvPr/>
+        </p:nvCxnSpPr>
+        <p:spPr>
+          <a:xfrm>
+            <a:off x="5220407" y="4858002"/>
+            <a:ext cx="0" cy="1285441"/>
+          </a:xfrm>
+          <a:prstGeom prst="line">
+            <a:avLst/>
+          </a:prstGeom>
+          <a:ln w="38100">
+            <a:solidFill>
+              <a:schemeClr val="tx1"/>
+            </a:solidFill>
+            <a:prstDash val="lgDash"/>
+          </a:ln>
+        </p:spPr>
+        <p:style>
+          <a:lnRef idx="1">
+            <a:schemeClr val="accent1"/>
+          </a:lnRef>
+          <a:fillRef idx="0">
+            <a:schemeClr val="accent1"/>
+          </a:fillRef>
+          <a:effectRef idx="0">
+            <a:schemeClr val="accent1"/>
+          </a:effectRef>
+          <a:fontRef idx="minor">
+            <a:schemeClr val="tx1"/>
+          </a:fontRef>
+        </p:style>
+      </p:cxnSp>
+      <p:cxnSp>
+        <p:nvCxnSpPr>
+          <p:cNvPr id="84" name="直接连接符 83">
+            <a:extLst>
+              <a:ext uri="{FF2B5EF4-FFF2-40B4-BE49-F238E27FC236}">
+                <a16:creationId xmlns:a16="http://schemas.microsoft.com/office/drawing/2014/main" id="{FD35E9F1-D29C-4F51-917D-3AE310B9ACA0}"/>
+              </a:ext>
+            </a:extLst>
+          </p:cNvPr>
+          <p:cNvCxnSpPr>
+            <a:cxnSpLocks/>
+          </p:cNvCxnSpPr>
+          <p:nvPr/>
+        </p:nvCxnSpPr>
+        <p:spPr>
+          <a:xfrm>
+            <a:off x="5981731" y="5005770"/>
+            <a:ext cx="0" cy="1285441"/>
+          </a:xfrm>
+          <a:prstGeom prst="line">
+            <a:avLst/>
+          </a:prstGeom>
+          <a:ln w="38100">
+            <a:solidFill>
+              <a:schemeClr val="tx1"/>
+            </a:solidFill>
+            <a:prstDash val="lgDash"/>
+          </a:ln>
+        </p:spPr>
+        <p:style>
+          <a:lnRef idx="1">
+            <a:schemeClr val="accent1"/>
+          </a:lnRef>
+          <a:fillRef idx="0">
+            <a:schemeClr val="accent1"/>
+          </a:fillRef>
+          <a:effectRef idx="0">
+            <a:schemeClr val="accent1"/>
+          </a:effectRef>
+          <a:fontRef idx="minor">
+            <a:schemeClr val="tx1"/>
+          </a:fontRef>
+        </p:style>
+      </p:cxnSp>
+      <p:cxnSp>
+        <p:nvCxnSpPr>
+          <p:cNvPr id="85" name="直接连接符 84">
+            <a:extLst>
+              <a:ext uri="{FF2B5EF4-FFF2-40B4-BE49-F238E27FC236}">
+                <a16:creationId xmlns:a16="http://schemas.microsoft.com/office/drawing/2014/main" id="{833EEBB4-CC75-4FCD-93D0-81EE5AFEE312}"/>
+              </a:ext>
+            </a:extLst>
+          </p:cNvPr>
+          <p:cNvCxnSpPr>
+            <a:cxnSpLocks/>
+          </p:cNvCxnSpPr>
+          <p:nvPr/>
+        </p:nvCxnSpPr>
+        <p:spPr>
+          <a:xfrm>
+            <a:off x="6977947" y="5005770"/>
+            <a:ext cx="0" cy="1285441"/>
+          </a:xfrm>
+          <a:prstGeom prst="line">
+            <a:avLst/>
+          </a:prstGeom>
+          <a:ln w="38100">
+            <a:solidFill>
+              <a:schemeClr val="tx1"/>
+            </a:solidFill>
+            <a:prstDash val="lgDash"/>
+          </a:ln>
+        </p:spPr>
+        <p:style>
+          <a:lnRef idx="1">
+            <a:schemeClr val="accent1"/>
+          </a:lnRef>
+          <a:fillRef idx="0">
+            <a:schemeClr val="accent1"/>
+          </a:fillRef>
+          <a:effectRef idx="0">
+            <a:schemeClr val="accent1"/>
+          </a:effectRef>
+          <a:fontRef idx="minor">
+            <a:schemeClr val="tx1"/>
+          </a:fontRef>
+        </p:style>
+      </p:cxnSp>
+      <p:sp>
+        <p:nvSpPr>
+          <p:cNvPr id="86" name="矩形 85">
+            <a:extLst>
+              <a:ext uri="{FF2B5EF4-FFF2-40B4-BE49-F238E27FC236}">
+                <a16:creationId xmlns:a16="http://schemas.microsoft.com/office/drawing/2014/main" id="{A869FF6B-9D33-4694-B65A-EA2D358DCE37}"/>
+              </a:ext>
+            </a:extLst>
+          </p:cNvPr>
+          <p:cNvSpPr/>
+          <p:nvPr/>
+        </p:nvSpPr>
+        <p:spPr>
+          <a:xfrm>
+            <a:off x="7929774" y="989107"/>
+            <a:ext cx="568171" cy="540152"/>
+          </a:xfrm>
+          <a:prstGeom prst="rect">
+            <a:avLst/>
+          </a:prstGeom>
+        </p:spPr>
+        <p:style>
+          <a:lnRef idx="2">
+            <a:schemeClr val="accent4"/>
+          </a:lnRef>
+          <a:fillRef idx="1">
+            <a:schemeClr val="lt1"/>
+          </a:fillRef>
+          <a:effectRef idx="0">
+            <a:schemeClr val="accent4"/>
+          </a:effectRef>
+          <a:fontRef idx="minor">
+            <a:schemeClr val="dk1"/>
+          </a:fontRef>
+        </p:style>
+        <p:txBody>
+          <a:bodyPr rtlCol="0" anchor="ctr"/>
+          <a:lstStyle/>
+          <a:p>
+            <a:pPr algn="ctr"/>
+            <a:r>
+              <a:rPr lang="en-US" altLang="zh-CN">
+                <a:solidFill>
+                  <a:schemeClr val="tx1"/>
+                </a:solidFill>
+                <a:latin typeface="Times New Roman" panose="02020603050405020304" pitchFamily="18" charset="0"/>
+                <a:cs typeface="Times New Roman" panose="02020603050405020304" pitchFamily="18" charset="0"/>
+              </a:rPr>
+              <a:t>8</a:t>
+            </a:r>
+            <a:endParaRPr lang="zh-CN" altLang="en-US">
+              <a:solidFill>
+                <a:schemeClr val="tx1"/>
+              </a:solidFill>
+              <a:latin typeface="Times New Roman" panose="02020603050405020304" pitchFamily="18" charset="0"/>
+              <a:cs typeface="Times New Roman" panose="02020603050405020304" pitchFamily="18" charset="0"/>
+            </a:endParaRPr>
+          </a:p>
+        </p:txBody>
+      </p:sp>
+      <p:sp>
+        <p:nvSpPr>
+          <p:cNvPr id="87" name="矩形 86">
+            <a:extLst>
+              <a:ext uri="{FF2B5EF4-FFF2-40B4-BE49-F238E27FC236}">
+                <a16:creationId xmlns:a16="http://schemas.microsoft.com/office/drawing/2014/main" id="{3D1EB822-115C-41BD-8314-21A53C10C6A9}"/>
+              </a:ext>
+            </a:extLst>
+          </p:cNvPr>
+          <p:cNvSpPr/>
+          <p:nvPr/>
+        </p:nvSpPr>
+        <p:spPr>
+          <a:xfrm>
+            <a:off x="7921256" y="1749274"/>
+            <a:ext cx="568171" cy="540152"/>
+          </a:xfrm>
+          <a:prstGeom prst="rect">
+            <a:avLst/>
+          </a:prstGeom>
+        </p:spPr>
+        <p:style>
+          <a:lnRef idx="2">
+            <a:schemeClr val="accent1">
+              <a:shade val="50000"/>
+            </a:schemeClr>
+          </a:lnRef>
+          <a:fillRef idx="1">
+            <a:schemeClr val="accent1"/>
+          </a:fillRef>
+          <a:effectRef idx="0">
+            <a:schemeClr val="accent1"/>
+          </a:effectRef>
+          <a:fontRef idx="minor">
+            <a:schemeClr val="lt1"/>
+          </a:fontRef>
+        </p:style>
+        <p:txBody>
+          <a:bodyPr rtlCol="0" anchor="ctr"/>
+          <a:lstStyle/>
+          <a:p>
+            <a:pPr algn="ctr"/>
+            <a:r>
+              <a:rPr lang="en-US" altLang="zh-CN">
+                <a:solidFill>
+                  <a:schemeClr val="tx1"/>
+                </a:solidFill>
+                <a:latin typeface="Times New Roman" panose="02020603050405020304" pitchFamily="18" charset="0"/>
+                <a:cs typeface="Times New Roman" panose="02020603050405020304" pitchFamily="18" charset="0"/>
+              </a:rPr>
+              <a:t>8</a:t>
+            </a:r>
+            <a:endParaRPr lang="zh-CN" altLang="en-US">
+              <a:solidFill>
+                <a:schemeClr val="tx1"/>
+              </a:solidFill>
+              <a:latin typeface="Times New Roman" panose="02020603050405020304" pitchFamily="18" charset="0"/>
+              <a:cs typeface="Times New Roman" panose="02020603050405020304" pitchFamily="18" charset="0"/>
+            </a:endParaRPr>
+          </a:p>
+        </p:txBody>
+      </p:sp>
+      <p:sp>
+        <p:nvSpPr>
+          <p:cNvPr id="88" name="矩形 87">
+            <a:extLst>
+              <a:ext uri="{FF2B5EF4-FFF2-40B4-BE49-F238E27FC236}">
+                <a16:creationId xmlns:a16="http://schemas.microsoft.com/office/drawing/2014/main" id="{E95D1ECA-B8D4-402F-8A72-F44907225B98}"/>
+              </a:ext>
+            </a:extLst>
+          </p:cNvPr>
+          <p:cNvSpPr/>
+          <p:nvPr/>
+        </p:nvSpPr>
+        <p:spPr>
+          <a:xfrm>
+            <a:off x="8021878" y="2972552"/>
+            <a:ext cx="568171" cy="540152"/>
+          </a:xfrm>
+          <a:prstGeom prst="rect">
+            <a:avLst/>
+          </a:prstGeom>
+        </p:spPr>
+        <p:style>
+          <a:lnRef idx="2">
+            <a:schemeClr val="accent4"/>
+          </a:lnRef>
+          <a:fillRef idx="1">
+            <a:schemeClr val="lt1"/>
+          </a:fillRef>
+          <a:effectRef idx="0">
+            <a:schemeClr val="accent4"/>
+          </a:effectRef>
+          <a:fontRef idx="minor">
+            <a:schemeClr val="dk1"/>
+          </a:fontRef>
+        </p:style>
+        <p:txBody>
+          <a:bodyPr rtlCol="0" anchor="ctr"/>
+          <a:lstStyle/>
+          <a:p>
+            <a:pPr algn="ctr"/>
+            <a:r>
+              <a:rPr lang="en-US" altLang="zh-CN">
+                <a:solidFill>
+                  <a:schemeClr val="tx1"/>
+                </a:solidFill>
+                <a:latin typeface="Times New Roman" panose="02020603050405020304" pitchFamily="18" charset="0"/>
+                <a:cs typeface="Times New Roman" panose="02020603050405020304" pitchFamily="18" charset="0"/>
+              </a:rPr>
+              <a:t>8</a:t>
+            </a:r>
+            <a:endParaRPr lang="zh-CN" altLang="en-US">
+              <a:solidFill>
+                <a:schemeClr val="tx1"/>
+              </a:solidFill>
+              <a:latin typeface="Times New Roman" panose="02020603050405020304" pitchFamily="18" charset="0"/>
+              <a:cs typeface="Times New Roman" panose="02020603050405020304" pitchFamily="18" charset="0"/>
+            </a:endParaRPr>
+          </a:p>
+        </p:txBody>
+      </p:sp>
+      <p:sp>
+        <p:nvSpPr>
+          <p:cNvPr id="89" name="矩形 88">
+            <a:extLst>
+              <a:ext uri="{FF2B5EF4-FFF2-40B4-BE49-F238E27FC236}">
+                <a16:creationId xmlns:a16="http://schemas.microsoft.com/office/drawing/2014/main" id="{84B9AB24-A959-42E5-9A62-CB1B5FBD0454}"/>
+              </a:ext>
+            </a:extLst>
+          </p:cNvPr>
+          <p:cNvSpPr/>
+          <p:nvPr/>
+        </p:nvSpPr>
+        <p:spPr>
+          <a:xfrm>
+            <a:off x="7982087" y="4078090"/>
+            <a:ext cx="568171" cy="540152"/>
+          </a:xfrm>
+          <a:prstGeom prst="rect">
+            <a:avLst/>
+          </a:prstGeom>
+        </p:spPr>
+        <p:style>
+          <a:lnRef idx="2">
+            <a:schemeClr val="accent4"/>
+          </a:lnRef>
+          <a:fillRef idx="1">
+            <a:schemeClr val="lt1"/>
+          </a:fillRef>
+          <a:effectRef idx="0">
+            <a:schemeClr val="accent4"/>
+          </a:effectRef>
+          <a:fontRef idx="minor">
+            <a:schemeClr val="dk1"/>
+          </a:fontRef>
+        </p:style>
+        <p:txBody>
+          <a:bodyPr rtlCol="0" anchor="ctr"/>
+          <a:lstStyle/>
+          <a:p>
+            <a:pPr algn="ctr"/>
+            <a:r>
+              <a:rPr lang="en-US" altLang="zh-CN">
+                <a:solidFill>
+                  <a:schemeClr val="tx1"/>
+                </a:solidFill>
+                <a:latin typeface="Times New Roman" panose="02020603050405020304" pitchFamily="18" charset="0"/>
+                <a:cs typeface="Times New Roman" panose="02020603050405020304" pitchFamily="18" charset="0"/>
+              </a:rPr>
+              <a:t>8</a:t>
+            </a:r>
+            <a:endParaRPr lang="zh-CN" altLang="en-US">
+              <a:solidFill>
+                <a:schemeClr val="tx1"/>
+              </a:solidFill>
+              <a:latin typeface="Times New Roman" panose="02020603050405020304" pitchFamily="18" charset="0"/>
+              <a:cs typeface="Times New Roman" panose="02020603050405020304" pitchFamily="18" charset="0"/>
+            </a:endParaRPr>
+          </a:p>
+        </p:txBody>
+      </p:sp>
+      <p:sp>
+        <p:nvSpPr>
+          <p:cNvPr id="90" name="矩形 89">
+            <a:extLst>
+              <a:ext uri="{FF2B5EF4-FFF2-40B4-BE49-F238E27FC236}">
+                <a16:creationId xmlns:a16="http://schemas.microsoft.com/office/drawing/2014/main" id="{A51B6076-DE91-4FBF-A7CE-95EB8D371698}"/>
+              </a:ext>
+            </a:extLst>
+          </p:cNvPr>
+          <p:cNvSpPr/>
+          <p:nvPr/>
+        </p:nvSpPr>
+        <p:spPr>
+          <a:xfrm>
+            <a:off x="8003694" y="5401225"/>
+            <a:ext cx="568171" cy="540152"/>
+          </a:xfrm>
+          <a:prstGeom prst="rect">
+            <a:avLst/>
+          </a:prstGeom>
+        </p:spPr>
+        <p:style>
+          <a:lnRef idx="2">
+            <a:schemeClr val="accent4"/>
+          </a:lnRef>
+          <a:fillRef idx="1">
+            <a:schemeClr val="lt1"/>
+          </a:fillRef>
+          <a:effectRef idx="0">
+            <a:schemeClr val="accent4"/>
+          </a:effectRef>
+          <a:fontRef idx="minor">
+            <a:schemeClr val="dk1"/>
+          </a:fontRef>
+        </p:style>
+        <p:txBody>
+          <a:bodyPr rtlCol="0" anchor="ctr"/>
+          <a:lstStyle/>
+          <a:p>
+            <a:pPr algn="ctr"/>
+            <a:r>
+              <a:rPr lang="en-US" altLang="zh-CN">
+                <a:solidFill>
+                  <a:schemeClr val="tx1"/>
+                </a:solidFill>
+                <a:latin typeface="Times New Roman" panose="02020603050405020304" pitchFamily="18" charset="0"/>
+                <a:cs typeface="Times New Roman" panose="02020603050405020304" pitchFamily="18" charset="0"/>
+              </a:rPr>
+              <a:t>8</a:t>
+            </a:r>
+            <a:endParaRPr lang="zh-CN" altLang="en-US">
+              <a:solidFill>
+                <a:schemeClr val="tx1"/>
+              </a:solidFill>
+              <a:latin typeface="Times New Roman" panose="02020603050405020304" pitchFamily="18" charset="0"/>
+              <a:cs typeface="Times New Roman" panose="02020603050405020304" pitchFamily="18" charset="0"/>
+            </a:endParaRPr>
+          </a:p>
+        </p:txBody>
+      </p:sp>
+      <p:cxnSp>
+        <p:nvCxnSpPr>
+          <p:cNvPr id="91" name="直接连接符 90">
+            <a:extLst>
+              <a:ext uri="{FF2B5EF4-FFF2-40B4-BE49-F238E27FC236}">
+                <a16:creationId xmlns:a16="http://schemas.microsoft.com/office/drawing/2014/main" id="{A6760792-BFAB-4060-B5C7-576875152054}"/>
+              </a:ext>
+            </a:extLst>
+          </p:cNvPr>
+          <p:cNvCxnSpPr>
+            <a:cxnSpLocks/>
+          </p:cNvCxnSpPr>
+          <p:nvPr/>
+        </p:nvCxnSpPr>
+        <p:spPr>
+          <a:xfrm>
+            <a:off x="8808091" y="2553486"/>
+            <a:ext cx="0" cy="1285441"/>
+          </a:xfrm>
+          <a:prstGeom prst="line">
+            <a:avLst/>
+          </a:prstGeom>
+          <a:ln w="38100">
+            <a:solidFill>
+              <a:schemeClr val="tx1"/>
+            </a:solidFill>
+            <a:prstDash val="lgDash"/>
+          </a:ln>
+        </p:spPr>
+        <p:style>
+          <a:lnRef idx="1">
+            <a:schemeClr val="accent1"/>
+          </a:lnRef>
+          <a:fillRef idx="0">
+            <a:schemeClr val="accent1"/>
+          </a:fillRef>
+          <a:effectRef idx="0">
+            <a:schemeClr val="accent1"/>
+          </a:effectRef>
+          <a:fontRef idx="minor">
+            <a:schemeClr val="tx1"/>
+          </a:fontRef>
+        </p:style>
+      </p:cxnSp>
+      <p:cxnSp>
+        <p:nvCxnSpPr>
+          <p:cNvPr id="92" name="直接连接符 91">
+            <a:extLst>
+              <a:ext uri="{FF2B5EF4-FFF2-40B4-BE49-F238E27FC236}">
+                <a16:creationId xmlns:a16="http://schemas.microsoft.com/office/drawing/2014/main" id="{531DAC54-70D8-4950-A9CE-F874B0D6DCBF}"/>
+              </a:ext>
+            </a:extLst>
+          </p:cNvPr>
+          <p:cNvCxnSpPr>
+            <a:cxnSpLocks/>
+          </p:cNvCxnSpPr>
+          <p:nvPr/>
+        </p:nvCxnSpPr>
+        <p:spPr>
+          <a:xfrm>
+            <a:off x="7780678" y="3792312"/>
+            <a:ext cx="0" cy="1285441"/>
+          </a:xfrm>
+          <a:prstGeom prst="line">
+            <a:avLst/>
+          </a:prstGeom>
+          <a:ln w="38100">
+            <a:solidFill>
+              <a:schemeClr val="tx1"/>
+            </a:solidFill>
+            <a:prstDash val="lgDash"/>
+          </a:ln>
+        </p:spPr>
+        <p:style>
+          <a:lnRef idx="1">
+            <a:schemeClr val="accent1"/>
+          </a:lnRef>
+          <a:fillRef idx="0">
+            <a:schemeClr val="accent1"/>
+          </a:fillRef>
+          <a:effectRef idx="0">
+            <a:schemeClr val="accent1"/>
+          </a:effectRef>
+          <a:fontRef idx="minor">
+            <a:schemeClr val="tx1"/>
+          </a:fontRef>
+        </p:style>
+      </p:cxnSp>
+      <p:cxnSp>
+        <p:nvCxnSpPr>
+          <p:cNvPr id="93" name="直接连接符 92">
+            <a:extLst>
+              <a:ext uri="{FF2B5EF4-FFF2-40B4-BE49-F238E27FC236}">
+                <a16:creationId xmlns:a16="http://schemas.microsoft.com/office/drawing/2014/main" id="{33B106F4-F3AC-4EC7-A469-AA6051CC007F}"/>
+              </a:ext>
+            </a:extLst>
+          </p:cNvPr>
+          <p:cNvCxnSpPr>
+            <a:cxnSpLocks/>
+          </p:cNvCxnSpPr>
+          <p:nvPr/>
+        </p:nvCxnSpPr>
+        <p:spPr>
+          <a:xfrm>
+            <a:off x="7921256" y="4973992"/>
+            <a:ext cx="0" cy="1285441"/>
+          </a:xfrm>
+          <a:prstGeom prst="line">
+            <a:avLst/>
+          </a:prstGeom>
+          <a:ln w="38100">
+            <a:solidFill>
+              <a:schemeClr val="tx1"/>
+            </a:solidFill>
+            <a:prstDash val="lgDash"/>
+          </a:ln>
+        </p:spPr>
+        <p:style>
+          <a:lnRef idx="1">
+            <a:schemeClr val="accent1"/>
+          </a:lnRef>
+          <a:fillRef idx="0">
+            <a:schemeClr val="accent1"/>
+          </a:fillRef>
+          <a:effectRef idx="0">
+            <a:schemeClr val="accent1"/>
+          </a:effectRef>
+          <a:fontRef idx="minor">
+            <a:schemeClr val="tx1"/>
+          </a:fontRef>
+        </p:style>
+      </p:cxnSp>
+      <p:cxnSp>
+        <p:nvCxnSpPr>
+          <p:cNvPr id="94" name="直接连接符 93">
+            <a:extLst>
+              <a:ext uri="{FF2B5EF4-FFF2-40B4-BE49-F238E27FC236}">
+                <a16:creationId xmlns:a16="http://schemas.microsoft.com/office/drawing/2014/main" id="{8E67040D-91F5-4DD7-80A4-AFCA6647AFB0}"/>
+              </a:ext>
+            </a:extLst>
+          </p:cNvPr>
+          <p:cNvCxnSpPr>
+            <a:cxnSpLocks/>
+          </p:cNvCxnSpPr>
+          <p:nvPr/>
+        </p:nvCxnSpPr>
+        <p:spPr>
+          <a:xfrm>
+            <a:off x="7787098" y="1706173"/>
+            <a:ext cx="0" cy="772357"/>
+          </a:xfrm>
+          <a:prstGeom prst="line">
+            <a:avLst/>
+          </a:prstGeom>
+          <a:ln w="38100">
+            <a:solidFill>
+              <a:schemeClr val="tx1"/>
+            </a:solidFill>
+            <a:prstDash val="lgDash"/>
+          </a:ln>
+        </p:spPr>
+        <p:style>
+          <a:lnRef idx="1">
+            <a:schemeClr val="accent1"/>
+          </a:lnRef>
+          <a:fillRef idx="0">
+            <a:schemeClr val="accent1"/>
+          </a:fillRef>
+          <a:effectRef idx="0">
+            <a:schemeClr val="accent1"/>
+          </a:effectRef>
+          <a:fontRef idx="minor">
+            <a:schemeClr val="tx1"/>
+          </a:fontRef>
+        </p:style>
+      </p:cxnSp>
+    </p:spTree>
+    <p:extLst>
+      <p:ext uri="{BB962C8B-B14F-4D97-AF65-F5344CB8AC3E}">
+        <p14:creationId xmlns:p14="http://schemas.microsoft.com/office/powerpoint/2010/main" val="422957110"/>
+      </p:ext>
+    </p:extLst>
+  </p:cSld>
+  <p:clrMapOvr>
+    <a:masterClrMapping/>
+  </p:clrMapOvr>
+</p:sld>
+</file>
+
+<file path=ppt/slides/slide8.xml><?xml version="1.0" encoding="utf-8"?>
+<p:sld xmlns:a="http://schemas.openxmlformats.org/drawingml/2006/main" xmlns:r="http://schemas.openxmlformats.org/officeDocument/2006/relationships" xmlns:p="http://schemas.openxmlformats.org/presentationml/2006/main">
+  <p:cSld>
+    <p:spTree>
+      <p:nvGrpSpPr>
+        <p:cNvPr id="1" name=""/>
+        <p:cNvGrpSpPr/>
+        <p:nvPr/>
+      </p:nvGrpSpPr>
+      <p:grpSpPr>
+        <a:xfrm>
+          <a:off x="0" y="0"/>
+          <a:ext cx="0" cy="0"/>
+          <a:chOff x="0" y="0"/>
+          <a:chExt cx="0" cy="0"/>
+        </a:xfrm>
+      </p:grpSpPr>
+      <p:sp>
+        <p:nvSpPr>
+          <p:cNvPr id="4" name="矩形 3">
+            <a:extLst>
+              <a:ext uri="{FF2B5EF4-FFF2-40B4-BE49-F238E27FC236}">
+                <a16:creationId xmlns:a16="http://schemas.microsoft.com/office/drawing/2014/main" id="{0BD39AEF-50F7-4B48-89F3-0D544F7DC8CD}"/>
+              </a:ext>
+            </a:extLst>
+          </p:cNvPr>
+          <p:cNvSpPr/>
+          <p:nvPr/>
+        </p:nvSpPr>
+        <p:spPr>
+          <a:xfrm>
+            <a:off x="1751205" y="697097"/>
+            <a:ext cx="568171" cy="470018"/>
+          </a:xfrm>
+          <a:prstGeom prst="rect">
+            <a:avLst/>
+          </a:prstGeom>
+        </p:spPr>
+        <p:style>
+          <a:lnRef idx="2">
+            <a:schemeClr val="accent2">
+              <a:shade val="50000"/>
+            </a:schemeClr>
+          </a:lnRef>
+          <a:fillRef idx="1">
+            <a:schemeClr val="accent2"/>
+          </a:fillRef>
+          <a:effectRef idx="0">
+            <a:schemeClr val="accent2"/>
+          </a:effectRef>
+          <a:fontRef idx="minor">
+            <a:schemeClr val="lt1"/>
+          </a:fontRef>
+        </p:style>
+        <p:txBody>
+          <a:bodyPr rtlCol="0" anchor="ctr"/>
+          <a:lstStyle/>
+          <a:p>
+            <a:pPr algn="ctr"/>
+            <a:r>
+              <a:rPr lang="en-US" altLang="zh-CN">
+                <a:solidFill>
+                  <a:schemeClr val="tx1"/>
+                </a:solidFill>
+                <a:latin typeface="Times New Roman" panose="02020603050405020304" pitchFamily="18" charset="0"/>
+                <a:cs typeface="Times New Roman" panose="02020603050405020304" pitchFamily="18" charset="0"/>
+              </a:rPr>
+              <a:t>3</a:t>
+            </a:r>
+            <a:endParaRPr lang="zh-CN" altLang="en-US">
+              <a:solidFill>
+                <a:schemeClr val="tx1"/>
+              </a:solidFill>
+              <a:latin typeface="Times New Roman" panose="02020603050405020304" pitchFamily="18" charset="0"/>
+              <a:cs typeface="Times New Roman" panose="02020603050405020304" pitchFamily="18" charset="0"/>
+            </a:endParaRPr>
+          </a:p>
+        </p:txBody>
+      </p:sp>
+      <p:sp>
+        <p:nvSpPr>
+          <p:cNvPr id="5" name="矩形 4">
+            <a:extLst>
+              <a:ext uri="{FF2B5EF4-FFF2-40B4-BE49-F238E27FC236}">
+                <a16:creationId xmlns:a16="http://schemas.microsoft.com/office/drawing/2014/main" id="{0A3DB0D8-B065-4E07-8E2E-32800DAB9706}"/>
+              </a:ext>
+            </a:extLst>
+          </p:cNvPr>
+          <p:cNvSpPr/>
+          <p:nvPr/>
+        </p:nvSpPr>
+        <p:spPr>
+          <a:xfrm>
+            <a:off x="2676847" y="662030"/>
+            <a:ext cx="568171" cy="540152"/>
+          </a:xfrm>
+          <a:prstGeom prst="rect">
+            <a:avLst/>
+          </a:prstGeom>
+        </p:spPr>
+        <p:style>
+          <a:lnRef idx="2">
+            <a:schemeClr val="accent6">
+              <a:shade val="50000"/>
+            </a:schemeClr>
+          </a:lnRef>
+          <a:fillRef idx="1">
+            <a:schemeClr val="accent6"/>
+          </a:fillRef>
+          <a:effectRef idx="0">
+            <a:schemeClr val="accent6"/>
+          </a:effectRef>
+          <a:fontRef idx="minor">
+            <a:schemeClr val="lt1"/>
+          </a:fontRef>
+        </p:style>
+        <p:txBody>
+          <a:bodyPr rtlCol="0" anchor="ctr"/>
+          <a:lstStyle/>
+          <a:p>
+            <a:pPr algn="ctr"/>
+            <a:r>
+              <a:rPr lang="en-US" altLang="zh-CN">
+                <a:solidFill>
+                  <a:schemeClr val="tx1"/>
+                </a:solidFill>
+                <a:latin typeface="Times New Roman" panose="02020603050405020304" pitchFamily="18" charset="0"/>
+                <a:cs typeface="Times New Roman" panose="02020603050405020304" pitchFamily="18" charset="0"/>
+              </a:rPr>
+              <a:t>6</a:t>
+            </a:r>
+            <a:endParaRPr lang="zh-CN" altLang="en-US">
+              <a:solidFill>
+                <a:schemeClr val="tx1"/>
+              </a:solidFill>
+              <a:latin typeface="Times New Roman" panose="02020603050405020304" pitchFamily="18" charset="0"/>
+              <a:cs typeface="Times New Roman" panose="02020603050405020304" pitchFamily="18" charset="0"/>
+            </a:endParaRPr>
+          </a:p>
+        </p:txBody>
+      </p:sp>
+      <p:sp>
+        <p:nvSpPr>
+          <p:cNvPr id="6" name="矩形 5">
+            <a:extLst>
+              <a:ext uri="{FF2B5EF4-FFF2-40B4-BE49-F238E27FC236}">
+                <a16:creationId xmlns:a16="http://schemas.microsoft.com/office/drawing/2014/main" id="{3D02EFD0-B929-4E04-895E-E74B6C528DD7}"/>
+              </a:ext>
+            </a:extLst>
+          </p:cNvPr>
+          <p:cNvSpPr/>
+          <p:nvPr/>
+        </p:nvSpPr>
+        <p:spPr>
+          <a:xfrm>
+            <a:off x="825563" y="676039"/>
+            <a:ext cx="568171" cy="512134"/>
+          </a:xfrm>
+          <a:prstGeom prst="rect">
+            <a:avLst/>
+          </a:prstGeom>
+        </p:spPr>
+        <p:style>
+          <a:lnRef idx="2">
+            <a:schemeClr val="accent1">
+              <a:shade val="50000"/>
+            </a:schemeClr>
+          </a:lnRef>
+          <a:fillRef idx="1">
+            <a:schemeClr val="accent1"/>
+          </a:fillRef>
+          <a:effectRef idx="0">
+            <a:schemeClr val="accent1"/>
+          </a:effectRef>
+          <a:fontRef idx="minor">
+            <a:schemeClr val="lt1"/>
+          </a:fontRef>
+        </p:style>
+        <p:txBody>
+          <a:bodyPr rtlCol="0" anchor="ctr"/>
+          <a:lstStyle/>
+          <a:p>
+            <a:pPr algn="ctr"/>
+            <a:r>
+              <a:rPr lang="en-US" altLang="zh-CN">
+                <a:solidFill>
+                  <a:schemeClr val="tx1"/>
+                </a:solidFill>
+                <a:latin typeface="Times New Roman" panose="02020603050405020304" pitchFamily="18" charset="0"/>
+                <a:cs typeface="Times New Roman" panose="02020603050405020304" pitchFamily="18" charset="0"/>
+              </a:rPr>
+              <a:t>0</a:t>
+            </a:r>
+            <a:endParaRPr lang="zh-CN" altLang="en-US">
+              <a:solidFill>
+                <a:schemeClr val="tx1"/>
+              </a:solidFill>
+              <a:latin typeface="Times New Roman" panose="02020603050405020304" pitchFamily="18" charset="0"/>
+              <a:cs typeface="Times New Roman" panose="02020603050405020304" pitchFamily="18" charset="0"/>
+            </a:endParaRPr>
+          </a:p>
+        </p:txBody>
+      </p:sp>
+      <p:sp>
+        <p:nvSpPr>
+          <p:cNvPr id="95" name="矩形 94">
+            <a:extLst>
+              <a:ext uri="{FF2B5EF4-FFF2-40B4-BE49-F238E27FC236}">
+                <a16:creationId xmlns:a16="http://schemas.microsoft.com/office/drawing/2014/main" id="{ED6B2788-BEB4-45BE-86D9-B6839014F10C}"/>
+              </a:ext>
+            </a:extLst>
+          </p:cNvPr>
+          <p:cNvSpPr/>
+          <p:nvPr/>
+        </p:nvSpPr>
+        <p:spPr>
+          <a:xfrm>
+            <a:off x="6649315" y="329810"/>
+            <a:ext cx="568171" cy="512134"/>
+          </a:xfrm>
+          <a:prstGeom prst="rect">
+            <a:avLst/>
+          </a:prstGeom>
+        </p:spPr>
+        <p:style>
+          <a:lnRef idx="2">
+            <a:schemeClr val="accent1">
+              <a:shade val="50000"/>
+            </a:schemeClr>
+          </a:lnRef>
+          <a:fillRef idx="1">
+            <a:schemeClr val="accent1"/>
+          </a:fillRef>
+          <a:effectRef idx="0">
+            <a:schemeClr val="accent1"/>
+          </a:effectRef>
+          <a:fontRef idx="minor">
+            <a:schemeClr val="lt1"/>
+          </a:fontRef>
+        </p:style>
+        <p:txBody>
+          <a:bodyPr rtlCol="0" anchor="ctr"/>
+          <a:lstStyle/>
+          <a:p>
+            <a:pPr algn="ctr"/>
+            <a:r>
+              <a:rPr lang="en-US" altLang="zh-CN">
+                <a:solidFill>
+                  <a:schemeClr val="tx1"/>
+                </a:solidFill>
+                <a:latin typeface="Times New Roman" panose="02020603050405020304" pitchFamily="18" charset="0"/>
+                <a:cs typeface="Times New Roman" panose="02020603050405020304" pitchFamily="18" charset="0"/>
+              </a:rPr>
+              <a:t>0</a:t>
+            </a:r>
+            <a:endParaRPr lang="zh-CN" altLang="en-US">
+              <a:solidFill>
+                <a:schemeClr val="tx1"/>
+              </a:solidFill>
+              <a:latin typeface="Times New Roman" panose="02020603050405020304" pitchFamily="18" charset="0"/>
+              <a:cs typeface="Times New Roman" panose="02020603050405020304" pitchFamily="18" charset="0"/>
+            </a:endParaRPr>
+          </a:p>
+        </p:txBody>
+      </p:sp>
+      <p:sp>
+        <p:nvSpPr>
+          <p:cNvPr id="96" name="矩形 95">
+            <a:extLst>
+              <a:ext uri="{FF2B5EF4-FFF2-40B4-BE49-F238E27FC236}">
+                <a16:creationId xmlns:a16="http://schemas.microsoft.com/office/drawing/2014/main" id="{140F988B-458A-4974-9FE6-F36E53C30D13}"/>
+              </a:ext>
+            </a:extLst>
+          </p:cNvPr>
+          <p:cNvSpPr/>
+          <p:nvPr/>
+        </p:nvSpPr>
+        <p:spPr>
+          <a:xfrm>
+            <a:off x="7578443" y="329810"/>
+            <a:ext cx="568171" cy="470018"/>
+          </a:xfrm>
+          <a:prstGeom prst="rect">
+            <a:avLst/>
+          </a:prstGeom>
+        </p:spPr>
+        <p:style>
+          <a:lnRef idx="2">
+            <a:schemeClr val="accent2">
+              <a:shade val="50000"/>
+            </a:schemeClr>
+          </a:lnRef>
+          <a:fillRef idx="1">
+            <a:schemeClr val="accent2"/>
+          </a:fillRef>
+          <a:effectRef idx="0">
+            <a:schemeClr val="accent2"/>
+          </a:effectRef>
+          <a:fontRef idx="minor">
+            <a:schemeClr val="lt1"/>
+          </a:fontRef>
+        </p:style>
+        <p:txBody>
+          <a:bodyPr rtlCol="0" anchor="ctr"/>
+          <a:lstStyle/>
+          <a:p>
+            <a:pPr algn="ctr"/>
+            <a:r>
+              <a:rPr lang="en-US" altLang="zh-CN">
+                <a:solidFill>
+                  <a:schemeClr val="tx1"/>
+                </a:solidFill>
+                <a:latin typeface="Times New Roman" panose="02020603050405020304" pitchFamily="18" charset="0"/>
+                <a:cs typeface="Times New Roman" panose="02020603050405020304" pitchFamily="18" charset="0"/>
+              </a:rPr>
+              <a:t>3</a:t>
+            </a:r>
+            <a:endParaRPr lang="zh-CN" altLang="en-US">
+              <a:solidFill>
+                <a:schemeClr val="tx1"/>
+              </a:solidFill>
+              <a:latin typeface="Times New Roman" panose="02020603050405020304" pitchFamily="18" charset="0"/>
+              <a:cs typeface="Times New Roman" panose="02020603050405020304" pitchFamily="18" charset="0"/>
+            </a:endParaRPr>
+          </a:p>
+        </p:txBody>
+      </p:sp>
+      <p:sp>
+        <p:nvSpPr>
+          <p:cNvPr id="97" name="矩形 96">
+            <a:extLst>
+              <a:ext uri="{FF2B5EF4-FFF2-40B4-BE49-F238E27FC236}">
+                <a16:creationId xmlns:a16="http://schemas.microsoft.com/office/drawing/2014/main" id="{940D69EC-1B99-475F-AC25-7ACB8AFD4D17}"/>
+              </a:ext>
+            </a:extLst>
+          </p:cNvPr>
+          <p:cNvSpPr/>
+          <p:nvPr/>
+        </p:nvSpPr>
+        <p:spPr>
+          <a:xfrm>
+            <a:off x="8500598" y="294743"/>
+            <a:ext cx="568171" cy="540152"/>
+          </a:xfrm>
+          <a:prstGeom prst="rect">
+            <a:avLst/>
+          </a:prstGeom>
+        </p:spPr>
+        <p:style>
+          <a:lnRef idx="2">
+            <a:schemeClr val="accent6">
+              <a:shade val="50000"/>
+            </a:schemeClr>
+          </a:lnRef>
+          <a:fillRef idx="1">
+            <a:schemeClr val="accent6"/>
+          </a:fillRef>
+          <a:effectRef idx="0">
+            <a:schemeClr val="accent6"/>
+          </a:effectRef>
+          <a:fontRef idx="minor">
+            <a:schemeClr val="lt1"/>
+          </a:fontRef>
+        </p:style>
+        <p:txBody>
+          <a:bodyPr rtlCol="0" anchor="ctr"/>
+          <a:lstStyle/>
+          <a:p>
+            <a:pPr algn="ctr"/>
+            <a:r>
+              <a:rPr lang="en-US" altLang="zh-CN">
+                <a:solidFill>
+                  <a:schemeClr val="tx1"/>
+                </a:solidFill>
+                <a:latin typeface="Times New Roman" panose="02020603050405020304" pitchFamily="18" charset="0"/>
+                <a:cs typeface="Times New Roman" panose="02020603050405020304" pitchFamily="18" charset="0"/>
+              </a:rPr>
+              <a:t>6</a:t>
+            </a:r>
+            <a:endParaRPr lang="zh-CN" altLang="en-US">
+              <a:solidFill>
+                <a:schemeClr val="tx1"/>
+              </a:solidFill>
+              <a:latin typeface="Times New Roman" panose="02020603050405020304" pitchFamily="18" charset="0"/>
+              <a:cs typeface="Times New Roman" panose="02020603050405020304" pitchFamily="18" charset="0"/>
+            </a:endParaRPr>
+          </a:p>
+        </p:txBody>
+      </p:sp>
+      <p:sp>
+        <p:nvSpPr>
+          <p:cNvPr id="98" name="矩形 97">
+            <a:extLst>
+              <a:ext uri="{FF2B5EF4-FFF2-40B4-BE49-F238E27FC236}">
+                <a16:creationId xmlns:a16="http://schemas.microsoft.com/office/drawing/2014/main" id="{F177242C-B839-4E64-8ECA-A1B2D9586583}"/>
+              </a:ext>
+            </a:extLst>
+          </p:cNvPr>
+          <p:cNvSpPr/>
+          <p:nvPr/>
+        </p:nvSpPr>
+        <p:spPr>
+          <a:xfrm>
+            <a:off x="6649314" y="1661460"/>
+            <a:ext cx="568171" cy="512134"/>
+          </a:xfrm>
+          <a:prstGeom prst="rect">
+            <a:avLst/>
+          </a:prstGeom>
+        </p:spPr>
+        <p:style>
+          <a:lnRef idx="2">
+            <a:schemeClr val="accent1">
+              <a:shade val="50000"/>
+            </a:schemeClr>
+          </a:lnRef>
+          <a:fillRef idx="1">
+            <a:schemeClr val="accent1"/>
+          </a:fillRef>
+          <a:effectRef idx="0">
+            <a:schemeClr val="accent1"/>
+          </a:effectRef>
+          <a:fontRef idx="minor">
+            <a:schemeClr val="lt1"/>
+          </a:fontRef>
+        </p:style>
+        <p:txBody>
+          <a:bodyPr rtlCol="0" anchor="ctr"/>
+          <a:lstStyle/>
+          <a:p>
+            <a:pPr algn="ctr"/>
+            <a:r>
+              <a:rPr lang="en-US" altLang="zh-CN">
+                <a:solidFill>
+                  <a:schemeClr val="tx1"/>
+                </a:solidFill>
+                <a:latin typeface="Times New Roman" panose="02020603050405020304" pitchFamily="18" charset="0"/>
+                <a:cs typeface="Times New Roman" panose="02020603050405020304" pitchFamily="18" charset="0"/>
+              </a:rPr>
+              <a:t>0</a:t>
+            </a:r>
+            <a:endParaRPr lang="zh-CN" altLang="en-US">
+              <a:solidFill>
+                <a:schemeClr val="tx1"/>
+              </a:solidFill>
+              <a:latin typeface="Times New Roman" panose="02020603050405020304" pitchFamily="18" charset="0"/>
+              <a:cs typeface="Times New Roman" panose="02020603050405020304" pitchFamily="18" charset="0"/>
+            </a:endParaRPr>
+          </a:p>
+        </p:txBody>
+      </p:sp>
+      <p:sp>
+        <p:nvSpPr>
+          <p:cNvPr id="99" name="矩形 98">
+            <a:extLst>
+              <a:ext uri="{FF2B5EF4-FFF2-40B4-BE49-F238E27FC236}">
+                <a16:creationId xmlns:a16="http://schemas.microsoft.com/office/drawing/2014/main" id="{F51C71D1-94CF-40D2-9327-449FFB7A66AE}"/>
+              </a:ext>
+            </a:extLst>
+          </p:cNvPr>
+          <p:cNvSpPr/>
+          <p:nvPr/>
+        </p:nvSpPr>
+        <p:spPr>
+          <a:xfrm>
+            <a:off x="4360480" y="2936556"/>
+            <a:ext cx="568171" cy="470018"/>
+          </a:xfrm>
+          <a:prstGeom prst="rect">
+            <a:avLst/>
+          </a:prstGeom>
+        </p:spPr>
+        <p:style>
+          <a:lnRef idx="2">
+            <a:schemeClr val="accent2">
+              <a:shade val="50000"/>
+            </a:schemeClr>
+          </a:lnRef>
+          <a:fillRef idx="1">
+            <a:schemeClr val="accent2"/>
+          </a:fillRef>
+          <a:effectRef idx="0">
+            <a:schemeClr val="accent2"/>
+          </a:effectRef>
+          <a:fontRef idx="minor">
+            <a:schemeClr val="lt1"/>
+          </a:fontRef>
+        </p:style>
+        <p:txBody>
+          <a:bodyPr rtlCol="0" anchor="ctr"/>
+          <a:lstStyle/>
+          <a:p>
+            <a:pPr algn="ctr"/>
+            <a:r>
+              <a:rPr lang="en-US" altLang="zh-CN">
+                <a:solidFill>
+                  <a:schemeClr val="tx1"/>
+                </a:solidFill>
+                <a:latin typeface="Times New Roman" panose="02020603050405020304" pitchFamily="18" charset="0"/>
+                <a:cs typeface="Times New Roman" panose="02020603050405020304" pitchFamily="18" charset="0"/>
+              </a:rPr>
+              <a:t>3</a:t>
+            </a:r>
+            <a:endParaRPr lang="zh-CN" altLang="en-US">
+              <a:solidFill>
+                <a:schemeClr val="tx1"/>
+              </a:solidFill>
+              <a:latin typeface="Times New Roman" panose="02020603050405020304" pitchFamily="18" charset="0"/>
+              <a:cs typeface="Times New Roman" panose="02020603050405020304" pitchFamily="18" charset="0"/>
+            </a:endParaRPr>
+          </a:p>
+        </p:txBody>
+      </p:sp>
+      <p:sp>
+        <p:nvSpPr>
+          <p:cNvPr id="100" name="矩形 99">
+            <a:extLst>
+              <a:ext uri="{FF2B5EF4-FFF2-40B4-BE49-F238E27FC236}">
+                <a16:creationId xmlns:a16="http://schemas.microsoft.com/office/drawing/2014/main" id="{CDA9295E-83B3-4DB3-8EDE-2EB11677F3AE}"/>
+              </a:ext>
+            </a:extLst>
+          </p:cNvPr>
+          <p:cNvSpPr/>
+          <p:nvPr/>
+        </p:nvSpPr>
+        <p:spPr>
+          <a:xfrm>
+            <a:off x="9407242" y="1608090"/>
+            <a:ext cx="568171" cy="540152"/>
+          </a:xfrm>
+          <a:prstGeom prst="rect">
+            <a:avLst/>
+          </a:prstGeom>
+        </p:spPr>
+        <p:style>
+          <a:lnRef idx="2">
+            <a:schemeClr val="accent6">
+              <a:shade val="50000"/>
+            </a:schemeClr>
+          </a:lnRef>
+          <a:fillRef idx="1">
+            <a:schemeClr val="accent6"/>
+          </a:fillRef>
+          <a:effectRef idx="0">
+            <a:schemeClr val="accent6"/>
+          </a:effectRef>
+          <a:fontRef idx="minor">
+            <a:schemeClr val="lt1"/>
+          </a:fontRef>
+        </p:style>
+        <p:txBody>
+          <a:bodyPr rtlCol="0" anchor="ctr"/>
+          <a:lstStyle/>
+          <a:p>
+            <a:pPr algn="ctr"/>
+            <a:r>
+              <a:rPr lang="en-US" altLang="zh-CN">
+                <a:solidFill>
+                  <a:schemeClr val="tx1"/>
+                </a:solidFill>
+                <a:latin typeface="Times New Roman" panose="02020603050405020304" pitchFamily="18" charset="0"/>
+                <a:cs typeface="Times New Roman" panose="02020603050405020304" pitchFamily="18" charset="0"/>
+              </a:rPr>
+              <a:t>6</a:t>
+            </a:r>
+            <a:endParaRPr lang="zh-CN" altLang="en-US">
+              <a:solidFill>
+                <a:schemeClr val="tx1"/>
+              </a:solidFill>
+              <a:latin typeface="Times New Roman" panose="02020603050405020304" pitchFamily="18" charset="0"/>
+              <a:cs typeface="Times New Roman" panose="02020603050405020304" pitchFamily="18" charset="0"/>
+            </a:endParaRPr>
+          </a:p>
+        </p:txBody>
+      </p:sp>
+      <p:sp>
+        <p:nvSpPr>
+          <p:cNvPr id="101" name="矩形 100">
+            <a:extLst>
+              <a:ext uri="{FF2B5EF4-FFF2-40B4-BE49-F238E27FC236}">
+                <a16:creationId xmlns:a16="http://schemas.microsoft.com/office/drawing/2014/main" id="{A4C9D087-F157-4F2A-A93D-DCFDC5FBE8CA}"/>
+              </a:ext>
+            </a:extLst>
+          </p:cNvPr>
+          <p:cNvSpPr/>
+          <p:nvPr/>
+        </p:nvSpPr>
+        <p:spPr>
+          <a:xfrm>
+            <a:off x="7578441" y="2946217"/>
+            <a:ext cx="568171" cy="512134"/>
+          </a:xfrm>
+          <a:prstGeom prst="rect">
+            <a:avLst/>
+          </a:prstGeom>
+        </p:spPr>
+        <p:style>
+          <a:lnRef idx="2">
+            <a:schemeClr val="accent1">
+              <a:shade val="50000"/>
+            </a:schemeClr>
+          </a:lnRef>
+          <a:fillRef idx="1">
+            <a:schemeClr val="accent1"/>
+          </a:fillRef>
+          <a:effectRef idx="0">
+            <a:schemeClr val="accent1"/>
+          </a:effectRef>
+          <a:fontRef idx="minor">
+            <a:schemeClr val="lt1"/>
+          </a:fontRef>
+        </p:style>
+        <p:txBody>
+          <a:bodyPr rtlCol="0" anchor="ctr"/>
+          <a:lstStyle/>
+          <a:p>
+            <a:pPr algn="ctr"/>
+            <a:r>
+              <a:rPr lang="en-US" altLang="zh-CN">
+                <a:solidFill>
+                  <a:schemeClr val="tx1"/>
+                </a:solidFill>
+                <a:latin typeface="Times New Roman" panose="02020603050405020304" pitchFamily="18" charset="0"/>
+                <a:cs typeface="Times New Roman" panose="02020603050405020304" pitchFamily="18" charset="0"/>
+              </a:rPr>
+              <a:t>0</a:t>
+            </a:r>
+            <a:endParaRPr lang="zh-CN" altLang="en-US">
+              <a:solidFill>
+                <a:schemeClr val="tx1"/>
+              </a:solidFill>
+              <a:latin typeface="Times New Roman" panose="02020603050405020304" pitchFamily="18" charset="0"/>
+              <a:cs typeface="Times New Roman" panose="02020603050405020304" pitchFamily="18" charset="0"/>
+            </a:endParaRPr>
+          </a:p>
+        </p:txBody>
+      </p:sp>
+      <p:sp>
+        <p:nvSpPr>
+          <p:cNvPr id="102" name="矩形 101">
+            <a:extLst>
+              <a:ext uri="{FF2B5EF4-FFF2-40B4-BE49-F238E27FC236}">
+                <a16:creationId xmlns:a16="http://schemas.microsoft.com/office/drawing/2014/main" id="{49C0BE48-1491-4865-B31A-A61489C82E5E}"/>
+              </a:ext>
+            </a:extLst>
+          </p:cNvPr>
+          <p:cNvSpPr/>
+          <p:nvPr/>
+        </p:nvSpPr>
+        <p:spPr>
+          <a:xfrm>
+            <a:off x="5811914" y="2937924"/>
+            <a:ext cx="568171" cy="470018"/>
+          </a:xfrm>
+          <a:prstGeom prst="rect">
+            <a:avLst/>
+          </a:prstGeom>
+        </p:spPr>
+        <p:style>
+          <a:lnRef idx="2">
+            <a:schemeClr val="accent2">
+              <a:shade val="50000"/>
+            </a:schemeClr>
+          </a:lnRef>
+          <a:fillRef idx="1">
+            <a:schemeClr val="accent2"/>
+          </a:fillRef>
+          <a:effectRef idx="0">
+            <a:schemeClr val="accent2"/>
+          </a:effectRef>
+          <a:fontRef idx="minor">
+            <a:schemeClr val="lt1"/>
+          </a:fontRef>
+        </p:style>
+        <p:txBody>
+          <a:bodyPr rtlCol="0" anchor="ctr"/>
+          <a:lstStyle/>
+          <a:p>
+            <a:pPr algn="ctr"/>
+            <a:r>
+              <a:rPr lang="en-US" altLang="zh-CN">
+                <a:solidFill>
+                  <a:schemeClr val="tx1"/>
+                </a:solidFill>
+                <a:latin typeface="Times New Roman" panose="02020603050405020304" pitchFamily="18" charset="0"/>
+                <a:cs typeface="Times New Roman" panose="02020603050405020304" pitchFamily="18" charset="0"/>
+              </a:rPr>
+              <a:t>3</a:t>
+            </a:r>
+            <a:endParaRPr lang="zh-CN" altLang="en-US">
+              <a:solidFill>
+                <a:schemeClr val="tx1"/>
+              </a:solidFill>
+              <a:latin typeface="Times New Roman" panose="02020603050405020304" pitchFamily="18" charset="0"/>
+              <a:cs typeface="Times New Roman" panose="02020603050405020304" pitchFamily="18" charset="0"/>
+            </a:endParaRPr>
+          </a:p>
+        </p:txBody>
+      </p:sp>
+      <p:sp>
+        <p:nvSpPr>
+          <p:cNvPr id="103" name="矩形 102">
+            <a:extLst>
+              <a:ext uri="{FF2B5EF4-FFF2-40B4-BE49-F238E27FC236}">
+                <a16:creationId xmlns:a16="http://schemas.microsoft.com/office/drawing/2014/main" id="{AA05E13A-A9C2-44FE-B0F0-600E473D366D}"/>
+              </a:ext>
+            </a:extLst>
+          </p:cNvPr>
+          <p:cNvSpPr/>
+          <p:nvPr/>
+        </p:nvSpPr>
+        <p:spPr>
+          <a:xfrm>
+            <a:off x="6695177" y="2867790"/>
+            <a:ext cx="568171" cy="540152"/>
+          </a:xfrm>
+          <a:prstGeom prst="rect">
+            <a:avLst/>
+          </a:prstGeom>
+        </p:spPr>
+        <p:style>
+          <a:lnRef idx="2">
+            <a:schemeClr val="accent6">
+              <a:shade val="50000"/>
+            </a:schemeClr>
+          </a:lnRef>
+          <a:fillRef idx="1">
+            <a:schemeClr val="accent6"/>
+          </a:fillRef>
+          <a:effectRef idx="0">
+            <a:schemeClr val="accent6"/>
+          </a:effectRef>
+          <a:fontRef idx="minor">
+            <a:schemeClr val="lt1"/>
+          </a:fontRef>
+        </p:style>
+        <p:txBody>
+          <a:bodyPr rtlCol="0" anchor="ctr"/>
+          <a:lstStyle/>
+          <a:p>
+            <a:pPr algn="ctr"/>
+            <a:r>
+              <a:rPr lang="en-US" altLang="zh-CN">
+                <a:solidFill>
+                  <a:schemeClr val="tx1"/>
+                </a:solidFill>
+                <a:latin typeface="Times New Roman" panose="02020603050405020304" pitchFamily="18" charset="0"/>
+                <a:cs typeface="Times New Roman" panose="02020603050405020304" pitchFamily="18" charset="0"/>
+              </a:rPr>
+              <a:t>6</a:t>
+            </a:r>
+            <a:endParaRPr lang="zh-CN" altLang="en-US">
+              <a:solidFill>
+                <a:schemeClr val="tx1"/>
+              </a:solidFill>
+              <a:latin typeface="Times New Roman" panose="02020603050405020304" pitchFamily="18" charset="0"/>
+              <a:cs typeface="Times New Roman" panose="02020603050405020304" pitchFamily="18" charset="0"/>
+            </a:endParaRPr>
+          </a:p>
+        </p:txBody>
+      </p:sp>
+      <p:sp>
+        <p:nvSpPr>
+          <p:cNvPr id="104" name="矩形 103">
+            <a:extLst>
+              <a:ext uri="{FF2B5EF4-FFF2-40B4-BE49-F238E27FC236}">
+                <a16:creationId xmlns:a16="http://schemas.microsoft.com/office/drawing/2014/main" id="{F380C732-309E-4BD8-B16D-79956CB69AAB}"/>
+              </a:ext>
+            </a:extLst>
+          </p:cNvPr>
+          <p:cNvSpPr/>
+          <p:nvPr/>
+        </p:nvSpPr>
+        <p:spPr>
+          <a:xfrm>
+            <a:off x="7578441" y="4230974"/>
+            <a:ext cx="568171" cy="512134"/>
+          </a:xfrm>
+          <a:prstGeom prst="rect">
+            <a:avLst/>
+          </a:prstGeom>
+        </p:spPr>
+        <p:style>
+          <a:lnRef idx="2">
+            <a:schemeClr val="accent1">
+              <a:shade val="50000"/>
+            </a:schemeClr>
+          </a:lnRef>
+          <a:fillRef idx="1">
+            <a:schemeClr val="accent1"/>
+          </a:fillRef>
+          <a:effectRef idx="0">
+            <a:schemeClr val="accent1"/>
+          </a:effectRef>
+          <a:fontRef idx="minor">
+            <a:schemeClr val="lt1"/>
+          </a:fontRef>
+        </p:style>
+        <p:txBody>
+          <a:bodyPr rtlCol="0" anchor="ctr"/>
+          <a:lstStyle/>
+          <a:p>
+            <a:pPr algn="ctr"/>
+            <a:r>
+              <a:rPr lang="en-US" altLang="zh-CN">
+                <a:solidFill>
+                  <a:schemeClr val="tx1"/>
+                </a:solidFill>
+                <a:latin typeface="Times New Roman" panose="02020603050405020304" pitchFamily="18" charset="0"/>
+                <a:cs typeface="Times New Roman" panose="02020603050405020304" pitchFamily="18" charset="0"/>
+              </a:rPr>
+              <a:t>0</a:t>
+            </a:r>
+            <a:endParaRPr lang="zh-CN" altLang="en-US">
+              <a:solidFill>
+                <a:schemeClr val="tx1"/>
+              </a:solidFill>
+              <a:latin typeface="Times New Roman" panose="02020603050405020304" pitchFamily="18" charset="0"/>
+              <a:cs typeface="Times New Roman" panose="02020603050405020304" pitchFamily="18" charset="0"/>
+            </a:endParaRPr>
+          </a:p>
+        </p:txBody>
+      </p:sp>
+      <p:sp>
+        <p:nvSpPr>
+          <p:cNvPr id="105" name="矩形 104">
+            <a:extLst>
+              <a:ext uri="{FF2B5EF4-FFF2-40B4-BE49-F238E27FC236}">
+                <a16:creationId xmlns:a16="http://schemas.microsoft.com/office/drawing/2014/main" id="{29139495-A58D-4786-974B-F1A40193801F}"/>
+              </a:ext>
+            </a:extLst>
+          </p:cNvPr>
+          <p:cNvSpPr/>
+          <p:nvPr/>
+        </p:nvSpPr>
+        <p:spPr>
+          <a:xfrm>
+            <a:off x="6696591" y="4243226"/>
+            <a:ext cx="568171" cy="470018"/>
+          </a:xfrm>
+          <a:prstGeom prst="rect">
+            <a:avLst/>
+          </a:prstGeom>
+        </p:spPr>
+        <p:style>
+          <a:lnRef idx="2">
+            <a:schemeClr val="accent2">
+              <a:shade val="50000"/>
+            </a:schemeClr>
+          </a:lnRef>
+          <a:fillRef idx="1">
+            <a:schemeClr val="accent2"/>
+          </a:fillRef>
+          <a:effectRef idx="0">
+            <a:schemeClr val="accent2"/>
+          </a:effectRef>
+          <a:fontRef idx="minor">
+            <a:schemeClr val="lt1"/>
+          </a:fontRef>
+        </p:style>
+        <p:txBody>
+          <a:bodyPr rtlCol="0" anchor="ctr"/>
+          <a:lstStyle/>
+          <a:p>
+            <a:pPr algn="ctr"/>
+            <a:r>
+              <a:rPr lang="en-US" altLang="zh-CN">
+                <a:solidFill>
+                  <a:schemeClr val="tx1"/>
+                </a:solidFill>
+                <a:latin typeface="Times New Roman" panose="02020603050405020304" pitchFamily="18" charset="0"/>
+                <a:cs typeface="Times New Roman" panose="02020603050405020304" pitchFamily="18" charset="0"/>
+              </a:rPr>
+              <a:t>3</a:t>
+            </a:r>
+            <a:endParaRPr lang="zh-CN" altLang="en-US">
+              <a:solidFill>
+                <a:schemeClr val="tx1"/>
+              </a:solidFill>
+              <a:latin typeface="Times New Roman" panose="02020603050405020304" pitchFamily="18" charset="0"/>
+              <a:cs typeface="Times New Roman" panose="02020603050405020304" pitchFamily="18" charset="0"/>
+            </a:endParaRPr>
+          </a:p>
+        </p:txBody>
+      </p:sp>
+      <p:sp>
+        <p:nvSpPr>
+          <p:cNvPr id="106" name="矩形 105">
+            <a:extLst>
+              <a:ext uri="{FF2B5EF4-FFF2-40B4-BE49-F238E27FC236}">
+                <a16:creationId xmlns:a16="http://schemas.microsoft.com/office/drawing/2014/main" id="{325F5BBF-0236-4008-93C5-6BD9457CA3F7}"/>
+              </a:ext>
+            </a:extLst>
+          </p:cNvPr>
+          <p:cNvSpPr/>
+          <p:nvPr/>
+        </p:nvSpPr>
+        <p:spPr>
+          <a:xfrm>
+            <a:off x="5811914" y="4243226"/>
+            <a:ext cx="568171" cy="540152"/>
+          </a:xfrm>
+          <a:prstGeom prst="rect">
+            <a:avLst/>
+          </a:prstGeom>
+        </p:spPr>
+        <p:style>
+          <a:lnRef idx="2">
+            <a:schemeClr val="accent6">
+              <a:shade val="50000"/>
+            </a:schemeClr>
+          </a:lnRef>
+          <a:fillRef idx="1">
+            <a:schemeClr val="accent6"/>
+          </a:fillRef>
+          <a:effectRef idx="0">
+            <a:schemeClr val="accent6"/>
+          </a:effectRef>
+          <a:fontRef idx="minor">
+            <a:schemeClr val="lt1"/>
+          </a:fontRef>
+        </p:style>
+        <p:txBody>
+          <a:bodyPr rtlCol="0" anchor="ctr"/>
+          <a:lstStyle/>
+          <a:p>
+            <a:pPr algn="ctr"/>
+            <a:r>
+              <a:rPr lang="en-US" altLang="zh-CN">
+                <a:solidFill>
+                  <a:schemeClr val="tx1"/>
+                </a:solidFill>
+                <a:latin typeface="Times New Roman" panose="02020603050405020304" pitchFamily="18" charset="0"/>
+                <a:cs typeface="Times New Roman" panose="02020603050405020304" pitchFamily="18" charset="0"/>
+              </a:rPr>
+              <a:t>6</a:t>
+            </a:r>
+            <a:endParaRPr lang="zh-CN" altLang="en-US">
+              <a:solidFill>
+                <a:schemeClr val="tx1"/>
+              </a:solidFill>
+              <a:latin typeface="Times New Roman" panose="02020603050405020304" pitchFamily="18" charset="0"/>
+              <a:cs typeface="Times New Roman" panose="02020603050405020304" pitchFamily="18" charset="0"/>
+            </a:endParaRPr>
+          </a:p>
+        </p:txBody>
+      </p:sp>
+    </p:spTree>
+    <p:extLst>
+      <p:ext uri="{BB962C8B-B14F-4D97-AF65-F5344CB8AC3E}">
+        <p14:creationId xmlns:p14="http://schemas.microsoft.com/office/powerpoint/2010/main" val="787603184"/>
+      </p:ext>
+    </p:extLst>
+  </p:cSld>
+  <p:clrMapOvr>
+    <a:masterClrMapping/>
+  </p:clrMapOvr>
+</p:sld>
+</file>
+
 <file path=ppt/theme/theme1.xml><?xml version="1.0" encoding="utf-8"?>
 <a:theme xmlns:a="http://schemas.openxmlformats.org/drawingml/2006/main" name="Office 主题​​">
   <a:themeElements>

--- a/链表/数据结构可视化辅助理解，便于代码开发.pptx
+++ b/链表/数据结构可视化辅助理解，便于代码开发.pptx
@@ -13,6 +13,8 @@
     <p:sldId id="261" r:id="rId7"/>
     <p:sldId id="262" r:id="rId8"/>
     <p:sldId id="263" r:id="rId9"/>
+    <p:sldId id="264" r:id="rId10"/>
+    <p:sldId id="265" r:id="rId11"/>
   </p:sldIdLst>
   <p:sldSz cx="12192000" cy="6858000"/>
   <p:notesSz cx="6858000" cy="9144000"/>
@@ -266,7 +268,7 @@
           <a:p>
             <a:fld id="{00F45E2C-A052-4CA8-89FD-DA47DCEA70CB}" type="datetimeFigureOut">
               <a:rPr lang="zh-CN" altLang="en-US" smtClean="0"/>
-              <a:t>2019/5/24</a:t>
+              <a:t>2019/5/26</a:t>
             </a:fld>
             <a:endParaRPr lang="zh-CN" altLang="en-US"/>
           </a:p>
@@ -464,7 +466,7 @@
           <a:p>
             <a:fld id="{00F45E2C-A052-4CA8-89FD-DA47DCEA70CB}" type="datetimeFigureOut">
               <a:rPr lang="zh-CN" altLang="en-US" smtClean="0"/>
-              <a:t>2019/5/24</a:t>
+              <a:t>2019/5/26</a:t>
             </a:fld>
             <a:endParaRPr lang="zh-CN" altLang="en-US"/>
           </a:p>
@@ -672,7 +674,7 @@
           <a:p>
             <a:fld id="{00F45E2C-A052-4CA8-89FD-DA47DCEA70CB}" type="datetimeFigureOut">
               <a:rPr lang="zh-CN" altLang="en-US" smtClean="0"/>
-              <a:t>2019/5/24</a:t>
+              <a:t>2019/5/26</a:t>
             </a:fld>
             <a:endParaRPr lang="zh-CN" altLang="en-US"/>
           </a:p>
@@ -746,7 +748,7 @@
 </file>
 
 <file path=ppt/slideLayouts/slideLayout2.xml><?xml version="1.0" encoding="utf-8"?>
-<p:sldLayout xmlns:a="http://schemas.openxmlformats.org/drawingml/2006/main" xmlns:r="http://schemas.openxmlformats.org/officeDocument/2006/relationships" xmlns:p="http://schemas.openxmlformats.org/presentationml/2006/main" type="obj" preserve="1">
+<p:sldLayout xmlns:a="http://schemas.openxmlformats.org/drawingml/2006/main" xmlns:r="http://schemas.openxmlformats.org/officeDocument/2006/relationships" xmlns:p="http://schemas.openxmlformats.org/presentationml/2006/main" preserve="1" userDrawn="1">
   <p:cSld name="标题和内容">
     <p:spTree>
       <p:nvGrpSpPr>
@@ -778,10 +780,31 @@
             <p:ph type="title"/>
           </p:nvPr>
         </p:nvSpPr>
-        <p:spPr/>
+        <p:spPr>
+          <a:xfrm>
+            <a:off x="99645" y="48603"/>
+            <a:ext cx="12092355" cy="733912"/>
+          </a:xfrm>
+        </p:spPr>
         <p:txBody>
-          <a:bodyPr/>
-          <a:lstStyle/>
+          <a:bodyPr>
+            <a:normAutofit/>
+          </a:bodyPr>
+          <a:lstStyle>
+            <a:lvl1pPr>
+              <a:defRPr sz="3200" b="0" cap="none" spc="0" baseline="0">
+                <a:ln>
+                  <a:noFill/>
+                </a:ln>
+                <a:solidFill>
+                  <a:schemeClr val="tx1"/>
+                </a:solidFill>
+                <a:effectLst/>
+                <a:latin typeface="Times New Roman" panose="02020603050405020304" pitchFamily="18" charset="0"/>
+                <a:ea typeface="微软雅黑" panose="020B0503020204020204" pitchFamily="34" charset="-122"/>
+              </a:defRPr>
+            </a:lvl1pPr>
+          </a:lstStyle>
           <a:p>
             <a:r>
               <a:rPr lang="zh-CN" altLang="en-US"/>
@@ -792,10 +815,10 @@
       </p:sp>
       <p:sp>
         <p:nvSpPr>
-          <p:cNvPr id="3" name="内容占位符 2">
-            <a:extLst>
-              <a:ext uri="{FF2B5EF4-FFF2-40B4-BE49-F238E27FC236}">
-                <a16:creationId xmlns:a16="http://schemas.microsoft.com/office/drawing/2014/main" id="{540F295F-1DCB-4F67-958A-5DAB89BEA103}"/>
+          <p:cNvPr id="4" name="日期占位符 3">
+            <a:extLst>
+              <a:ext uri="{FF2B5EF4-FFF2-40B4-BE49-F238E27FC236}">
+                <a16:creationId xmlns:a16="http://schemas.microsoft.com/office/drawing/2014/main" id="{127E094D-41A3-420F-8C9E-DCC6700F1CE2}"/>
               </a:ext>
             </a:extLst>
           </p:cNvPr>
@@ -803,7 +826,7 @@
             <a:spLocks noGrp="1"/>
           </p:cNvSpPr>
           <p:nvPr>
-            <p:ph idx="1"/>
+            <p:ph type="dt" sz="half" idx="10"/>
           </p:nvPr>
         </p:nvSpPr>
         <p:spPr/>
@@ -816,92 +839,12 @@
                 <a:ea typeface="微软雅黑" panose="020B0503020204020204" pitchFamily="34" charset="-122"/>
               </a:defRPr>
             </a:lvl1pPr>
-            <a:lvl2pPr>
-              <a:defRPr baseline="0">
-                <a:latin typeface="Times New Roman" panose="02020603050405020304" pitchFamily="18" charset="0"/>
-                <a:ea typeface="微软雅黑" panose="020B0503020204020204" pitchFamily="34" charset="-122"/>
-              </a:defRPr>
-            </a:lvl2pPr>
-            <a:lvl3pPr>
-              <a:defRPr baseline="0">
-                <a:latin typeface="Times New Roman" panose="02020603050405020304" pitchFamily="18" charset="0"/>
-                <a:ea typeface="微软雅黑" panose="020B0503020204020204" pitchFamily="34" charset="-122"/>
-              </a:defRPr>
-            </a:lvl3pPr>
-            <a:lvl4pPr>
-              <a:defRPr baseline="0">
-                <a:latin typeface="Times New Roman" panose="02020603050405020304" pitchFamily="18" charset="0"/>
-                <a:ea typeface="微软雅黑" panose="020B0503020204020204" pitchFamily="34" charset="-122"/>
-              </a:defRPr>
-            </a:lvl4pPr>
-            <a:lvl5pPr>
-              <a:defRPr baseline="0">
-                <a:latin typeface="Times New Roman" panose="02020603050405020304" pitchFamily="18" charset="0"/>
-                <a:ea typeface="微软雅黑" panose="020B0503020204020204" pitchFamily="34" charset="-122"/>
-              </a:defRPr>
-            </a:lvl5pPr>
           </a:lstStyle>
-          <a:p>
-            <a:pPr lvl="0"/>
-            <a:r>
-              <a:rPr lang="zh-CN" altLang="en-US"/>
-              <a:t>单击此处编辑母版文本样式</a:t>
-            </a:r>
-          </a:p>
-          <a:p>
-            <a:pPr lvl="1"/>
-            <a:r>
-              <a:rPr lang="zh-CN" altLang="en-US"/>
-              <a:t>二级</a:t>
-            </a:r>
-          </a:p>
-          <a:p>
-            <a:pPr lvl="2"/>
-            <a:r>
-              <a:rPr lang="zh-CN" altLang="en-US"/>
-              <a:t>三级</a:t>
-            </a:r>
-          </a:p>
-          <a:p>
-            <a:pPr lvl="3"/>
-            <a:r>
-              <a:rPr lang="zh-CN" altLang="en-US"/>
-              <a:t>四级</a:t>
-            </a:r>
-          </a:p>
-          <a:p>
-            <a:pPr lvl="4"/>
-            <a:r>
-              <a:rPr lang="zh-CN" altLang="en-US"/>
-              <a:t>五级</a:t>
-            </a:r>
-          </a:p>
-        </p:txBody>
-      </p:sp>
-      <p:sp>
-        <p:nvSpPr>
-          <p:cNvPr id="4" name="日期占位符 3">
-            <a:extLst>
-              <a:ext uri="{FF2B5EF4-FFF2-40B4-BE49-F238E27FC236}">
-                <a16:creationId xmlns:a16="http://schemas.microsoft.com/office/drawing/2014/main" id="{127E094D-41A3-420F-8C9E-DCC6700F1CE2}"/>
-              </a:ext>
-            </a:extLst>
-          </p:cNvPr>
-          <p:cNvSpPr>
-            <a:spLocks noGrp="1"/>
-          </p:cNvSpPr>
-          <p:nvPr>
-            <p:ph type="dt" sz="half" idx="10"/>
-          </p:nvPr>
-        </p:nvSpPr>
-        <p:spPr/>
-        <p:txBody>
-          <a:bodyPr/>
-          <a:lstStyle/>
           <a:p>
             <a:fld id="{00F45E2C-A052-4CA8-89FD-DA47DCEA70CB}" type="datetimeFigureOut">
               <a:rPr lang="zh-CN" altLang="en-US" smtClean="0"/>
-              <a:t>2019/5/24</a:t>
+              <a:pPr/>
+              <a:t>2019/5/26</a:t>
             </a:fld>
             <a:endParaRPr lang="zh-CN" altLang="en-US"/>
           </a:p>
@@ -926,7 +869,14 @@
         <p:spPr/>
         <p:txBody>
           <a:bodyPr/>
-          <a:lstStyle/>
+          <a:lstStyle>
+            <a:lvl1pPr>
+              <a:defRPr baseline="0">
+                <a:latin typeface="Times New Roman" panose="02020603050405020304" pitchFamily="18" charset="0"/>
+                <a:ea typeface="微软雅黑" panose="020B0503020204020204" pitchFamily="34" charset="-122"/>
+              </a:defRPr>
+            </a:lvl1pPr>
+          </a:lstStyle>
           <a:p>
             <a:endParaRPr lang="zh-CN" altLang="en-US"/>
           </a:p>
@@ -951,13 +901,159 @@
         <p:spPr/>
         <p:txBody>
           <a:bodyPr/>
-          <a:lstStyle/>
+          <a:lstStyle>
+            <a:lvl1pPr>
+              <a:defRPr baseline="0">
+                <a:latin typeface="Times New Roman" panose="02020603050405020304" pitchFamily="18" charset="0"/>
+                <a:ea typeface="微软雅黑" panose="020B0503020204020204" pitchFamily="34" charset="-122"/>
+              </a:defRPr>
+            </a:lvl1pPr>
+          </a:lstStyle>
           <a:p>
             <a:fld id="{AF7DA2DE-65E7-41E7-B1D1-93178B4DF7F7}" type="slidenum">
               <a:rPr lang="zh-CN" altLang="en-US" smtClean="0"/>
+              <a:pPr/>
               <a:t>‹#›</a:t>
             </a:fld>
             <a:endParaRPr lang="zh-CN" altLang="en-US"/>
+          </a:p>
+        </p:txBody>
+      </p:sp>
+      <p:cxnSp>
+        <p:nvCxnSpPr>
+          <p:cNvPr id="8" name="直接连接符 7">
+            <a:extLst>
+              <a:ext uri="{FF2B5EF4-FFF2-40B4-BE49-F238E27FC236}">
+                <a16:creationId xmlns:a16="http://schemas.microsoft.com/office/drawing/2014/main" id="{8B338B92-8738-4498-91E0-5E8CD07C9160}"/>
+              </a:ext>
+            </a:extLst>
+          </p:cNvPr>
+          <p:cNvCxnSpPr>
+            <a:cxnSpLocks/>
+          </p:cNvCxnSpPr>
+          <p:nvPr userDrawn="1"/>
+        </p:nvCxnSpPr>
+        <p:spPr>
+          <a:xfrm>
+            <a:off x="0" y="782515"/>
+            <a:ext cx="12192000" cy="0"/>
+          </a:xfrm>
+          <a:prstGeom prst="line">
+            <a:avLst/>
+          </a:prstGeom>
+          <a:ln w="28575">
+            <a:solidFill>
+              <a:schemeClr val="accent1"/>
+            </a:solidFill>
+          </a:ln>
+        </p:spPr>
+        <p:style>
+          <a:lnRef idx="1">
+            <a:schemeClr val="accent1"/>
+          </a:lnRef>
+          <a:fillRef idx="0">
+            <a:schemeClr val="accent1"/>
+          </a:fillRef>
+          <a:effectRef idx="0">
+            <a:schemeClr val="accent1"/>
+          </a:effectRef>
+          <a:fontRef idx="minor">
+            <a:schemeClr val="tx1"/>
+          </a:fontRef>
+        </p:style>
+      </p:cxnSp>
+      <p:sp>
+        <p:nvSpPr>
+          <p:cNvPr id="11" name="文本占位符 10">
+            <a:extLst>
+              <a:ext uri="{FF2B5EF4-FFF2-40B4-BE49-F238E27FC236}">
+                <a16:creationId xmlns:a16="http://schemas.microsoft.com/office/drawing/2014/main" id="{FE558B24-9542-44CD-B7E6-205BBF03CA6C}"/>
+              </a:ext>
+            </a:extLst>
+          </p:cNvPr>
+          <p:cNvSpPr>
+            <a:spLocks noGrp="1"/>
+          </p:cNvSpPr>
+          <p:nvPr>
+            <p:ph type="body" sz="quarter" idx="13"/>
+          </p:nvPr>
+        </p:nvSpPr>
+        <p:spPr>
+          <a:xfrm>
+            <a:off x="384175" y="1003176"/>
+            <a:ext cx="10969625" cy="5133975"/>
+          </a:xfrm>
+        </p:spPr>
+        <p:txBody>
+          <a:bodyPr>
+            <a:normAutofit/>
+          </a:bodyPr>
+          <a:lstStyle>
+            <a:lvl1pPr>
+              <a:defRPr sz="1800" baseline="0">
+                <a:latin typeface="Times New Roman" panose="02020603050405020304" pitchFamily="18" charset="0"/>
+                <a:ea typeface="微软雅黑" panose="020B0503020204020204" pitchFamily="34" charset="-122"/>
+              </a:defRPr>
+            </a:lvl1pPr>
+            <a:lvl2pPr>
+              <a:defRPr sz="1600" baseline="0">
+                <a:latin typeface="Times New Roman" panose="02020603050405020304" pitchFamily="18" charset="0"/>
+                <a:ea typeface="微软雅黑" panose="020B0503020204020204" pitchFamily="34" charset="-122"/>
+              </a:defRPr>
+            </a:lvl2pPr>
+            <a:lvl3pPr>
+              <a:defRPr sz="1400" baseline="0">
+                <a:latin typeface="Times New Roman" panose="02020603050405020304" pitchFamily="18" charset="0"/>
+                <a:ea typeface="微软雅黑" panose="020B0503020204020204" pitchFamily="34" charset="-122"/>
+              </a:defRPr>
+            </a:lvl3pPr>
+            <a:lvl4pPr>
+              <a:defRPr sz="1200" baseline="0">
+                <a:latin typeface="Times New Roman" panose="02020603050405020304" pitchFamily="18" charset="0"/>
+                <a:ea typeface="微软雅黑" panose="020B0503020204020204" pitchFamily="34" charset="-122"/>
+              </a:defRPr>
+            </a:lvl4pPr>
+            <a:lvl5pPr>
+              <a:defRPr sz="1200" baseline="0">
+                <a:latin typeface="Times New Roman" panose="02020603050405020304" pitchFamily="18" charset="0"/>
+                <a:ea typeface="微软雅黑" panose="020B0503020204020204" pitchFamily="34" charset="-122"/>
+              </a:defRPr>
+            </a:lvl5pPr>
+          </a:lstStyle>
+          <a:p>
+            <a:pPr lvl="0"/>
+            <a:r>
+              <a:rPr lang="zh-CN" altLang="en-US"/>
+              <a:t>单击此处编辑母版文本样式</a:t>
+            </a:r>
+          </a:p>
+          <a:p>
+            <a:pPr lvl="1"/>
+            <a:r>
+              <a:rPr lang="zh-CN" altLang="en-US"/>
+              <a:t>二级</a:t>
+            </a:r>
+          </a:p>
+          <a:p>
+            <a:pPr lvl="2"/>
+            <a:r>
+              <a:rPr lang="zh-CN" altLang="en-US"/>
+              <a:t>三级</a:t>
+            </a:r>
+          </a:p>
+          <a:p>
+            <a:pPr lvl="3"/>
+            <a:r>
+              <a:rPr lang="zh-CN" altLang="en-US"/>
+              <a:t>四级</a:t>
+            </a:r>
+          </a:p>
+          <a:p>
+            <a:pPr lvl="4"/>
+            <a:r>
+              <a:rPr lang="zh-CN" altLang="en-US"/>
+              <a:t>五级</a:t>
+            </a:r>
           </a:p>
         </p:txBody>
       </p:sp>
@@ -1176,7 +1272,7 @@
           <a:p>
             <a:fld id="{00F45E2C-A052-4CA8-89FD-DA47DCEA70CB}" type="datetimeFigureOut">
               <a:rPr lang="zh-CN" altLang="en-US" smtClean="0"/>
-              <a:t>2019/5/24</a:t>
+              <a:t>2019/5/26</a:t>
             </a:fld>
             <a:endParaRPr lang="zh-CN" altLang="en-US"/>
           </a:p>
@@ -1441,7 +1537,7 @@
           <a:p>
             <a:fld id="{00F45E2C-A052-4CA8-89FD-DA47DCEA70CB}" type="datetimeFigureOut">
               <a:rPr lang="zh-CN" altLang="en-US" smtClean="0"/>
-              <a:t>2019/5/24</a:t>
+              <a:t>2019/5/26</a:t>
             </a:fld>
             <a:endParaRPr lang="zh-CN" altLang="en-US"/>
           </a:p>
@@ -1853,7 +1949,7 @@
           <a:p>
             <a:fld id="{00F45E2C-A052-4CA8-89FD-DA47DCEA70CB}" type="datetimeFigureOut">
               <a:rPr lang="zh-CN" altLang="en-US" smtClean="0"/>
-              <a:t>2019/5/24</a:t>
+              <a:t>2019/5/26</a:t>
             </a:fld>
             <a:endParaRPr lang="zh-CN" altLang="en-US"/>
           </a:p>
@@ -1994,7 +2090,7 @@
           <a:p>
             <a:fld id="{00F45E2C-A052-4CA8-89FD-DA47DCEA70CB}" type="datetimeFigureOut">
               <a:rPr lang="zh-CN" altLang="en-US" smtClean="0"/>
-              <a:t>2019/5/24</a:t>
+              <a:t>2019/5/26</a:t>
             </a:fld>
             <a:endParaRPr lang="zh-CN" altLang="en-US"/>
           </a:p>
@@ -2107,7 +2203,7 @@
           <a:p>
             <a:fld id="{00F45E2C-A052-4CA8-89FD-DA47DCEA70CB}" type="datetimeFigureOut">
               <a:rPr lang="zh-CN" altLang="en-US" smtClean="0"/>
-              <a:t>2019/5/24</a:t>
+              <a:t>2019/5/26</a:t>
             </a:fld>
             <a:endParaRPr lang="zh-CN" altLang="en-US"/>
           </a:p>
@@ -2418,7 +2514,7 @@
           <a:p>
             <a:fld id="{00F45E2C-A052-4CA8-89FD-DA47DCEA70CB}" type="datetimeFigureOut">
               <a:rPr lang="zh-CN" altLang="en-US" smtClean="0"/>
-              <a:t>2019/5/24</a:t>
+              <a:t>2019/5/26</a:t>
             </a:fld>
             <a:endParaRPr lang="zh-CN" altLang="en-US"/>
           </a:p>
@@ -2706,7 +2802,7 @@
           <a:p>
             <a:fld id="{00F45E2C-A052-4CA8-89FD-DA47DCEA70CB}" type="datetimeFigureOut">
               <a:rPr lang="zh-CN" altLang="en-US" smtClean="0"/>
-              <a:t>2019/5/24</a:t>
+              <a:t>2019/5/26</a:t>
             </a:fld>
             <a:endParaRPr lang="zh-CN" altLang="en-US"/>
           </a:p>
@@ -2947,7 +3043,7 @@
           <a:p>
             <a:fld id="{00F45E2C-A052-4CA8-89FD-DA47DCEA70CB}" type="datetimeFigureOut">
               <a:rPr lang="zh-CN" altLang="en-US" smtClean="0"/>
-              <a:t>2019/5/24</a:t>
+              <a:t>2019/5/26</a:t>
             </a:fld>
             <a:endParaRPr lang="zh-CN" altLang="en-US"/>
           </a:p>
@@ -4224,7 +4320,7 @@
         <p:spPr>
           <a:xfrm>
             <a:off x="1563950" y="1753336"/>
-            <a:ext cx="588147" cy="2867491"/>
+            <a:ext cx="62144" cy="1531413"/>
           </a:xfrm>
           <a:prstGeom prst="curvedConnector2">
             <a:avLst/>
@@ -4260,17 +4356,18 @@
           <p:cNvCxnSpPr>
             <a:cxnSpLocks/>
             <a:stCxn id="6" idx="2"/>
+            <a:endCxn id="28" idx="2"/>
           </p:cNvCxnSpPr>
           <p:nvPr/>
         </p:nvCxnSpPr>
         <p:spPr>
           <a:xfrm rot="5400000">
-            <a:off x="1107858" y="3889526"/>
-            <a:ext cx="2503511" cy="415028"/>
+            <a:off x="1512896" y="2958484"/>
+            <a:ext cx="1167430" cy="941033"/>
           </a:xfrm>
           <a:prstGeom prst="curvedConnector3">
             <a:avLst>
-              <a:gd name="adj1" fmla="val 120922"/>
+              <a:gd name="adj1" fmla="val 119581"/>
             </a:avLst>
           </a:prstGeom>
           <a:ln>
@@ -4306,7 +4403,7 @@
         </p:nvGrpSpPr>
         <p:grpSpPr>
           <a:xfrm>
-            <a:off x="740547" y="4620826"/>
+            <a:off x="214544" y="3284748"/>
             <a:ext cx="2823099" cy="727967"/>
             <a:chOff x="2521259" y="1704513"/>
             <a:chExt cx="2823099" cy="727967"/>
@@ -4518,19 +4615,19 @@
           </p:cNvPr>
           <p:cNvCxnSpPr>
             <a:cxnSpLocks/>
+            <a:stCxn id="27" idx="1"/>
             <a:endCxn id="19" idx="1"/>
           </p:cNvCxnSpPr>
           <p:nvPr/>
         </p:nvCxnSpPr>
         <p:spPr>
-          <a:xfrm rot="16200000" flipV="1">
-            <a:off x="-880737" y="3256990"/>
-            <a:ext cx="3595456" cy="588148"/>
-          </a:xfrm>
-          <a:prstGeom prst="curvedConnector4">
+          <a:xfrm rot="10800000" flipH="1">
+            <a:off x="214543" y="1753337"/>
+            <a:ext cx="408373" cy="1895395"/>
+          </a:xfrm>
+          <a:prstGeom prst="curvedConnector3">
             <a:avLst>
-              <a:gd name="adj1" fmla="val -11605"/>
-              <a:gd name="adj2" fmla="val 138868"/>
+              <a:gd name="adj1" fmla="val -55978"/>
             </a:avLst>
           </a:prstGeom>
           <a:ln>
@@ -4613,8 +4710,8 @@
         </p:nvCxnSpPr>
         <p:spPr>
           <a:xfrm rot="5400000" flipH="1" flipV="1">
-            <a:off x="2412875" y="3525541"/>
-            <a:ext cx="1775540" cy="415030"/>
+            <a:off x="2817912" y="2594501"/>
+            <a:ext cx="439462" cy="941033"/>
           </a:xfrm>
           <a:prstGeom prst="curvedConnector3">
             <a:avLst>
@@ -4654,7 +4751,7 @@
         </p:nvSpPr>
         <p:spPr>
           <a:xfrm rot="16200000">
-            <a:off x="6296295" y="3351862"/>
+            <a:off x="2934615" y="3376279"/>
             <a:ext cx="1297619" cy="675094"/>
           </a:xfrm>
           <a:prstGeom prst="stripedRightArrow">
@@ -4839,6 +4936,335 @@
     <p:extLst>
       <p:ext uri="{BB962C8B-B14F-4D97-AF65-F5344CB8AC3E}">
         <p14:creationId xmlns:p14="http://schemas.microsoft.com/office/powerpoint/2010/main" val="2907730735"/>
+      </p:ext>
+    </p:extLst>
+  </p:cSld>
+  <p:clrMapOvr>
+    <a:masterClrMapping/>
+  </p:clrMapOvr>
+</p:sld>
+</file>
+
+<file path=ppt/slides/slide10.xml><?xml version="1.0" encoding="utf-8"?>
+<p:sld xmlns:a="http://schemas.openxmlformats.org/drawingml/2006/main" xmlns:r="http://schemas.openxmlformats.org/officeDocument/2006/relationships" xmlns:p="http://schemas.openxmlformats.org/presentationml/2006/main">
+  <p:cSld>
+    <p:spTree>
+      <p:nvGrpSpPr>
+        <p:cNvPr id="1" name=""/>
+        <p:cNvGrpSpPr/>
+        <p:nvPr/>
+      </p:nvGrpSpPr>
+      <p:grpSpPr>
+        <a:xfrm>
+          <a:off x="0" y="0"/>
+          <a:ext cx="0" cy="0"/>
+          <a:chOff x="0" y="0"/>
+          <a:chExt cx="0" cy="0"/>
+        </a:xfrm>
+      </p:grpSpPr>
+      <p:sp>
+        <p:nvSpPr>
+          <p:cNvPr id="2" name="标题 1">
+            <a:extLst>
+              <a:ext uri="{FF2B5EF4-FFF2-40B4-BE49-F238E27FC236}">
+                <a16:creationId xmlns:a16="http://schemas.microsoft.com/office/drawing/2014/main" id="{E81F6451-B986-4134-B043-26A2549520A7}"/>
+              </a:ext>
+            </a:extLst>
+          </p:cNvPr>
+          <p:cNvSpPr>
+            <a:spLocks noGrp="1"/>
+          </p:cNvSpPr>
+          <p:nvPr>
+            <p:ph type="title"/>
+          </p:nvPr>
+        </p:nvSpPr>
+        <p:spPr>
+          <a:xfrm>
+            <a:off x="99645" y="48603"/>
+            <a:ext cx="12092355" cy="629035"/>
+          </a:xfrm>
+        </p:spPr>
+        <p:txBody>
+          <a:bodyPr/>
+          <a:lstStyle/>
+          <a:p>
+            <a:r>
+              <a:rPr lang="zh-CN" altLang="en-US"/>
+              <a:t>给链表施加希尔排序</a:t>
+            </a:r>
+          </a:p>
+        </p:txBody>
+      </p:sp>
+      <p:sp>
+        <p:nvSpPr>
+          <p:cNvPr id="6" name="文本占位符 5">
+            <a:extLst>
+              <a:ext uri="{FF2B5EF4-FFF2-40B4-BE49-F238E27FC236}">
+                <a16:creationId xmlns:a16="http://schemas.microsoft.com/office/drawing/2014/main" id="{DE13AEA2-1983-495E-979D-EDE10E5BD515}"/>
+              </a:ext>
+            </a:extLst>
+          </p:cNvPr>
+          <p:cNvSpPr>
+            <a:spLocks noGrp="1"/>
+          </p:cNvSpPr>
+          <p:nvPr>
+            <p:ph type="body" sz="quarter" idx="13"/>
+          </p:nvPr>
+        </p:nvSpPr>
+        <p:spPr>
+          <a:xfrm>
+            <a:off x="99645" y="871292"/>
+            <a:ext cx="3397712" cy="629035"/>
+          </a:xfrm>
+        </p:spPr>
+        <p:txBody>
+          <a:bodyPr>
+            <a:normAutofit lnSpcReduction="10000"/>
+          </a:bodyPr>
+          <a:lstStyle/>
+          <a:p>
+            <a:pPr marL="514350" indent="-514350">
+              <a:buFont typeface="+mj-lt"/>
+              <a:buAutoNum type="arabicPeriod"/>
+            </a:pPr>
+            <a:r>
+              <a:rPr lang="zh-CN" altLang="en-US" sz="1600"/>
+              <a:t>给列表转换为链表</a:t>
+            </a:r>
+            <a:endParaRPr lang="en-US" altLang="zh-CN" sz="1600"/>
+          </a:p>
+          <a:p>
+            <a:pPr marL="514350" indent="-514350">
+              <a:buFont typeface="+mj-lt"/>
+              <a:buAutoNum type="arabicPeriod"/>
+            </a:pPr>
+            <a:r>
+              <a:rPr lang="zh-CN" altLang="en-US" sz="1600"/>
+              <a:t>将列表的索引方式转换为链表</a:t>
+            </a:r>
+            <a:endParaRPr lang="en-US" altLang="zh-CN" sz="1600"/>
+          </a:p>
+        </p:txBody>
+      </p:sp>
+      <p:sp>
+        <p:nvSpPr>
+          <p:cNvPr id="7" name="文本占位符 5">
+            <a:extLst>
+              <a:ext uri="{FF2B5EF4-FFF2-40B4-BE49-F238E27FC236}">
+                <a16:creationId xmlns:a16="http://schemas.microsoft.com/office/drawing/2014/main" id="{66EE407E-7794-4BE1-B95C-2CF2B5F7B0D2}"/>
+              </a:ext>
+            </a:extLst>
+          </p:cNvPr>
+          <p:cNvSpPr txBox="1">
+            <a:spLocks/>
+          </p:cNvSpPr>
+          <p:nvPr/>
+        </p:nvSpPr>
+        <p:spPr>
+          <a:xfrm>
+            <a:off x="99645" y="2025389"/>
+            <a:ext cx="3397712" cy="629035"/>
+          </a:xfrm>
+          <a:prstGeom prst="rect">
+            <a:avLst/>
+          </a:prstGeom>
+        </p:spPr>
+        <p:txBody>
+          <a:bodyPr vert="horz" lIns="91440" tIns="45720" rIns="91440" bIns="45720" rtlCol="0">
+            <a:normAutofit lnSpcReduction="10000"/>
+          </a:bodyPr>
+          <a:lstStyle>
+            <a:lvl1pPr marL="228600" indent="-228600" algn="l" defTabSz="914400" rtl="0" eaLnBrk="1" latinLnBrk="0" hangingPunct="1">
+              <a:lnSpc>
+                <a:spcPct val="90000"/>
+              </a:lnSpc>
+              <a:spcBef>
+                <a:spcPts val="1000"/>
+              </a:spcBef>
+              <a:buFont typeface="Arial" panose="020B0604020202020204" pitchFamily="34" charset="0"/>
+              <a:buChar char="•"/>
+              <a:defRPr sz="1800" kern="1200" baseline="0">
+                <a:solidFill>
+                  <a:schemeClr val="tx1"/>
+                </a:solidFill>
+                <a:latin typeface="Times New Roman" panose="02020603050405020304" pitchFamily="18" charset="0"/>
+                <a:ea typeface="微软雅黑" panose="020B0503020204020204" pitchFamily="34" charset="-122"/>
+                <a:cs typeface="+mn-cs"/>
+              </a:defRPr>
+            </a:lvl1pPr>
+            <a:lvl2pPr marL="685800" indent="-228600" algn="l" defTabSz="914400" rtl="0" eaLnBrk="1" latinLnBrk="0" hangingPunct="1">
+              <a:lnSpc>
+                <a:spcPct val="90000"/>
+              </a:lnSpc>
+              <a:spcBef>
+                <a:spcPts val="500"/>
+              </a:spcBef>
+              <a:buFont typeface="Arial" panose="020B0604020202020204" pitchFamily="34" charset="0"/>
+              <a:buChar char="•"/>
+              <a:defRPr sz="1600" kern="1200" baseline="0">
+                <a:solidFill>
+                  <a:schemeClr val="tx1"/>
+                </a:solidFill>
+                <a:latin typeface="Times New Roman" panose="02020603050405020304" pitchFamily="18" charset="0"/>
+                <a:ea typeface="微软雅黑" panose="020B0503020204020204" pitchFamily="34" charset="-122"/>
+                <a:cs typeface="+mn-cs"/>
+              </a:defRPr>
+            </a:lvl2pPr>
+            <a:lvl3pPr marL="1143000" indent="-228600" algn="l" defTabSz="914400" rtl="0" eaLnBrk="1" latinLnBrk="0" hangingPunct="1">
+              <a:lnSpc>
+                <a:spcPct val="90000"/>
+              </a:lnSpc>
+              <a:spcBef>
+                <a:spcPts val="500"/>
+              </a:spcBef>
+              <a:buFont typeface="Arial" panose="020B0604020202020204" pitchFamily="34" charset="0"/>
+              <a:buChar char="•"/>
+              <a:defRPr sz="1400" kern="1200" baseline="0">
+                <a:solidFill>
+                  <a:schemeClr val="tx1"/>
+                </a:solidFill>
+                <a:latin typeface="Times New Roman" panose="02020603050405020304" pitchFamily="18" charset="0"/>
+                <a:ea typeface="微软雅黑" panose="020B0503020204020204" pitchFamily="34" charset="-122"/>
+                <a:cs typeface="+mn-cs"/>
+              </a:defRPr>
+            </a:lvl3pPr>
+            <a:lvl4pPr marL="1600200" indent="-228600" algn="l" defTabSz="914400" rtl="0" eaLnBrk="1" latinLnBrk="0" hangingPunct="1">
+              <a:lnSpc>
+                <a:spcPct val="90000"/>
+              </a:lnSpc>
+              <a:spcBef>
+                <a:spcPts val="500"/>
+              </a:spcBef>
+              <a:buFont typeface="Arial" panose="020B0604020202020204" pitchFamily="34" charset="0"/>
+              <a:buChar char="•"/>
+              <a:defRPr sz="1200" kern="1200" baseline="0">
+                <a:solidFill>
+                  <a:schemeClr val="tx1"/>
+                </a:solidFill>
+                <a:latin typeface="Times New Roman" panose="02020603050405020304" pitchFamily="18" charset="0"/>
+                <a:ea typeface="微软雅黑" panose="020B0503020204020204" pitchFamily="34" charset="-122"/>
+                <a:cs typeface="+mn-cs"/>
+              </a:defRPr>
+            </a:lvl4pPr>
+            <a:lvl5pPr marL="2057400" indent="-228600" algn="l" defTabSz="914400" rtl="0" eaLnBrk="1" latinLnBrk="0" hangingPunct="1">
+              <a:lnSpc>
+                <a:spcPct val="90000"/>
+              </a:lnSpc>
+              <a:spcBef>
+                <a:spcPts val="500"/>
+              </a:spcBef>
+              <a:buFont typeface="Arial" panose="020B0604020202020204" pitchFamily="34" charset="0"/>
+              <a:buChar char="•"/>
+              <a:defRPr sz="1200" kern="1200" baseline="0">
+                <a:solidFill>
+                  <a:schemeClr val="tx1"/>
+                </a:solidFill>
+                <a:latin typeface="Times New Roman" panose="02020603050405020304" pitchFamily="18" charset="0"/>
+                <a:ea typeface="微软雅黑" panose="020B0503020204020204" pitchFamily="34" charset="-122"/>
+                <a:cs typeface="+mn-cs"/>
+              </a:defRPr>
+            </a:lvl5pPr>
+            <a:lvl6pPr marL="2514600" indent="-228600" algn="l" defTabSz="914400" rtl="0" eaLnBrk="1" latinLnBrk="0" hangingPunct="1">
+              <a:lnSpc>
+                <a:spcPct val="90000"/>
+              </a:lnSpc>
+              <a:spcBef>
+                <a:spcPts val="500"/>
+              </a:spcBef>
+              <a:buFont typeface="Arial" panose="020B0604020202020204" pitchFamily="34" charset="0"/>
+              <a:buChar char="•"/>
+              <a:defRPr sz="1800" kern="1200">
+                <a:solidFill>
+                  <a:schemeClr val="tx1"/>
+                </a:solidFill>
+                <a:latin typeface="+mn-lt"/>
+                <a:ea typeface="+mn-ea"/>
+                <a:cs typeface="+mn-cs"/>
+              </a:defRPr>
+            </a:lvl6pPr>
+            <a:lvl7pPr marL="2971800" indent="-228600" algn="l" defTabSz="914400" rtl="0" eaLnBrk="1" latinLnBrk="0" hangingPunct="1">
+              <a:lnSpc>
+                <a:spcPct val="90000"/>
+              </a:lnSpc>
+              <a:spcBef>
+                <a:spcPts val="500"/>
+              </a:spcBef>
+              <a:buFont typeface="Arial" panose="020B0604020202020204" pitchFamily="34" charset="0"/>
+              <a:buChar char="•"/>
+              <a:defRPr sz="1800" kern="1200">
+                <a:solidFill>
+                  <a:schemeClr val="tx1"/>
+                </a:solidFill>
+                <a:latin typeface="+mn-lt"/>
+                <a:ea typeface="+mn-ea"/>
+                <a:cs typeface="+mn-cs"/>
+              </a:defRPr>
+            </a:lvl7pPr>
+            <a:lvl8pPr marL="3429000" indent="-228600" algn="l" defTabSz="914400" rtl="0" eaLnBrk="1" latinLnBrk="0" hangingPunct="1">
+              <a:lnSpc>
+                <a:spcPct val="90000"/>
+              </a:lnSpc>
+              <a:spcBef>
+                <a:spcPts val="500"/>
+              </a:spcBef>
+              <a:buFont typeface="Arial" panose="020B0604020202020204" pitchFamily="34" charset="0"/>
+              <a:buChar char="•"/>
+              <a:defRPr sz="1800" kern="1200">
+                <a:solidFill>
+                  <a:schemeClr val="tx1"/>
+                </a:solidFill>
+                <a:latin typeface="+mn-lt"/>
+                <a:ea typeface="+mn-ea"/>
+                <a:cs typeface="+mn-cs"/>
+              </a:defRPr>
+            </a:lvl8pPr>
+            <a:lvl9pPr marL="3886200" indent="-228600" algn="l" defTabSz="914400" rtl="0" eaLnBrk="1" latinLnBrk="0" hangingPunct="1">
+              <a:lnSpc>
+                <a:spcPct val="90000"/>
+              </a:lnSpc>
+              <a:spcBef>
+                <a:spcPts val="500"/>
+              </a:spcBef>
+              <a:buFont typeface="Arial" panose="020B0604020202020204" pitchFamily="34" charset="0"/>
+              <a:buChar char="•"/>
+              <a:defRPr sz="1800" kern="1200">
+                <a:solidFill>
+                  <a:schemeClr val="tx1"/>
+                </a:solidFill>
+                <a:latin typeface="+mn-lt"/>
+                <a:ea typeface="+mn-ea"/>
+                <a:cs typeface="+mn-cs"/>
+              </a:defRPr>
+            </a:lvl9pPr>
+          </a:lstStyle>
+          <a:p>
+            <a:pPr marL="514350" indent="-514350">
+              <a:buFont typeface="+mj-lt"/>
+              <a:buAutoNum type="arabicPeriod"/>
+            </a:pPr>
+            <a:r>
+              <a:rPr lang="zh-CN" altLang="en-US" sz="1600"/>
+              <a:t>给列表转换为链表</a:t>
+            </a:r>
+            <a:endParaRPr lang="en-US" altLang="zh-CN" sz="1600"/>
+          </a:p>
+          <a:p>
+            <a:pPr marL="514350" indent="-514350">
+              <a:buFont typeface="+mj-lt"/>
+              <a:buAutoNum type="arabicPeriod"/>
+            </a:pPr>
+            <a:r>
+              <a:rPr lang="zh-CN" altLang="en-US" sz="1600"/>
+              <a:t>将列表的索引方式转换为链表</a:t>
+            </a:r>
+            <a:endParaRPr lang="en-US" altLang="zh-CN" sz="1600"/>
+          </a:p>
+        </p:txBody>
+      </p:sp>
+    </p:spTree>
+    <p:extLst>
+      <p:ext uri="{BB962C8B-B14F-4D97-AF65-F5344CB8AC3E}">
+        <p14:creationId xmlns:p14="http://schemas.microsoft.com/office/powerpoint/2010/main" val="951520676"/>
       </p:ext>
     </p:extLst>
   </p:cSld>
@@ -11269,7 +11695,7 @@
             <a:spLocks noGrp="1"/>
           </p:cNvSpPr>
           <p:nvPr>
-            <p:ph idx="1"/>
+            <p:ph idx="4294967295"/>
           </p:nvPr>
         </p:nvSpPr>
         <p:spPr>
@@ -16617,6 +17043,2800 @@
     <p:extLst>
       <p:ext uri="{BB962C8B-B14F-4D97-AF65-F5344CB8AC3E}">
         <p14:creationId xmlns:p14="http://schemas.microsoft.com/office/powerpoint/2010/main" val="787603184"/>
+      </p:ext>
+    </p:extLst>
+  </p:cSld>
+  <p:clrMapOvr>
+    <a:masterClrMapping/>
+  </p:clrMapOvr>
+</p:sld>
+</file>
+
+<file path=ppt/slides/slide9.xml><?xml version="1.0" encoding="utf-8"?>
+<p:sld xmlns:a="http://schemas.openxmlformats.org/drawingml/2006/main" xmlns:r="http://schemas.openxmlformats.org/officeDocument/2006/relationships" xmlns:p="http://schemas.openxmlformats.org/presentationml/2006/main">
+  <p:cSld>
+    <p:spTree>
+      <p:nvGrpSpPr>
+        <p:cNvPr id="1" name=""/>
+        <p:cNvGrpSpPr/>
+        <p:nvPr/>
+      </p:nvGrpSpPr>
+      <p:grpSpPr>
+        <a:xfrm>
+          <a:off x="0" y="0"/>
+          <a:ext cx="0" cy="0"/>
+          <a:chOff x="0" y="0"/>
+          <a:chExt cx="0" cy="0"/>
+        </a:xfrm>
+      </p:grpSpPr>
+      <p:sp>
+        <p:nvSpPr>
+          <p:cNvPr id="2" name="标题 1">
+            <a:extLst>
+              <a:ext uri="{FF2B5EF4-FFF2-40B4-BE49-F238E27FC236}">
+                <a16:creationId xmlns:a16="http://schemas.microsoft.com/office/drawing/2014/main" id="{770033A1-3D61-4102-9F70-6B3B72DEEE65}"/>
+              </a:ext>
+            </a:extLst>
+          </p:cNvPr>
+          <p:cNvSpPr>
+            <a:spLocks noGrp="1"/>
+          </p:cNvSpPr>
+          <p:nvPr>
+            <p:ph type="title"/>
+          </p:nvPr>
+        </p:nvSpPr>
+        <p:spPr>
+          <a:xfrm>
+            <a:off x="154619" y="125428"/>
+            <a:ext cx="10515600" cy="1325563"/>
+          </a:xfrm>
+        </p:spPr>
+        <p:txBody>
+          <a:bodyPr/>
+          <a:lstStyle/>
+          <a:p>
+            <a:r>
+              <a:rPr lang="en-US" altLang="zh-CN"/>
+              <a:t>Huffmans</a:t>
+            </a:r>
+            <a:r>
+              <a:rPr lang="zh-CN" altLang="en-US"/>
+              <a:t>树</a:t>
+            </a:r>
+          </a:p>
+        </p:txBody>
+      </p:sp>
+      <p:sp>
+        <p:nvSpPr>
+          <p:cNvPr id="13" name="左大括号 12">
+            <a:extLst>
+              <a:ext uri="{FF2B5EF4-FFF2-40B4-BE49-F238E27FC236}">
+                <a16:creationId xmlns:a16="http://schemas.microsoft.com/office/drawing/2014/main" id="{37457A63-90EA-46D2-9368-6142E97FC9A4}"/>
+              </a:ext>
+            </a:extLst>
+          </p:cNvPr>
+          <p:cNvSpPr/>
+          <p:nvPr/>
+        </p:nvSpPr>
+        <p:spPr>
+          <a:xfrm rot="5400000">
+            <a:off x="4993689" y="-2106485"/>
+            <a:ext cx="319598" cy="7874497"/>
+          </a:xfrm>
+          <a:prstGeom prst="leftBrace">
+            <a:avLst>
+              <a:gd name="adj1" fmla="val 58333"/>
+              <a:gd name="adj2" fmla="val 50000"/>
+            </a:avLst>
+          </a:prstGeom>
+          <a:noFill/>
+          <a:ln w="38100">
+            <a:solidFill>
+              <a:srgbClr val="FF0000"/>
+            </a:solidFill>
+          </a:ln>
+        </p:spPr>
+        <p:style>
+          <a:lnRef idx="1">
+            <a:schemeClr val="accent1"/>
+          </a:lnRef>
+          <a:fillRef idx="0">
+            <a:schemeClr val="accent1"/>
+          </a:fillRef>
+          <a:effectRef idx="0">
+            <a:schemeClr val="accent1"/>
+          </a:effectRef>
+          <a:fontRef idx="minor">
+            <a:schemeClr val="tx1"/>
+          </a:fontRef>
+        </p:style>
+        <p:txBody>
+          <a:bodyPr rtlCol="0" anchor="ctr"/>
+          <a:lstStyle/>
+          <a:p>
+            <a:pPr algn="ctr"/>
+            <a:endParaRPr lang="zh-CN" altLang="en-US"/>
+          </a:p>
+        </p:txBody>
+      </p:sp>
+      <p:sp>
+        <p:nvSpPr>
+          <p:cNvPr id="14" name="文本框 13">
+            <a:extLst>
+              <a:ext uri="{FF2B5EF4-FFF2-40B4-BE49-F238E27FC236}">
+                <a16:creationId xmlns:a16="http://schemas.microsoft.com/office/drawing/2014/main" id="{0EFC932E-7361-4189-B69F-24D68338787F}"/>
+              </a:ext>
+            </a:extLst>
+          </p:cNvPr>
+          <p:cNvSpPr txBox="1"/>
+          <p:nvPr/>
+        </p:nvSpPr>
+        <p:spPr>
+          <a:xfrm>
+            <a:off x="4993687" y="1139799"/>
+            <a:ext cx="1677880" cy="369332"/>
+          </a:xfrm>
+          <a:prstGeom prst="rect">
+            <a:avLst/>
+          </a:prstGeom>
+          <a:noFill/>
+        </p:spPr>
+        <p:txBody>
+          <a:bodyPr wrap="square" rtlCol="0">
+            <a:spAutoFit/>
+          </a:bodyPr>
+          <a:lstStyle/>
+          <a:p>
+            <a:r>
+              <a:rPr lang="en-US" altLang="zh-CN"/>
+              <a:t>N</a:t>
+            </a:r>
+            <a:endParaRPr lang="zh-CN" altLang="en-US"/>
+          </a:p>
+        </p:txBody>
+      </p:sp>
+      <p:grpSp>
+        <p:nvGrpSpPr>
+          <p:cNvPr id="47" name="组合 46">
+            <a:extLst>
+              <a:ext uri="{FF2B5EF4-FFF2-40B4-BE49-F238E27FC236}">
+                <a16:creationId xmlns:a16="http://schemas.microsoft.com/office/drawing/2014/main" id="{A64415B9-FBBF-4B93-86D5-45647BCBA5F5}"/>
+              </a:ext>
+            </a:extLst>
+          </p:cNvPr>
+          <p:cNvGrpSpPr/>
+          <p:nvPr/>
+        </p:nvGrpSpPr>
+        <p:grpSpPr>
+          <a:xfrm>
+            <a:off x="714381" y="2229744"/>
+            <a:ext cx="1633468" cy="3004096"/>
+            <a:chOff x="896641" y="2210540"/>
+            <a:chExt cx="1633468" cy="3004096"/>
+          </a:xfrm>
+        </p:grpSpPr>
+        <p:sp>
+          <p:nvSpPr>
+            <p:cNvPr id="4" name="椭圆 3">
+              <a:extLst>
+                <a:ext uri="{FF2B5EF4-FFF2-40B4-BE49-F238E27FC236}">
+                  <a16:creationId xmlns:a16="http://schemas.microsoft.com/office/drawing/2014/main" id="{29F60222-2223-4A63-86FB-3F2822085403}"/>
+                </a:ext>
+              </a:extLst>
+            </p:cNvPr>
+            <p:cNvSpPr/>
+            <p:nvPr/>
+          </p:nvSpPr>
+          <p:spPr>
+            <a:xfrm flipH="1">
+              <a:off x="1216239" y="2210540"/>
+              <a:ext cx="319598" cy="319598"/>
+            </a:xfrm>
+            <a:prstGeom prst="ellipse">
+              <a:avLst/>
+            </a:prstGeom>
+          </p:spPr>
+          <p:style>
+            <a:lnRef idx="2">
+              <a:schemeClr val="accent1">
+                <a:shade val="50000"/>
+              </a:schemeClr>
+            </a:lnRef>
+            <a:fillRef idx="1">
+              <a:schemeClr val="accent1"/>
+            </a:fillRef>
+            <a:effectRef idx="0">
+              <a:schemeClr val="accent1"/>
+            </a:effectRef>
+            <a:fontRef idx="minor">
+              <a:schemeClr val="lt1"/>
+            </a:fontRef>
+          </p:style>
+          <p:txBody>
+            <a:bodyPr rtlCol="0" anchor="ctr"/>
+            <a:lstStyle/>
+            <a:p>
+              <a:pPr algn="ctr"/>
+              <a:endParaRPr lang="zh-CN" altLang="en-US"/>
+            </a:p>
+          </p:txBody>
+        </p:sp>
+        <p:sp>
+          <p:nvSpPr>
+            <p:cNvPr id="15" name="椭圆 14">
+              <a:extLst>
+                <a:ext uri="{FF2B5EF4-FFF2-40B4-BE49-F238E27FC236}">
+                  <a16:creationId xmlns:a16="http://schemas.microsoft.com/office/drawing/2014/main" id="{7FED9C0C-AA59-45BB-8C8D-C7A3C9AD00D5}"/>
+                </a:ext>
+              </a:extLst>
+            </p:cNvPr>
+            <p:cNvSpPr/>
+            <p:nvPr/>
+          </p:nvSpPr>
+          <p:spPr>
+            <a:xfrm flipH="1">
+              <a:off x="896641" y="2750115"/>
+              <a:ext cx="319598" cy="319598"/>
+            </a:xfrm>
+            <a:prstGeom prst="ellipse">
+              <a:avLst/>
+            </a:prstGeom>
+          </p:spPr>
+          <p:style>
+            <a:lnRef idx="2">
+              <a:schemeClr val="accent2">
+                <a:shade val="50000"/>
+              </a:schemeClr>
+            </a:lnRef>
+            <a:fillRef idx="1">
+              <a:schemeClr val="accent2"/>
+            </a:fillRef>
+            <a:effectRef idx="0">
+              <a:schemeClr val="accent2"/>
+            </a:effectRef>
+            <a:fontRef idx="minor">
+              <a:schemeClr val="lt1"/>
+            </a:fontRef>
+          </p:style>
+          <p:txBody>
+            <a:bodyPr rtlCol="0" anchor="ctr"/>
+            <a:lstStyle/>
+            <a:p>
+              <a:pPr algn="ctr"/>
+              <a:endParaRPr lang="zh-CN" altLang="en-US"/>
+            </a:p>
+          </p:txBody>
+        </p:sp>
+        <p:sp>
+          <p:nvSpPr>
+            <p:cNvPr id="33" name="椭圆 32">
+              <a:extLst>
+                <a:ext uri="{FF2B5EF4-FFF2-40B4-BE49-F238E27FC236}">
+                  <a16:creationId xmlns:a16="http://schemas.microsoft.com/office/drawing/2014/main" id="{D85768CC-CF09-47D1-907A-3B20ADEB8645}"/>
+                </a:ext>
+              </a:extLst>
+            </p:cNvPr>
+            <p:cNvSpPr/>
+            <p:nvPr/>
+          </p:nvSpPr>
+          <p:spPr>
+            <a:xfrm flipH="1">
+              <a:off x="1447056" y="2769319"/>
+              <a:ext cx="319598" cy="319598"/>
+            </a:xfrm>
+            <a:prstGeom prst="ellipse">
+              <a:avLst/>
+            </a:prstGeom>
+          </p:spPr>
+          <p:style>
+            <a:lnRef idx="2">
+              <a:schemeClr val="accent6">
+                <a:shade val="50000"/>
+              </a:schemeClr>
+            </a:lnRef>
+            <a:fillRef idx="1">
+              <a:schemeClr val="accent6"/>
+            </a:fillRef>
+            <a:effectRef idx="0">
+              <a:schemeClr val="accent6"/>
+            </a:effectRef>
+            <a:fontRef idx="minor">
+              <a:schemeClr val="lt1"/>
+            </a:fontRef>
+          </p:style>
+          <p:txBody>
+            <a:bodyPr rtlCol="0" anchor="ctr"/>
+            <a:lstStyle/>
+            <a:p>
+              <a:pPr algn="ctr"/>
+              <a:endParaRPr lang="zh-CN" altLang="en-US"/>
+            </a:p>
+          </p:txBody>
+        </p:sp>
+        <p:cxnSp>
+          <p:nvCxnSpPr>
+            <p:cNvPr id="43" name="直接箭头连接符 42">
+              <a:extLst>
+                <a:ext uri="{FF2B5EF4-FFF2-40B4-BE49-F238E27FC236}">
+                  <a16:creationId xmlns:a16="http://schemas.microsoft.com/office/drawing/2014/main" id="{41C5B56E-D6A9-49A9-A0D1-D8072B4F3184}"/>
+                </a:ext>
+              </a:extLst>
+            </p:cNvPr>
+            <p:cNvCxnSpPr>
+              <a:stCxn id="4" idx="5"/>
+              <a:endCxn id="15" idx="1"/>
+            </p:cNvCxnSpPr>
+            <p:nvPr/>
+          </p:nvCxnSpPr>
+          <p:spPr>
+            <a:xfrm flipH="1">
+              <a:off x="1169435" y="2483334"/>
+              <a:ext cx="93608" cy="313585"/>
+            </a:xfrm>
+            <a:prstGeom prst="straightConnector1">
+              <a:avLst/>
+            </a:prstGeom>
+            <a:ln w="28575">
+              <a:solidFill>
+                <a:srgbClr val="FF0000"/>
+              </a:solidFill>
+              <a:tailEnd type="triangle"/>
+            </a:ln>
+          </p:spPr>
+          <p:style>
+            <a:lnRef idx="1">
+              <a:schemeClr val="accent1"/>
+            </a:lnRef>
+            <a:fillRef idx="0">
+              <a:schemeClr val="accent1"/>
+            </a:fillRef>
+            <a:effectRef idx="0">
+              <a:schemeClr val="accent1"/>
+            </a:effectRef>
+            <a:fontRef idx="minor">
+              <a:schemeClr val="tx1"/>
+            </a:fontRef>
+          </p:style>
+        </p:cxnSp>
+        <p:cxnSp>
+          <p:nvCxnSpPr>
+            <p:cNvPr id="44" name="直接箭头连接符 43">
+              <a:extLst>
+                <a:ext uri="{FF2B5EF4-FFF2-40B4-BE49-F238E27FC236}">
+                  <a16:creationId xmlns:a16="http://schemas.microsoft.com/office/drawing/2014/main" id="{E826F9E3-4500-49E3-AE10-F610138ED897}"/>
+                </a:ext>
+              </a:extLst>
+            </p:cNvPr>
+            <p:cNvCxnSpPr>
+              <a:cxnSpLocks/>
+              <a:stCxn id="4" idx="3"/>
+              <a:endCxn id="33" idx="0"/>
+            </p:cNvCxnSpPr>
+            <p:nvPr/>
+          </p:nvCxnSpPr>
+          <p:spPr>
+            <a:xfrm>
+              <a:off x="1489033" y="2483334"/>
+              <a:ext cx="117822" cy="285985"/>
+            </a:xfrm>
+            <a:prstGeom prst="straightConnector1">
+              <a:avLst/>
+            </a:prstGeom>
+            <a:ln w="28575">
+              <a:solidFill>
+                <a:srgbClr val="FF0000"/>
+              </a:solidFill>
+              <a:tailEnd type="triangle"/>
+            </a:ln>
+          </p:spPr>
+          <p:style>
+            <a:lnRef idx="1">
+              <a:schemeClr val="accent1"/>
+            </a:lnRef>
+            <a:fillRef idx="0">
+              <a:schemeClr val="accent1"/>
+            </a:fillRef>
+            <a:effectRef idx="0">
+              <a:schemeClr val="accent1"/>
+            </a:effectRef>
+            <a:fontRef idx="minor">
+              <a:schemeClr val="tx1"/>
+            </a:fontRef>
+          </p:style>
+        </p:cxnSp>
+        <p:cxnSp>
+          <p:nvCxnSpPr>
+            <p:cNvPr id="103" name="直接箭头连接符 102">
+              <a:extLst>
+                <a:ext uri="{FF2B5EF4-FFF2-40B4-BE49-F238E27FC236}">
+                  <a16:creationId xmlns:a16="http://schemas.microsoft.com/office/drawing/2014/main" id="{2CBE5FD0-D926-49B0-A8F5-9EA0FD48DDE2}"/>
+                </a:ext>
+              </a:extLst>
+            </p:cNvPr>
+            <p:cNvCxnSpPr>
+              <a:cxnSpLocks/>
+              <a:stCxn id="102" idx="5"/>
+              <a:endCxn id="91" idx="1"/>
+            </p:cNvCxnSpPr>
+            <p:nvPr/>
+          </p:nvCxnSpPr>
+          <p:spPr>
+            <a:xfrm flipH="1">
+              <a:off x="1555884" y="4750855"/>
+              <a:ext cx="436760" cy="463781"/>
+            </a:xfrm>
+            <a:prstGeom prst="straightConnector1">
+              <a:avLst/>
+            </a:prstGeom>
+            <a:ln w="28575">
+              <a:solidFill>
+                <a:srgbClr val="FF0000"/>
+              </a:solidFill>
+              <a:tailEnd type="triangle"/>
+            </a:ln>
+          </p:spPr>
+          <p:style>
+            <a:lnRef idx="1">
+              <a:schemeClr val="accent1"/>
+            </a:lnRef>
+            <a:fillRef idx="0">
+              <a:schemeClr val="accent1"/>
+            </a:fillRef>
+            <a:effectRef idx="0">
+              <a:schemeClr val="accent1"/>
+            </a:effectRef>
+            <a:fontRef idx="minor">
+              <a:schemeClr val="tx1"/>
+            </a:fontRef>
+          </p:style>
+        </p:cxnSp>
+        <p:cxnSp>
+          <p:nvCxnSpPr>
+            <p:cNvPr id="104" name="直接箭头连接符 103">
+              <a:extLst>
+                <a:ext uri="{FF2B5EF4-FFF2-40B4-BE49-F238E27FC236}">
+                  <a16:creationId xmlns:a16="http://schemas.microsoft.com/office/drawing/2014/main" id="{4B97CD52-8E4C-4F81-806B-1EBDE63EC45D}"/>
+                </a:ext>
+              </a:extLst>
+            </p:cNvPr>
+            <p:cNvCxnSpPr>
+              <a:cxnSpLocks/>
+              <a:stCxn id="102" idx="3"/>
+              <a:endCxn id="97" idx="7"/>
+            </p:cNvCxnSpPr>
+            <p:nvPr/>
+          </p:nvCxnSpPr>
+          <p:spPr>
+            <a:xfrm>
+              <a:off x="2218634" y="4750855"/>
+              <a:ext cx="311475" cy="463775"/>
+            </a:xfrm>
+            <a:prstGeom prst="straightConnector1">
+              <a:avLst/>
+            </a:prstGeom>
+            <a:ln w="28575">
+              <a:solidFill>
+                <a:srgbClr val="FF0000"/>
+              </a:solidFill>
+              <a:tailEnd type="triangle"/>
+            </a:ln>
+          </p:spPr>
+          <p:style>
+            <a:lnRef idx="1">
+              <a:schemeClr val="accent1"/>
+            </a:lnRef>
+            <a:fillRef idx="0">
+              <a:schemeClr val="accent1"/>
+            </a:fillRef>
+            <a:effectRef idx="0">
+              <a:schemeClr val="accent1"/>
+            </a:effectRef>
+            <a:fontRef idx="minor">
+              <a:schemeClr val="tx1"/>
+            </a:fontRef>
+          </p:style>
+        </p:cxnSp>
+      </p:grpSp>
+      <p:grpSp>
+        <p:nvGrpSpPr>
+          <p:cNvPr id="48" name="组合 47">
+            <a:extLst>
+              <a:ext uri="{FF2B5EF4-FFF2-40B4-BE49-F238E27FC236}">
+                <a16:creationId xmlns:a16="http://schemas.microsoft.com/office/drawing/2014/main" id="{F0F60FF0-A967-43CC-B0E5-710B2B57506F}"/>
+              </a:ext>
+            </a:extLst>
+          </p:cNvPr>
+          <p:cNvGrpSpPr/>
+          <p:nvPr/>
+        </p:nvGrpSpPr>
+        <p:grpSpPr>
+          <a:xfrm>
+            <a:off x="4204485" y="2219416"/>
+            <a:ext cx="870013" cy="878377"/>
+            <a:chOff x="896641" y="2210540"/>
+            <a:chExt cx="870013" cy="878377"/>
+          </a:xfrm>
+        </p:grpSpPr>
+        <p:sp>
+          <p:nvSpPr>
+            <p:cNvPr id="49" name="椭圆 48">
+              <a:extLst>
+                <a:ext uri="{FF2B5EF4-FFF2-40B4-BE49-F238E27FC236}">
+                  <a16:creationId xmlns:a16="http://schemas.microsoft.com/office/drawing/2014/main" id="{5930D439-A08A-46FB-969C-B05C13716810}"/>
+                </a:ext>
+              </a:extLst>
+            </p:cNvPr>
+            <p:cNvSpPr/>
+            <p:nvPr/>
+          </p:nvSpPr>
+          <p:spPr>
+            <a:xfrm flipH="1">
+              <a:off x="1216239" y="2210540"/>
+              <a:ext cx="319598" cy="319598"/>
+            </a:xfrm>
+            <a:prstGeom prst="ellipse">
+              <a:avLst/>
+            </a:prstGeom>
+          </p:spPr>
+          <p:style>
+            <a:lnRef idx="2">
+              <a:schemeClr val="accent1">
+                <a:shade val="50000"/>
+              </a:schemeClr>
+            </a:lnRef>
+            <a:fillRef idx="1">
+              <a:schemeClr val="accent1"/>
+            </a:fillRef>
+            <a:effectRef idx="0">
+              <a:schemeClr val="accent1"/>
+            </a:effectRef>
+            <a:fontRef idx="minor">
+              <a:schemeClr val="lt1"/>
+            </a:fontRef>
+          </p:style>
+          <p:txBody>
+            <a:bodyPr rtlCol="0" anchor="ctr"/>
+            <a:lstStyle/>
+            <a:p>
+              <a:pPr algn="ctr"/>
+              <a:endParaRPr lang="zh-CN" altLang="en-US"/>
+            </a:p>
+          </p:txBody>
+        </p:sp>
+        <p:sp>
+          <p:nvSpPr>
+            <p:cNvPr id="50" name="椭圆 49">
+              <a:extLst>
+                <a:ext uri="{FF2B5EF4-FFF2-40B4-BE49-F238E27FC236}">
+                  <a16:creationId xmlns:a16="http://schemas.microsoft.com/office/drawing/2014/main" id="{0A2A4CE6-58EB-4653-947E-A9A991476C92}"/>
+                </a:ext>
+              </a:extLst>
+            </p:cNvPr>
+            <p:cNvSpPr/>
+            <p:nvPr/>
+          </p:nvSpPr>
+          <p:spPr>
+            <a:xfrm flipH="1">
+              <a:off x="896641" y="2750115"/>
+              <a:ext cx="319598" cy="319598"/>
+            </a:xfrm>
+            <a:prstGeom prst="ellipse">
+              <a:avLst/>
+            </a:prstGeom>
+          </p:spPr>
+          <p:style>
+            <a:lnRef idx="2">
+              <a:schemeClr val="accent2">
+                <a:shade val="50000"/>
+              </a:schemeClr>
+            </a:lnRef>
+            <a:fillRef idx="1">
+              <a:schemeClr val="accent2"/>
+            </a:fillRef>
+            <a:effectRef idx="0">
+              <a:schemeClr val="accent2"/>
+            </a:effectRef>
+            <a:fontRef idx="minor">
+              <a:schemeClr val="lt1"/>
+            </a:fontRef>
+          </p:style>
+          <p:txBody>
+            <a:bodyPr rtlCol="0" anchor="ctr"/>
+            <a:lstStyle/>
+            <a:p>
+              <a:pPr algn="ctr"/>
+              <a:endParaRPr lang="zh-CN" altLang="en-US"/>
+            </a:p>
+          </p:txBody>
+        </p:sp>
+        <p:sp>
+          <p:nvSpPr>
+            <p:cNvPr id="51" name="椭圆 50">
+              <a:extLst>
+                <a:ext uri="{FF2B5EF4-FFF2-40B4-BE49-F238E27FC236}">
+                  <a16:creationId xmlns:a16="http://schemas.microsoft.com/office/drawing/2014/main" id="{4C5B7C68-229F-4B85-A224-43DA654BE6C2}"/>
+                </a:ext>
+              </a:extLst>
+            </p:cNvPr>
+            <p:cNvSpPr/>
+            <p:nvPr/>
+          </p:nvSpPr>
+          <p:spPr>
+            <a:xfrm flipH="1">
+              <a:off x="1447056" y="2769319"/>
+              <a:ext cx="319598" cy="319598"/>
+            </a:xfrm>
+            <a:prstGeom prst="ellipse">
+              <a:avLst/>
+            </a:prstGeom>
+          </p:spPr>
+          <p:style>
+            <a:lnRef idx="2">
+              <a:schemeClr val="accent6">
+                <a:shade val="50000"/>
+              </a:schemeClr>
+            </a:lnRef>
+            <a:fillRef idx="1">
+              <a:schemeClr val="accent6"/>
+            </a:fillRef>
+            <a:effectRef idx="0">
+              <a:schemeClr val="accent6"/>
+            </a:effectRef>
+            <a:fontRef idx="minor">
+              <a:schemeClr val="lt1"/>
+            </a:fontRef>
+          </p:style>
+          <p:txBody>
+            <a:bodyPr rtlCol="0" anchor="ctr"/>
+            <a:lstStyle/>
+            <a:p>
+              <a:pPr algn="ctr"/>
+              <a:endParaRPr lang="zh-CN" altLang="en-US"/>
+            </a:p>
+          </p:txBody>
+        </p:sp>
+        <p:cxnSp>
+          <p:nvCxnSpPr>
+            <p:cNvPr id="52" name="直接箭头连接符 51">
+              <a:extLst>
+                <a:ext uri="{FF2B5EF4-FFF2-40B4-BE49-F238E27FC236}">
+                  <a16:creationId xmlns:a16="http://schemas.microsoft.com/office/drawing/2014/main" id="{9362A148-D7E3-4697-A325-DDCB6D8D839B}"/>
+                </a:ext>
+              </a:extLst>
+            </p:cNvPr>
+            <p:cNvCxnSpPr>
+              <a:stCxn id="49" idx="5"/>
+              <a:endCxn id="50" idx="1"/>
+            </p:cNvCxnSpPr>
+            <p:nvPr/>
+          </p:nvCxnSpPr>
+          <p:spPr>
+            <a:xfrm flipH="1">
+              <a:off x="1169435" y="2483334"/>
+              <a:ext cx="93608" cy="313585"/>
+            </a:xfrm>
+            <a:prstGeom prst="straightConnector1">
+              <a:avLst/>
+            </a:prstGeom>
+            <a:ln w="28575">
+              <a:solidFill>
+                <a:srgbClr val="FF0000"/>
+              </a:solidFill>
+              <a:tailEnd type="triangle"/>
+            </a:ln>
+          </p:spPr>
+          <p:style>
+            <a:lnRef idx="1">
+              <a:schemeClr val="accent1"/>
+            </a:lnRef>
+            <a:fillRef idx="0">
+              <a:schemeClr val="accent1"/>
+            </a:fillRef>
+            <a:effectRef idx="0">
+              <a:schemeClr val="accent1"/>
+            </a:effectRef>
+            <a:fontRef idx="minor">
+              <a:schemeClr val="tx1"/>
+            </a:fontRef>
+          </p:style>
+        </p:cxnSp>
+        <p:cxnSp>
+          <p:nvCxnSpPr>
+            <p:cNvPr id="53" name="直接箭头连接符 52">
+              <a:extLst>
+                <a:ext uri="{FF2B5EF4-FFF2-40B4-BE49-F238E27FC236}">
+                  <a16:creationId xmlns:a16="http://schemas.microsoft.com/office/drawing/2014/main" id="{FA0F8581-D9EE-41F6-A2EF-EDB09616AE23}"/>
+                </a:ext>
+              </a:extLst>
+            </p:cNvPr>
+            <p:cNvCxnSpPr>
+              <a:cxnSpLocks/>
+              <a:stCxn id="49" idx="3"/>
+              <a:endCxn id="51" idx="0"/>
+            </p:cNvCxnSpPr>
+            <p:nvPr/>
+          </p:nvCxnSpPr>
+          <p:spPr>
+            <a:xfrm>
+              <a:off x="1489033" y="2483334"/>
+              <a:ext cx="117822" cy="285985"/>
+            </a:xfrm>
+            <a:prstGeom prst="straightConnector1">
+              <a:avLst/>
+            </a:prstGeom>
+            <a:ln w="28575">
+              <a:solidFill>
+                <a:srgbClr val="FF0000"/>
+              </a:solidFill>
+              <a:tailEnd type="triangle"/>
+            </a:ln>
+          </p:spPr>
+          <p:style>
+            <a:lnRef idx="1">
+              <a:schemeClr val="accent1"/>
+            </a:lnRef>
+            <a:fillRef idx="0">
+              <a:schemeClr val="accent1"/>
+            </a:fillRef>
+            <a:effectRef idx="0">
+              <a:schemeClr val="accent1"/>
+            </a:effectRef>
+            <a:fontRef idx="minor">
+              <a:schemeClr val="tx1"/>
+            </a:fontRef>
+          </p:style>
+        </p:cxnSp>
+      </p:grpSp>
+      <p:grpSp>
+        <p:nvGrpSpPr>
+          <p:cNvPr id="54" name="组合 53">
+            <a:extLst>
+              <a:ext uri="{FF2B5EF4-FFF2-40B4-BE49-F238E27FC236}">
+                <a16:creationId xmlns:a16="http://schemas.microsoft.com/office/drawing/2014/main" id="{4DE4D80E-8358-4479-91C4-E04F6BB53E6F}"/>
+              </a:ext>
+            </a:extLst>
+          </p:cNvPr>
+          <p:cNvGrpSpPr/>
+          <p:nvPr/>
+        </p:nvGrpSpPr>
+        <p:grpSpPr>
+          <a:xfrm>
+            <a:off x="1923379" y="2200931"/>
+            <a:ext cx="870013" cy="878377"/>
+            <a:chOff x="896641" y="2210540"/>
+            <a:chExt cx="870013" cy="878377"/>
+          </a:xfrm>
+        </p:grpSpPr>
+        <p:sp>
+          <p:nvSpPr>
+            <p:cNvPr id="55" name="椭圆 54">
+              <a:extLst>
+                <a:ext uri="{FF2B5EF4-FFF2-40B4-BE49-F238E27FC236}">
+                  <a16:creationId xmlns:a16="http://schemas.microsoft.com/office/drawing/2014/main" id="{1B22B703-CABE-4150-8ACB-B126D9EC51AD}"/>
+                </a:ext>
+              </a:extLst>
+            </p:cNvPr>
+            <p:cNvSpPr/>
+            <p:nvPr/>
+          </p:nvSpPr>
+          <p:spPr>
+            <a:xfrm flipH="1">
+              <a:off x="1216239" y="2210540"/>
+              <a:ext cx="319598" cy="319598"/>
+            </a:xfrm>
+            <a:prstGeom prst="ellipse">
+              <a:avLst/>
+            </a:prstGeom>
+          </p:spPr>
+          <p:style>
+            <a:lnRef idx="2">
+              <a:schemeClr val="accent1">
+                <a:shade val="50000"/>
+              </a:schemeClr>
+            </a:lnRef>
+            <a:fillRef idx="1">
+              <a:schemeClr val="accent1"/>
+            </a:fillRef>
+            <a:effectRef idx="0">
+              <a:schemeClr val="accent1"/>
+            </a:effectRef>
+            <a:fontRef idx="minor">
+              <a:schemeClr val="lt1"/>
+            </a:fontRef>
+          </p:style>
+          <p:txBody>
+            <a:bodyPr rtlCol="0" anchor="ctr"/>
+            <a:lstStyle/>
+            <a:p>
+              <a:pPr algn="ctr"/>
+              <a:endParaRPr lang="zh-CN" altLang="en-US"/>
+            </a:p>
+          </p:txBody>
+        </p:sp>
+        <p:sp>
+          <p:nvSpPr>
+            <p:cNvPr id="56" name="椭圆 55">
+              <a:extLst>
+                <a:ext uri="{FF2B5EF4-FFF2-40B4-BE49-F238E27FC236}">
+                  <a16:creationId xmlns:a16="http://schemas.microsoft.com/office/drawing/2014/main" id="{AE7DDA67-434F-4209-8845-50914FB12999}"/>
+                </a:ext>
+              </a:extLst>
+            </p:cNvPr>
+            <p:cNvSpPr/>
+            <p:nvPr/>
+          </p:nvSpPr>
+          <p:spPr>
+            <a:xfrm flipH="1">
+              <a:off x="896641" y="2750115"/>
+              <a:ext cx="319598" cy="319598"/>
+            </a:xfrm>
+            <a:prstGeom prst="ellipse">
+              <a:avLst/>
+            </a:prstGeom>
+          </p:spPr>
+          <p:style>
+            <a:lnRef idx="2">
+              <a:schemeClr val="accent2">
+                <a:shade val="50000"/>
+              </a:schemeClr>
+            </a:lnRef>
+            <a:fillRef idx="1">
+              <a:schemeClr val="accent2"/>
+            </a:fillRef>
+            <a:effectRef idx="0">
+              <a:schemeClr val="accent2"/>
+            </a:effectRef>
+            <a:fontRef idx="minor">
+              <a:schemeClr val="lt1"/>
+            </a:fontRef>
+          </p:style>
+          <p:txBody>
+            <a:bodyPr rtlCol="0" anchor="ctr"/>
+            <a:lstStyle/>
+            <a:p>
+              <a:pPr algn="ctr"/>
+              <a:endParaRPr lang="zh-CN" altLang="en-US"/>
+            </a:p>
+          </p:txBody>
+        </p:sp>
+        <p:sp>
+          <p:nvSpPr>
+            <p:cNvPr id="57" name="椭圆 56">
+              <a:extLst>
+                <a:ext uri="{FF2B5EF4-FFF2-40B4-BE49-F238E27FC236}">
+                  <a16:creationId xmlns:a16="http://schemas.microsoft.com/office/drawing/2014/main" id="{5058C4C2-E5AB-4844-812A-FCD2D3F9B681}"/>
+                </a:ext>
+              </a:extLst>
+            </p:cNvPr>
+            <p:cNvSpPr/>
+            <p:nvPr/>
+          </p:nvSpPr>
+          <p:spPr>
+            <a:xfrm flipH="1">
+              <a:off x="1447056" y="2769319"/>
+              <a:ext cx="319598" cy="319598"/>
+            </a:xfrm>
+            <a:prstGeom prst="ellipse">
+              <a:avLst/>
+            </a:prstGeom>
+          </p:spPr>
+          <p:style>
+            <a:lnRef idx="2">
+              <a:schemeClr val="accent6">
+                <a:shade val="50000"/>
+              </a:schemeClr>
+            </a:lnRef>
+            <a:fillRef idx="1">
+              <a:schemeClr val="accent6"/>
+            </a:fillRef>
+            <a:effectRef idx="0">
+              <a:schemeClr val="accent6"/>
+            </a:effectRef>
+            <a:fontRef idx="minor">
+              <a:schemeClr val="lt1"/>
+            </a:fontRef>
+          </p:style>
+          <p:txBody>
+            <a:bodyPr rtlCol="0" anchor="ctr"/>
+            <a:lstStyle/>
+            <a:p>
+              <a:pPr algn="ctr"/>
+              <a:endParaRPr lang="zh-CN" altLang="en-US"/>
+            </a:p>
+          </p:txBody>
+        </p:sp>
+        <p:cxnSp>
+          <p:nvCxnSpPr>
+            <p:cNvPr id="58" name="直接箭头连接符 57">
+              <a:extLst>
+                <a:ext uri="{FF2B5EF4-FFF2-40B4-BE49-F238E27FC236}">
+                  <a16:creationId xmlns:a16="http://schemas.microsoft.com/office/drawing/2014/main" id="{AC87CBF9-CF91-4F02-8E15-241C54E77EC2}"/>
+                </a:ext>
+              </a:extLst>
+            </p:cNvPr>
+            <p:cNvCxnSpPr>
+              <a:stCxn id="55" idx="5"/>
+              <a:endCxn id="56" idx="1"/>
+            </p:cNvCxnSpPr>
+            <p:nvPr/>
+          </p:nvCxnSpPr>
+          <p:spPr>
+            <a:xfrm flipH="1">
+              <a:off x="1169435" y="2483334"/>
+              <a:ext cx="93608" cy="313585"/>
+            </a:xfrm>
+            <a:prstGeom prst="straightConnector1">
+              <a:avLst/>
+            </a:prstGeom>
+            <a:ln w="28575">
+              <a:solidFill>
+                <a:srgbClr val="FF0000"/>
+              </a:solidFill>
+              <a:tailEnd type="triangle"/>
+            </a:ln>
+          </p:spPr>
+          <p:style>
+            <a:lnRef idx="1">
+              <a:schemeClr val="accent1"/>
+            </a:lnRef>
+            <a:fillRef idx="0">
+              <a:schemeClr val="accent1"/>
+            </a:fillRef>
+            <a:effectRef idx="0">
+              <a:schemeClr val="accent1"/>
+            </a:effectRef>
+            <a:fontRef idx="minor">
+              <a:schemeClr val="tx1"/>
+            </a:fontRef>
+          </p:style>
+        </p:cxnSp>
+        <p:cxnSp>
+          <p:nvCxnSpPr>
+            <p:cNvPr id="59" name="直接箭头连接符 58">
+              <a:extLst>
+                <a:ext uri="{FF2B5EF4-FFF2-40B4-BE49-F238E27FC236}">
+                  <a16:creationId xmlns:a16="http://schemas.microsoft.com/office/drawing/2014/main" id="{A318B137-7252-4715-9267-165CE3D7814F}"/>
+                </a:ext>
+              </a:extLst>
+            </p:cNvPr>
+            <p:cNvCxnSpPr>
+              <a:cxnSpLocks/>
+              <a:stCxn id="55" idx="3"/>
+              <a:endCxn id="57" idx="0"/>
+            </p:cNvCxnSpPr>
+            <p:nvPr/>
+          </p:nvCxnSpPr>
+          <p:spPr>
+            <a:xfrm>
+              <a:off x="1489033" y="2483334"/>
+              <a:ext cx="117822" cy="285985"/>
+            </a:xfrm>
+            <a:prstGeom prst="straightConnector1">
+              <a:avLst/>
+            </a:prstGeom>
+            <a:ln w="28575">
+              <a:solidFill>
+                <a:srgbClr val="FF0000"/>
+              </a:solidFill>
+              <a:tailEnd type="triangle"/>
+            </a:ln>
+          </p:spPr>
+          <p:style>
+            <a:lnRef idx="1">
+              <a:schemeClr val="accent1"/>
+            </a:lnRef>
+            <a:fillRef idx="0">
+              <a:schemeClr val="accent1"/>
+            </a:fillRef>
+            <a:effectRef idx="0">
+              <a:schemeClr val="accent1"/>
+            </a:effectRef>
+            <a:fontRef idx="minor">
+              <a:schemeClr val="tx1"/>
+            </a:fontRef>
+          </p:style>
+        </p:cxnSp>
+      </p:grpSp>
+      <p:grpSp>
+        <p:nvGrpSpPr>
+          <p:cNvPr id="60" name="组合 59">
+            <a:extLst>
+              <a:ext uri="{FF2B5EF4-FFF2-40B4-BE49-F238E27FC236}">
+                <a16:creationId xmlns:a16="http://schemas.microsoft.com/office/drawing/2014/main" id="{646EE024-3DEC-494C-AF60-BE2F8C88689A}"/>
+              </a:ext>
+            </a:extLst>
+          </p:cNvPr>
+          <p:cNvGrpSpPr/>
+          <p:nvPr/>
+        </p:nvGrpSpPr>
+        <p:grpSpPr>
+          <a:xfrm>
+            <a:off x="6387543" y="2158442"/>
+            <a:ext cx="870013" cy="878377"/>
+            <a:chOff x="896641" y="2210540"/>
+            <a:chExt cx="870013" cy="878377"/>
+          </a:xfrm>
+        </p:grpSpPr>
+        <p:sp>
+          <p:nvSpPr>
+            <p:cNvPr id="61" name="椭圆 60">
+              <a:extLst>
+                <a:ext uri="{FF2B5EF4-FFF2-40B4-BE49-F238E27FC236}">
+                  <a16:creationId xmlns:a16="http://schemas.microsoft.com/office/drawing/2014/main" id="{01C18068-157E-43FC-88A8-DF3307DA036D}"/>
+                </a:ext>
+              </a:extLst>
+            </p:cNvPr>
+            <p:cNvSpPr/>
+            <p:nvPr/>
+          </p:nvSpPr>
+          <p:spPr>
+            <a:xfrm flipH="1">
+              <a:off x="1216239" y="2210540"/>
+              <a:ext cx="319598" cy="319598"/>
+            </a:xfrm>
+            <a:prstGeom prst="ellipse">
+              <a:avLst/>
+            </a:prstGeom>
+          </p:spPr>
+          <p:style>
+            <a:lnRef idx="2">
+              <a:schemeClr val="accent1">
+                <a:shade val="50000"/>
+              </a:schemeClr>
+            </a:lnRef>
+            <a:fillRef idx="1">
+              <a:schemeClr val="accent1"/>
+            </a:fillRef>
+            <a:effectRef idx="0">
+              <a:schemeClr val="accent1"/>
+            </a:effectRef>
+            <a:fontRef idx="minor">
+              <a:schemeClr val="lt1"/>
+            </a:fontRef>
+          </p:style>
+          <p:txBody>
+            <a:bodyPr rtlCol="0" anchor="ctr"/>
+            <a:lstStyle/>
+            <a:p>
+              <a:pPr algn="ctr"/>
+              <a:endParaRPr lang="zh-CN" altLang="en-US"/>
+            </a:p>
+          </p:txBody>
+        </p:sp>
+        <p:sp>
+          <p:nvSpPr>
+            <p:cNvPr id="62" name="椭圆 61">
+              <a:extLst>
+                <a:ext uri="{FF2B5EF4-FFF2-40B4-BE49-F238E27FC236}">
+                  <a16:creationId xmlns:a16="http://schemas.microsoft.com/office/drawing/2014/main" id="{7A6695D6-0113-44FD-A609-626C9BCC4BA8}"/>
+                </a:ext>
+              </a:extLst>
+            </p:cNvPr>
+            <p:cNvSpPr/>
+            <p:nvPr/>
+          </p:nvSpPr>
+          <p:spPr>
+            <a:xfrm flipH="1">
+              <a:off x="896641" y="2750115"/>
+              <a:ext cx="319598" cy="319598"/>
+            </a:xfrm>
+            <a:prstGeom prst="ellipse">
+              <a:avLst/>
+            </a:prstGeom>
+          </p:spPr>
+          <p:style>
+            <a:lnRef idx="2">
+              <a:schemeClr val="accent2">
+                <a:shade val="50000"/>
+              </a:schemeClr>
+            </a:lnRef>
+            <a:fillRef idx="1">
+              <a:schemeClr val="accent2"/>
+            </a:fillRef>
+            <a:effectRef idx="0">
+              <a:schemeClr val="accent2"/>
+            </a:effectRef>
+            <a:fontRef idx="minor">
+              <a:schemeClr val="lt1"/>
+            </a:fontRef>
+          </p:style>
+          <p:txBody>
+            <a:bodyPr rtlCol="0" anchor="ctr"/>
+            <a:lstStyle/>
+            <a:p>
+              <a:pPr algn="ctr"/>
+              <a:endParaRPr lang="zh-CN" altLang="en-US"/>
+            </a:p>
+          </p:txBody>
+        </p:sp>
+        <p:sp>
+          <p:nvSpPr>
+            <p:cNvPr id="63" name="椭圆 62">
+              <a:extLst>
+                <a:ext uri="{FF2B5EF4-FFF2-40B4-BE49-F238E27FC236}">
+                  <a16:creationId xmlns:a16="http://schemas.microsoft.com/office/drawing/2014/main" id="{E1BFF0EF-3C34-4BED-9873-1F479A92928C}"/>
+                </a:ext>
+              </a:extLst>
+            </p:cNvPr>
+            <p:cNvSpPr/>
+            <p:nvPr/>
+          </p:nvSpPr>
+          <p:spPr>
+            <a:xfrm flipH="1">
+              <a:off x="1447056" y="2769319"/>
+              <a:ext cx="319598" cy="319598"/>
+            </a:xfrm>
+            <a:prstGeom prst="ellipse">
+              <a:avLst/>
+            </a:prstGeom>
+          </p:spPr>
+          <p:style>
+            <a:lnRef idx="2">
+              <a:schemeClr val="accent6">
+                <a:shade val="50000"/>
+              </a:schemeClr>
+            </a:lnRef>
+            <a:fillRef idx="1">
+              <a:schemeClr val="accent6"/>
+            </a:fillRef>
+            <a:effectRef idx="0">
+              <a:schemeClr val="accent6"/>
+            </a:effectRef>
+            <a:fontRef idx="minor">
+              <a:schemeClr val="lt1"/>
+            </a:fontRef>
+          </p:style>
+          <p:txBody>
+            <a:bodyPr rtlCol="0" anchor="ctr"/>
+            <a:lstStyle/>
+            <a:p>
+              <a:pPr algn="ctr"/>
+              <a:endParaRPr lang="zh-CN" altLang="en-US"/>
+            </a:p>
+          </p:txBody>
+        </p:sp>
+        <p:cxnSp>
+          <p:nvCxnSpPr>
+            <p:cNvPr id="64" name="直接箭头连接符 63">
+              <a:extLst>
+                <a:ext uri="{FF2B5EF4-FFF2-40B4-BE49-F238E27FC236}">
+                  <a16:creationId xmlns:a16="http://schemas.microsoft.com/office/drawing/2014/main" id="{37BADD43-6DE5-45F5-88D8-19E894E36182}"/>
+                </a:ext>
+              </a:extLst>
+            </p:cNvPr>
+            <p:cNvCxnSpPr>
+              <a:stCxn id="61" idx="5"/>
+              <a:endCxn id="62" idx="1"/>
+            </p:cNvCxnSpPr>
+            <p:nvPr/>
+          </p:nvCxnSpPr>
+          <p:spPr>
+            <a:xfrm flipH="1">
+              <a:off x="1169435" y="2483334"/>
+              <a:ext cx="93608" cy="313585"/>
+            </a:xfrm>
+            <a:prstGeom prst="straightConnector1">
+              <a:avLst/>
+            </a:prstGeom>
+            <a:ln w="28575">
+              <a:solidFill>
+                <a:srgbClr val="FF0000"/>
+              </a:solidFill>
+              <a:tailEnd type="triangle"/>
+            </a:ln>
+          </p:spPr>
+          <p:style>
+            <a:lnRef idx="1">
+              <a:schemeClr val="accent1"/>
+            </a:lnRef>
+            <a:fillRef idx="0">
+              <a:schemeClr val="accent1"/>
+            </a:fillRef>
+            <a:effectRef idx="0">
+              <a:schemeClr val="accent1"/>
+            </a:effectRef>
+            <a:fontRef idx="minor">
+              <a:schemeClr val="tx1"/>
+            </a:fontRef>
+          </p:style>
+        </p:cxnSp>
+        <p:cxnSp>
+          <p:nvCxnSpPr>
+            <p:cNvPr id="65" name="直接箭头连接符 64">
+              <a:extLst>
+                <a:ext uri="{FF2B5EF4-FFF2-40B4-BE49-F238E27FC236}">
+                  <a16:creationId xmlns:a16="http://schemas.microsoft.com/office/drawing/2014/main" id="{B1763445-BE95-41D9-B704-900868B32149}"/>
+                </a:ext>
+              </a:extLst>
+            </p:cNvPr>
+            <p:cNvCxnSpPr>
+              <a:cxnSpLocks/>
+              <a:stCxn id="61" idx="3"/>
+              <a:endCxn id="63" idx="0"/>
+            </p:cNvCxnSpPr>
+            <p:nvPr/>
+          </p:nvCxnSpPr>
+          <p:spPr>
+            <a:xfrm>
+              <a:off x="1489033" y="2483334"/>
+              <a:ext cx="117822" cy="285985"/>
+            </a:xfrm>
+            <a:prstGeom prst="straightConnector1">
+              <a:avLst/>
+            </a:prstGeom>
+            <a:ln w="28575">
+              <a:solidFill>
+                <a:srgbClr val="FF0000"/>
+              </a:solidFill>
+              <a:tailEnd type="triangle"/>
+            </a:ln>
+          </p:spPr>
+          <p:style>
+            <a:lnRef idx="1">
+              <a:schemeClr val="accent1"/>
+            </a:lnRef>
+            <a:fillRef idx="0">
+              <a:schemeClr val="accent1"/>
+            </a:fillRef>
+            <a:effectRef idx="0">
+              <a:schemeClr val="accent1"/>
+            </a:effectRef>
+            <a:fontRef idx="minor">
+              <a:schemeClr val="tx1"/>
+            </a:fontRef>
+          </p:style>
+        </p:cxnSp>
+      </p:grpSp>
+      <p:grpSp>
+        <p:nvGrpSpPr>
+          <p:cNvPr id="66" name="组合 65">
+            <a:extLst>
+              <a:ext uri="{FF2B5EF4-FFF2-40B4-BE49-F238E27FC236}">
+                <a16:creationId xmlns:a16="http://schemas.microsoft.com/office/drawing/2014/main" id="{7B80BA3D-5D2E-41A7-84B2-D480EB515C7D}"/>
+              </a:ext>
+            </a:extLst>
+          </p:cNvPr>
+          <p:cNvGrpSpPr/>
+          <p:nvPr/>
+        </p:nvGrpSpPr>
+        <p:grpSpPr>
+          <a:xfrm>
+            <a:off x="3187339" y="2196850"/>
+            <a:ext cx="870013" cy="878377"/>
+            <a:chOff x="896641" y="2210540"/>
+            <a:chExt cx="870013" cy="878377"/>
+          </a:xfrm>
+        </p:grpSpPr>
+        <p:sp>
+          <p:nvSpPr>
+            <p:cNvPr id="67" name="椭圆 66">
+              <a:extLst>
+                <a:ext uri="{FF2B5EF4-FFF2-40B4-BE49-F238E27FC236}">
+                  <a16:creationId xmlns:a16="http://schemas.microsoft.com/office/drawing/2014/main" id="{A7319E75-D94C-4877-8831-9B5D2AAF9E28}"/>
+                </a:ext>
+              </a:extLst>
+            </p:cNvPr>
+            <p:cNvSpPr/>
+            <p:nvPr/>
+          </p:nvSpPr>
+          <p:spPr>
+            <a:xfrm flipH="1">
+              <a:off x="1216239" y="2210540"/>
+              <a:ext cx="319598" cy="319598"/>
+            </a:xfrm>
+            <a:prstGeom prst="ellipse">
+              <a:avLst/>
+            </a:prstGeom>
+          </p:spPr>
+          <p:style>
+            <a:lnRef idx="2">
+              <a:schemeClr val="accent1">
+                <a:shade val="50000"/>
+              </a:schemeClr>
+            </a:lnRef>
+            <a:fillRef idx="1">
+              <a:schemeClr val="accent1"/>
+            </a:fillRef>
+            <a:effectRef idx="0">
+              <a:schemeClr val="accent1"/>
+            </a:effectRef>
+            <a:fontRef idx="minor">
+              <a:schemeClr val="lt1"/>
+            </a:fontRef>
+          </p:style>
+          <p:txBody>
+            <a:bodyPr rtlCol="0" anchor="ctr"/>
+            <a:lstStyle/>
+            <a:p>
+              <a:pPr algn="ctr"/>
+              <a:endParaRPr lang="zh-CN" altLang="en-US"/>
+            </a:p>
+          </p:txBody>
+        </p:sp>
+        <p:sp>
+          <p:nvSpPr>
+            <p:cNvPr id="68" name="椭圆 67">
+              <a:extLst>
+                <a:ext uri="{FF2B5EF4-FFF2-40B4-BE49-F238E27FC236}">
+                  <a16:creationId xmlns:a16="http://schemas.microsoft.com/office/drawing/2014/main" id="{69869C5A-19AB-44FC-AC2C-6987BF5439ED}"/>
+                </a:ext>
+              </a:extLst>
+            </p:cNvPr>
+            <p:cNvSpPr/>
+            <p:nvPr/>
+          </p:nvSpPr>
+          <p:spPr>
+            <a:xfrm flipH="1">
+              <a:off x="896641" y="2750115"/>
+              <a:ext cx="319598" cy="319598"/>
+            </a:xfrm>
+            <a:prstGeom prst="ellipse">
+              <a:avLst/>
+            </a:prstGeom>
+          </p:spPr>
+          <p:style>
+            <a:lnRef idx="2">
+              <a:schemeClr val="accent2">
+                <a:shade val="50000"/>
+              </a:schemeClr>
+            </a:lnRef>
+            <a:fillRef idx="1">
+              <a:schemeClr val="accent2"/>
+            </a:fillRef>
+            <a:effectRef idx="0">
+              <a:schemeClr val="accent2"/>
+            </a:effectRef>
+            <a:fontRef idx="minor">
+              <a:schemeClr val="lt1"/>
+            </a:fontRef>
+          </p:style>
+          <p:txBody>
+            <a:bodyPr rtlCol="0" anchor="ctr"/>
+            <a:lstStyle/>
+            <a:p>
+              <a:pPr algn="ctr"/>
+              <a:endParaRPr lang="zh-CN" altLang="en-US"/>
+            </a:p>
+          </p:txBody>
+        </p:sp>
+        <p:sp>
+          <p:nvSpPr>
+            <p:cNvPr id="69" name="椭圆 68">
+              <a:extLst>
+                <a:ext uri="{FF2B5EF4-FFF2-40B4-BE49-F238E27FC236}">
+                  <a16:creationId xmlns:a16="http://schemas.microsoft.com/office/drawing/2014/main" id="{46403D95-7182-46F0-93F7-0359FB1F3315}"/>
+                </a:ext>
+              </a:extLst>
+            </p:cNvPr>
+            <p:cNvSpPr/>
+            <p:nvPr/>
+          </p:nvSpPr>
+          <p:spPr>
+            <a:xfrm flipH="1">
+              <a:off x="1447056" y="2769319"/>
+              <a:ext cx="319598" cy="319598"/>
+            </a:xfrm>
+            <a:prstGeom prst="ellipse">
+              <a:avLst/>
+            </a:prstGeom>
+          </p:spPr>
+          <p:style>
+            <a:lnRef idx="2">
+              <a:schemeClr val="accent6">
+                <a:shade val="50000"/>
+              </a:schemeClr>
+            </a:lnRef>
+            <a:fillRef idx="1">
+              <a:schemeClr val="accent6"/>
+            </a:fillRef>
+            <a:effectRef idx="0">
+              <a:schemeClr val="accent6"/>
+            </a:effectRef>
+            <a:fontRef idx="minor">
+              <a:schemeClr val="lt1"/>
+            </a:fontRef>
+          </p:style>
+          <p:txBody>
+            <a:bodyPr rtlCol="0" anchor="ctr"/>
+            <a:lstStyle/>
+            <a:p>
+              <a:pPr algn="ctr"/>
+              <a:endParaRPr lang="zh-CN" altLang="en-US"/>
+            </a:p>
+          </p:txBody>
+        </p:sp>
+        <p:cxnSp>
+          <p:nvCxnSpPr>
+            <p:cNvPr id="70" name="直接箭头连接符 69">
+              <a:extLst>
+                <a:ext uri="{FF2B5EF4-FFF2-40B4-BE49-F238E27FC236}">
+                  <a16:creationId xmlns:a16="http://schemas.microsoft.com/office/drawing/2014/main" id="{B05C741B-1014-4DDA-8151-5220397D87ED}"/>
+                </a:ext>
+              </a:extLst>
+            </p:cNvPr>
+            <p:cNvCxnSpPr>
+              <a:stCxn id="67" idx="5"/>
+              <a:endCxn id="68" idx="1"/>
+            </p:cNvCxnSpPr>
+            <p:nvPr/>
+          </p:nvCxnSpPr>
+          <p:spPr>
+            <a:xfrm flipH="1">
+              <a:off x="1169435" y="2483334"/>
+              <a:ext cx="93608" cy="313585"/>
+            </a:xfrm>
+            <a:prstGeom prst="straightConnector1">
+              <a:avLst/>
+            </a:prstGeom>
+            <a:ln w="28575">
+              <a:solidFill>
+                <a:srgbClr val="FF0000"/>
+              </a:solidFill>
+              <a:tailEnd type="triangle"/>
+            </a:ln>
+          </p:spPr>
+          <p:style>
+            <a:lnRef idx="1">
+              <a:schemeClr val="accent1"/>
+            </a:lnRef>
+            <a:fillRef idx="0">
+              <a:schemeClr val="accent1"/>
+            </a:fillRef>
+            <a:effectRef idx="0">
+              <a:schemeClr val="accent1"/>
+            </a:effectRef>
+            <a:fontRef idx="minor">
+              <a:schemeClr val="tx1"/>
+            </a:fontRef>
+          </p:style>
+        </p:cxnSp>
+        <p:cxnSp>
+          <p:nvCxnSpPr>
+            <p:cNvPr id="71" name="直接箭头连接符 70">
+              <a:extLst>
+                <a:ext uri="{FF2B5EF4-FFF2-40B4-BE49-F238E27FC236}">
+                  <a16:creationId xmlns:a16="http://schemas.microsoft.com/office/drawing/2014/main" id="{3BFC6AE6-2876-4A40-9EF8-B68906F5C0E6}"/>
+                </a:ext>
+              </a:extLst>
+            </p:cNvPr>
+            <p:cNvCxnSpPr>
+              <a:cxnSpLocks/>
+              <a:stCxn id="67" idx="3"/>
+              <a:endCxn id="69" idx="0"/>
+            </p:cNvCxnSpPr>
+            <p:nvPr/>
+          </p:nvCxnSpPr>
+          <p:spPr>
+            <a:xfrm>
+              <a:off x="1489033" y="2483334"/>
+              <a:ext cx="117822" cy="285985"/>
+            </a:xfrm>
+            <a:prstGeom prst="straightConnector1">
+              <a:avLst/>
+            </a:prstGeom>
+            <a:ln w="28575">
+              <a:solidFill>
+                <a:srgbClr val="FF0000"/>
+              </a:solidFill>
+              <a:tailEnd type="triangle"/>
+            </a:ln>
+          </p:spPr>
+          <p:style>
+            <a:lnRef idx="1">
+              <a:schemeClr val="accent1"/>
+            </a:lnRef>
+            <a:fillRef idx="0">
+              <a:schemeClr val="accent1"/>
+            </a:fillRef>
+            <a:effectRef idx="0">
+              <a:schemeClr val="accent1"/>
+            </a:effectRef>
+            <a:fontRef idx="minor">
+              <a:schemeClr val="tx1"/>
+            </a:fontRef>
+          </p:style>
+        </p:cxnSp>
+      </p:grpSp>
+      <p:grpSp>
+        <p:nvGrpSpPr>
+          <p:cNvPr id="72" name="组合 71">
+            <a:extLst>
+              <a:ext uri="{FF2B5EF4-FFF2-40B4-BE49-F238E27FC236}">
+                <a16:creationId xmlns:a16="http://schemas.microsoft.com/office/drawing/2014/main" id="{DCEE1703-BD88-454A-9CF7-CA42DDCBC775}"/>
+              </a:ext>
+            </a:extLst>
+          </p:cNvPr>
+          <p:cNvGrpSpPr/>
+          <p:nvPr/>
+        </p:nvGrpSpPr>
+        <p:grpSpPr>
+          <a:xfrm>
+            <a:off x="7627289" y="2198019"/>
+            <a:ext cx="870013" cy="878377"/>
+            <a:chOff x="896641" y="2210540"/>
+            <a:chExt cx="870013" cy="878377"/>
+          </a:xfrm>
+        </p:grpSpPr>
+        <p:sp>
+          <p:nvSpPr>
+            <p:cNvPr id="73" name="椭圆 72">
+              <a:extLst>
+                <a:ext uri="{FF2B5EF4-FFF2-40B4-BE49-F238E27FC236}">
+                  <a16:creationId xmlns:a16="http://schemas.microsoft.com/office/drawing/2014/main" id="{21B6E663-AC97-4BA1-BB5D-275B48A7BDB3}"/>
+                </a:ext>
+              </a:extLst>
+            </p:cNvPr>
+            <p:cNvSpPr/>
+            <p:nvPr/>
+          </p:nvSpPr>
+          <p:spPr>
+            <a:xfrm flipH="1">
+              <a:off x="1216239" y="2210540"/>
+              <a:ext cx="319598" cy="319598"/>
+            </a:xfrm>
+            <a:prstGeom prst="ellipse">
+              <a:avLst/>
+            </a:prstGeom>
+          </p:spPr>
+          <p:style>
+            <a:lnRef idx="2">
+              <a:schemeClr val="accent1">
+                <a:shade val="50000"/>
+              </a:schemeClr>
+            </a:lnRef>
+            <a:fillRef idx="1">
+              <a:schemeClr val="accent1"/>
+            </a:fillRef>
+            <a:effectRef idx="0">
+              <a:schemeClr val="accent1"/>
+            </a:effectRef>
+            <a:fontRef idx="minor">
+              <a:schemeClr val="lt1"/>
+            </a:fontRef>
+          </p:style>
+          <p:txBody>
+            <a:bodyPr rtlCol="0" anchor="ctr"/>
+            <a:lstStyle/>
+            <a:p>
+              <a:pPr algn="ctr"/>
+              <a:endParaRPr lang="zh-CN" altLang="en-US"/>
+            </a:p>
+          </p:txBody>
+        </p:sp>
+        <p:sp>
+          <p:nvSpPr>
+            <p:cNvPr id="74" name="椭圆 73">
+              <a:extLst>
+                <a:ext uri="{FF2B5EF4-FFF2-40B4-BE49-F238E27FC236}">
+                  <a16:creationId xmlns:a16="http://schemas.microsoft.com/office/drawing/2014/main" id="{581F29E6-1C9D-45CA-B8A8-A4BE0929F907}"/>
+                </a:ext>
+              </a:extLst>
+            </p:cNvPr>
+            <p:cNvSpPr/>
+            <p:nvPr/>
+          </p:nvSpPr>
+          <p:spPr>
+            <a:xfrm flipH="1">
+              <a:off x="896641" y="2750115"/>
+              <a:ext cx="319598" cy="319598"/>
+            </a:xfrm>
+            <a:prstGeom prst="ellipse">
+              <a:avLst/>
+            </a:prstGeom>
+          </p:spPr>
+          <p:style>
+            <a:lnRef idx="2">
+              <a:schemeClr val="accent2">
+                <a:shade val="50000"/>
+              </a:schemeClr>
+            </a:lnRef>
+            <a:fillRef idx="1">
+              <a:schemeClr val="accent2"/>
+            </a:fillRef>
+            <a:effectRef idx="0">
+              <a:schemeClr val="accent2"/>
+            </a:effectRef>
+            <a:fontRef idx="minor">
+              <a:schemeClr val="lt1"/>
+            </a:fontRef>
+          </p:style>
+          <p:txBody>
+            <a:bodyPr rtlCol="0" anchor="ctr"/>
+            <a:lstStyle/>
+            <a:p>
+              <a:pPr algn="ctr"/>
+              <a:endParaRPr lang="zh-CN" altLang="en-US"/>
+            </a:p>
+          </p:txBody>
+        </p:sp>
+        <p:sp>
+          <p:nvSpPr>
+            <p:cNvPr id="75" name="椭圆 74">
+              <a:extLst>
+                <a:ext uri="{FF2B5EF4-FFF2-40B4-BE49-F238E27FC236}">
+                  <a16:creationId xmlns:a16="http://schemas.microsoft.com/office/drawing/2014/main" id="{B61FB211-A646-401D-89D0-DA7D8E96D5C7}"/>
+                </a:ext>
+              </a:extLst>
+            </p:cNvPr>
+            <p:cNvSpPr/>
+            <p:nvPr/>
+          </p:nvSpPr>
+          <p:spPr>
+            <a:xfrm flipH="1">
+              <a:off x="1447056" y="2769319"/>
+              <a:ext cx="319598" cy="319598"/>
+            </a:xfrm>
+            <a:prstGeom prst="ellipse">
+              <a:avLst/>
+            </a:prstGeom>
+          </p:spPr>
+          <p:style>
+            <a:lnRef idx="2">
+              <a:schemeClr val="accent6">
+                <a:shade val="50000"/>
+              </a:schemeClr>
+            </a:lnRef>
+            <a:fillRef idx="1">
+              <a:schemeClr val="accent6"/>
+            </a:fillRef>
+            <a:effectRef idx="0">
+              <a:schemeClr val="accent6"/>
+            </a:effectRef>
+            <a:fontRef idx="minor">
+              <a:schemeClr val="lt1"/>
+            </a:fontRef>
+          </p:style>
+          <p:txBody>
+            <a:bodyPr rtlCol="0" anchor="ctr"/>
+            <a:lstStyle/>
+            <a:p>
+              <a:pPr algn="ctr"/>
+              <a:endParaRPr lang="zh-CN" altLang="en-US"/>
+            </a:p>
+          </p:txBody>
+        </p:sp>
+        <p:cxnSp>
+          <p:nvCxnSpPr>
+            <p:cNvPr id="76" name="直接箭头连接符 75">
+              <a:extLst>
+                <a:ext uri="{FF2B5EF4-FFF2-40B4-BE49-F238E27FC236}">
+                  <a16:creationId xmlns:a16="http://schemas.microsoft.com/office/drawing/2014/main" id="{6120C094-E2AC-4BC0-8722-9EB5F8C4D254}"/>
+                </a:ext>
+              </a:extLst>
+            </p:cNvPr>
+            <p:cNvCxnSpPr>
+              <a:stCxn id="73" idx="5"/>
+              <a:endCxn id="74" idx="1"/>
+            </p:cNvCxnSpPr>
+            <p:nvPr/>
+          </p:nvCxnSpPr>
+          <p:spPr>
+            <a:xfrm flipH="1">
+              <a:off x="1169435" y="2483334"/>
+              <a:ext cx="93608" cy="313585"/>
+            </a:xfrm>
+            <a:prstGeom prst="straightConnector1">
+              <a:avLst/>
+            </a:prstGeom>
+            <a:ln w="28575">
+              <a:solidFill>
+                <a:srgbClr val="FF0000"/>
+              </a:solidFill>
+              <a:tailEnd type="triangle"/>
+            </a:ln>
+          </p:spPr>
+          <p:style>
+            <a:lnRef idx="1">
+              <a:schemeClr val="accent1"/>
+            </a:lnRef>
+            <a:fillRef idx="0">
+              <a:schemeClr val="accent1"/>
+            </a:fillRef>
+            <a:effectRef idx="0">
+              <a:schemeClr val="accent1"/>
+            </a:effectRef>
+            <a:fontRef idx="minor">
+              <a:schemeClr val="tx1"/>
+            </a:fontRef>
+          </p:style>
+        </p:cxnSp>
+        <p:cxnSp>
+          <p:nvCxnSpPr>
+            <p:cNvPr id="77" name="直接箭头连接符 76">
+              <a:extLst>
+                <a:ext uri="{FF2B5EF4-FFF2-40B4-BE49-F238E27FC236}">
+                  <a16:creationId xmlns:a16="http://schemas.microsoft.com/office/drawing/2014/main" id="{07BB2771-8607-4E1F-8332-6DB695240F8F}"/>
+                </a:ext>
+              </a:extLst>
+            </p:cNvPr>
+            <p:cNvCxnSpPr>
+              <a:cxnSpLocks/>
+              <a:stCxn id="73" idx="3"/>
+              <a:endCxn id="75" idx="0"/>
+            </p:cNvCxnSpPr>
+            <p:nvPr/>
+          </p:nvCxnSpPr>
+          <p:spPr>
+            <a:xfrm>
+              <a:off x="1489033" y="2483334"/>
+              <a:ext cx="117822" cy="285985"/>
+            </a:xfrm>
+            <a:prstGeom prst="straightConnector1">
+              <a:avLst/>
+            </a:prstGeom>
+            <a:ln w="28575">
+              <a:solidFill>
+                <a:srgbClr val="FF0000"/>
+              </a:solidFill>
+              <a:tailEnd type="triangle"/>
+            </a:ln>
+          </p:spPr>
+          <p:style>
+            <a:lnRef idx="1">
+              <a:schemeClr val="accent1"/>
+            </a:lnRef>
+            <a:fillRef idx="0">
+              <a:schemeClr val="accent1"/>
+            </a:fillRef>
+            <a:effectRef idx="0">
+              <a:schemeClr val="accent1"/>
+            </a:effectRef>
+            <a:fontRef idx="minor">
+              <a:schemeClr val="tx1"/>
+            </a:fontRef>
+          </p:style>
+        </p:cxnSp>
+      </p:grpSp>
+      <p:grpSp>
+        <p:nvGrpSpPr>
+          <p:cNvPr id="78" name="组合 77">
+            <a:extLst>
+              <a:ext uri="{FF2B5EF4-FFF2-40B4-BE49-F238E27FC236}">
+                <a16:creationId xmlns:a16="http://schemas.microsoft.com/office/drawing/2014/main" id="{5BD2F8F9-AE58-42BD-9AF7-600B2352DF89}"/>
+              </a:ext>
+            </a:extLst>
+          </p:cNvPr>
+          <p:cNvGrpSpPr/>
+          <p:nvPr/>
+        </p:nvGrpSpPr>
+        <p:grpSpPr>
+          <a:xfrm>
+            <a:off x="5420017" y="2258828"/>
+            <a:ext cx="870013" cy="878377"/>
+            <a:chOff x="896641" y="2210540"/>
+            <a:chExt cx="870013" cy="878377"/>
+          </a:xfrm>
+        </p:grpSpPr>
+        <p:sp>
+          <p:nvSpPr>
+            <p:cNvPr id="79" name="椭圆 78">
+              <a:extLst>
+                <a:ext uri="{FF2B5EF4-FFF2-40B4-BE49-F238E27FC236}">
+                  <a16:creationId xmlns:a16="http://schemas.microsoft.com/office/drawing/2014/main" id="{2BCAAC0F-3C0F-4E9D-9AB8-E4F91E7806DB}"/>
+                </a:ext>
+              </a:extLst>
+            </p:cNvPr>
+            <p:cNvSpPr/>
+            <p:nvPr/>
+          </p:nvSpPr>
+          <p:spPr>
+            <a:xfrm flipH="1">
+              <a:off x="1216239" y="2210540"/>
+              <a:ext cx="319598" cy="319598"/>
+            </a:xfrm>
+            <a:prstGeom prst="ellipse">
+              <a:avLst/>
+            </a:prstGeom>
+          </p:spPr>
+          <p:style>
+            <a:lnRef idx="2">
+              <a:schemeClr val="accent1">
+                <a:shade val="50000"/>
+              </a:schemeClr>
+            </a:lnRef>
+            <a:fillRef idx="1">
+              <a:schemeClr val="accent1"/>
+            </a:fillRef>
+            <a:effectRef idx="0">
+              <a:schemeClr val="accent1"/>
+            </a:effectRef>
+            <a:fontRef idx="minor">
+              <a:schemeClr val="lt1"/>
+            </a:fontRef>
+          </p:style>
+          <p:txBody>
+            <a:bodyPr rtlCol="0" anchor="ctr"/>
+            <a:lstStyle/>
+            <a:p>
+              <a:pPr algn="ctr"/>
+              <a:endParaRPr lang="zh-CN" altLang="en-US"/>
+            </a:p>
+          </p:txBody>
+        </p:sp>
+        <p:sp>
+          <p:nvSpPr>
+            <p:cNvPr id="80" name="椭圆 79">
+              <a:extLst>
+                <a:ext uri="{FF2B5EF4-FFF2-40B4-BE49-F238E27FC236}">
+                  <a16:creationId xmlns:a16="http://schemas.microsoft.com/office/drawing/2014/main" id="{CC41228C-7A2F-470F-9403-E13909B77AE7}"/>
+                </a:ext>
+              </a:extLst>
+            </p:cNvPr>
+            <p:cNvSpPr/>
+            <p:nvPr/>
+          </p:nvSpPr>
+          <p:spPr>
+            <a:xfrm flipH="1">
+              <a:off x="896641" y="2750115"/>
+              <a:ext cx="319598" cy="319598"/>
+            </a:xfrm>
+            <a:prstGeom prst="ellipse">
+              <a:avLst/>
+            </a:prstGeom>
+          </p:spPr>
+          <p:style>
+            <a:lnRef idx="2">
+              <a:schemeClr val="accent2">
+                <a:shade val="50000"/>
+              </a:schemeClr>
+            </a:lnRef>
+            <a:fillRef idx="1">
+              <a:schemeClr val="accent2"/>
+            </a:fillRef>
+            <a:effectRef idx="0">
+              <a:schemeClr val="accent2"/>
+            </a:effectRef>
+            <a:fontRef idx="minor">
+              <a:schemeClr val="lt1"/>
+            </a:fontRef>
+          </p:style>
+          <p:txBody>
+            <a:bodyPr rtlCol="0" anchor="ctr"/>
+            <a:lstStyle/>
+            <a:p>
+              <a:pPr algn="ctr"/>
+              <a:endParaRPr lang="zh-CN" altLang="en-US"/>
+            </a:p>
+          </p:txBody>
+        </p:sp>
+        <p:sp>
+          <p:nvSpPr>
+            <p:cNvPr id="81" name="椭圆 80">
+              <a:extLst>
+                <a:ext uri="{FF2B5EF4-FFF2-40B4-BE49-F238E27FC236}">
+                  <a16:creationId xmlns:a16="http://schemas.microsoft.com/office/drawing/2014/main" id="{80076F3E-5FF7-4AA3-AF5F-EA7E50098481}"/>
+                </a:ext>
+              </a:extLst>
+            </p:cNvPr>
+            <p:cNvSpPr/>
+            <p:nvPr/>
+          </p:nvSpPr>
+          <p:spPr>
+            <a:xfrm flipH="1">
+              <a:off x="1447056" y="2769319"/>
+              <a:ext cx="319598" cy="319598"/>
+            </a:xfrm>
+            <a:prstGeom prst="ellipse">
+              <a:avLst/>
+            </a:prstGeom>
+          </p:spPr>
+          <p:style>
+            <a:lnRef idx="2">
+              <a:schemeClr val="accent6">
+                <a:shade val="50000"/>
+              </a:schemeClr>
+            </a:lnRef>
+            <a:fillRef idx="1">
+              <a:schemeClr val="accent6"/>
+            </a:fillRef>
+            <a:effectRef idx="0">
+              <a:schemeClr val="accent6"/>
+            </a:effectRef>
+            <a:fontRef idx="minor">
+              <a:schemeClr val="lt1"/>
+            </a:fontRef>
+          </p:style>
+          <p:txBody>
+            <a:bodyPr rtlCol="0" anchor="ctr"/>
+            <a:lstStyle/>
+            <a:p>
+              <a:pPr algn="ctr"/>
+              <a:endParaRPr lang="zh-CN" altLang="en-US"/>
+            </a:p>
+          </p:txBody>
+        </p:sp>
+        <p:cxnSp>
+          <p:nvCxnSpPr>
+            <p:cNvPr id="82" name="直接箭头连接符 81">
+              <a:extLst>
+                <a:ext uri="{FF2B5EF4-FFF2-40B4-BE49-F238E27FC236}">
+                  <a16:creationId xmlns:a16="http://schemas.microsoft.com/office/drawing/2014/main" id="{1EBDD728-4587-4EF7-AC04-13EDDD480DC6}"/>
+                </a:ext>
+              </a:extLst>
+            </p:cNvPr>
+            <p:cNvCxnSpPr>
+              <a:stCxn id="79" idx="5"/>
+              <a:endCxn id="80" idx="1"/>
+            </p:cNvCxnSpPr>
+            <p:nvPr/>
+          </p:nvCxnSpPr>
+          <p:spPr>
+            <a:xfrm flipH="1">
+              <a:off x="1169435" y="2483334"/>
+              <a:ext cx="93608" cy="313585"/>
+            </a:xfrm>
+            <a:prstGeom prst="straightConnector1">
+              <a:avLst/>
+            </a:prstGeom>
+            <a:ln w="28575">
+              <a:solidFill>
+                <a:srgbClr val="FF0000"/>
+              </a:solidFill>
+              <a:tailEnd type="triangle"/>
+            </a:ln>
+          </p:spPr>
+          <p:style>
+            <a:lnRef idx="1">
+              <a:schemeClr val="accent1"/>
+            </a:lnRef>
+            <a:fillRef idx="0">
+              <a:schemeClr val="accent1"/>
+            </a:fillRef>
+            <a:effectRef idx="0">
+              <a:schemeClr val="accent1"/>
+            </a:effectRef>
+            <a:fontRef idx="minor">
+              <a:schemeClr val="tx1"/>
+            </a:fontRef>
+          </p:style>
+        </p:cxnSp>
+        <p:cxnSp>
+          <p:nvCxnSpPr>
+            <p:cNvPr id="83" name="直接箭头连接符 82">
+              <a:extLst>
+                <a:ext uri="{FF2B5EF4-FFF2-40B4-BE49-F238E27FC236}">
+                  <a16:creationId xmlns:a16="http://schemas.microsoft.com/office/drawing/2014/main" id="{43775C23-47F1-469F-8094-6244DBBED9DA}"/>
+                </a:ext>
+              </a:extLst>
+            </p:cNvPr>
+            <p:cNvCxnSpPr>
+              <a:cxnSpLocks/>
+              <a:stCxn id="79" idx="3"/>
+              <a:endCxn id="81" idx="0"/>
+            </p:cNvCxnSpPr>
+            <p:nvPr/>
+          </p:nvCxnSpPr>
+          <p:spPr>
+            <a:xfrm>
+              <a:off x="1489033" y="2483334"/>
+              <a:ext cx="117822" cy="285985"/>
+            </a:xfrm>
+            <a:prstGeom prst="straightConnector1">
+              <a:avLst/>
+            </a:prstGeom>
+            <a:ln w="28575">
+              <a:solidFill>
+                <a:srgbClr val="FF0000"/>
+              </a:solidFill>
+              <a:tailEnd type="triangle"/>
+            </a:ln>
+          </p:spPr>
+          <p:style>
+            <a:lnRef idx="1">
+              <a:schemeClr val="accent1"/>
+            </a:lnRef>
+            <a:fillRef idx="0">
+              <a:schemeClr val="accent1"/>
+            </a:fillRef>
+            <a:effectRef idx="0">
+              <a:schemeClr val="accent1"/>
+            </a:effectRef>
+            <a:fontRef idx="minor">
+              <a:schemeClr val="tx1"/>
+            </a:fontRef>
+          </p:style>
+        </p:cxnSp>
+      </p:grpSp>
+      <p:grpSp>
+        <p:nvGrpSpPr>
+          <p:cNvPr id="84" name="组合 83">
+            <a:extLst>
+              <a:ext uri="{FF2B5EF4-FFF2-40B4-BE49-F238E27FC236}">
+                <a16:creationId xmlns:a16="http://schemas.microsoft.com/office/drawing/2014/main" id="{CE7A68BF-1E47-4C39-A924-A7F3F3FF7BDE}"/>
+              </a:ext>
+            </a:extLst>
+          </p:cNvPr>
+          <p:cNvGrpSpPr/>
+          <p:nvPr/>
+        </p:nvGrpSpPr>
+        <p:grpSpPr>
+          <a:xfrm>
+            <a:off x="8713040" y="2233815"/>
+            <a:ext cx="870013" cy="878377"/>
+            <a:chOff x="896641" y="2210540"/>
+            <a:chExt cx="870013" cy="878377"/>
+          </a:xfrm>
+        </p:grpSpPr>
+        <p:sp>
+          <p:nvSpPr>
+            <p:cNvPr id="85" name="椭圆 84">
+              <a:extLst>
+                <a:ext uri="{FF2B5EF4-FFF2-40B4-BE49-F238E27FC236}">
+                  <a16:creationId xmlns:a16="http://schemas.microsoft.com/office/drawing/2014/main" id="{01126247-55CC-4EAB-8238-4A814A088AB5}"/>
+                </a:ext>
+              </a:extLst>
+            </p:cNvPr>
+            <p:cNvSpPr/>
+            <p:nvPr/>
+          </p:nvSpPr>
+          <p:spPr>
+            <a:xfrm flipH="1">
+              <a:off x="1216239" y="2210540"/>
+              <a:ext cx="319598" cy="319598"/>
+            </a:xfrm>
+            <a:prstGeom prst="ellipse">
+              <a:avLst/>
+            </a:prstGeom>
+          </p:spPr>
+          <p:style>
+            <a:lnRef idx="2">
+              <a:schemeClr val="accent1">
+                <a:shade val="50000"/>
+              </a:schemeClr>
+            </a:lnRef>
+            <a:fillRef idx="1">
+              <a:schemeClr val="accent1"/>
+            </a:fillRef>
+            <a:effectRef idx="0">
+              <a:schemeClr val="accent1"/>
+            </a:effectRef>
+            <a:fontRef idx="minor">
+              <a:schemeClr val="lt1"/>
+            </a:fontRef>
+          </p:style>
+          <p:txBody>
+            <a:bodyPr rtlCol="0" anchor="ctr"/>
+            <a:lstStyle/>
+            <a:p>
+              <a:pPr algn="ctr"/>
+              <a:endParaRPr lang="zh-CN" altLang="en-US"/>
+            </a:p>
+          </p:txBody>
+        </p:sp>
+        <p:sp>
+          <p:nvSpPr>
+            <p:cNvPr id="86" name="椭圆 85">
+              <a:extLst>
+                <a:ext uri="{FF2B5EF4-FFF2-40B4-BE49-F238E27FC236}">
+                  <a16:creationId xmlns:a16="http://schemas.microsoft.com/office/drawing/2014/main" id="{ACAA6425-6979-43A2-9CAD-D7984BE24EE3}"/>
+                </a:ext>
+              </a:extLst>
+            </p:cNvPr>
+            <p:cNvSpPr/>
+            <p:nvPr/>
+          </p:nvSpPr>
+          <p:spPr>
+            <a:xfrm flipH="1">
+              <a:off x="896641" y="2750115"/>
+              <a:ext cx="319598" cy="319598"/>
+            </a:xfrm>
+            <a:prstGeom prst="ellipse">
+              <a:avLst/>
+            </a:prstGeom>
+          </p:spPr>
+          <p:style>
+            <a:lnRef idx="2">
+              <a:schemeClr val="accent2">
+                <a:shade val="50000"/>
+              </a:schemeClr>
+            </a:lnRef>
+            <a:fillRef idx="1">
+              <a:schemeClr val="accent2"/>
+            </a:fillRef>
+            <a:effectRef idx="0">
+              <a:schemeClr val="accent2"/>
+            </a:effectRef>
+            <a:fontRef idx="minor">
+              <a:schemeClr val="lt1"/>
+            </a:fontRef>
+          </p:style>
+          <p:txBody>
+            <a:bodyPr rtlCol="0" anchor="ctr"/>
+            <a:lstStyle/>
+            <a:p>
+              <a:pPr algn="ctr"/>
+              <a:endParaRPr lang="zh-CN" altLang="en-US"/>
+            </a:p>
+          </p:txBody>
+        </p:sp>
+        <p:sp>
+          <p:nvSpPr>
+            <p:cNvPr id="87" name="椭圆 86">
+              <a:extLst>
+                <a:ext uri="{FF2B5EF4-FFF2-40B4-BE49-F238E27FC236}">
+                  <a16:creationId xmlns:a16="http://schemas.microsoft.com/office/drawing/2014/main" id="{7DD82EDF-C712-497F-865D-0163A13F8F97}"/>
+                </a:ext>
+              </a:extLst>
+            </p:cNvPr>
+            <p:cNvSpPr/>
+            <p:nvPr/>
+          </p:nvSpPr>
+          <p:spPr>
+            <a:xfrm flipH="1">
+              <a:off x="1447056" y="2769319"/>
+              <a:ext cx="319598" cy="319598"/>
+            </a:xfrm>
+            <a:prstGeom prst="ellipse">
+              <a:avLst/>
+            </a:prstGeom>
+          </p:spPr>
+          <p:style>
+            <a:lnRef idx="2">
+              <a:schemeClr val="accent6">
+                <a:shade val="50000"/>
+              </a:schemeClr>
+            </a:lnRef>
+            <a:fillRef idx="1">
+              <a:schemeClr val="accent6"/>
+            </a:fillRef>
+            <a:effectRef idx="0">
+              <a:schemeClr val="accent6"/>
+            </a:effectRef>
+            <a:fontRef idx="minor">
+              <a:schemeClr val="lt1"/>
+            </a:fontRef>
+          </p:style>
+          <p:txBody>
+            <a:bodyPr rtlCol="0" anchor="ctr"/>
+            <a:lstStyle/>
+            <a:p>
+              <a:pPr algn="ctr"/>
+              <a:endParaRPr lang="zh-CN" altLang="en-US"/>
+            </a:p>
+          </p:txBody>
+        </p:sp>
+        <p:cxnSp>
+          <p:nvCxnSpPr>
+            <p:cNvPr id="88" name="直接箭头连接符 87">
+              <a:extLst>
+                <a:ext uri="{FF2B5EF4-FFF2-40B4-BE49-F238E27FC236}">
+                  <a16:creationId xmlns:a16="http://schemas.microsoft.com/office/drawing/2014/main" id="{E485B0B1-2C6C-48A0-BCB0-2A0A30F26AE0}"/>
+                </a:ext>
+              </a:extLst>
+            </p:cNvPr>
+            <p:cNvCxnSpPr>
+              <a:stCxn id="85" idx="5"/>
+              <a:endCxn id="86" idx="1"/>
+            </p:cNvCxnSpPr>
+            <p:nvPr/>
+          </p:nvCxnSpPr>
+          <p:spPr>
+            <a:xfrm flipH="1">
+              <a:off x="1169435" y="2483334"/>
+              <a:ext cx="93608" cy="313585"/>
+            </a:xfrm>
+            <a:prstGeom prst="straightConnector1">
+              <a:avLst/>
+            </a:prstGeom>
+            <a:ln w="28575">
+              <a:solidFill>
+                <a:srgbClr val="FF0000"/>
+              </a:solidFill>
+              <a:tailEnd type="triangle"/>
+            </a:ln>
+          </p:spPr>
+          <p:style>
+            <a:lnRef idx="1">
+              <a:schemeClr val="accent1"/>
+            </a:lnRef>
+            <a:fillRef idx="0">
+              <a:schemeClr val="accent1"/>
+            </a:fillRef>
+            <a:effectRef idx="0">
+              <a:schemeClr val="accent1"/>
+            </a:effectRef>
+            <a:fontRef idx="minor">
+              <a:schemeClr val="tx1"/>
+            </a:fontRef>
+          </p:style>
+        </p:cxnSp>
+        <p:cxnSp>
+          <p:nvCxnSpPr>
+            <p:cNvPr id="89" name="直接箭头连接符 88">
+              <a:extLst>
+                <a:ext uri="{FF2B5EF4-FFF2-40B4-BE49-F238E27FC236}">
+                  <a16:creationId xmlns:a16="http://schemas.microsoft.com/office/drawing/2014/main" id="{E679C66D-FC8A-49F3-BAD9-02AEAAAB41EF}"/>
+                </a:ext>
+              </a:extLst>
+            </p:cNvPr>
+            <p:cNvCxnSpPr>
+              <a:cxnSpLocks/>
+              <a:stCxn id="85" idx="3"/>
+              <a:endCxn id="87" idx="0"/>
+            </p:cNvCxnSpPr>
+            <p:nvPr/>
+          </p:nvCxnSpPr>
+          <p:spPr>
+            <a:xfrm>
+              <a:off x="1489033" y="2483334"/>
+              <a:ext cx="117822" cy="285985"/>
+            </a:xfrm>
+            <a:prstGeom prst="straightConnector1">
+              <a:avLst/>
+            </a:prstGeom>
+            <a:ln w="28575">
+              <a:solidFill>
+                <a:srgbClr val="FF0000"/>
+              </a:solidFill>
+              <a:tailEnd type="triangle"/>
+            </a:ln>
+          </p:spPr>
+          <p:style>
+            <a:lnRef idx="1">
+              <a:schemeClr val="accent1"/>
+            </a:lnRef>
+            <a:fillRef idx="0">
+              <a:schemeClr val="accent1"/>
+            </a:fillRef>
+            <a:effectRef idx="0">
+              <a:schemeClr val="accent1"/>
+            </a:effectRef>
+            <a:fontRef idx="minor">
+              <a:schemeClr val="tx1"/>
+            </a:fontRef>
+          </p:style>
+        </p:cxnSp>
+      </p:grpSp>
+      <p:grpSp>
+        <p:nvGrpSpPr>
+          <p:cNvPr id="90" name="组合 89">
+            <a:extLst>
+              <a:ext uri="{FF2B5EF4-FFF2-40B4-BE49-F238E27FC236}">
+                <a16:creationId xmlns:a16="http://schemas.microsoft.com/office/drawing/2014/main" id="{D4CA39DE-1AE5-4CEE-8A05-E07525D19B60}"/>
+              </a:ext>
+            </a:extLst>
+          </p:cNvPr>
+          <p:cNvGrpSpPr/>
+          <p:nvPr/>
+        </p:nvGrpSpPr>
+        <p:grpSpPr>
+          <a:xfrm>
+            <a:off x="781232" y="5187036"/>
+            <a:ext cx="870013" cy="878377"/>
+            <a:chOff x="896641" y="2210540"/>
+            <a:chExt cx="870013" cy="878377"/>
+          </a:xfrm>
+        </p:grpSpPr>
+        <p:sp>
+          <p:nvSpPr>
+            <p:cNvPr id="91" name="椭圆 90">
+              <a:extLst>
+                <a:ext uri="{FF2B5EF4-FFF2-40B4-BE49-F238E27FC236}">
+                  <a16:creationId xmlns:a16="http://schemas.microsoft.com/office/drawing/2014/main" id="{936D2ECD-FCAA-49E9-A9DF-C39973F37E54}"/>
+                </a:ext>
+              </a:extLst>
+            </p:cNvPr>
+            <p:cNvSpPr/>
+            <p:nvPr/>
+          </p:nvSpPr>
+          <p:spPr>
+            <a:xfrm flipH="1">
+              <a:off x="1216239" y="2210540"/>
+              <a:ext cx="319598" cy="319598"/>
+            </a:xfrm>
+            <a:prstGeom prst="ellipse">
+              <a:avLst/>
+            </a:prstGeom>
+          </p:spPr>
+          <p:style>
+            <a:lnRef idx="2">
+              <a:schemeClr val="accent1">
+                <a:shade val="50000"/>
+              </a:schemeClr>
+            </a:lnRef>
+            <a:fillRef idx="1">
+              <a:schemeClr val="accent1"/>
+            </a:fillRef>
+            <a:effectRef idx="0">
+              <a:schemeClr val="accent1"/>
+            </a:effectRef>
+            <a:fontRef idx="minor">
+              <a:schemeClr val="lt1"/>
+            </a:fontRef>
+          </p:style>
+          <p:txBody>
+            <a:bodyPr rtlCol="0" anchor="ctr"/>
+            <a:lstStyle/>
+            <a:p>
+              <a:pPr algn="ctr"/>
+              <a:endParaRPr lang="zh-CN" altLang="en-US"/>
+            </a:p>
+          </p:txBody>
+        </p:sp>
+        <p:sp>
+          <p:nvSpPr>
+            <p:cNvPr id="92" name="椭圆 91">
+              <a:extLst>
+                <a:ext uri="{FF2B5EF4-FFF2-40B4-BE49-F238E27FC236}">
+                  <a16:creationId xmlns:a16="http://schemas.microsoft.com/office/drawing/2014/main" id="{B76820FF-19DE-404C-9D74-4A48E86E8BDC}"/>
+                </a:ext>
+              </a:extLst>
+            </p:cNvPr>
+            <p:cNvSpPr/>
+            <p:nvPr/>
+          </p:nvSpPr>
+          <p:spPr>
+            <a:xfrm flipH="1">
+              <a:off x="896641" y="2750115"/>
+              <a:ext cx="319598" cy="319598"/>
+            </a:xfrm>
+            <a:prstGeom prst="ellipse">
+              <a:avLst/>
+            </a:prstGeom>
+          </p:spPr>
+          <p:style>
+            <a:lnRef idx="2">
+              <a:schemeClr val="accent2">
+                <a:shade val="50000"/>
+              </a:schemeClr>
+            </a:lnRef>
+            <a:fillRef idx="1">
+              <a:schemeClr val="accent2"/>
+            </a:fillRef>
+            <a:effectRef idx="0">
+              <a:schemeClr val="accent2"/>
+            </a:effectRef>
+            <a:fontRef idx="minor">
+              <a:schemeClr val="lt1"/>
+            </a:fontRef>
+          </p:style>
+          <p:txBody>
+            <a:bodyPr rtlCol="0" anchor="ctr"/>
+            <a:lstStyle/>
+            <a:p>
+              <a:pPr algn="ctr"/>
+              <a:endParaRPr lang="zh-CN" altLang="en-US"/>
+            </a:p>
+          </p:txBody>
+        </p:sp>
+        <p:sp>
+          <p:nvSpPr>
+            <p:cNvPr id="93" name="椭圆 92">
+              <a:extLst>
+                <a:ext uri="{FF2B5EF4-FFF2-40B4-BE49-F238E27FC236}">
+                  <a16:creationId xmlns:a16="http://schemas.microsoft.com/office/drawing/2014/main" id="{BC2D1729-A54D-41E7-B802-55B63A39D6FD}"/>
+                </a:ext>
+              </a:extLst>
+            </p:cNvPr>
+            <p:cNvSpPr/>
+            <p:nvPr/>
+          </p:nvSpPr>
+          <p:spPr>
+            <a:xfrm flipH="1">
+              <a:off x="1447056" y="2769319"/>
+              <a:ext cx="319598" cy="319598"/>
+            </a:xfrm>
+            <a:prstGeom prst="ellipse">
+              <a:avLst/>
+            </a:prstGeom>
+          </p:spPr>
+          <p:style>
+            <a:lnRef idx="2">
+              <a:schemeClr val="accent6">
+                <a:shade val="50000"/>
+              </a:schemeClr>
+            </a:lnRef>
+            <a:fillRef idx="1">
+              <a:schemeClr val="accent6"/>
+            </a:fillRef>
+            <a:effectRef idx="0">
+              <a:schemeClr val="accent6"/>
+            </a:effectRef>
+            <a:fontRef idx="minor">
+              <a:schemeClr val="lt1"/>
+            </a:fontRef>
+          </p:style>
+          <p:txBody>
+            <a:bodyPr rtlCol="0" anchor="ctr"/>
+            <a:lstStyle/>
+            <a:p>
+              <a:pPr algn="ctr"/>
+              <a:endParaRPr lang="zh-CN" altLang="en-US"/>
+            </a:p>
+          </p:txBody>
+        </p:sp>
+        <p:cxnSp>
+          <p:nvCxnSpPr>
+            <p:cNvPr id="94" name="直接箭头连接符 93">
+              <a:extLst>
+                <a:ext uri="{FF2B5EF4-FFF2-40B4-BE49-F238E27FC236}">
+                  <a16:creationId xmlns:a16="http://schemas.microsoft.com/office/drawing/2014/main" id="{A438A1BC-62BF-48D4-B8F3-1EC048AE0837}"/>
+                </a:ext>
+              </a:extLst>
+            </p:cNvPr>
+            <p:cNvCxnSpPr>
+              <a:stCxn id="91" idx="5"/>
+              <a:endCxn id="92" idx="1"/>
+            </p:cNvCxnSpPr>
+            <p:nvPr/>
+          </p:nvCxnSpPr>
+          <p:spPr>
+            <a:xfrm flipH="1">
+              <a:off x="1169435" y="2483334"/>
+              <a:ext cx="93608" cy="313585"/>
+            </a:xfrm>
+            <a:prstGeom prst="straightConnector1">
+              <a:avLst/>
+            </a:prstGeom>
+            <a:ln w="28575">
+              <a:solidFill>
+                <a:srgbClr val="FF0000"/>
+              </a:solidFill>
+              <a:tailEnd type="triangle"/>
+            </a:ln>
+          </p:spPr>
+          <p:style>
+            <a:lnRef idx="1">
+              <a:schemeClr val="accent1"/>
+            </a:lnRef>
+            <a:fillRef idx="0">
+              <a:schemeClr val="accent1"/>
+            </a:fillRef>
+            <a:effectRef idx="0">
+              <a:schemeClr val="accent1"/>
+            </a:effectRef>
+            <a:fontRef idx="minor">
+              <a:schemeClr val="tx1"/>
+            </a:fontRef>
+          </p:style>
+        </p:cxnSp>
+        <p:cxnSp>
+          <p:nvCxnSpPr>
+            <p:cNvPr id="95" name="直接箭头连接符 94">
+              <a:extLst>
+                <a:ext uri="{FF2B5EF4-FFF2-40B4-BE49-F238E27FC236}">
+                  <a16:creationId xmlns:a16="http://schemas.microsoft.com/office/drawing/2014/main" id="{C34C0E77-DAF8-4501-AE2D-EFEE9C713F26}"/>
+                </a:ext>
+              </a:extLst>
+            </p:cNvPr>
+            <p:cNvCxnSpPr>
+              <a:cxnSpLocks/>
+              <a:stCxn id="91" idx="3"/>
+              <a:endCxn id="93" idx="0"/>
+            </p:cNvCxnSpPr>
+            <p:nvPr/>
+          </p:nvCxnSpPr>
+          <p:spPr>
+            <a:xfrm>
+              <a:off x="1489033" y="2483334"/>
+              <a:ext cx="117822" cy="285985"/>
+            </a:xfrm>
+            <a:prstGeom prst="straightConnector1">
+              <a:avLst/>
+            </a:prstGeom>
+            <a:ln w="28575">
+              <a:solidFill>
+                <a:srgbClr val="FF0000"/>
+              </a:solidFill>
+              <a:tailEnd type="triangle"/>
+            </a:ln>
+          </p:spPr>
+          <p:style>
+            <a:lnRef idx="1">
+              <a:schemeClr val="accent1"/>
+            </a:lnRef>
+            <a:fillRef idx="0">
+              <a:schemeClr val="accent1"/>
+            </a:fillRef>
+            <a:effectRef idx="0">
+              <a:schemeClr val="accent1"/>
+            </a:effectRef>
+            <a:fontRef idx="minor">
+              <a:schemeClr val="tx1"/>
+            </a:fontRef>
+          </p:style>
+        </p:cxnSp>
+      </p:grpSp>
+      <p:grpSp>
+        <p:nvGrpSpPr>
+          <p:cNvPr id="96" name="组合 95">
+            <a:extLst>
+              <a:ext uri="{FF2B5EF4-FFF2-40B4-BE49-F238E27FC236}">
+                <a16:creationId xmlns:a16="http://schemas.microsoft.com/office/drawing/2014/main" id="{ED7A11DF-0934-40D5-8506-5675141899C5}"/>
+              </a:ext>
+            </a:extLst>
+          </p:cNvPr>
+          <p:cNvGrpSpPr/>
+          <p:nvPr/>
+        </p:nvGrpSpPr>
+        <p:grpSpPr>
+          <a:xfrm>
+            <a:off x="1981447" y="5187030"/>
+            <a:ext cx="870013" cy="878377"/>
+            <a:chOff x="896641" y="2210540"/>
+            <a:chExt cx="870013" cy="878377"/>
+          </a:xfrm>
+        </p:grpSpPr>
+        <p:sp>
+          <p:nvSpPr>
+            <p:cNvPr id="97" name="椭圆 96">
+              <a:extLst>
+                <a:ext uri="{FF2B5EF4-FFF2-40B4-BE49-F238E27FC236}">
+                  <a16:creationId xmlns:a16="http://schemas.microsoft.com/office/drawing/2014/main" id="{04FAC223-6197-4480-AF35-910DBE97A014}"/>
+                </a:ext>
+              </a:extLst>
+            </p:cNvPr>
+            <p:cNvSpPr/>
+            <p:nvPr/>
+          </p:nvSpPr>
+          <p:spPr>
+            <a:xfrm flipH="1">
+              <a:off x="1216239" y="2210540"/>
+              <a:ext cx="319598" cy="319598"/>
+            </a:xfrm>
+            <a:prstGeom prst="ellipse">
+              <a:avLst/>
+            </a:prstGeom>
+          </p:spPr>
+          <p:style>
+            <a:lnRef idx="2">
+              <a:schemeClr val="accent1">
+                <a:shade val="50000"/>
+              </a:schemeClr>
+            </a:lnRef>
+            <a:fillRef idx="1">
+              <a:schemeClr val="accent1"/>
+            </a:fillRef>
+            <a:effectRef idx="0">
+              <a:schemeClr val="accent1"/>
+            </a:effectRef>
+            <a:fontRef idx="minor">
+              <a:schemeClr val="lt1"/>
+            </a:fontRef>
+          </p:style>
+          <p:txBody>
+            <a:bodyPr rtlCol="0" anchor="ctr"/>
+            <a:lstStyle/>
+            <a:p>
+              <a:pPr algn="ctr"/>
+              <a:endParaRPr lang="zh-CN" altLang="en-US"/>
+            </a:p>
+          </p:txBody>
+        </p:sp>
+        <p:sp>
+          <p:nvSpPr>
+            <p:cNvPr id="98" name="椭圆 97">
+              <a:extLst>
+                <a:ext uri="{FF2B5EF4-FFF2-40B4-BE49-F238E27FC236}">
+                  <a16:creationId xmlns:a16="http://schemas.microsoft.com/office/drawing/2014/main" id="{3DDDF561-21CB-4A8B-86D4-060EBADD9551}"/>
+                </a:ext>
+              </a:extLst>
+            </p:cNvPr>
+            <p:cNvSpPr/>
+            <p:nvPr/>
+          </p:nvSpPr>
+          <p:spPr>
+            <a:xfrm flipH="1">
+              <a:off x="896641" y="2750115"/>
+              <a:ext cx="319598" cy="319598"/>
+            </a:xfrm>
+            <a:prstGeom prst="ellipse">
+              <a:avLst/>
+            </a:prstGeom>
+          </p:spPr>
+          <p:style>
+            <a:lnRef idx="2">
+              <a:schemeClr val="accent2">
+                <a:shade val="50000"/>
+              </a:schemeClr>
+            </a:lnRef>
+            <a:fillRef idx="1">
+              <a:schemeClr val="accent2"/>
+            </a:fillRef>
+            <a:effectRef idx="0">
+              <a:schemeClr val="accent2"/>
+            </a:effectRef>
+            <a:fontRef idx="minor">
+              <a:schemeClr val="lt1"/>
+            </a:fontRef>
+          </p:style>
+          <p:txBody>
+            <a:bodyPr rtlCol="0" anchor="ctr"/>
+            <a:lstStyle/>
+            <a:p>
+              <a:pPr algn="ctr"/>
+              <a:endParaRPr lang="zh-CN" altLang="en-US"/>
+            </a:p>
+          </p:txBody>
+        </p:sp>
+        <p:sp>
+          <p:nvSpPr>
+            <p:cNvPr id="99" name="椭圆 98">
+              <a:extLst>
+                <a:ext uri="{FF2B5EF4-FFF2-40B4-BE49-F238E27FC236}">
+                  <a16:creationId xmlns:a16="http://schemas.microsoft.com/office/drawing/2014/main" id="{FA476DBF-0255-45C6-8A30-98BD1C531C56}"/>
+                </a:ext>
+              </a:extLst>
+            </p:cNvPr>
+            <p:cNvSpPr/>
+            <p:nvPr/>
+          </p:nvSpPr>
+          <p:spPr>
+            <a:xfrm flipH="1">
+              <a:off x="1447056" y="2769319"/>
+              <a:ext cx="319598" cy="319598"/>
+            </a:xfrm>
+            <a:prstGeom prst="ellipse">
+              <a:avLst/>
+            </a:prstGeom>
+          </p:spPr>
+          <p:style>
+            <a:lnRef idx="2">
+              <a:schemeClr val="accent6">
+                <a:shade val="50000"/>
+              </a:schemeClr>
+            </a:lnRef>
+            <a:fillRef idx="1">
+              <a:schemeClr val="accent6"/>
+            </a:fillRef>
+            <a:effectRef idx="0">
+              <a:schemeClr val="accent6"/>
+            </a:effectRef>
+            <a:fontRef idx="minor">
+              <a:schemeClr val="lt1"/>
+            </a:fontRef>
+          </p:style>
+          <p:txBody>
+            <a:bodyPr rtlCol="0" anchor="ctr"/>
+            <a:lstStyle/>
+            <a:p>
+              <a:pPr algn="ctr"/>
+              <a:endParaRPr lang="zh-CN" altLang="en-US"/>
+            </a:p>
+          </p:txBody>
+        </p:sp>
+        <p:cxnSp>
+          <p:nvCxnSpPr>
+            <p:cNvPr id="100" name="直接箭头连接符 99">
+              <a:extLst>
+                <a:ext uri="{FF2B5EF4-FFF2-40B4-BE49-F238E27FC236}">
+                  <a16:creationId xmlns:a16="http://schemas.microsoft.com/office/drawing/2014/main" id="{D84FB497-0602-4DB5-B3C0-6CEFF2EC961E}"/>
+                </a:ext>
+              </a:extLst>
+            </p:cNvPr>
+            <p:cNvCxnSpPr>
+              <a:stCxn id="97" idx="5"/>
+              <a:endCxn id="98" idx="1"/>
+            </p:cNvCxnSpPr>
+            <p:nvPr/>
+          </p:nvCxnSpPr>
+          <p:spPr>
+            <a:xfrm flipH="1">
+              <a:off x="1169435" y="2483334"/>
+              <a:ext cx="93608" cy="313585"/>
+            </a:xfrm>
+            <a:prstGeom prst="straightConnector1">
+              <a:avLst/>
+            </a:prstGeom>
+            <a:ln w="28575">
+              <a:solidFill>
+                <a:srgbClr val="FF0000"/>
+              </a:solidFill>
+              <a:tailEnd type="triangle"/>
+            </a:ln>
+          </p:spPr>
+          <p:style>
+            <a:lnRef idx="1">
+              <a:schemeClr val="accent1"/>
+            </a:lnRef>
+            <a:fillRef idx="0">
+              <a:schemeClr val="accent1"/>
+            </a:fillRef>
+            <a:effectRef idx="0">
+              <a:schemeClr val="accent1"/>
+            </a:effectRef>
+            <a:fontRef idx="minor">
+              <a:schemeClr val="tx1"/>
+            </a:fontRef>
+          </p:style>
+        </p:cxnSp>
+        <p:cxnSp>
+          <p:nvCxnSpPr>
+            <p:cNvPr id="101" name="直接箭头连接符 100">
+              <a:extLst>
+                <a:ext uri="{FF2B5EF4-FFF2-40B4-BE49-F238E27FC236}">
+                  <a16:creationId xmlns:a16="http://schemas.microsoft.com/office/drawing/2014/main" id="{DA39DAA6-4F18-47DD-AC6C-6FBF33318CAF}"/>
+                </a:ext>
+              </a:extLst>
+            </p:cNvPr>
+            <p:cNvCxnSpPr>
+              <a:cxnSpLocks/>
+              <a:stCxn id="97" idx="3"/>
+              <a:endCxn id="99" idx="0"/>
+            </p:cNvCxnSpPr>
+            <p:nvPr/>
+          </p:nvCxnSpPr>
+          <p:spPr>
+            <a:xfrm>
+              <a:off x="1489033" y="2483334"/>
+              <a:ext cx="117822" cy="285985"/>
+            </a:xfrm>
+            <a:prstGeom prst="straightConnector1">
+              <a:avLst/>
+            </a:prstGeom>
+            <a:ln w="28575">
+              <a:solidFill>
+                <a:srgbClr val="FF0000"/>
+              </a:solidFill>
+              <a:tailEnd type="triangle"/>
+            </a:ln>
+          </p:spPr>
+          <p:style>
+            <a:lnRef idx="1">
+              <a:schemeClr val="accent1"/>
+            </a:lnRef>
+            <a:fillRef idx="0">
+              <a:schemeClr val="accent1"/>
+            </a:fillRef>
+            <a:effectRef idx="0">
+              <a:schemeClr val="accent1"/>
+            </a:effectRef>
+            <a:fontRef idx="minor">
+              <a:schemeClr val="tx1"/>
+            </a:fontRef>
+          </p:style>
+        </p:cxnSp>
+      </p:grpSp>
+      <p:sp>
+        <p:nvSpPr>
+          <p:cNvPr id="102" name="椭圆 101">
+            <a:extLst>
+              <a:ext uri="{FF2B5EF4-FFF2-40B4-BE49-F238E27FC236}">
+                <a16:creationId xmlns:a16="http://schemas.microsoft.com/office/drawing/2014/main" id="{9120BB08-B927-4BD1-8842-09FF64FAFA22}"/>
+              </a:ext>
+            </a:extLst>
+          </p:cNvPr>
+          <p:cNvSpPr/>
+          <p:nvPr/>
+        </p:nvSpPr>
+        <p:spPr>
+          <a:xfrm flipH="1">
+            <a:off x="1763580" y="4497265"/>
+            <a:ext cx="319598" cy="319598"/>
+          </a:xfrm>
+          <a:prstGeom prst="ellipse">
+            <a:avLst/>
+          </a:prstGeom>
+        </p:spPr>
+        <p:style>
+          <a:lnRef idx="2">
+            <a:schemeClr val="accent1">
+              <a:shade val="50000"/>
+            </a:schemeClr>
+          </a:lnRef>
+          <a:fillRef idx="1">
+            <a:schemeClr val="accent1"/>
+          </a:fillRef>
+          <a:effectRef idx="0">
+            <a:schemeClr val="accent1"/>
+          </a:effectRef>
+          <a:fontRef idx="minor">
+            <a:schemeClr val="lt1"/>
+          </a:fontRef>
+        </p:style>
+        <p:txBody>
+          <a:bodyPr rtlCol="0" anchor="ctr"/>
+          <a:lstStyle/>
+          <a:p>
+            <a:pPr algn="ctr"/>
+            <a:endParaRPr lang="zh-CN" altLang="en-US"/>
+          </a:p>
+        </p:txBody>
+      </p:sp>
+    </p:spTree>
+    <p:extLst>
+      <p:ext uri="{BB962C8B-B14F-4D97-AF65-F5344CB8AC3E}">
+        <p14:creationId xmlns:p14="http://schemas.microsoft.com/office/powerpoint/2010/main" val="2178802680"/>
       </p:ext>
     </p:extLst>
   </p:cSld>

--- a/链表/数据结构可视化辅助理解，便于代码开发.pptx
+++ b/链表/数据结构可视化辅助理解，便于代码开发.pptx
@@ -15,6 +15,8 @@
     <p:sldId id="263" r:id="rId9"/>
     <p:sldId id="264" r:id="rId10"/>
     <p:sldId id="265" r:id="rId11"/>
+    <p:sldId id="266" r:id="rId12"/>
+    <p:sldId id="268" r:id="rId13"/>
   </p:sldIdLst>
   <p:sldSz cx="12192000" cy="6858000"/>
   <p:notesSz cx="6858000" cy="9144000"/>
@@ -268,7 +270,7 @@
           <a:p>
             <a:fld id="{00F45E2C-A052-4CA8-89FD-DA47DCEA70CB}" type="datetimeFigureOut">
               <a:rPr lang="zh-CN" altLang="en-US" smtClean="0"/>
-              <a:t>2019/5/26</a:t>
+              <a:t>2019/5/29</a:t>
             </a:fld>
             <a:endParaRPr lang="zh-CN" altLang="en-US"/>
           </a:p>
@@ -466,7 +468,7 @@
           <a:p>
             <a:fld id="{00F45E2C-A052-4CA8-89FD-DA47DCEA70CB}" type="datetimeFigureOut">
               <a:rPr lang="zh-CN" altLang="en-US" smtClean="0"/>
-              <a:t>2019/5/26</a:t>
+              <a:t>2019/5/29</a:t>
             </a:fld>
             <a:endParaRPr lang="zh-CN" altLang="en-US"/>
           </a:p>
@@ -674,7 +676,7 @@
           <a:p>
             <a:fld id="{00F45E2C-A052-4CA8-89FD-DA47DCEA70CB}" type="datetimeFigureOut">
               <a:rPr lang="zh-CN" altLang="en-US" smtClean="0"/>
-              <a:t>2019/5/26</a:t>
+              <a:t>2019/5/29</a:t>
             </a:fld>
             <a:endParaRPr lang="zh-CN" altLang="en-US"/>
           </a:p>
@@ -844,7 +846,7 @@
             <a:fld id="{00F45E2C-A052-4CA8-89FD-DA47DCEA70CB}" type="datetimeFigureOut">
               <a:rPr lang="zh-CN" altLang="en-US" smtClean="0"/>
               <a:pPr/>
-              <a:t>2019/5/26</a:t>
+              <a:t>2019/5/29</a:t>
             </a:fld>
             <a:endParaRPr lang="zh-CN" altLang="en-US"/>
           </a:p>
@@ -1272,7 +1274,7 @@
           <a:p>
             <a:fld id="{00F45E2C-A052-4CA8-89FD-DA47DCEA70CB}" type="datetimeFigureOut">
               <a:rPr lang="zh-CN" altLang="en-US" smtClean="0"/>
-              <a:t>2019/5/26</a:t>
+              <a:t>2019/5/29</a:t>
             </a:fld>
             <a:endParaRPr lang="zh-CN" altLang="en-US"/>
           </a:p>
@@ -1537,7 +1539,7 @@
           <a:p>
             <a:fld id="{00F45E2C-A052-4CA8-89FD-DA47DCEA70CB}" type="datetimeFigureOut">
               <a:rPr lang="zh-CN" altLang="en-US" smtClean="0"/>
-              <a:t>2019/5/26</a:t>
+              <a:t>2019/5/29</a:t>
             </a:fld>
             <a:endParaRPr lang="zh-CN" altLang="en-US"/>
           </a:p>
@@ -1949,7 +1951,7 @@
           <a:p>
             <a:fld id="{00F45E2C-A052-4CA8-89FD-DA47DCEA70CB}" type="datetimeFigureOut">
               <a:rPr lang="zh-CN" altLang="en-US" smtClean="0"/>
-              <a:t>2019/5/26</a:t>
+              <a:t>2019/5/29</a:t>
             </a:fld>
             <a:endParaRPr lang="zh-CN" altLang="en-US"/>
           </a:p>
@@ -2090,7 +2092,7 @@
           <a:p>
             <a:fld id="{00F45E2C-A052-4CA8-89FD-DA47DCEA70CB}" type="datetimeFigureOut">
               <a:rPr lang="zh-CN" altLang="en-US" smtClean="0"/>
-              <a:t>2019/5/26</a:t>
+              <a:t>2019/5/29</a:t>
             </a:fld>
             <a:endParaRPr lang="zh-CN" altLang="en-US"/>
           </a:p>
@@ -2203,7 +2205,7 @@
           <a:p>
             <a:fld id="{00F45E2C-A052-4CA8-89FD-DA47DCEA70CB}" type="datetimeFigureOut">
               <a:rPr lang="zh-CN" altLang="en-US" smtClean="0"/>
-              <a:t>2019/5/26</a:t>
+              <a:t>2019/5/29</a:t>
             </a:fld>
             <a:endParaRPr lang="zh-CN" altLang="en-US"/>
           </a:p>
@@ -2514,7 +2516,7 @@
           <a:p>
             <a:fld id="{00F45E2C-A052-4CA8-89FD-DA47DCEA70CB}" type="datetimeFigureOut">
               <a:rPr lang="zh-CN" altLang="en-US" smtClean="0"/>
-              <a:t>2019/5/26</a:t>
+              <a:t>2019/5/29</a:t>
             </a:fld>
             <a:endParaRPr lang="zh-CN" altLang="en-US"/>
           </a:p>
@@ -2802,7 +2804,7 @@
           <a:p>
             <a:fld id="{00F45E2C-A052-4CA8-89FD-DA47DCEA70CB}" type="datetimeFigureOut">
               <a:rPr lang="zh-CN" altLang="en-US" smtClean="0"/>
-              <a:t>2019/5/26</a:t>
+              <a:t>2019/5/29</a:t>
             </a:fld>
             <a:endParaRPr lang="zh-CN" altLang="en-US"/>
           </a:p>
@@ -3043,7 +3045,7 @@
           <a:p>
             <a:fld id="{00F45E2C-A052-4CA8-89FD-DA47DCEA70CB}" type="datetimeFigureOut">
               <a:rPr lang="zh-CN" altLang="en-US" smtClean="0"/>
-              <a:t>2019/5/26</a:t>
+              <a:t>2019/5/29</a:t>
             </a:fld>
             <a:endParaRPr lang="zh-CN" altLang="en-US"/>
           </a:p>
@@ -5062,7 +5064,7 @@
         </p:nvSpPr>
         <p:spPr>
           <a:xfrm>
-            <a:off x="99645" y="2025389"/>
+            <a:off x="3752797" y="935542"/>
             <a:ext cx="3397712" cy="629035"/>
           </a:xfrm>
           <a:prstGeom prst="rect">
@@ -5261,10 +5263,4987 @@
           </a:p>
         </p:txBody>
       </p:sp>
+      <p:sp>
+        <p:nvSpPr>
+          <p:cNvPr id="5" name="矩形 4">
+            <a:extLst>
+              <a:ext uri="{FF2B5EF4-FFF2-40B4-BE49-F238E27FC236}">
+                <a16:creationId xmlns:a16="http://schemas.microsoft.com/office/drawing/2014/main" id="{264300FB-4B5D-4A15-B2C5-72104E5BEFC6}"/>
+              </a:ext>
+            </a:extLst>
+          </p:cNvPr>
+          <p:cNvSpPr/>
+          <p:nvPr/>
+        </p:nvSpPr>
+        <p:spPr>
+          <a:xfrm>
+            <a:off x="1534523" y="3115618"/>
+            <a:ext cx="568171" cy="470018"/>
+          </a:xfrm>
+          <a:prstGeom prst="rect">
+            <a:avLst/>
+          </a:prstGeom>
+        </p:spPr>
+        <p:style>
+          <a:lnRef idx="2">
+            <a:schemeClr val="accent4"/>
+          </a:lnRef>
+          <a:fillRef idx="1">
+            <a:schemeClr val="lt1"/>
+          </a:fillRef>
+          <a:effectRef idx="0">
+            <a:schemeClr val="accent4"/>
+          </a:effectRef>
+          <a:fontRef idx="minor">
+            <a:schemeClr val="dk1"/>
+          </a:fontRef>
+        </p:style>
+        <p:txBody>
+          <a:bodyPr rtlCol="0" anchor="ctr"/>
+          <a:lstStyle/>
+          <a:p>
+            <a:pPr algn="ctr"/>
+            <a:r>
+              <a:rPr lang="en-US" altLang="zh-CN">
+                <a:solidFill>
+                  <a:schemeClr val="tx1"/>
+                </a:solidFill>
+                <a:latin typeface="Times New Roman" panose="02020603050405020304" pitchFamily="18" charset="0"/>
+                <a:cs typeface="Times New Roman" panose="02020603050405020304" pitchFamily="18" charset="0"/>
+              </a:rPr>
+              <a:t>-10</a:t>
+            </a:r>
+            <a:endParaRPr lang="zh-CN" altLang="en-US">
+              <a:solidFill>
+                <a:schemeClr val="tx1"/>
+              </a:solidFill>
+              <a:latin typeface="Times New Roman" panose="02020603050405020304" pitchFamily="18" charset="0"/>
+              <a:cs typeface="Times New Roman" panose="02020603050405020304" pitchFamily="18" charset="0"/>
+            </a:endParaRPr>
+          </a:p>
+        </p:txBody>
+      </p:sp>
+      <p:sp>
+        <p:nvSpPr>
+          <p:cNvPr id="8" name="矩形 7">
+            <a:extLst>
+              <a:ext uri="{FF2B5EF4-FFF2-40B4-BE49-F238E27FC236}">
+                <a16:creationId xmlns:a16="http://schemas.microsoft.com/office/drawing/2014/main" id="{A84BAC98-8294-47B7-9A5B-3DD3A2077C29}"/>
+              </a:ext>
+            </a:extLst>
+          </p:cNvPr>
+          <p:cNvSpPr/>
+          <p:nvPr/>
+        </p:nvSpPr>
+        <p:spPr>
+          <a:xfrm>
+            <a:off x="2508172" y="3080551"/>
+            <a:ext cx="568171" cy="540152"/>
+          </a:xfrm>
+          <a:prstGeom prst="rect">
+            <a:avLst/>
+          </a:prstGeom>
+        </p:spPr>
+        <p:style>
+          <a:lnRef idx="2">
+            <a:schemeClr val="accent4"/>
+          </a:lnRef>
+          <a:fillRef idx="1">
+            <a:schemeClr val="lt1"/>
+          </a:fillRef>
+          <a:effectRef idx="0">
+            <a:schemeClr val="accent4"/>
+          </a:effectRef>
+          <a:fontRef idx="minor">
+            <a:schemeClr val="dk1"/>
+          </a:fontRef>
+        </p:style>
+        <p:txBody>
+          <a:bodyPr rtlCol="0" anchor="ctr"/>
+          <a:lstStyle/>
+          <a:p>
+            <a:pPr algn="ctr"/>
+            <a:r>
+              <a:rPr lang="en-US" altLang="zh-CN">
+                <a:solidFill>
+                  <a:schemeClr val="tx1"/>
+                </a:solidFill>
+                <a:latin typeface="Times New Roman" panose="02020603050405020304" pitchFamily="18" charset="0"/>
+                <a:cs typeface="Times New Roman" panose="02020603050405020304" pitchFamily="18" charset="0"/>
+              </a:rPr>
+              <a:t>15</a:t>
+            </a:r>
+            <a:endParaRPr lang="zh-CN" altLang="en-US">
+              <a:solidFill>
+                <a:schemeClr val="tx1"/>
+              </a:solidFill>
+              <a:latin typeface="Times New Roman" panose="02020603050405020304" pitchFamily="18" charset="0"/>
+              <a:cs typeface="Times New Roman" panose="02020603050405020304" pitchFamily="18" charset="0"/>
+            </a:endParaRPr>
+          </a:p>
+        </p:txBody>
+      </p:sp>
+      <p:sp>
+        <p:nvSpPr>
+          <p:cNvPr id="9" name="矩形 8">
+            <a:extLst>
+              <a:ext uri="{FF2B5EF4-FFF2-40B4-BE49-F238E27FC236}">
+                <a16:creationId xmlns:a16="http://schemas.microsoft.com/office/drawing/2014/main" id="{0E71EFE3-B9B5-45D2-9E0C-51FC38610C1D}"/>
+              </a:ext>
+            </a:extLst>
+          </p:cNvPr>
+          <p:cNvSpPr/>
+          <p:nvPr/>
+        </p:nvSpPr>
+        <p:spPr>
+          <a:xfrm>
+            <a:off x="593205" y="3139001"/>
+            <a:ext cx="568171" cy="512134"/>
+          </a:xfrm>
+          <a:prstGeom prst="rect">
+            <a:avLst/>
+          </a:prstGeom>
+        </p:spPr>
+        <p:style>
+          <a:lnRef idx="2">
+            <a:schemeClr val="accent4"/>
+          </a:lnRef>
+          <a:fillRef idx="1">
+            <a:schemeClr val="lt1"/>
+          </a:fillRef>
+          <a:effectRef idx="0">
+            <a:schemeClr val="accent4"/>
+          </a:effectRef>
+          <a:fontRef idx="minor">
+            <a:schemeClr val="dk1"/>
+          </a:fontRef>
+        </p:style>
+        <p:txBody>
+          <a:bodyPr rtlCol="0" anchor="ctr"/>
+          <a:lstStyle/>
+          <a:p>
+            <a:pPr algn="ctr"/>
+            <a:r>
+              <a:rPr lang="en-US" altLang="zh-CN">
+                <a:solidFill>
+                  <a:schemeClr val="tx1"/>
+                </a:solidFill>
+                <a:latin typeface="Times New Roman" panose="02020603050405020304" pitchFamily="18" charset="0"/>
+                <a:cs typeface="Times New Roman" panose="02020603050405020304" pitchFamily="18" charset="0"/>
+              </a:rPr>
+              <a:t>8</a:t>
+            </a:r>
+            <a:endParaRPr lang="zh-CN" altLang="en-US">
+              <a:solidFill>
+                <a:schemeClr val="tx1"/>
+              </a:solidFill>
+              <a:latin typeface="Times New Roman" panose="02020603050405020304" pitchFamily="18" charset="0"/>
+              <a:cs typeface="Times New Roman" panose="02020603050405020304" pitchFamily="18" charset="0"/>
+            </a:endParaRPr>
+          </a:p>
+        </p:txBody>
+      </p:sp>
+      <p:sp>
+        <p:nvSpPr>
+          <p:cNvPr id="10" name="矩形 9">
+            <a:extLst>
+              <a:ext uri="{FF2B5EF4-FFF2-40B4-BE49-F238E27FC236}">
+                <a16:creationId xmlns:a16="http://schemas.microsoft.com/office/drawing/2014/main" id="{29C8CBFB-8A19-47E0-A241-BB1FA7B94576}"/>
+              </a:ext>
+            </a:extLst>
+          </p:cNvPr>
+          <p:cNvSpPr/>
+          <p:nvPr/>
+        </p:nvSpPr>
+        <p:spPr>
+          <a:xfrm>
+            <a:off x="5356496" y="3080551"/>
+            <a:ext cx="568171" cy="540152"/>
+          </a:xfrm>
+          <a:prstGeom prst="rect">
+            <a:avLst/>
+          </a:prstGeom>
+        </p:spPr>
+        <p:style>
+          <a:lnRef idx="2">
+            <a:schemeClr val="accent4"/>
+          </a:lnRef>
+          <a:fillRef idx="1">
+            <a:schemeClr val="lt1"/>
+          </a:fillRef>
+          <a:effectRef idx="0">
+            <a:schemeClr val="accent4"/>
+          </a:effectRef>
+          <a:fontRef idx="minor">
+            <a:schemeClr val="dk1"/>
+          </a:fontRef>
+        </p:style>
+        <p:txBody>
+          <a:bodyPr rtlCol="0" anchor="ctr"/>
+          <a:lstStyle/>
+          <a:p>
+            <a:pPr algn="ctr"/>
+            <a:r>
+              <a:rPr lang="en-US" altLang="zh-CN">
+                <a:solidFill>
+                  <a:schemeClr val="tx1"/>
+                </a:solidFill>
+                <a:latin typeface="Times New Roman" panose="02020603050405020304" pitchFamily="18" charset="0"/>
+                <a:cs typeface="Times New Roman" panose="02020603050405020304" pitchFamily="18" charset="0"/>
+              </a:rPr>
+              <a:t>-25</a:t>
+            </a:r>
+            <a:endParaRPr lang="zh-CN" altLang="en-US">
+              <a:solidFill>
+                <a:schemeClr val="tx1"/>
+              </a:solidFill>
+              <a:latin typeface="Times New Roman" panose="02020603050405020304" pitchFamily="18" charset="0"/>
+              <a:cs typeface="Times New Roman" panose="02020603050405020304" pitchFamily="18" charset="0"/>
+            </a:endParaRPr>
+          </a:p>
+        </p:txBody>
+      </p:sp>
+      <p:sp>
+        <p:nvSpPr>
+          <p:cNvPr id="11" name="矩形 10">
+            <a:extLst>
+              <a:ext uri="{FF2B5EF4-FFF2-40B4-BE49-F238E27FC236}">
+                <a16:creationId xmlns:a16="http://schemas.microsoft.com/office/drawing/2014/main" id="{101A4E39-7BB5-4080-BB39-19BDDFE1C8A6}"/>
+              </a:ext>
+            </a:extLst>
+          </p:cNvPr>
+          <p:cNvSpPr/>
+          <p:nvPr/>
+        </p:nvSpPr>
+        <p:spPr>
+          <a:xfrm>
+            <a:off x="6194436" y="3080551"/>
+            <a:ext cx="568171" cy="540152"/>
+          </a:xfrm>
+          <a:prstGeom prst="rect">
+            <a:avLst/>
+          </a:prstGeom>
+        </p:spPr>
+        <p:style>
+          <a:lnRef idx="2">
+            <a:schemeClr val="accent4"/>
+          </a:lnRef>
+          <a:fillRef idx="1">
+            <a:schemeClr val="lt1"/>
+          </a:fillRef>
+          <a:effectRef idx="0">
+            <a:schemeClr val="accent4"/>
+          </a:effectRef>
+          <a:fontRef idx="minor">
+            <a:schemeClr val="dk1"/>
+          </a:fontRef>
+        </p:style>
+        <p:txBody>
+          <a:bodyPr rtlCol="0" anchor="ctr"/>
+          <a:lstStyle/>
+          <a:p>
+            <a:pPr algn="ctr"/>
+            <a:r>
+              <a:rPr lang="en-US" altLang="zh-CN">
+                <a:solidFill>
+                  <a:schemeClr val="tx1"/>
+                </a:solidFill>
+                <a:latin typeface="Times New Roman" panose="02020603050405020304" pitchFamily="18" charset="0"/>
+                <a:cs typeface="Times New Roman" panose="02020603050405020304" pitchFamily="18" charset="0"/>
+              </a:rPr>
+              <a:t>30</a:t>
+            </a:r>
+            <a:endParaRPr lang="zh-CN" altLang="en-US">
+              <a:solidFill>
+                <a:schemeClr val="tx1"/>
+              </a:solidFill>
+              <a:latin typeface="Times New Roman" panose="02020603050405020304" pitchFamily="18" charset="0"/>
+              <a:cs typeface="Times New Roman" panose="02020603050405020304" pitchFamily="18" charset="0"/>
+            </a:endParaRPr>
+          </a:p>
+        </p:txBody>
+      </p:sp>
+      <p:sp>
+        <p:nvSpPr>
+          <p:cNvPr id="12" name="矩形 11">
+            <a:extLst>
+              <a:ext uri="{FF2B5EF4-FFF2-40B4-BE49-F238E27FC236}">
+                <a16:creationId xmlns:a16="http://schemas.microsoft.com/office/drawing/2014/main" id="{6DC9E9AD-684B-4646-9B2C-DB3B045C0821}"/>
+              </a:ext>
+            </a:extLst>
+          </p:cNvPr>
+          <p:cNvSpPr/>
+          <p:nvPr/>
+        </p:nvSpPr>
+        <p:spPr>
+          <a:xfrm>
+            <a:off x="7226522" y="3080551"/>
+            <a:ext cx="568171" cy="540152"/>
+          </a:xfrm>
+          <a:prstGeom prst="rect">
+            <a:avLst/>
+          </a:prstGeom>
+        </p:spPr>
+        <p:style>
+          <a:lnRef idx="2">
+            <a:schemeClr val="accent4"/>
+          </a:lnRef>
+          <a:fillRef idx="1">
+            <a:schemeClr val="lt1"/>
+          </a:fillRef>
+          <a:effectRef idx="0">
+            <a:schemeClr val="accent4"/>
+          </a:effectRef>
+          <a:fontRef idx="minor">
+            <a:schemeClr val="dk1"/>
+          </a:fontRef>
+        </p:style>
+        <p:txBody>
+          <a:bodyPr rtlCol="0" anchor="ctr"/>
+          <a:lstStyle/>
+          <a:p>
+            <a:pPr algn="ctr"/>
+            <a:r>
+              <a:rPr lang="en-US" altLang="zh-CN">
+                <a:solidFill>
+                  <a:schemeClr val="tx1"/>
+                </a:solidFill>
+                <a:latin typeface="Times New Roman" panose="02020603050405020304" pitchFamily="18" charset="0"/>
+                <a:cs typeface="Times New Roman" panose="02020603050405020304" pitchFamily="18" charset="0"/>
+              </a:rPr>
+              <a:t>-64</a:t>
+            </a:r>
+            <a:endParaRPr lang="zh-CN" altLang="en-US">
+              <a:solidFill>
+                <a:schemeClr val="tx1"/>
+              </a:solidFill>
+              <a:latin typeface="Times New Roman" panose="02020603050405020304" pitchFamily="18" charset="0"/>
+              <a:cs typeface="Times New Roman" panose="02020603050405020304" pitchFamily="18" charset="0"/>
+            </a:endParaRPr>
+          </a:p>
+        </p:txBody>
+      </p:sp>
+      <p:sp>
+        <p:nvSpPr>
+          <p:cNvPr id="13" name="矩形 12">
+            <a:extLst>
+              <a:ext uri="{FF2B5EF4-FFF2-40B4-BE49-F238E27FC236}">
+                <a16:creationId xmlns:a16="http://schemas.microsoft.com/office/drawing/2014/main" id="{DF5D2D6D-A445-4D8E-97AE-983AA2088188}"/>
+              </a:ext>
+            </a:extLst>
+          </p:cNvPr>
+          <p:cNvSpPr/>
+          <p:nvPr/>
+        </p:nvSpPr>
+        <p:spPr>
+          <a:xfrm>
+            <a:off x="3468712" y="3109228"/>
+            <a:ext cx="568171" cy="482798"/>
+          </a:xfrm>
+          <a:prstGeom prst="rect">
+            <a:avLst/>
+          </a:prstGeom>
+        </p:spPr>
+        <p:style>
+          <a:lnRef idx="2">
+            <a:schemeClr val="accent4"/>
+          </a:lnRef>
+          <a:fillRef idx="1">
+            <a:schemeClr val="lt1"/>
+          </a:fillRef>
+          <a:effectRef idx="0">
+            <a:schemeClr val="accent4"/>
+          </a:effectRef>
+          <a:fontRef idx="minor">
+            <a:schemeClr val="dk1"/>
+          </a:fontRef>
+        </p:style>
+        <p:txBody>
+          <a:bodyPr rtlCol="0" anchor="ctr"/>
+          <a:lstStyle/>
+          <a:p>
+            <a:pPr algn="ctr"/>
+            <a:r>
+              <a:rPr lang="en-US" altLang="zh-CN">
+                <a:solidFill>
+                  <a:schemeClr val="tx1"/>
+                </a:solidFill>
+                <a:latin typeface="Times New Roman" panose="02020603050405020304" pitchFamily="18" charset="0"/>
+                <a:cs typeface="Times New Roman" panose="02020603050405020304" pitchFamily="18" charset="0"/>
+              </a:rPr>
+              <a:t>-21</a:t>
+            </a:r>
+            <a:endParaRPr lang="zh-CN" altLang="en-US">
+              <a:solidFill>
+                <a:schemeClr val="tx1"/>
+              </a:solidFill>
+              <a:latin typeface="Times New Roman" panose="02020603050405020304" pitchFamily="18" charset="0"/>
+              <a:cs typeface="Times New Roman" panose="02020603050405020304" pitchFamily="18" charset="0"/>
+            </a:endParaRPr>
+          </a:p>
+        </p:txBody>
+      </p:sp>
+      <p:sp>
+        <p:nvSpPr>
+          <p:cNvPr id="14" name="矩形 13">
+            <a:extLst>
+              <a:ext uri="{FF2B5EF4-FFF2-40B4-BE49-F238E27FC236}">
+                <a16:creationId xmlns:a16="http://schemas.microsoft.com/office/drawing/2014/main" id="{E2C16E97-30D5-4FF2-A1AE-55E1A0545221}"/>
+              </a:ext>
+            </a:extLst>
+          </p:cNvPr>
+          <p:cNvSpPr/>
+          <p:nvPr/>
+        </p:nvSpPr>
+        <p:spPr>
+          <a:xfrm>
+            <a:off x="4328206" y="3080551"/>
+            <a:ext cx="568171" cy="540152"/>
+          </a:xfrm>
+          <a:prstGeom prst="rect">
+            <a:avLst/>
+          </a:prstGeom>
+        </p:spPr>
+        <p:style>
+          <a:lnRef idx="2">
+            <a:schemeClr val="accent4"/>
+          </a:lnRef>
+          <a:fillRef idx="1">
+            <a:schemeClr val="lt1"/>
+          </a:fillRef>
+          <a:effectRef idx="0">
+            <a:schemeClr val="accent4"/>
+          </a:effectRef>
+          <a:fontRef idx="minor">
+            <a:schemeClr val="dk1"/>
+          </a:fontRef>
+        </p:style>
+        <p:txBody>
+          <a:bodyPr rtlCol="0" anchor="ctr"/>
+          <a:lstStyle/>
+          <a:p>
+            <a:pPr algn="ctr"/>
+            <a:r>
+              <a:rPr lang="en-US" altLang="zh-CN">
+                <a:solidFill>
+                  <a:schemeClr val="tx1"/>
+                </a:solidFill>
+                <a:latin typeface="Times New Roman" panose="02020603050405020304" pitchFamily="18" charset="0"/>
+                <a:cs typeface="Times New Roman" panose="02020603050405020304" pitchFamily="18" charset="0"/>
+              </a:rPr>
+              <a:t>13</a:t>
+            </a:r>
+            <a:endParaRPr lang="zh-CN" altLang="en-US">
+              <a:solidFill>
+                <a:schemeClr val="tx1"/>
+              </a:solidFill>
+              <a:latin typeface="Times New Roman" panose="02020603050405020304" pitchFamily="18" charset="0"/>
+              <a:cs typeface="Times New Roman" panose="02020603050405020304" pitchFamily="18" charset="0"/>
+            </a:endParaRPr>
+          </a:p>
+        </p:txBody>
+      </p:sp>
+      <p:sp>
+        <p:nvSpPr>
+          <p:cNvPr id="15" name="矩形 14">
+            <a:extLst>
+              <a:ext uri="{FF2B5EF4-FFF2-40B4-BE49-F238E27FC236}">
+                <a16:creationId xmlns:a16="http://schemas.microsoft.com/office/drawing/2014/main" id="{AFC4177F-9376-4E1F-A440-6DF223520C66}"/>
+              </a:ext>
+            </a:extLst>
+          </p:cNvPr>
+          <p:cNvSpPr/>
+          <p:nvPr/>
+        </p:nvSpPr>
+        <p:spPr>
+          <a:xfrm>
+            <a:off x="8010405" y="3074762"/>
+            <a:ext cx="568171" cy="540152"/>
+          </a:xfrm>
+          <a:prstGeom prst="rect">
+            <a:avLst/>
+          </a:prstGeom>
+        </p:spPr>
+        <p:style>
+          <a:lnRef idx="2">
+            <a:schemeClr val="accent4"/>
+          </a:lnRef>
+          <a:fillRef idx="1">
+            <a:schemeClr val="lt1"/>
+          </a:fillRef>
+          <a:effectRef idx="0">
+            <a:schemeClr val="accent4"/>
+          </a:effectRef>
+          <a:fontRef idx="minor">
+            <a:schemeClr val="dk1"/>
+          </a:fontRef>
+        </p:style>
+        <p:txBody>
+          <a:bodyPr rtlCol="0" anchor="ctr"/>
+          <a:lstStyle/>
+          <a:p>
+            <a:pPr algn="ctr"/>
+            <a:r>
+              <a:rPr lang="en-US" altLang="zh-CN">
+                <a:solidFill>
+                  <a:schemeClr val="tx1"/>
+                </a:solidFill>
+                <a:latin typeface="Times New Roman" panose="02020603050405020304" pitchFamily="18" charset="0"/>
+                <a:cs typeface="Times New Roman" panose="02020603050405020304" pitchFamily="18" charset="0"/>
+              </a:rPr>
+              <a:t>54</a:t>
+            </a:r>
+            <a:endParaRPr lang="zh-CN" altLang="en-US">
+              <a:solidFill>
+                <a:schemeClr val="tx1"/>
+              </a:solidFill>
+              <a:latin typeface="Times New Roman" panose="02020603050405020304" pitchFamily="18" charset="0"/>
+              <a:cs typeface="Times New Roman" panose="02020603050405020304" pitchFamily="18" charset="0"/>
+            </a:endParaRPr>
+          </a:p>
+        </p:txBody>
+      </p:sp>
+      <p:cxnSp>
+        <p:nvCxnSpPr>
+          <p:cNvPr id="4" name="直接连接符 3">
+            <a:extLst>
+              <a:ext uri="{FF2B5EF4-FFF2-40B4-BE49-F238E27FC236}">
+                <a16:creationId xmlns:a16="http://schemas.microsoft.com/office/drawing/2014/main" id="{9CF2581A-47CF-4F22-A905-3D3DA10AE339}"/>
+              </a:ext>
+            </a:extLst>
+          </p:cNvPr>
+          <p:cNvCxnSpPr/>
+          <p:nvPr/>
+        </p:nvCxnSpPr>
+        <p:spPr>
+          <a:xfrm>
+            <a:off x="195309" y="1642368"/>
+            <a:ext cx="11638626" cy="0"/>
+          </a:xfrm>
+          <a:prstGeom prst="line">
+            <a:avLst/>
+          </a:prstGeom>
+        </p:spPr>
+        <p:style>
+          <a:lnRef idx="3">
+            <a:schemeClr val="dk1"/>
+          </a:lnRef>
+          <a:fillRef idx="0">
+            <a:schemeClr val="dk1"/>
+          </a:fillRef>
+          <a:effectRef idx="2">
+            <a:schemeClr val="dk1"/>
+          </a:effectRef>
+          <a:fontRef idx="minor">
+            <a:schemeClr val="tx1"/>
+          </a:fontRef>
+        </p:style>
+      </p:cxnSp>
+      <p:sp>
+        <p:nvSpPr>
+          <p:cNvPr id="16" name="文本占位符 5">
+            <a:extLst>
+              <a:ext uri="{FF2B5EF4-FFF2-40B4-BE49-F238E27FC236}">
+                <a16:creationId xmlns:a16="http://schemas.microsoft.com/office/drawing/2014/main" id="{A71CB2D3-A591-495F-8D1F-4A8EC18FDB8C}"/>
+              </a:ext>
+            </a:extLst>
+          </p:cNvPr>
+          <p:cNvSpPr txBox="1">
+            <a:spLocks/>
+          </p:cNvSpPr>
+          <p:nvPr/>
+        </p:nvSpPr>
+        <p:spPr>
+          <a:xfrm>
+            <a:off x="8794288" y="3080551"/>
+            <a:ext cx="3397712" cy="629035"/>
+          </a:xfrm>
+          <a:prstGeom prst="rect">
+            <a:avLst/>
+          </a:prstGeom>
+        </p:spPr>
+        <p:txBody>
+          <a:bodyPr vert="horz" lIns="91440" tIns="45720" rIns="91440" bIns="45720" rtlCol="0">
+            <a:normAutofit/>
+          </a:bodyPr>
+          <a:lstStyle>
+            <a:lvl1pPr marL="228600" indent="-228600" algn="l" defTabSz="914400" rtl="0" eaLnBrk="1" latinLnBrk="0" hangingPunct="1">
+              <a:lnSpc>
+                <a:spcPct val="90000"/>
+              </a:lnSpc>
+              <a:spcBef>
+                <a:spcPts val="1000"/>
+              </a:spcBef>
+              <a:buFont typeface="Arial" panose="020B0604020202020204" pitchFamily="34" charset="0"/>
+              <a:buChar char="•"/>
+              <a:defRPr sz="1800" kern="1200" baseline="0">
+                <a:solidFill>
+                  <a:schemeClr val="tx1"/>
+                </a:solidFill>
+                <a:latin typeface="Times New Roman" panose="02020603050405020304" pitchFamily="18" charset="0"/>
+                <a:ea typeface="微软雅黑" panose="020B0503020204020204" pitchFamily="34" charset="-122"/>
+                <a:cs typeface="+mn-cs"/>
+              </a:defRPr>
+            </a:lvl1pPr>
+            <a:lvl2pPr marL="685800" indent="-228600" algn="l" defTabSz="914400" rtl="0" eaLnBrk="1" latinLnBrk="0" hangingPunct="1">
+              <a:lnSpc>
+                <a:spcPct val="90000"/>
+              </a:lnSpc>
+              <a:spcBef>
+                <a:spcPts val="500"/>
+              </a:spcBef>
+              <a:buFont typeface="Arial" panose="020B0604020202020204" pitchFamily="34" charset="0"/>
+              <a:buChar char="•"/>
+              <a:defRPr sz="1600" kern="1200" baseline="0">
+                <a:solidFill>
+                  <a:schemeClr val="tx1"/>
+                </a:solidFill>
+                <a:latin typeface="Times New Roman" panose="02020603050405020304" pitchFamily="18" charset="0"/>
+                <a:ea typeface="微软雅黑" panose="020B0503020204020204" pitchFamily="34" charset="-122"/>
+                <a:cs typeface="+mn-cs"/>
+              </a:defRPr>
+            </a:lvl2pPr>
+            <a:lvl3pPr marL="1143000" indent="-228600" algn="l" defTabSz="914400" rtl="0" eaLnBrk="1" latinLnBrk="0" hangingPunct="1">
+              <a:lnSpc>
+                <a:spcPct val="90000"/>
+              </a:lnSpc>
+              <a:spcBef>
+                <a:spcPts val="500"/>
+              </a:spcBef>
+              <a:buFont typeface="Arial" panose="020B0604020202020204" pitchFamily="34" charset="0"/>
+              <a:buChar char="•"/>
+              <a:defRPr sz="1400" kern="1200" baseline="0">
+                <a:solidFill>
+                  <a:schemeClr val="tx1"/>
+                </a:solidFill>
+                <a:latin typeface="Times New Roman" panose="02020603050405020304" pitchFamily="18" charset="0"/>
+                <a:ea typeface="微软雅黑" panose="020B0503020204020204" pitchFamily="34" charset="-122"/>
+                <a:cs typeface="+mn-cs"/>
+              </a:defRPr>
+            </a:lvl3pPr>
+            <a:lvl4pPr marL="1600200" indent="-228600" algn="l" defTabSz="914400" rtl="0" eaLnBrk="1" latinLnBrk="0" hangingPunct="1">
+              <a:lnSpc>
+                <a:spcPct val="90000"/>
+              </a:lnSpc>
+              <a:spcBef>
+                <a:spcPts val="500"/>
+              </a:spcBef>
+              <a:buFont typeface="Arial" panose="020B0604020202020204" pitchFamily="34" charset="0"/>
+              <a:buChar char="•"/>
+              <a:defRPr sz="1200" kern="1200" baseline="0">
+                <a:solidFill>
+                  <a:schemeClr val="tx1"/>
+                </a:solidFill>
+                <a:latin typeface="Times New Roman" panose="02020603050405020304" pitchFamily="18" charset="0"/>
+                <a:ea typeface="微软雅黑" panose="020B0503020204020204" pitchFamily="34" charset="-122"/>
+                <a:cs typeface="+mn-cs"/>
+              </a:defRPr>
+            </a:lvl4pPr>
+            <a:lvl5pPr marL="2057400" indent="-228600" algn="l" defTabSz="914400" rtl="0" eaLnBrk="1" latinLnBrk="0" hangingPunct="1">
+              <a:lnSpc>
+                <a:spcPct val="90000"/>
+              </a:lnSpc>
+              <a:spcBef>
+                <a:spcPts val="500"/>
+              </a:spcBef>
+              <a:buFont typeface="Arial" panose="020B0604020202020204" pitchFamily="34" charset="0"/>
+              <a:buChar char="•"/>
+              <a:defRPr sz="1200" kern="1200" baseline="0">
+                <a:solidFill>
+                  <a:schemeClr val="tx1"/>
+                </a:solidFill>
+                <a:latin typeface="Times New Roman" panose="02020603050405020304" pitchFamily="18" charset="0"/>
+                <a:ea typeface="微软雅黑" panose="020B0503020204020204" pitchFamily="34" charset="-122"/>
+                <a:cs typeface="+mn-cs"/>
+              </a:defRPr>
+            </a:lvl5pPr>
+            <a:lvl6pPr marL="2514600" indent="-228600" algn="l" defTabSz="914400" rtl="0" eaLnBrk="1" latinLnBrk="0" hangingPunct="1">
+              <a:lnSpc>
+                <a:spcPct val="90000"/>
+              </a:lnSpc>
+              <a:spcBef>
+                <a:spcPts val="500"/>
+              </a:spcBef>
+              <a:buFont typeface="Arial" panose="020B0604020202020204" pitchFamily="34" charset="0"/>
+              <a:buChar char="•"/>
+              <a:defRPr sz="1800" kern="1200">
+                <a:solidFill>
+                  <a:schemeClr val="tx1"/>
+                </a:solidFill>
+                <a:latin typeface="+mn-lt"/>
+                <a:ea typeface="+mn-ea"/>
+                <a:cs typeface="+mn-cs"/>
+              </a:defRPr>
+            </a:lvl6pPr>
+            <a:lvl7pPr marL="2971800" indent="-228600" algn="l" defTabSz="914400" rtl="0" eaLnBrk="1" latinLnBrk="0" hangingPunct="1">
+              <a:lnSpc>
+                <a:spcPct val="90000"/>
+              </a:lnSpc>
+              <a:spcBef>
+                <a:spcPts val="500"/>
+              </a:spcBef>
+              <a:buFont typeface="Arial" panose="020B0604020202020204" pitchFamily="34" charset="0"/>
+              <a:buChar char="•"/>
+              <a:defRPr sz="1800" kern="1200">
+                <a:solidFill>
+                  <a:schemeClr val="tx1"/>
+                </a:solidFill>
+                <a:latin typeface="+mn-lt"/>
+                <a:ea typeface="+mn-ea"/>
+                <a:cs typeface="+mn-cs"/>
+              </a:defRPr>
+            </a:lvl7pPr>
+            <a:lvl8pPr marL="3429000" indent="-228600" algn="l" defTabSz="914400" rtl="0" eaLnBrk="1" latinLnBrk="0" hangingPunct="1">
+              <a:lnSpc>
+                <a:spcPct val="90000"/>
+              </a:lnSpc>
+              <a:spcBef>
+                <a:spcPts val="500"/>
+              </a:spcBef>
+              <a:buFont typeface="Arial" panose="020B0604020202020204" pitchFamily="34" charset="0"/>
+              <a:buChar char="•"/>
+              <a:defRPr sz="1800" kern="1200">
+                <a:solidFill>
+                  <a:schemeClr val="tx1"/>
+                </a:solidFill>
+                <a:latin typeface="+mn-lt"/>
+                <a:ea typeface="+mn-ea"/>
+                <a:cs typeface="+mn-cs"/>
+              </a:defRPr>
+            </a:lvl8pPr>
+            <a:lvl9pPr marL="3886200" indent="-228600" algn="l" defTabSz="914400" rtl="0" eaLnBrk="1" latinLnBrk="0" hangingPunct="1">
+              <a:lnSpc>
+                <a:spcPct val="90000"/>
+              </a:lnSpc>
+              <a:spcBef>
+                <a:spcPts val="500"/>
+              </a:spcBef>
+              <a:buFont typeface="Arial" panose="020B0604020202020204" pitchFamily="34" charset="0"/>
+              <a:buChar char="•"/>
+              <a:defRPr sz="1800" kern="1200">
+                <a:solidFill>
+                  <a:schemeClr val="tx1"/>
+                </a:solidFill>
+                <a:latin typeface="+mn-lt"/>
+                <a:ea typeface="+mn-ea"/>
+                <a:cs typeface="+mn-cs"/>
+              </a:defRPr>
+            </a:lvl9pPr>
+          </a:lstStyle>
+          <a:p>
+            <a:pPr marL="0" indent="0">
+              <a:buNone/>
+            </a:pPr>
+            <a:endParaRPr lang="en-US" altLang="zh-CN" sz="1600"/>
+          </a:p>
+        </p:txBody>
+      </p:sp>
+      <p:graphicFrame>
+        <p:nvGraphicFramePr>
+          <p:cNvPr id="17" name="表格 16">
+            <a:extLst>
+              <a:ext uri="{FF2B5EF4-FFF2-40B4-BE49-F238E27FC236}">
+                <a16:creationId xmlns:a16="http://schemas.microsoft.com/office/drawing/2014/main" id="{95E829A4-A791-4EB5-9314-E399CC8CCFA1}"/>
+              </a:ext>
+            </a:extLst>
+          </p:cNvPr>
+          <p:cNvGraphicFramePr>
+            <a:graphicFrameLocks noGrp="1"/>
+          </p:cNvGraphicFramePr>
+          <p:nvPr>
+            <p:extLst>
+              <p:ext uri="{D42A27DB-BD31-4B8C-83A1-F6EECF244321}">
+                <p14:modId xmlns:p14="http://schemas.microsoft.com/office/powerpoint/2010/main" val="800665145"/>
+              </p:ext>
+            </p:extLst>
+          </p:nvPr>
+        </p:nvGraphicFramePr>
+        <p:xfrm>
+          <a:off x="9550806" y="3080551"/>
+          <a:ext cx="2053761" cy="1381760"/>
+        </p:xfrm>
+        <a:graphic>
+          <a:graphicData uri="http://schemas.openxmlformats.org/drawingml/2006/table">
+            <a:tbl>
+              <a:tblPr firstRow="1" bandRow="1">
+                <a:tableStyleId>{5C22544A-7EE6-4342-B048-85BDC9FD1C3A}</a:tableStyleId>
+              </a:tblPr>
+              <a:tblGrid>
+                <a:gridCol w="684587">
+                  <a:extLst>
+                    <a:ext uri="{9D8B030D-6E8A-4147-A177-3AD203B41FA5}">
+                      <a16:colId xmlns:a16="http://schemas.microsoft.com/office/drawing/2014/main" val="2677265623"/>
+                    </a:ext>
+                  </a:extLst>
+                </a:gridCol>
+                <a:gridCol w="684587">
+                  <a:extLst>
+                    <a:ext uri="{9D8B030D-6E8A-4147-A177-3AD203B41FA5}">
+                      <a16:colId xmlns:a16="http://schemas.microsoft.com/office/drawing/2014/main" val="565344133"/>
+                    </a:ext>
+                  </a:extLst>
+                </a:gridCol>
+                <a:gridCol w="684587">
+                  <a:extLst>
+                    <a:ext uri="{9D8B030D-6E8A-4147-A177-3AD203B41FA5}">
+                      <a16:colId xmlns:a16="http://schemas.microsoft.com/office/drawing/2014/main" val="2550093877"/>
+                    </a:ext>
+                  </a:extLst>
+                </a:gridCol>
+              </a:tblGrid>
+              <a:tr h="370840">
+                <a:tc>
+                  <a:txBody>
+                    <a:bodyPr/>
+                    <a:lstStyle/>
+                    <a:p>
+                      <a:endParaRPr lang="zh-CN" altLang="en-US"/>
+                    </a:p>
+                  </a:txBody>
+                  <a:tcPr/>
+                </a:tc>
+                <a:tc>
+                  <a:txBody>
+                    <a:bodyPr/>
+                    <a:lstStyle/>
+                    <a:p>
+                      <a:r>
+                        <a:rPr lang="en-US" altLang="zh-CN" sz="1800" b="1" i="1" kern="1200">
+                          <a:solidFill>
+                            <a:schemeClr val="lt1"/>
+                          </a:solidFill>
+                          <a:effectLst/>
+                          <a:latin typeface="+mn-lt"/>
+                          <a:ea typeface="+mn-ea"/>
+                          <a:cs typeface="+mn-cs"/>
+                        </a:rPr>
+                        <a:t>first</a:t>
+                      </a:r>
+                      <a:endParaRPr lang="zh-CN" altLang="en-US"/>
+                    </a:p>
+                  </a:txBody>
+                  <a:tcPr/>
+                </a:tc>
+                <a:tc>
+                  <a:txBody>
+                    <a:bodyPr/>
+                    <a:lstStyle/>
+                    <a:p>
+                      <a:r>
+                        <a:rPr lang="en-US" altLang="zh-CN" sz="1800" b="1" i="1" kern="1200">
+                          <a:solidFill>
+                            <a:schemeClr val="lt1"/>
+                          </a:solidFill>
+                          <a:effectLst/>
+                          <a:latin typeface="+mn-lt"/>
+                          <a:ea typeface="+mn-ea"/>
+                          <a:cs typeface="+mn-cs"/>
+                        </a:rPr>
+                        <a:t>last</a:t>
+                      </a:r>
+                      <a:endParaRPr lang="zh-CN" altLang="en-US"/>
+                    </a:p>
+                  </a:txBody>
+                  <a:tcPr/>
+                </a:tc>
+                <a:extLst>
+                  <a:ext uri="{0D108BD9-81ED-4DB2-BD59-A6C34878D82A}">
+                    <a16:rowId xmlns:a16="http://schemas.microsoft.com/office/drawing/2014/main" val="3829191671"/>
+                  </a:ext>
+                </a:extLst>
+              </a:tr>
+              <a:tr h="370840">
+                <a:tc>
+                  <a:txBody>
+                    <a:bodyPr/>
+                    <a:lstStyle/>
+                    <a:p>
+                      <a:endParaRPr lang="zh-CN" altLang="en-US"/>
+                    </a:p>
+                  </a:txBody>
+                  <a:tcPr/>
+                </a:tc>
+                <a:tc>
+                  <a:txBody>
+                    <a:bodyPr/>
+                    <a:lstStyle/>
+                    <a:p>
+                      <a:r>
+                        <a:rPr lang="en-US" altLang="zh-CN"/>
+                        <a:t>0</a:t>
+                      </a:r>
+                    </a:p>
+                  </a:txBody>
+                  <a:tcPr/>
+                </a:tc>
+                <a:tc>
+                  <a:txBody>
+                    <a:bodyPr/>
+                    <a:lstStyle/>
+                    <a:p>
+                      <a:r>
+                        <a:rPr lang="en-US" altLang="zh-CN"/>
+                        <a:t>9</a:t>
+                      </a:r>
+                      <a:endParaRPr lang="zh-CN" altLang="en-US"/>
+                    </a:p>
+                  </a:txBody>
+                  <a:tcPr/>
+                </a:tc>
+                <a:extLst>
+                  <a:ext uri="{0D108BD9-81ED-4DB2-BD59-A6C34878D82A}">
+                    <a16:rowId xmlns:a16="http://schemas.microsoft.com/office/drawing/2014/main" val="2914658232"/>
+                  </a:ext>
+                </a:extLst>
+              </a:tr>
+              <a:tr h="370840">
+                <a:tc>
+                  <a:txBody>
+                    <a:bodyPr/>
+                    <a:lstStyle/>
+                    <a:p>
+                      <a:endParaRPr lang="zh-CN" altLang="en-US"/>
+                    </a:p>
+                  </a:txBody>
+                  <a:tcPr/>
+                </a:tc>
+                <a:tc>
+                  <a:txBody>
+                    <a:bodyPr/>
+                    <a:lstStyle/>
+                    <a:p>
+                      <a:r>
+                        <a:rPr lang="en-US" altLang="zh-CN"/>
+                        <a:t>0</a:t>
+                      </a:r>
+                    </a:p>
+                    <a:p>
+                      <a:r>
+                        <a:rPr lang="en-US" altLang="zh-CN"/>
+                        <a:t>6</a:t>
+                      </a:r>
+                    </a:p>
+                  </a:txBody>
+                  <a:tcPr/>
+                </a:tc>
+                <a:tc>
+                  <a:txBody>
+                    <a:bodyPr/>
+                    <a:lstStyle/>
+                    <a:p>
+                      <a:r>
+                        <a:rPr lang="en-US" altLang="zh-CN"/>
+                        <a:t>4</a:t>
+                      </a:r>
+                    </a:p>
+                    <a:p>
+                      <a:r>
+                        <a:rPr lang="en-US" altLang="zh-CN"/>
+                        <a:t>9</a:t>
+                      </a:r>
+                      <a:endParaRPr lang="zh-CN" altLang="en-US"/>
+                    </a:p>
+                  </a:txBody>
+                  <a:tcPr/>
+                </a:tc>
+                <a:extLst>
+                  <a:ext uri="{0D108BD9-81ED-4DB2-BD59-A6C34878D82A}">
+                    <a16:rowId xmlns:a16="http://schemas.microsoft.com/office/drawing/2014/main" val="2169431"/>
+                  </a:ext>
+                </a:extLst>
+              </a:tr>
+            </a:tbl>
+          </a:graphicData>
+        </a:graphic>
+      </p:graphicFrame>
+      <p:sp>
+        <p:nvSpPr>
+          <p:cNvPr id="18" name="箭头: 虚尾 17">
+            <a:extLst>
+              <a:ext uri="{FF2B5EF4-FFF2-40B4-BE49-F238E27FC236}">
+                <a16:creationId xmlns:a16="http://schemas.microsoft.com/office/drawing/2014/main" id="{21BE7B1C-8DC2-4904-8244-F003C19D372B}"/>
+              </a:ext>
+            </a:extLst>
+          </p:cNvPr>
+          <p:cNvSpPr/>
+          <p:nvPr/>
+        </p:nvSpPr>
+        <p:spPr>
+          <a:xfrm rot="16200000">
+            <a:off x="6169964" y="3778195"/>
+            <a:ext cx="540136" cy="402917"/>
+          </a:xfrm>
+          <a:prstGeom prst="stripedRightArrow">
+            <a:avLst/>
+          </a:prstGeom>
+        </p:spPr>
+        <p:style>
+          <a:lnRef idx="2">
+            <a:schemeClr val="accent1">
+              <a:shade val="50000"/>
+            </a:schemeClr>
+          </a:lnRef>
+          <a:fillRef idx="1">
+            <a:schemeClr val="accent1"/>
+          </a:fillRef>
+          <a:effectRef idx="0">
+            <a:schemeClr val="accent1"/>
+          </a:effectRef>
+          <a:fontRef idx="minor">
+            <a:schemeClr val="lt1"/>
+          </a:fontRef>
+        </p:style>
+        <p:txBody>
+          <a:bodyPr rtlCol="0" anchor="ctr"/>
+          <a:lstStyle/>
+          <a:p>
+            <a:pPr algn="ctr"/>
+            <a:endParaRPr lang="zh-CN" altLang="en-US" dirty="0"/>
+          </a:p>
+        </p:txBody>
+      </p:sp>
+      <p:sp>
+        <p:nvSpPr>
+          <p:cNvPr id="19" name="箭头: 虚尾 18">
+            <a:extLst>
+              <a:ext uri="{FF2B5EF4-FFF2-40B4-BE49-F238E27FC236}">
+                <a16:creationId xmlns:a16="http://schemas.microsoft.com/office/drawing/2014/main" id="{C15CCB7A-E9EE-4961-AB61-A75184A3410B}"/>
+              </a:ext>
+            </a:extLst>
+          </p:cNvPr>
+          <p:cNvSpPr/>
+          <p:nvPr/>
+        </p:nvSpPr>
+        <p:spPr>
+          <a:xfrm rot="16200000">
+            <a:off x="8024423" y="3719745"/>
+            <a:ext cx="540136" cy="402916"/>
+          </a:xfrm>
+          <a:prstGeom prst="stripedRightArrow">
+            <a:avLst/>
+          </a:prstGeom>
+        </p:spPr>
+        <p:style>
+          <a:lnRef idx="2">
+            <a:schemeClr val="accent1">
+              <a:shade val="50000"/>
+            </a:schemeClr>
+          </a:lnRef>
+          <a:fillRef idx="1">
+            <a:schemeClr val="accent1"/>
+          </a:fillRef>
+          <a:effectRef idx="0">
+            <a:schemeClr val="accent1"/>
+          </a:effectRef>
+          <a:fontRef idx="minor">
+            <a:schemeClr val="lt1"/>
+          </a:fontRef>
+        </p:style>
+        <p:txBody>
+          <a:bodyPr rtlCol="0" anchor="ctr"/>
+          <a:lstStyle/>
+          <a:p>
+            <a:pPr algn="ctr"/>
+            <a:endParaRPr lang="zh-CN" altLang="en-US" dirty="0"/>
+          </a:p>
+        </p:txBody>
+      </p:sp>
+      <p:sp>
+        <p:nvSpPr>
+          <p:cNvPr id="20" name="矩形 19">
+            <a:extLst>
+              <a:ext uri="{FF2B5EF4-FFF2-40B4-BE49-F238E27FC236}">
+                <a16:creationId xmlns:a16="http://schemas.microsoft.com/office/drawing/2014/main" id="{C0975C3C-D2CF-45CD-A0AB-B7DB2B45AC36}"/>
+              </a:ext>
+            </a:extLst>
+          </p:cNvPr>
+          <p:cNvSpPr/>
+          <p:nvPr/>
+        </p:nvSpPr>
+        <p:spPr>
+          <a:xfrm>
+            <a:off x="5111181" y="5748901"/>
+            <a:ext cx="568171" cy="512134"/>
+          </a:xfrm>
+          <a:prstGeom prst="rect">
+            <a:avLst/>
+          </a:prstGeom>
+        </p:spPr>
+        <p:style>
+          <a:lnRef idx="2">
+            <a:schemeClr val="accent2">
+              <a:shade val="50000"/>
+            </a:schemeClr>
+          </a:lnRef>
+          <a:fillRef idx="1">
+            <a:schemeClr val="accent2"/>
+          </a:fillRef>
+          <a:effectRef idx="0">
+            <a:schemeClr val="accent2"/>
+          </a:effectRef>
+          <a:fontRef idx="minor">
+            <a:schemeClr val="lt1"/>
+          </a:fontRef>
+        </p:style>
+        <p:txBody>
+          <a:bodyPr rtlCol="0" anchor="ctr"/>
+          <a:lstStyle/>
+          <a:p>
+            <a:pPr algn="ctr"/>
+            <a:r>
+              <a:rPr lang="en-US" altLang="zh-CN">
+                <a:solidFill>
+                  <a:schemeClr val="tx1"/>
+                </a:solidFill>
+                <a:latin typeface="Times New Roman" panose="02020603050405020304" pitchFamily="18" charset="0"/>
+                <a:cs typeface="Times New Roman" panose="02020603050405020304" pitchFamily="18" charset="0"/>
+              </a:rPr>
+              <a:t>30</a:t>
+            </a:r>
+            <a:endParaRPr lang="zh-CN" altLang="en-US">
+              <a:solidFill>
+                <a:schemeClr val="tx1"/>
+              </a:solidFill>
+              <a:latin typeface="Times New Roman" panose="02020603050405020304" pitchFamily="18" charset="0"/>
+              <a:cs typeface="Times New Roman" panose="02020603050405020304" pitchFamily="18" charset="0"/>
+            </a:endParaRPr>
+          </a:p>
+        </p:txBody>
+      </p:sp>
+      <p:sp>
+        <p:nvSpPr>
+          <p:cNvPr id="21" name="矩形 20">
+            <a:extLst>
+              <a:ext uri="{FF2B5EF4-FFF2-40B4-BE49-F238E27FC236}">
+                <a16:creationId xmlns:a16="http://schemas.microsoft.com/office/drawing/2014/main" id="{8CA7D07C-1477-44E5-8975-9977D90A82B0}"/>
+              </a:ext>
+            </a:extLst>
+          </p:cNvPr>
+          <p:cNvSpPr/>
+          <p:nvPr/>
+        </p:nvSpPr>
+        <p:spPr>
+          <a:xfrm>
+            <a:off x="1040963" y="4680115"/>
+            <a:ext cx="568171" cy="470018"/>
+          </a:xfrm>
+          <a:prstGeom prst="rect">
+            <a:avLst/>
+          </a:prstGeom>
+        </p:spPr>
+        <p:style>
+          <a:lnRef idx="2">
+            <a:schemeClr val="accent3">
+              <a:shade val="50000"/>
+            </a:schemeClr>
+          </a:lnRef>
+          <a:fillRef idx="1">
+            <a:schemeClr val="accent3"/>
+          </a:fillRef>
+          <a:effectRef idx="0">
+            <a:schemeClr val="accent3"/>
+          </a:effectRef>
+          <a:fontRef idx="minor">
+            <a:schemeClr val="lt1"/>
+          </a:fontRef>
+        </p:style>
+        <p:txBody>
+          <a:bodyPr rtlCol="0" anchor="ctr"/>
+          <a:lstStyle/>
+          <a:p>
+            <a:pPr algn="ctr"/>
+            <a:r>
+              <a:rPr lang="en-US" altLang="zh-CN">
+                <a:solidFill>
+                  <a:schemeClr val="tx1"/>
+                </a:solidFill>
+                <a:latin typeface="Times New Roman" panose="02020603050405020304" pitchFamily="18" charset="0"/>
+                <a:cs typeface="Times New Roman" panose="02020603050405020304" pitchFamily="18" charset="0"/>
+              </a:rPr>
+              <a:t>-10</a:t>
+            </a:r>
+            <a:endParaRPr lang="zh-CN" altLang="en-US">
+              <a:solidFill>
+                <a:schemeClr val="tx1"/>
+              </a:solidFill>
+              <a:latin typeface="Times New Roman" panose="02020603050405020304" pitchFamily="18" charset="0"/>
+              <a:cs typeface="Times New Roman" panose="02020603050405020304" pitchFamily="18" charset="0"/>
+            </a:endParaRPr>
+          </a:p>
+        </p:txBody>
+      </p:sp>
+      <p:sp>
+        <p:nvSpPr>
+          <p:cNvPr id="22" name="矩形 21">
+            <a:extLst>
+              <a:ext uri="{FF2B5EF4-FFF2-40B4-BE49-F238E27FC236}">
+                <a16:creationId xmlns:a16="http://schemas.microsoft.com/office/drawing/2014/main" id="{3DFC4BD3-3675-4486-9D17-A9280E8FBB2D}"/>
+              </a:ext>
+            </a:extLst>
+          </p:cNvPr>
+          <p:cNvSpPr/>
+          <p:nvPr/>
+        </p:nvSpPr>
+        <p:spPr>
+          <a:xfrm>
+            <a:off x="2014612" y="4645048"/>
+            <a:ext cx="568171" cy="540152"/>
+          </a:xfrm>
+          <a:prstGeom prst="rect">
+            <a:avLst/>
+          </a:prstGeom>
+        </p:spPr>
+        <p:style>
+          <a:lnRef idx="2">
+            <a:schemeClr val="accent3">
+              <a:shade val="50000"/>
+            </a:schemeClr>
+          </a:lnRef>
+          <a:fillRef idx="1">
+            <a:schemeClr val="accent3"/>
+          </a:fillRef>
+          <a:effectRef idx="0">
+            <a:schemeClr val="accent3"/>
+          </a:effectRef>
+          <a:fontRef idx="minor">
+            <a:schemeClr val="lt1"/>
+          </a:fontRef>
+        </p:style>
+        <p:txBody>
+          <a:bodyPr rtlCol="0" anchor="ctr"/>
+          <a:lstStyle/>
+          <a:p>
+            <a:pPr algn="ctr"/>
+            <a:r>
+              <a:rPr lang="en-US" altLang="zh-CN">
+                <a:solidFill>
+                  <a:schemeClr val="tx1"/>
+                </a:solidFill>
+                <a:latin typeface="Times New Roman" panose="02020603050405020304" pitchFamily="18" charset="0"/>
+                <a:cs typeface="Times New Roman" panose="02020603050405020304" pitchFamily="18" charset="0"/>
+              </a:rPr>
+              <a:t>8</a:t>
+            </a:r>
+            <a:endParaRPr lang="zh-CN" altLang="en-US">
+              <a:solidFill>
+                <a:schemeClr val="tx1"/>
+              </a:solidFill>
+              <a:latin typeface="Times New Roman" panose="02020603050405020304" pitchFamily="18" charset="0"/>
+              <a:cs typeface="Times New Roman" panose="02020603050405020304" pitchFamily="18" charset="0"/>
+            </a:endParaRPr>
+          </a:p>
+        </p:txBody>
+      </p:sp>
+      <p:sp>
+        <p:nvSpPr>
+          <p:cNvPr id="23" name="矩形 22">
+            <a:extLst>
+              <a:ext uri="{FF2B5EF4-FFF2-40B4-BE49-F238E27FC236}">
+                <a16:creationId xmlns:a16="http://schemas.microsoft.com/office/drawing/2014/main" id="{33F912B5-38C6-419E-8784-F153D7B13004}"/>
+              </a:ext>
+            </a:extLst>
+          </p:cNvPr>
+          <p:cNvSpPr/>
+          <p:nvPr/>
+        </p:nvSpPr>
+        <p:spPr>
+          <a:xfrm>
+            <a:off x="99645" y="4703498"/>
+            <a:ext cx="568171" cy="512134"/>
+          </a:xfrm>
+          <a:prstGeom prst="rect">
+            <a:avLst/>
+          </a:prstGeom>
+        </p:spPr>
+        <p:style>
+          <a:lnRef idx="2">
+            <a:schemeClr val="accent3">
+              <a:shade val="50000"/>
+            </a:schemeClr>
+          </a:lnRef>
+          <a:fillRef idx="1">
+            <a:schemeClr val="accent3"/>
+          </a:fillRef>
+          <a:effectRef idx="0">
+            <a:schemeClr val="accent3"/>
+          </a:effectRef>
+          <a:fontRef idx="minor">
+            <a:schemeClr val="lt1"/>
+          </a:fontRef>
+        </p:style>
+        <p:txBody>
+          <a:bodyPr rtlCol="0" anchor="ctr"/>
+          <a:lstStyle/>
+          <a:p>
+            <a:pPr algn="ctr"/>
+            <a:r>
+              <a:rPr lang="en-US" altLang="zh-CN">
+                <a:solidFill>
+                  <a:schemeClr val="tx1"/>
+                </a:solidFill>
+                <a:latin typeface="Times New Roman" panose="02020603050405020304" pitchFamily="18" charset="0"/>
+                <a:cs typeface="Times New Roman" panose="02020603050405020304" pitchFamily="18" charset="0"/>
+              </a:rPr>
+              <a:t>-21</a:t>
+            </a:r>
+            <a:endParaRPr lang="zh-CN" altLang="en-US">
+              <a:solidFill>
+                <a:schemeClr val="tx1"/>
+              </a:solidFill>
+              <a:latin typeface="Times New Roman" panose="02020603050405020304" pitchFamily="18" charset="0"/>
+              <a:cs typeface="Times New Roman" panose="02020603050405020304" pitchFamily="18" charset="0"/>
+            </a:endParaRPr>
+          </a:p>
+        </p:txBody>
+      </p:sp>
+      <p:sp>
+        <p:nvSpPr>
+          <p:cNvPr id="24" name="矩形 23">
+            <a:extLst>
+              <a:ext uri="{FF2B5EF4-FFF2-40B4-BE49-F238E27FC236}">
+                <a16:creationId xmlns:a16="http://schemas.microsoft.com/office/drawing/2014/main" id="{28755597-7928-4272-AE97-407D6E1891D1}"/>
+              </a:ext>
+            </a:extLst>
+          </p:cNvPr>
+          <p:cNvSpPr/>
+          <p:nvPr/>
+        </p:nvSpPr>
+        <p:spPr>
+          <a:xfrm>
+            <a:off x="4271980" y="5797977"/>
+            <a:ext cx="568171" cy="482798"/>
+          </a:xfrm>
+          <a:prstGeom prst="rect">
+            <a:avLst/>
+          </a:prstGeom>
+        </p:spPr>
+        <p:style>
+          <a:lnRef idx="2">
+            <a:schemeClr val="accent3">
+              <a:shade val="50000"/>
+            </a:schemeClr>
+          </a:lnRef>
+          <a:fillRef idx="1">
+            <a:schemeClr val="accent3"/>
+          </a:fillRef>
+          <a:effectRef idx="0">
+            <a:schemeClr val="accent3"/>
+          </a:effectRef>
+          <a:fontRef idx="minor">
+            <a:schemeClr val="lt1"/>
+          </a:fontRef>
+        </p:style>
+        <p:txBody>
+          <a:bodyPr rtlCol="0" anchor="ctr"/>
+          <a:lstStyle/>
+          <a:p>
+            <a:pPr algn="ctr"/>
+            <a:r>
+              <a:rPr lang="en-US" altLang="zh-CN">
+                <a:solidFill>
+                  <a:schemeClr val="tx1"/>
+                </a:solidFill>
+                <a:latin typeface="Times New Roman" panose="02020603050405020304" pitchFamily="18" charset="0"/>
+                <a:cs typeface="Times New Roman" panose="02020603050405020304" pitchFamily="18" charset="0"/>
+              </a:rPr>
+              <a:t>15</a:t>
+            </a:r>
+            <a:endParaRPr lang="zh-CN" altLang="en-US">
+              <a:solidFill>
+                <a:schemeClr val="tx1"/>
+              </a:solidFill>
+              <a:latin typeface="Times New Roman" panose="02020603050405020304" pitchFamily="18" charset="0"/>
+              <a:cs typeface="Times New Roman" panose="02020603050405020304" pitchFamily="18" charset="0"/>
+            </a:endParaRPr>
+          </a:p>
+        </p:txBody>
+      </p:sp>
+      <p:sp>
+        <p:nvSpPr>
+          <p:cNvPr id="25" name="矩形 24">
+            <a:extLst>
+              <a:ext uri="{FF2B5EF4-FFF2-40B4-BE49-F238E27FC236}">
+                <a16:creationId xmlns:a16="http://schemas.microsoft.com/office/drawing/2014/main" id="{5E73DB72-018C-452C-9D43-8C993F57C7F5}"/>
+              </a:ext>
+            </a:extLst>
+          </p:cNvPr>
+          <p:cNvSpPr/>
+          <p:nvPr/>
+        </p:nvSpPr>
+        <p:spPr>
+          <a:xfrm>
+            <a:off x="2993715" y="5748901"/>
+            <a:ext cx="568171" cy="540152"/>
+          </a:xfrm>
+          <a:prstGeom prst="rect">
+            <a:avLst/>
+          </a:prstGeom>
+        </p:spPr>
+        <p:style>
+          <a:lnRef idx="2">
+            <a:schemeClr val="accent3">
+              <a:shade val="50000"/>
+            </a:schemeClr>
+          </a:lnRef>
+          <a:fillRef idx="1">
+            <a:schemeClr val="accent3"/>
+          </a:fillRef>
+          <a:effectRef idx="0">
+            <a:schemeClr val="accent3"/>
+          </a:effectRef>
+          <a:fontRef idx="minor">
+            <a:schemeClr val="lt1"/>
+          </a:fontRef>
+        </p:style>
+        <p:txBody>
+          <a:bodyPr rtlCol="0" anchor="ctr"/>
+          <a:lstStyle/>
+          <a:p>
+            <a:pPr algn="ctr"/>
+            <a:r>
+              <a:rPr lang="en-US" altLang="zh-CN">
+                <a:solidFill>
+                  <a:schemeClr val="tx1"/>
+                </a:solidFill>
+                <a:latin typeface="Times New Roman" panose="02020603050405020304" pitchFamily="18" charset="0"/>
+                <a:cs typeface="Times New Roman" panose="02020603050405020304" pitchFamily="18" charset="0"/>
+              </a:rPr>
+              <a:t>13</a:t>
+            </a:r>
+            <a:endParaRPr lang="zh-CN" altLang="en-US">
+              <a:solidFill>
+                <a:schemeClr val="tx1"/>
+              </a:solidFill>
+              <a:latin typeface="Times New Roman" panose="02020603050405020304" pitchFamily="18" charset="0"/>
+              <a:cs typeface="Times New Roman" panose="02020603050405020304" pitchFamily="18" charset="0"/>
+            </a:endParaRPr>
+          </a:p>
+        </p:txBody>
+      </p:sp>
+      <p:sp>
+        <p:nvSpPr>
+          <p:cNvPr id="27" name="矩形 26">
+            <a:extLst>
+              <a:ext uri="{FF2B5EF4-FFF2-40B4-BE49-F238E27FC236}">
+                <a16:creationId xmlns:a16="http://schemas.microsoft.com/office/drawing/2014/main" id="{CB4B7690-5250-4D99-ABB5-93199127CF9B}"/>
+              </a:ext>
+            </a:extLst>
+          </p:cNvPr>
+          <p:cNvSpPr/>
+          <p:nvPr/>
+        </p:nvSpPr>
+        <p:spPr>
+          <a:xfrm>
+            <a:off x="7612817" y="4645689"/>
+            <a:ext cx="568171" cy="540152"/>
+          </a:xfrm>
+          <a:prstGeom prst="rect">
+            <a:avLst/>
+          </a:prstGeom>
+        </p:spPr>
+        <p:style>
+          <a:lnRef idx="2">
+            <a:schemeClr val="accent6">
+              <a:shade val="50000"/>
+            </a:schemeClr>
+          </a:lnRef>
+          <a:fillRef idx="1">
+            <a:schemeClr val="accent6"/>
+          </a:fillRef>
+          <a:effectRef idx="0">
+            <a:schemeClr val="accent6"/>
+          </a:effectRef>
+          <a:fontRef idx="minor">
+            <a:schemeClr val="lt1"/>
+          </a:fontRef>
+        </p:style>
+        <p:txBody>
+          <a:bodyPr rtlCol="0" anchor="ctr"/>
+          <a:lstStyle/>
+          <a:p>
+            <a:pPr algn="ctr"/>
+            <a:r>
+              <a:rPr lang="en-US" altLang="zh-CN">
+                <a:solidFill>
+                  <a:schemeClr val="tx1"/>
+                </a:solidFill>
+                <a:latin typeface="Times New Roman" panose="02020603050405020304" pitchFamily="18" charset="0"/>
+                <a:cs typeface="Times New Roman" panose="02020603050405020304" pitchFamily="18" charset="0"/>
+              </a:rPr>
+              <a:t>-64</a:t>
+            </a:r>
+            <a:endParaRPr lang="zh-CN" altLang="en-US">
+              <a:solidFill>
+                <a:schemeClr val="tx1"/>
+              </a:solidFill>
+              <a:latin typeface="Times New Roman" panose="02020603050405020304" pitchFamily="18" charset="0"/>
+              <a:cs typeface="Times New Roman" panose="02020603050405020304" pitchFamily="18" charset="0"/>
+            </a:endParaRPr>
+          </a:p>
+        </p:txBody>
+      </p:sp>
+      <p:sp>
+        <p:nvSpPr>
+          <p:cNvPr id="28" name="矩形 27">
+            <a:extLst>
+              <a:ext uri="{FF2B5EF4-FFF2-40B4-BE49-F238E27FC236}">
+                <a16:creationId xmlns:a16="http://schemas.microsoft.com/office/drawing/2014/main" id="{2FE5B1FB-38A9-4782-97F2-908008780736}"/>
+              </a:ext>
+            </a:extLst>
+          </p:cNvPr>
+          <p:cNvSpPr/>
+          <p:nvPr/>
+        </p:nvSpPr>
+        <p:spPr>
+          <a:xfrm>
+            <a:off x="8663030" y="4645048"/>
+            <a:ext cx="568171" cy="540152"/>
+          </a:xfrm>
+          <a:prstGeom prst="rect">
+            <a:avLst/>
+          </a:prstGeom>
+        </p:spPr>
+        <p:style>
+          <a:lnRef idx="2">
+            <a:schemeClr val="accent6">
+              <a:shade val="50000"/>
+            </a:schemeClr>
+          </a:lnRef>
+          <a:fillRef idx="1">
+            <a:schemeClr val="accent6"/>
+          </a:fillRef>
+          <a:effectRef idx="0">
+            <a:schemeClr val="accent6"/>
+          </a:effectRef>
+          <a:fontRef idx="minor">
+            <a:schemeClr val="lt1"/>
+          </a:fontRef>
+        </p:style>
+        <p:txBody>
+          <a:bodyPr rtlCol="0" anchor="ctr"/>
+          <a:lstStyle/>
+          <a:p>
+            <a:pPr algn="ctr"/>
+            <a:r>
+              <a:rPr lang="en-US" altLang="zh-CN">
+                <a:solidFill>
+                  <a:schemeClr val="tx1"/>
+                </a:solidFill>
+                <a:latin typeface="Times New Roman" panose="02020603050405020304" pitchFamily="18" charset="0"/>
+                <a:cs typeface="Times New Roman" panose="02020603050405020304" pitchFamily="18" charset="0"/>
+              </a:rPr>
+              <a:t>54</a:t>
+            </a:r>
+            <a:endParaRPr lang="zh-CN" altLang="en-US">
+              <a:solidFill>
+                <a:schemeClr val="tx1"/>
+              </a:solidFill>
+              <a:latin typeface="Times New Roman" panose="02020603050405020304" pitchFamily="18" charset="0"/>
+              <a:cs typeface="Times New Roman" panose="02020603050405020304" pitchFamily="18" charset="0"/>
+            </a:endParaRPr>
+          </a:p>
+        </p:txBody>
+      </p:sp>
+      <p:sp>
+        <p:nvSpPr>
+          <p:cNvPr id="29" name="箭头: 虚尾 28">
+            <a:extLst>
+              <a:ext uri="{FF2B5EF4-FFF2-40B4-BE49-F238E27FC236}">
+                <a16:creationId xmlns:a16="http://schemas.microsoft.com/office/drawing/2014/main" id="{5C5BB92F-F3EB-4210-9ABC-4E9150B66AA5}"/>
+              </a:ext>
+            </a:extLst>
+          </p:cNvPr>
+          <p:cNvSpPr/>
+          <p:nvPr/>
+        </p:nvSpPr>
+        <p:spPr>
+          <a:xfrm rot="16200000">
+            <a:off x="1946003" y="5430886"/>
+            <a:ext cx="540136" cy="402917"/>
+          </a:xfrm>
+          <a:prstGeom prst="stripedRightArrow">
+            <a:avLst/>
+          </a:prstGeom>
+        </p:spPr>
+        <p:style>
+          <a:lnRef idx="2">
+            <a:schemeClr val="accent1">
+              <a:shade val="50000"/>
+            </a:schemeClr>
+          </a:lnRef>
+          <a:fillRef idx="1">
+            <a:schemeClr val="accent1"/>
+          </a:fillRef>
+          <a:effectRef idx="0">
+            <a:schemeClr val="accent1"/>
+          </a:effectRef>
+          <a:fontRef idx="minor">
+            <a:schemeClr val="lt1"/>
+          </a:fontRef>
+        </p:style>
+        <p:txBody>
+          <a:bodyPr rtlCol="0" anchor="ctr"/>
+          <a:lstStyle/>
+          <a:p>
+            <a:pPr algn="ctr"/>
+            <a:endParaRPr lang="zh-CN" altLang="en-US" dirty="0"/>
+          </a:p>
+        </p:txBody>
+      </p:sp>
+      <p:sp>
+        <p:nvSpPr>
+          <p:cNvPr id="30" name="箭头: 虚尾 29">
+            <a:extLst>
+              <a:ext uri="{FF2B5EF4-FFF2-40B4-BE49-F238E27FC236}">
+                <a16:creationId xmlns:a16="http://schemas.microsoft.com/office/drawing/2014/main" id="{5031FC48-B9CF-4A5D-9150-79FDDBC71E15}"/>
+              </a:ext>
+            </a:extLst>
+          </p:cNvPr>
+          <p:cNvSpPr/>
+          <p:nvPr/>
+        </p:nvSpPr>
+        <p:spPr>
+          <a:xfrm rot="16200000">
+            <a:off x="2806275" y="5347509"/>
+            <a:ext cx="540136" cy="402916"/>
+          </a:xfrm>
+          <a:prstGeom prst="stripedRightArrow">
+            <a:avLst/>
+          </a:prstGeom>
+        </p:spPr>
+        <p:style>
+          <a:lnRef idx="2">
+            <a:schemeClr val="accent1">
+              <a:shade val="50000"/>
+            </a:schemeClr>
+          </a:lnRef>
+          <a:fillRef idx="1">
+            <a:schemeClr val="accent1"/>
+          </a:fillRef>
+          <a:effectRef idx="0">
+            <a:schemeClr val="accent1"/>
+          </a:effectRef>
+          <a:fontRef idx="minor">
+            <a:schemeClr val="lt1"/>
+          </a:fontRef>
+        </p:style>
+        <p:txBody>
+          <a:bodyPr rtlCol="0" anchor="ctr"/>
+          <a:lstStyle/>
+          <a:p>
+            <a:pPr algn="ctr"/>
+            <a:endParaRPr lang="zh-CN" altLang="en-US" dirty="0"/>
+          </a:p>
+        </p:txBody>
+      </p:sp>
+      <p:graphicFrame>
+        <p:nvGraphicFramePr>
+          <p:cNvPr id="31" name="表格 30">
+            <a:extLst>
+              <a:ext uri="{FF2B5EF4-FFF2-40B4-BE49-F238E27FC236}">
+                <a16:creationId xmlns:a16="http://schemas.microsoft.com/office/drawing/2014/main" id="{E791737E-9C38-41A0-A193-5F48F7FF883E}"/>
+              </a:ext>
+            </a:extLst>
+          </p:cNvPr>
+          <p:cNvGraphicFramePr>
+            <a:graphicFrameLocks noGrp="1"/>
+          </p:cNvGraphicFramePr>
+          <p:nvPr>
+            <p:extLst>
+              <p:ext uri="{D42A27DB-BD31-4B8C-83A1-F6EECF244321}">
+                <p14:modId xmlns:p14="http://schemas.microsoft.com/office/powerpoint/2010/main" val="800665145"/>
+              </p:ext>
+            </p:extLst>
+          </p:nvPr>
+        </p:nvGraphicFramePr>
+        <p:xfrm>
+          <a:off x="9754508" y="2389675"/>
+          <a:ext cx="2053761" cy="1381760"/>
+        </p:xfrm>
+        <a:graphic>
+          <a:graphicData uri="http://schemas.openxmlformats.org/drawingml/2006/table">
+            <a:tbl>
+              <a:tblPr firstRow="1" bandRow="1">
+                <a:tableStyleId>{5C22544A-7EE6-4342-B048-85BDC9FD1C3A}</a:tableStyleId>
+              </a:tblPr>
+              <a:tblGrid>
+                <a:gridCol w="684587">
+                  <a:extLst>
+                    <a:ext uri="{9D8B030D-6E8A-4147-A177-3AD203B41FA5}">
+                      <a16:colId xmlns:a16="http://schemas.microsoft.com/office/drawing/2014/main" val="2677265623"/>
+                    </a:ext>
+                  </a:extLst>
+                </a:gridCol>
+                <a:gridCol w="684587">
+                  <a:extLst>
+                    <a:ext uri="{9D8B030D-6E8A-4147-A177-3AD203B41FA5}">
+                      <a16:colId xmlns:a16="http://schemas.microsoft.com/office/drawing/2014/main" val="565344133"/>
+                    </a:ext>
+                  </a:extLst>
+                </a:gridCol>
+                <a:gridCol w="684587">
+                  <a:extLst>
+                    <a:ext uri="{9D8B030D-6E8A-4147-A177-3AD203B41FA5}">
+                      <a16:colId xmlns:a16="http://schemas.microsoft.com/office/drawing/2014/main" val="2550093877"/>
+                    </a:ext>
+                  </a:extLst>
+                </a:gridCol>
+              </a:tblGrid>
+              <a:tr h="370840">
+                <a:tc>
+                  <a:txBody>
+                    <a:bodyPr/>
+                    <a:lstStyle/>
+                    <a:p>
+                      <a:endParaRPr lang="zh-CN" altLang="en-US"/>
+                    </a:p>
+                  </a:txBody>
+                  <a:tcPr/>
+                </a:tc>
+                <a:tc>
+                  <a:txBody>
+                    <a:bodyPr/>
+                    <a:lstStyle/>
+                    <a:p>
+                      <a:r>
+                        <a:rPr lang="en-US" altLang="zh-CN" sz="1800" b="1" i="1" kern="1200">
+                          <a:solidFill>
+                            <a:schemeClr val="lt1"/>
+                          </a:solidFill>
+                          <a:effectLst/>
+                          <a:latin typeface="+mn-lt"/>
+                          <a:ea typeface="+mn-ea"/>
+                          <a:cs typeface="+mn-cs"/>
+                        </a:rPr>
+                        <a:t>first</a:t>
+                      </a:r>
+                      <a:endParaRPr lang="zh-CN" altLang="en-US"/>
+                    </a:p>
+                  </a:txBody>
+                  <a:tcPr/>
+                </a:tc>
+                <a:tc>
+                  <a:txBody>
+                    <a:bodyPr/>
+                    <a:lstStyle/>
+                    <a:p>
+                      <a:r>
+                        <a:rPr lang="en-US" altLang="zh-CN" sz="1800" b="1" i="1" kern="1200">
+                          <a:solidFill>
+                            <a:schemeClr val="lt1"/>
+                          </a:solidFill>
+                          <a:effectLst/>
+                          <a:latin typeface="+mn-lt"/>
+                          <a:ea typeface="+mn-ea"/>
+                          <a:cs typeface="+mn-cs"/>
+                        </a:rPr>
+                        <a:t>last</a:t>
+                      </a:r>
+                      <a:endParaRPr lang="zh-CN" altLang="en-US"/>
+                    </a:p>
+                  </a:txBody>
+                  <a:tcPr/>
+                </a:tc>
+                <a:extLst>
+                  <a:ext uri="{0D108BD9-81ED-4DB2-BD59-A6C34878D82A}">
+                    <a16:rowId xmlns:a16="http://schemas.microsoft.com/office/drawing/2014/main" val="3829191671"/>
+                  </a:ext>
+                </a:extLst>
+              </a:tr>
+              <a:tr h="370840">
+                <a:tc>
+                  <a:txBody>
+                    <a:bodyPr/>
+                    <a:lstStyle/>
+                    <a:p>
+                      <a:endParaRPr lang="zh-CN" altLang="en-US"/>
+                    </a:p>
+                  </a:txBody>
+                  <a:tcPr/>
+                </a:tc>
+                <a:tc>
+                  <a:txBody>
+                    <a:bodyPr/>
+                    <a:lstStyle/>
+                    <a:p>
+                      <a:r>
+                        <a:rPr lang="en-US" altLang="zh-CN"/>
+                        <a:t>0</a:t>
+                      </a:r>
+                    </a:p>
+                  </a:txBody>
+                  <a:tcPr/>
+                </a:tc>
+                <a:tc>
+                  <a:txBody>
+                    <a:bodyPr/>
+                    <a:lstStyle/>
+                    <a:p>
+                      <a:r>
+                        <a:rPr lang="en-US" altLang="zh-CN"/>
+                        <a:t>9</a:t>
+                      </a:r>
+                      <a:endParaRPr lang="zh-CN" altLang="en-US"/>
+                    </a:p>
+                  </a:txBody>
+                  <a:tcPr/>
+                </a:tc>
+                <a:extLst>
+                  <a:ext uri="{0D108BD9-81ED-4DB2-BD59-A6C34878D82A}">
+                    <a16:rowId xmlns:a16="http://schemas.microsoft.com/office/drawing/2014/main" val="2914658232"/>
+                  </a:ext>
+                </a:extLst>
+              </a:tr>
+              <a:tr h="370840">
+                <a:tc>
+                  <a:txBody>
+                    <a:bodyPr/>
+                    <a:lstStyle/>
+                    <a:p>
+                      <a:endParaRPr lang="zh-CN" altLang="en-US"/>
+                    </a:p>
+                  </a:txBody>
+                  <a:tcPr/>
+                </a:tc>
+                <a:tc>
+                  <a:txBody>
+                    <a:bodyPr/>
+                    <a:lstStyle/>
+                    <a:p>
+                      <a:r>
+                        <a:rPr lang="en-US" altLang="zh-CN"/>
+                        <a:t>0</a:t>
+                      </a:r>
+                    </a:p>
+                    <a:p>
+                      <a:r>
+                        <a:rPr lang="en-US" altLang="zh-CN"/>
+                        <a:t>6</a:t>
+                      </a:r>
+                    </a:p>
+                  </a:txBody>
+                  <a:tcPr/>
+                </a:tc>
+                <a:tc>
+                  <a:txBody>
+                    <a:bodyPr/>
+                    <a:lstStyle/>
+                    <a:p>
+                      <a:r>
+                        <a:rPr lang="en-US" altLang="zh-CN"/>
+                        <a:t>4</a:t>
+                      </a:r>
+                    </a:p>
+                    <a:p>
+                      <a:r>
+                        <a:rPr lang="en-US" altLang="zh-CN"/>
+                        <a:t>9</a:t>
+                      </a:r>
+                      <a:endParaRPr lang="zh-CN" altLang="en-US"/>
+                    </a:p>
+                  </a:txBody>
+                  <a:tcPr/>
+                </a:tc>
+                <a:extLst>
+                  <a:ext uri="{0D108BD9-81ED-4DB2-BD59-A6C34878D82A}">
+                    <a16:rowId xmlns:a16="http://schemas.microsoft.com/office/drawing/2014/main" val="2169431"/>
+                  </a:ext>
+                </a:extLst>
+              </a:tr>
+            </a:tbl>
+          </a:graphicData>
+        </a:graphic>
+      </p:graphicFrame>
+      <p:sp>
+        <p:nvSpPr>
+          <p:cNvPr id="32" name="矩形 31">
+            <a:extLst>
+              <a:ext uri="{FF2B5EF4-FFF2-40B4-BE49-F238E27FC236}">
+                <a16:creationId xmlns:a16="http://schemas.microsoft.com/office/drawing/2014/main" id="{2FC5C3F7-B598-434D-9863-9DE6E79CA1E9}"/>
+              </a:ext>
+            </a:extLst>
+          </p:cNvPr>
+          <p:cNvSpPr/>
+          <p:nvPr/>
+        </p:nvSpPr>
+        <p:spPr>
+          <a:xfrm>
+            <a:off x="303347" y="4012622"/>
+            <a:ext cx="568171" cy="512134"/>
+          </a:xfrm>
+          <a:prstGeom prst="rect">
+            <a:avLst/>
+          </a:prstGeom>
+        </p:spPr>
+        <p:style>
+          <a:lnRef idx="2">
+            <a:schemeClr val="accent2">
+              <a:shade val="50000"/>
+            </a:schemeClr>
+          </a:lnRef>
+          <a:fillRef idx="1">
+            <a:schemeClr val="accent2"/>
+          </a:fillRef>
+          <a:effectRef idx="0">
+            <a:schemeClr val="accent2"/>
+          </a:effectRef>
+          <a:fontRef idx="minor">
+            <a:schemeClr val="lt1"/>
+          </a:fontRef>
+        </p:style>
+        <p:txBody>
+          <a:bodyPr rtlCol="0" anchor="ctr"/>
+          <a:lstStyle/>
+          <a:p>
+            <a:pPr algn="ctr"/>
+            <a:r>
+              <a:rPr lang="en-US" altLang="zh-CN">
+                <a:solidFill>
+                  <a:schemeClr val="tx1"/>
+                </a:solidFill>
+                <a:latin typeface="Times New Roman" panose="02020603050405020304" pitchFamily="18" charset="0"/>
+                <a:cs typeface="Times New Roman" panose="02020603050405020304" pitchFamily="18" charset="0"/>
+              </a:rPr>
+              <a:t>8</a:t>
+            </a:r>
+            <a:endParaRPr lang="zh-CN" altLang="en-US">
+              <a:solidFill>
+                <a:schemeClr val="tx1"/>
+              </a:solidFill>
+              <a:latin typeface="Times New Roman" panose="02020603050405020304" pitchFamily="18" charset="0"/>
+              <a:cs typeface="Times New Roman" panose="02020603050405020304" pitchFamily="18" charset="0"/>
+            </a:endParaRPr>
+          </a:p>
+        </p:txBody>
+      </p:sp>
+      <p:sp>
+        <p:nvSpPr>
+          <p:cNvPr id="33" name="矩形 32">
+            <a:extLst>
+              <a:ext uri="{FF2B5EF4-FFF2-40B4-BE49-F238E27FC236}">
+                <a16:creationId xmlns:a16="http://schemas.microsoft.com/office/drawing/2014/main" id="{5DBF8A69-A463-4CF6-A45D-854BA9B76960}"/>
+              </a:ext>
+            </a:extLst>
+          </p:cNvPr>
+          <p:cNvSpPr/>
+          <p:nvPr/>
+        </p:nvSpPr>
+        <p:spPr>
+          <a:xfrm>
+            <a:off x="1325048" y="5819035"/>
+            <a:ext cx="568171" cy="470018"/>
+          </a:xfrm>
+          <a:prstGeom prst="rect">
+            <a:avLst/>
+          </a:prstGeom>
+        </p:spPr>
+        <p:style>
+          <a:lnRef idx="2">
+            <a:schemeClr val="accent3">
+              <a:shade val="50000"/>
+            </a:schemeClr>
+          </a:lnRef>
+          <a:fillRef idx="1">
+            <a:schemeClr val="accent3"/>
+          </a:fillRef>
+          <a:effectRef idx="0">
+            <a:schemeClr val="accent3"/>
+          </a:effectRef>
+          <a:fontRef idx="minor">
+            <a:schemeClr val="lt1"/>
+          </a:fontRef>
+        </p:style>
+        <p:txBody>
+          <a:bodyPr rtlCol="0" anchor="ctr"/>
+          <a:lstStyle/>
+          <a:p>
+            <a:pPr algn="ctr"/>
+            <a:r>
+              <a:rPr lang="en-US" altLang="zh-CN">
+                <a:solidFill>
+                  <a:schemeClr val="tx1"/>
+                </a:solidFill>
+                <a:latin typeface="Times New Roman" panose="02020603050405020304" pitchFamily="18" charset="0"/>
+                <a:cs typeface="Times New Roman" panose="02020603050405020304" pitchFamily="18" charset="0"/>
+              </a:rPr>
+              <a:t>-10</a:t>
+            </a:r>
+            <a:endParaRPr lang="zh-CN" altLang="en-US">
+              <a:solidFill>
+                <a:schemeClr val="tx1"/>
+              </a:solidFill>
+              <a:latin typeface="Times New Roman" panose="02020603050405020304" pitchFamily="18" charset="0"/>
+              <a:cs typeface="Times New Roman" panose="02020603050405020304" pitchFamily="18" charset="0"/>
+            </a:endParaRPr>
+          </a:p>
+        </p:txBody>
+      </p:sp>
+      <p:sp>
+        <p:nvSpPr>
+          <p:cNvPr id="34" name="矩形 33">
+            <a:extLst>
+              <a:ext uri="{FF2B5EF4-FFF2-40B4-BE49-F238E27FC236}">
+                <a16:creationId xmlns:a16="http://schemas.microsoft.com/office/drawing/2014/main" id="{BAE0132F-32F2-4B6B-B4EA-FDBCBCE90309}"/>
+              </a:ext>
+            </a:extLst>
+          </p:cNvPr>
+          <p:cNvSpPr/>
+          <p:nvPr/>
+        </p:nvSpPr>
+        <p:spPr>
+          <a:xfrm>
+            <a:off x="99645" y="5797977"/>
+            <a:ext cx="568171" cy="512134"/>
+          </a:xfrm>
+          <a:prstGeom prst="rect">
+            <a:avLst/>
+          </a:prstGeom>
+        </p:spPr>
+        <p:style>
+          <a:lnRef idx="2">
+            <a:schemeClr val="accent3">
+              <a:shade val="50000"/>
+            </a:schemeClr>
+          </a:lnRef>
+          <a:fillRef idx="1">
+            <a:schemeClr val="accent3"/>
+          </a:fillRef>
+          <a:effectRef idx="0">
+            <a:schemeClr val="accent3"/>
+          </a:effectRef>
+          <a:fontRef idx="minor">
+            <a:schemeClr val="lt1"/>
+          </a:fontRef>
+        </p:style>
+        <p:txBody>
+          <a:bodyPr rtlCol="0" anchor="ctr"/>
+          <a:lstStyle/>
+          <a:p>
+            <a:pPr algn="ctr"/>
+            <a:r>
+              <a:rPr lang="en-US" altLang="zh-CN">
+                <a:solidFill>
+                  <a:schemeClr val="tx1"/>
+                </a:solidFill>
+                <a:latin typeface="Times New Roman" panose="02020603050405020304" pitchFamily="18" charset="0"/>
+                <a:cs typeface="Times New Roman" panose="02020603050405020304" pitchFamily="18" charset="0"/>
+              </a:rPr>
+              <a:t>-21</a:t>
+            </a:r>
+            <a:endParaRPr lang="zh-CN" altLang="en-US">
+              <a:solidFill>
+                <a:schemeClr val="tx1"/>
+              </a:solidFill>
+              <a:latin typeface="Times New Roman" panose="02020603050405020304" pitchFamily="18" charset="0"/>
+              <a:cs typeface="Times New Roman" panose="02020603050405020304" pitchFamily="18" charset="0"/>
+            </a:endParaRPr>
+          </a:p>
+        </p:txBody>
+      </p:sp>
+      <p:sp>
+        <p:nvSpPr>
+          <p:cNvPr id="35" name="箭头: 虚尾 34">
+            <a:extLst>
+              <a:ext uri="{FF2B5EF4-FFF2-40B4-BE49-F238E27FC236}">
+                <a16:creationId xmlns:a16="http://schemas.microsoft.com/office/drawing/2014/main" id="{AE3AD39B-777F-4F1D-AE63-4B4785178EDD}"/>
+              </a:ext>
+            </a:extLst>
+          </p:cNvPr>
+          <p:cNvSpPr/>
+          <p:nvPr/>
+        </p:nvSpPr>
+        <p:spPr>
+          <a:xfrm rot="16200000">
+            <a:off x="6169966" y="3778195"/>
+            <a:ext cx="540136" cy="402917"/>
+          </a:xfrm>
+          <a:prstGeom prst="stripedRightArrow">
+            <a:avLst/>
+          </a:prstGeom>
+        </p:spPr>
+        <p:style>
+          <a:lnRef idx="2">
+            <a:schemeClr val="accent1">
+              <a:shade val="50000"/>
+            </a:schemeClr>
+          </a:lnRef>
+          <a:fillRef idx="1">
+            <a:schemeClr val="accent1"/>
+          </a:fillRef>
+          <a:effectRef idx="0">
+            <a:schemeClr val="accent1"/>
+          </a:effectRef>
+          <a:fontRef idx="minor">
+            <a:schemeClr val="lt1"/>
+          </a:fontRef>
+        </p:style>
+        <p:txBody>
+          <a:bodyPr rtlCol="0" anchor="ctr"/>
+          <a:lstStyle/>
+          <a:p>
+            <a:pPr algn="ctr"/>
+            <a:endParaRPr lang="zh-CN" altLang="en-US" dirty="0"/>
+          </a:p>
+        </p:txBody>
+      </p:sp>
     </p:spTree>
     <p:extLst>
       <p:ext uri="{BB962C8B-B14F-4D97-AF65-F5344CB8AC3E}">
         <p14:creationId xmlns:p14="http://schemas.microsoft.com/office/powerpoint/2010/main" val="951520676"/>
+      </p:ext>
+    </p:extLst>
+  </p:cSld>
+  <p:clrMapOvr>
+    <a:masterClrMapping/>
+  </p:clrMapOvr>
+</p:sld>
+</file>
+
+<file path=ppt/slides/slide11.xml><?xml version="1.0" encoding="utf-8"?>
+<p:sld xmlns:a="http://schemas.openxmlformats.org/drawingml/2006/main" xmlns:r="http://schemas.openxmlformats.org/officeDocument/2006/relationships" xmlns:p="http://schemas.openxmlformats.org/presentationml/2006/main">
+  <p:cSld>
+    <p:spTree>
+      <p:nvGrpSpPr>
+        <p:cNvPr id="1" name=""/>
+        <p:cNvGrpSpPr/>
+        <p:nvPr/>
+      </p:nvGrpSpPr>
+      <p:grpSpPr>
+        <a:xfrm>
+          <a:off x="0" y="0"/>
+          <a:ext cx="0" cy="0"/>
+          <a:chOff x="0" y="0"/>
+          <a:chExt cx="0" cy="0"/>
+        </a:xfrm>
+      </p:grpSpPr>
+      <p:sp>
+        <p:nvSpPr>
+          <p:cNvPr id="2" name="标题 1">
+            <a:extLst>
+              <a:ext uri="{FF2B5EF4-FFF2-40B4-BE49-F238E27FC236}">
+                <a16:creationId xmlns:a16="http://schemas.microsoft.com/office/drawing/2014/main" id="{E81F6451-B986-4134-B043-26A2549520A7}"/>
+              </a:ext>
+            </a:extLst>
+          </p:cNvPr>
+          <p:cNvSpPr>
+            <a:spLocks noGrp="1"/>
+          </p:cNvSpPr>
+          <p:nvPr>
+            <p:ph type="title"/>
+          </p:nvPr>
+        </p:nvSpPr>
+        <p:spPr>
+          <a:xfrm>
+            <a:off x="99645" y="48603"/>
+            <a:ext cx="12092355" cy="629035"/>
+          </a:xfrm>
+        </p:spPr>
+        <p:txBody>
+          <a:bodyPr/>
+          <a:lstStyle/>
+          <a:p>
+            <a:r>
+              <a:rPr lang="zh-CN" altLang="en-US"/>
+              <a:t>归并排序</a:t>
+            </a:r>
+          </a:p>
+        </p:txBody>
+      </p:sp>
+      <p:sp>
+        <p:nvSpPr>
+          <p:cNvPr id="5" name="矩形 4">
+            <a:extLst>
+              <a:ext uri="{FF2B5EF4-FFF2-40B4-BE49-F238E27FC236}">
+                <a16:creationId xmlns:a16="http://schemas.microsoft.com/office/drawing/2014/main" id="{264300FB-4B5D-4A15-B2C5-72104E5BEFC6}"/>
+              </a:ext>
+            </a:extLst>
+          </p:cNvPr>
+          <p:cNvSpPr/>
+          <p:nvPr/>
+        </p:nvSpPr>
+        <p:spPr>
+          <a:xfrm>
+            <a:off x="1266027" y="1349701"/>
+            <a:ext cx="568171" cy="470018"/>
+          </a:xfrm>
+          <a:prstGeom prst="rect">
+            <a:avLst/>
+          </a:prstGeom>
+        </p:spPr>
+        <p:style>
+          <a:lnRef idx="2">
+            <a:schemeClr val="accent4"/>
+          </a:lnRef>
+          <a:fillRef idx="1">
+            <a:schemeClr val="lt1"/>
+          </a:fillRef>
+          <a:effectRef idx="0">
+            <a:schemeClr val="accent4"/>
+          </a:effectRef>
+          <a:fontRef idx="minor">
+            <a:schemeClr val="dk1"/>
+          </a:fontRef>
+        </p:style>
+        <p:txBody>
+          <a:bodyPr rtlCol="0" anchor="ctr"/>
+          <a:lstStyle/>
+          <a:p>
+            <a:pPr algn="ctr"/>
+            <a:r>
+              <a:rPr lang="en-US" altLang="zh-CN">
+                <a:solidFill>
+                  <a:schemeClr val="tx1"/>
+                </a:solidFill>
+                <a:latin typeface="Times New Roman" panose="02020603050405020304" pitchFamily="18" charset="0"/>
+                <a:cs typeface="Times New Roman" panose="02020603050405020304" pitchFamily="18" charset="0"/>
+              </a:rPr>
+              <a:t>-10</a:t>
+            </a:r>
+            <a:endParaRPr lang="zh-CN" altLang="en-US">
+              <a:solidFill>
+                <a:schemeClr val="tx1"/>
+              </a:solidFill>
+              <a:latin typeface="Times New Roman" panose="02020603050405020304" pitchFamily="18" charset="0"/>
+              <a:cs typeface="Times New Roman" panose="02020603050405020304" pitchFamily="18" charset="0"/>
+            </a:endParaRPr>
+          </a:p>
+        </p:txBody>
+      </p:sp>
+      <p:sp>
+        <p:nvSpPr>
+          <p:cNvPr id="8" name="矩形 7">
+            <a:extLst>
+              <a:ext uri="{FF2B5EF4-FFF2-40B4-BE49-F238E27FC236}">
+                <a16:creationId xmlns:a16="http://schemas.microsoft.com/office/drawing/2014/main" id="{A84BAC98-8294-47B7-9A5B-3DD3A2077C29}"/>
+              </a:ext>
+            </a:extLst>
+          </p:cNvPr>
+          <p:cNvSpPr/>
+          <p:nvPr/>
+        </p:nvSpPr>
+        <p:spPr>
+          <a:xfrm>
+            <a:off x="2193177" y="1314634"/>
+            <a:ext cx="568171" cy="540152"/>
+          </a:xfrm>
+          <a:prstGeom prst="rect">
+            <a:avLst/>
+          </a:prstGeom>
+        </p:spPr>
+        <p:style>
+          <a:lnRef idx="2">
+            <a:schemeClr val="accent4"/>
+          </a:lnRef>
+          <a:fillRef idx="1">
+            <a:schemeClr val="lt1"/>
+          </a:fillRef>
+          <a:effectRef idx="0">
+            <a:schemeClr val="accent4"/>
+          </a:effectRef>
+          <a:fontRef idx="minor">
+            <a:schemeClr val="dk1"/>
+          </a:fontRef>
+        </p:style>
+        <p:txBody>
+          <a:bodyPr rtlCol="0" anchor="ctr"/>
+          <a:lstStyle/>
+          <a:p>
+            <a:pPr algn="ctr"/>
+            <a:r>
+              <a:rPr lang="en-US" altLang="zh-CN">
+                <a:solidFill>
+                  <a:schemeClr val="tx1"/>
+                </a:solidFill>
+                <a:latin typeface="Times New Roman" panose="02020603050405020304" pitchFamily="18" charset="0"/>
+                <a:cs typeface="Times New Roman" panose="02020603050405020304" pitchFamily="18" charset="0"/>
+              </a:rPr>
+              <a:t>15</a:t>
+            </a:r>
+            <a:endParaRPr lang="zh-CN" altLang="en-US">
+              <a:solidFill>
+                <a:schemeClr val="tx1"/>
+              </a:solidFill>
+              <a:latin typeface="Times New Roman" panose="02020603050405020304" pitchFamily="18" charset="0"/>
+              <a:cs typeface="Times New Roman" panose="02020603050405020304" pitchFamily="18" charset="0"/>
+            </a:endParaRPr>
+          </a:p>
+        </p:txBody>
+      </p:sp>
+      <p:sp>
+        <p:nvSpPr>
+          <p:cNvPr id="9" name="矩形 8">
+            <a:extLst>
+              <a:ext uri="{FF2B5EF4-FFF2-40B4-BE49-F238E27FC236}">
+                <a16:creationId xmlns:a16="http://schemas.microsoft.com/office/drawing/2014/main" id="{0E71EFE3-B9B5-45D2-9E0C-51FC38610C1D}"/>
+              </a:ext>
+            </a:extLst>
+          </p:cNvPr>
+          <p:cNvSpPr/>
+          <p:nvPr/>
+        </p:nvSpPr>
+        <p:spPr>
+          <a:xfrm>
+            <a:off x="338877" y="1328643"/>
+            <a:ext cx="568171" cy="512134"/>
+          </a:xfrm>
+          <a:prstGeom prst="rect">
+            <a:avLst/>
+          </a:prstGeom>
+        </p:spPr>
+        <p:style>
+          <a:lnRef idx="2">
+            <a:schemeClr val="accent4"/>
+          </a:lnRef>
+          <a:fillRef idx="1">
+            <a:schemeClr val="lt1"/>
+          </a:fillRef>
+          <a:effectRef idx="0">
+            <a:schemeClr val="accent4"/>
+          </a:effectRef>
+          <a:fontRef idx="minor">
+            <a:schemeClr val="dk1"/>
+          </a:fontRef>
+        </p:style>
+        <p:txBody>
+          <a:bodyPr rtlCol="0" anchor="ctr"/>
+          <a:lstStyle/>
+          <a:p>
+            <a:pPr algn="ctr"/>
+            <a:r>
+              <a:rPr lang="en-US" altLang="zh-CN">
+                <a:solidFill>
+                  <a:schemeClr val="tx1"/>
+                </a:solidFill>
+                <a:latin typeface="Times New Roman" panose="02020603050405020304" pitchFamily="18" charset="0"/>
+                <a:cs typeface="Times New Roman" panose="02020603050405020304" pitchFamily="18" charset="0"/>
+              </a:rPr>
+              <a:t>8</a:t>
+            </a:r>
+            <a:endParaRPr lang="zh-CN" altLang="en-US">
+              <a:solidFill>
+                <a:schemeClr val="tx1"/>
+              </a:solidFill>
+              <a:latin typeface="Times New Roman" panose="02020603050405020304" pitchFamily="18" charset="0"/>
+              <a:cs typeface="Times New Roman" panose="02020603050405020304" pitchFamily="18" charset="0"/>
+            </a:endParaRPr>
+          </a:p>
+        </p:txBody>
+      </p:sp>
+      <p:sp>
+        <p:nvSpPr>
+          <p:cNvPr id="10" name="矩形 9">
+            <a:extLst>
+              <a:ext uri="{FF2B5EF4-FFF2-40B4-BE49-F238E27FC236}">
+                <a16:creationId xmlns:a16="http://schemas.microsoft.com/office/drawing/2014/main" id="{29C8CBFB-8A19-47E0-A241-BB1FA7B94576}"/>
+              </a:ext>
+            </a:extLst>
+          </p:cNvPr>
+          <p:cNvSpPr/>
+          <p:nvPr/>
+        </p:nvSpPr>
+        <p:spPr>
+          <a:xfrm>
+            <a:off x="4974627" y="1314634"/>
+            <a:ext cx="568171" cy="540152"/>
+          </a:xfrm>
+          <a:prstGeom prst="rect">
+            <a:avLst/>
+          </a:prstGeom>
+        </p:spPr>
+        <p:style>
+          <a:lnRef idx="2">
+            <a:schemeClr val="accent4"/>
+          </a:lnRef>
+          <a:fillRef idx="1">
+            <a:schemeClr val="lt1"/>
+          </a:fillRef>
+          <a:effectRef idx="0">
+            <a:schemeClr val="accent4"/>
+          </a:effectRef>
+          <a:fontRef idx="minor">
+            <a:schemeClr val="dk1"/>
+          </a:fontRef>
+        </p:style>
+        <p:txBody>
+          <a:bodyPr rtlCol="0" anchor="ctr"/>
+          <a:lstStyle/>
+          <a:p>
+            <a:pPr algn="ctr"/>
+            <a:r>
+              <a:rPr lang="en-US" altLang="zh-CN">
+                <a:solidFill>
+                  <a:schemeClr val="tx1"/>
+                </a:solidFill>
+                <a:latin typeface="Times New Roman" panose="02020603050405020304" pitchFamily="18" charset="0"/>
+                <a:cs typeface="Times New Roman" panose="02020603050405020304" pitchFamily="18" charset="0"/>
+              </a:rPr>
+              <a:t>-25</a:t>
+            </a:r>
+            <a:endParaRPr lang="zh-CN" altLang="en-US">
+              <a:solidFill>
+                <a:schemeClr val="tx1"/>
+              </a:solidFill>
+              <a:latin typeface="Times New Roman" panose="02020603050405020304" pitchFamily="18" charset="0"/>
+              <a:cs typeface="Times New Roman" panose="02020603050405020304" pitchFamily="18" charset="0"/>
+            </a:endParaRPr>
+          </a:p>
+        </p:txBody>
+      </p:sp>
+      <p:sp>
+        <p:nvSpPr>
+          <p:cNvPr id="11" name="矩形 10">
+            <a:extLst>
+              <a:ext uri="{FF2B5EF4-FFF2-40B4-BE49-F238E27FC236}">
+                <a16:creationId xmlns:a16="http://schemas.microsoft.com/office/drawing/2014/main" id="{101A4E39-7BB5-4080-BB39-19BDDFE1C8A6}"/>
+              </a:ext>
+            </a:extLst>
+          </p:cNvPr>
+          <p:cNvSpPr/>
+          <p:nvPr/>
+        </p:nvSpPr>
+        <p:spPr>
+          <a:xfrm>
+            <a:off x="5901777" y="1314634"/>
+            <a:ext cx="568171" cy="540152"/>
+          </a:xfrm>
+          <a:prstGeom prst="rect">
+            <a:avLst/>
+          </a:prstGeom>
+        </p:spPr>
+        <p:style>
+          <a:lnRef idx="2">
+            <a:schemeClr val="accent4"/>
+          </a:lnRef>
+          <a:fillRef idx="1">
+            <a:schemeClr val="lt1"/>
+          </a:fillRef>
+          <a:effectRef idx="0">
+            <a:schemeClr val="accent4"/>
+          </a:effectRef>
+          <a:fontRef idx="minor">
+            <a:schemeClr val="dk1"/>
+          </a:fontRef>
+        </p:style>
+        <p:txBody>
+          <a:bodyPr rtlCol="0" anchor="ctr"/>
+          <a:lstStyle/>
+          <a:p>
+            <a:pPr algn="ctr"/>
+            <a:r>
+              <a:rPr lang="en-US" altLang="zh-CN">
+                <a:solidFill>
+                  <a:schemeClr val="tx1"/>
+                </a:solidFill>
+                <a:latin typeface="Times New Roman" panose="02020603050405020304" pitchFamily="18" charset="0"/>
+                <a:cs typeface="Times New Roman" panose="02020603050405020304" pitchFamily="18" charset="0"/>
+              </a:rPr>
+              <a:t>30</a:t>
+            </a:r>
+            <a:endParaRPr lang="zh-CN" altLang="en-US">
+              <a:solidFill>
+                <a:schemeClr val="tx1"/>
+              </a:solidFill>
+              <a:latin typeface="Times New Roman" panose="02020603050405020304" pitchFamily="18" charset="0"/>
+              <a:cs typeface="Times New Roman" panose="02020603050405020304" pitchFamily="18" charset="0"/>
+            </a:endParaRPr>
+          </a:p>
+        </p:txBody>
+      </p:sp>
+      <p:sp>
+        <p:nvSpPr>
+          <p:cNvPr id="12" name="矩形 11">
+            <a:extLst>
+              <a:ext uri="{FF2B5EF4-FFF2-40B4-BE49-F238E27FC236}">
+                <a16:creationId xmlns:a16="http://schemas.microsoft.com/office/drawing/2014/main" id="{6DC9E9AD-684B-4646-9B2C-DB3B045C0821}"/>
+              </a:ext>
+            </a:extLst>
+          </p:cNvPr>
+          <p:cNvSpPr/>
+          <p:nvPr/>
+        </p:nvSpPr>
+        <p:spPr>
+          <a:xfrm>
+            <a:off x="6828927" y="1314634"/>
+            <a:ext cx="568171" cy="540152"/>
+          </a:xfrm>
+          <a:prstGeom prst="rect">
+            <a:avLst/>
+          </a:prstGeom>
+        </p:spPr>
+        <p:style>
+          <a:lnRef idx="2">
+            <a:schemeClr val="accent4"/>
+          </a:lnRef>
+          <a:fillRef idx="1">
+            <a:schemeClr val="lt1"/>
+          </a:fillRef>
+          <a:effectRef idx="0">
+            <a:schemeClr val="accent4"/>
+          </a:effectRef>
+          <a:fontRef idx="minor">
+            <a:schemeClr val="dk1"/>
+          </a:fontRef>
+        </p:style>
+        <p:txBody>
+          <a:bodyPr rtlCol="0" anchor="ctr"/>
+          <a:lstStyle/>
+          <a:p>
+            <a:pPr algn="ctr"/>
+            <a:r>
+              <a:rPr lang="en-US" altLang="zh-CN">
+                <a:solidFill>
+                  <a:schemeClr val="tx1"/>
+                </a:solidFill>
+                <a:latin typeface="Times New Roman" panose="02020603050405020304" pitchFamily="18" charset="0"/>
+                <a:cs typeface="Times New Roman" panose="02020603050405020304" pitchFamily="18" charset="0"/>
+              </a:rPr>
+              <a:t>-64</a:t>
+            </a:r>
+            <a:endParaRPr lang="zh-CN" altLang="en-US">
+              <a:solidFill>
+                <a:schemeClr val="tx1"/>
+              </a:solidFill>
+              <a:latin typeface="Times New Roman" panose="02020603050405020304" pitchFamily="18" charset="0"/>
+              <a:cs typeface="Times New Roman" panose="02020603050405020304" pitchFamily="18" charset="0"/>
+            </a:endParaRPr>
+          </a:p>
+        </p:txBody>
+      </p:sp>
+      <p:sp>
+        <p:nvSpPr>
+          <p:cNvPr id="13" name="矩形 12">
+            <a:extLst>
+              <a:ext uri="{FF2B5EF4-FFF2-40B4-BE49-F238E27FC236}">
+                <a16:creationId xmlns:a16="http://schemas.microsoft.com/office/drawing/2014/main" id="{DF5D2D6D-A445-4D8E-97AE-983AA2088188}"/>
+              </a:ext>
+            </a:extLst>
+          </p:cNvPr>
+          <p:cNvSpPr/>
+          <p:nvPr/>
+        </p:nvSpPr>
+        <p:spPr>
+          <a:xfrm>
+            <a:off x="3120327" y="1343311"/>
+            <a:ext cx="568171" cy="482798"/>
+          </a:xfrm>
+          <a:prstGeom prst="rect">
+            <a:avLst/>
+          </a:prstGeom>
+        </p:spPr>
+        <p:style>
+          <a:lnRef idx="2">
+            <a:schemeClr val="accent4"/>
+          </a:lnRef>
+          <a:fillRef idx="1">
+            <a:schemeClr val="lt1"/>
+          </a:fillRef>
+          <a:effectRef idx="0">
+            <a:schemeClr val="accent4"/>
+          </a:effectRef>
+          <a:fontRef idx="minor">
+            <a:schemeClr val="dk1"/>
+          </a:fontRef>
+        </p:style>
+        <p:txBody>
+          <a:bodyPr rtlCol="0" anchor="ctr"/>
+          <a:lstStyle/>
+          <a:p>
+            <a:pPr algn="ctr"/>
+            <a:r>
+              <a:rPr lang="en-US" altLang="zh-CN">
+                <a:solidFill>
+                  <a:schemeClr val="tx1"/>
+                </a:solidFill>
+                <a:latin typeface="Times New Roman" panose="02020603050405020304" pitchFamily="18" charset="0"/>
+                <a:cs typeface="Times New Roman" panose="02020603050405020304" pitchFamily="18" charset="0"/>
+              </a:rPr>
+              <a:t>-21</a:t>
+            </a:r>
+            <a:endParaRPr lang="zh-CN" altLang="en-US">
+              <a:solidFill>
+                <a:schemeClr val="tx1"/>
+              </a:solidFill>
+              <a:latin typeface="Times New Roman" panose="02020603050405020304" pitchFamily="18" charset="0"/>
+              <a:cs typeface="Times New Roman" panose="02020603050405020304" pitchFamily="18" charset="0"/>
+            </a:endParaRPr>
+          </a:p>
+        </p:txBody>
+      </p:sp>
+      <p:sp>
+        <p:nvSpPr>
+          <p:cNvPr id="14" name="矩形 13">
+            <a:extLst>
+              <a:ext uri="{FF2B5EF4-FFF2-40B4-BE49-F238E27FC236}">
+                <a16:creationId xmlns:a16="http://schemas.microsoft.com/office/drawing/2014/main" id="{E2C16E97-30D5-4FF2-A1AE-55E1A0545221}"/>
+              </a:ext>
+            </a:extLst>
+          </p:cNvPr>
+          <p:cNvSpPr/>
+          <p:nvPr/>
+        </p:nvSpPr>
+        <p:spPr>
+          <a:xfrm>
+            <a:off x="4047477" y="1314634"/>
+            <a:ext cx="568171" cy="540152"/>
+          </a:xfrm>
+          <a:prstGeom prst="rect">
+            <a:avLst/>
+          </a:prstGeom>
+        </p:spPr>
+        <p:style>
+          <a:lnRef idx="2">
+            <a:schemeClr val="accent4"/>
+          </a:lnRef>
+          <a:fillRef idx="1">
+            <a:schemeClr val="lt1"/>
+          </a:fillRef>
+          <a:effectRef idx="0">
+            <a:schemeClr val="accent4"/>
+          </a:effectRef>
+          <a:fontRef idx="minor">
+            <a:schemeClr val="dk1"/>
+          </a:fontRef>
+        </p:style>
+        <p:txBody>
+          <a:bodyPr rtlCol="0" anchor="ctr"/>
+          <a:lstStyle/>
+          <a:p>
+            <a:pPr algn="ctr"/>
+            <a:r>
+              <a:rPr lang="en-US" altLang="zh-CN">
+                <a:solidFill>
+                  <a:schemeClr val="tx1"/>
+                </a:solidFill>
+                <a:latin typeface="Times New Roman" panose="02020603050405020304" pitchFamily="18" charset="0"/>
+                <a:cs typeface="Times New Roman" panose="02020603050405020304" pitchFamily="18" charset="0"/>
+              </a:rPr>
+              <a:t>13</a:t>
+            </a:r>
+            <a:endParaRPr lang="zh-CN" altLang="en-US">
+              <a:solidFill>
+                <a:schemeClr val="tx1"/>
+              </a:solidFill>
+              <a:latin typeface="Times New Roman" panose="02020603050405020304" pitchFamily="18" charset="0"/>
+              <a:cs typeface="Times New Roman" panose="02020603050405020304" pitchFamily="18" charset="0"/>
+            </a:endParaRPr>
+          </a:p>
+        </p:txBody>
+      </p:sp>
+      <p:sp>
+        <p:nvSpPr>
+          <p:cNvPr id="15" name="矩形 14">
+            <a:extLst>
+              <a:ext uri="{FF2B5EF4-FFF2-40B4-BE49-F238E27FC236}">
+                <a16:creationId xmlns:a16="http://schemas.microsoft.com/office/drawing/2014/main" id="{AFC4177F-9376-4E1F-A440-6DF223520C66}"/>
+              </a:ext>
+            </a:extLst>
+          </p:cNvPr>
+          <p:cNvSpPr/>
+          <p:nvPr/>
+        </p:nvSpPr>
+        <p:spPr>
+          <a:xfrm>
+            <a:off x="7756077" y="1314634"/>
+            <a:ext cx="568171" cy="540152"/>
+          </a:xfrm>
+          <a:prstGeom prst="rect">
+            <a:avLst/>
+          </a:prstGeom>
+        </p:spPr>
+        <p:style>
+          <a:lnRef idx="2">
+            <a:schemeClr val="accent4"/>
+          </a:lnRef>
+          <a:fillRef idx="1">
+            <a:schemeClr val="lt1"/>
+          </a:fillRef>
+          <a:effectRef idx="0">
+            <a:schemeClr val="accent4"/>
+          </a:effectRef>
+          <a:fontRef idx="minor">
+            <a:schemeClr val="dk1"/>
+          </a:fontRef>
+        </p:style>
+        <p:txBody>
+          <a:bodyPr rtlCol="0" anchor="ctr"/>
+          <a:lstStyle/>
+          <a:p>
+            <a:pPr algn="ctr"/>
+            <a:r>
+              <a:rPr lang="en-US" altLang="zh-CN">
+                <a:solidFill>
+                  <a:schemeClr val="tx1"/>
+                </a:solidFill>
+                <a:latin typeface="Times New Roman" panose="02020603050405020304" pitchFamily="18" charset="0"/>
+                <a:cs typeface="Times New Roman" panose="02020603050405020304" pitchFamily="18" charset="0"/>
+              </a:rPr>
+              <a:t>54</a:t>
+            </a:r>
+            <a:endParaRPr lang="zh-CN" altLang="en-US">
+              <a:solidFill>
+                <a:schemeClr val="tx1"/>
+              </a:solidFill>
+              <a:latin typeface="Times New Roman" panose="02020603050405020304" pitchFamily="18" charset="0"/>
+              <a:cs typeface="Times New Roman" panose="02020603050405020304" pitchFamily="18" charset="0"/>
+            </a:endParaRPr>
+          </a:p>
+        </p:txBody>
+      </p:sp>
+      <p:sp>
+        <p:nvSpPr>
+          <p:cNvPr id="16" name="文本占位符 5">
+            <a:extLst>
+              <a:ext uri="{FF2B5EF4-FFF2-40B4-BE49-F238E27FC236}">
+                <a16:creationId xmlns:a16="http://schemas.microsoft.com/office/drawing/2014/main" id="{A71CB2D3-A591-495F-8D1F-4A8EC18FDB8C}"/>
+              </a:ext>
+            </a:extLst>
+          </p:cNvPr>
+          <p:cNvSpPr txBox="1">
+            <a:spLocks/>
+          </p:cNvSpPr>
+          <p:nvPr/>
+        </p:nvSpPr>
+        <p:spPr>
+          <a:xfrm>
+            <a:off x="8794288" y="3080551"/>
+            <a:ext cx="3397712" cy="629035"/>
+          </a:xfrm>
+          <a:prstGeom prst="rect">
+            <a:avLst/>
+          </a:prstGeom>
+        </p:spPr>
+        <p:txBody>
+          <a:bodyPr vert="horz" lIns="91440" tIns="45720" rIns="91440" bIns="45720" rtlCol="0">
+            <a:normAutofit/>
+          </a:bodyPr>
+          <a:lstStyle>
+            <a:lvl1pPr marL="228600" indent="-228600" algn="l" defTabSz="914400" rtl="0" eaLnBrk="1" latinLnBrk="0" hangingPunct="1">
+              <a:lnSpc>
+                <a:spcPct val="90000"/>
+              </a:lnSpc>
+              <a:spcBef>
+                <a:spcPts val="1000"/>
+              </a:spcBef>
+              <a:buFont typeface="Arial" panose="020B0604020202020204" pitchFamily="34" charset="0"/>
+              <a:buChar char="•"/>
+              <a:defRPr sz="1800" kern="1200" baseline="0">
+                <a:solidFill>
+                  <a:schemeClr val="tx1"/>
+                </a:solidFill>
+                <a:latin typeface="Times New Roman" panose="02020603050405020304" pitchFamily="18" charset="0"/>
+                <a:ea typeface="微软雅黑" panose="020B0503020204020204" pitchFamily="34" charset="-122"/>
+                <a:cs typeface="+mn-cs"/>
+              </a:defRPr>
+            </a:lvl1pPr>
+            <a:lvl2pPr marL="685800" indent="-228600" algn="l" defTabSz="914400" rtl="0" eaLnBrk="1" latinLnBrk="0" hangingPunct="1">
+              <a:lnSpc>
+                <a:spcPct val="90000"/>
+              </a:lnSpc>
+              <a:spcBef>
+                <a:spcPts val="500"/>
+              </a:spcBef>
+              <a:buFont typeface="Arial" panose="020B0604020202020204" pitchFamily="34" charset="0"/>
+              <a:buChar char="•"/>
+              <a:defRPr sz="1600" kern="1200" baseline="0">
+                <a:solidFill>
+                  <a:schemeClr val="tx1"/>
+                </a:solidFill>
+                <a:latin typeface="Times New Roman" panose="02020603050405020304" pitchFamily="18" charset="0"/>
+                <a:ea typeface="微软雅黑" panose="020B0503020204020204" pitchFamily="34" charset="-122"/>
+                <a:cs typeface="+mn-cs"/>
+              </a:defRPr>
+            </a:lvl2pPr>
+            <a:lvl3pPr marL="1143000" indent="-228600" algn="l" defTabSz="914400" rtl="0" eaLnBrk="1" latinLnBrk="0" hangingPunct="1">
+              <a:lnSpc>
+                <a:spcPct val="90000"/>
+              </a:lnSpc>
+              <a:spcBef>
+                <a:spcPts val="500"/>
+              </a:spcBef>
+              <a:buFont typeface="Arial" panose="020B0604020202020204" pitchFamily="34" charset="0"/>
+              <a:buChar char="•"/>
+              <a:defRPr sz="1400" kern="1200" baseline="0">
+                <a:solidFill>
+                  <a:schemeClr val="tx1"/>
+                </a:solidFill>
+                <a:latin typeface="Times New Roman" panose="02020603050405020304" pitchFamily="18" charset="0"/>
+                <a:ea typeface="微软雅黑" panose="020B0503020204020204" pitchFamily="34" charset="-122"/>
+                <a:cs typeface="+mn-cs"/>
+              </a:defRPr>
+            </a:lvl3pPr>
+            <a:lvl4pPr marL="1600200" indent="-228600" algn="l" defTabSz="914400" rtl="0" eaLnBrk="1" latinLnBrk="0" hangingPunct="1">
+              <a:lnSpc>
+                <a:spcPct val="90000"/>
+              </a:lnSpc>
+              <a:spcBef>
+                <a:spcPts val="500"/>
+              </a:spcBef>
+              <a:buFont typeface="Arial" panose="020B0604020202020204" pitchFamily="34" charset="0"/>
+              <a:buChar char="•"/>
+              <a:defRPr sz="1200" kern="1200" baseline="0">
+                <a:solidFill>
+                  <a:schemeClr val="tx1"/>
+                </a:solidFill>
+                <a:latin typeface="Times New Roman" panose="02020603050405020304" pitchFamily="18" charset="0"/>
+                <a:ea typeface="微软雅黑" panose="020B0503020204020204" pitchFamily="34" charset="-122"/>
+                <a:cs typeface="+mn-cs"/>
+              </a:defRPr>
+            </a:lvl4pPr>
+            <a:lvl5pPr marL="2057400" indent="-228600" algn="l" defTabSz="914400" rtl="0" eaLnBrk="1" latinLnBrk="0" hangingPunct="1">
+              <a:lnSpc>
+                <a:spcPct val="90000"/>
+              </a:lnSpc>
+              <a:spcBef>
+                <a:spcPts val="500"/>
+              </a:spcBef>
+              <a:buFont typeface="Arial" panose="020B0604020202020204" pitchFamily="34" charset="0"/>
+              <a:buChar char="•"/>
+              <a:defRPr sz="1200" kern="1200" baseline="0">
+                <a:solidFill>
+                  <a:schemeClr val="tx1"/>
+                </a:solidFill>
+                <a:latin typeface="Times New Roman" panose="02020603050405020304" pitchFamily="18" charset="0"/>
+                <a:ea typeface="微软雅黑" panose="020B0503020204020204" pitchFamily="34" charset="-122"/>
+                <a:cs typeface="+mn-cs"/>
+              </a:defRPr>
+            </a:lvl5pPr>
+            <a:lvl6pPr marL="2514600" indent="-228600" algn="l" defTabSz="914400" rtl="0" eaLnBrk="1" latinLnBrk="0" hangingPunct="1">
+              <a:lnSpc>
+                <a:spcPct val="90000"/>
+              </a:lnSpc>
+              <a:spcBef>
+                <a:spcPts val="500"/>
+              </a:spcBef>
+              <a:buFont typeface="Arial" panose="020B0604020202020204" pitchFamily="34" charset="0"/>
+              <a:buChar char="•"/>
+              <a:defRPr sz="1800" kern="1200">
+                <a:solidFill>
+                  <a:schemeClr val="tx1"/>
+                </a:solidFill>
+                <a:latin typeface="+mn-lt"/>
+                <a:ea typeface="+mn-ea"/>
+                <a:cs typeface="+mn-cs"/>
+              </a:defRPr>
+            </a:lvl6pPr>
+            <a:lvl7pPr marL="2971800" indent="-228600" algn="l" defTabSz="914400" rtl="0" eaLnBrk="1" latinLnBrk="0" hangingPunct="1">
+              <a:lnSpc>
+                <a:spcPct val="90000"/>
+              </a:lnSpc>
+              <a:spcBef>
+                <a:spcPts val="500"/>
+              </a:spcBef>
+              <a:buFont typeface="Arial" panose="020B0604020202020204" pitchFamily="34" charset="0"/>
+              <a:buChar char="•"/>
+              <a:defRPr sz="1800" kern="1200">
+                <a:solidFill>
+                  <a:schemeClr val="tx1"/>
+                </a:solidFill>
+                <a:latin typeface="+mn-lt"/>
+                <a:ea typeface="+mn-ea"/>
+                <a:cs typeface="+mn-cs"/>
+              </a:defRPr>
+            </a:lvl7pPr>
+            <a:lvl8pPr marL="3429000" indent="-228600" algn="l" defTabSz="914400" rtl="0" eaLnBrk="1" latinLnBrk="0" hangingPunct="1">
+              <a:lnSpc>
+                <a:spcPct val="90000"/>
+              </a:lnSpc>
+              <a:spcBef>
+                <a:spcPts val="500"/>
+              </a:spcBef>
+              <a:buFont typeface="Arial" panose="020B0604020202020204" pitchFamily="34" charset="0"/>
+              <a:buChar char="•"/>
+              <a:defRPr sz="1800" kern="1200">
+                <a:solidFill>
+                  <a:schemeClr val="tx1"/>
+                </a:solidFill>
+                <a:latin typeface="+mn-lt"/>
+                <a:ea typeface="+mn-ea"/>
+                <a:cs typeface="+mn-cs"/>
+              </a:defRPr>
+            </a:lvl8pPr>
+            <a:lvl9pPr marL="3886200" indent="-228600" algn="l" defTabSz="914400" rtl="0" eaLnBrk="1" latinLnBrk="0" hangingPunct="1">
+              <a:lnSpc>
+                <a:spcPct val="90000"/>
+              </a:lnSpc>
+              <a:spcBef>
+                <a:spcPts val="500"/>
+              </a:spcBef>
+              <a:buFont typeface="Arial" panose="020B0604020202020204" pitchFamily="34" charset="0"/>
+              <a:buChar char="•"/>
+              <a:defRPr sz="1800" kern="1200">
+                <a:solidFill>
+                  <a:schemeClr val="tx1"/>
+                </a:solidFill>
+                <a:latin typeface="+mn-lt"/>
+                <a:ea typeface="+mn-ea"/>
+                <a:cs typeface="+mn-cs"/>
+              </a:defRPr>
+            </a:lvl9pPr>
+          </a:lstStyle>
+          <a:p>
+            <a:pPr marL="0" indent="0">
+              <a:buNone/>
+            </a:pPr>
+            <a:endParaRPr lang="en-US" altLang="zh-CN" sz="1600"/>
+          </a:p>
+        </p:txBody>
+      </p:sp>
+      <p:sp>
+        <p:nvSpPr>
+          <p:cNvPr id="35" name="矩形 34">
+            <a:extLst>
+              <a:ext uri="{FF2B5EF4-FFF2-40B4-BE49-F238E27FC236}">
+                <a16:creationId xmlns:a16="http://schemas.microsoft.com/office/drawing/2014/main" id="{17457BED-8963-4E79-9A97-B619B1FF5D9C}"/>
+              </a:ext>
+            </a:extLst>
+          </p:cNvPr>
+          <p:cNvSpPr/>
+          <p:nvPr/>
+        </p:nvSpPr>
+        <p:spPr>
+          <a:xfrm>
+            <a:off x="551941" y="4167373"/>
+            <a:ext cx="568171" cy="470018"/>
+          </a:xfrm>
+          <a:prstGeom prst="rect">
+            <a:avLst/>
+          </a:prstGeom>
+        </p:spPr>
+        <p:style>
+          <a:lnRef idx="2">
+            <a:schemeClr val="accent4">
+              <a:shade val="50000"/>
+            </a:schemeClr>
+          </a:lnRef>
+          <a:fillRef idx="1">
+            <a:schemeClr val="accent4"/>
+          </a:fillRef>
+          <a:effectRef idx="0">
+            <a:schemeClr val="accent4"/>
+          </a:effectRef>
+          <a:fontRef idx="minor">
+            <a:schemeClr val="lt1"/>
+          </a:fontRef>
+        </p:style>
+        <p:txBody>
+          <a:bodyPr rtlCol="0" anchor="ctr"/>
+          <a:lstStyle/>
+          <a:p>
+            <a:pPr algn="ctr"/>
+            <a:r>
+              <a:rPr lang="en-US" altLang="zh-CN">
+                <a:solidFill>
+                  <a:schemeClr val="tx1"/>
+                </a:solidFill>
+                <a:latin typeface="Times New Roman" panose="02020603050405020304" pitchFamily="18" charset="0"/>
+                <a:cs typeface="Times New Roman" panose="02020603050405020304" pitchFamily="18" charset="0"/>
+              </a:rPr>
+              <a:t>2</a:t>
+            </a:r>
+            <a:endParaRPr lang="zh-CN" altLang="en-US">
+              <a:solidFill>
+                <a:schemeClr val="tx1"/>
+              </a:solidFill>
+              <a:latin typeface="Times New Roman" panose="02020603050405020304" pitchFamily="18" charset="0"/>
+              <a:cs typeface="Times New Roman" panose="02020603050405020304" pitchFamily="18" charset="0"/>
+            </a:endParaRPr>
+          </a:p>
+        </p:txBody>
+      </p:sp>
+      <p:sp>
+        <p:nvSpPr>
+          <p:cNvPr id="36" name="矩形 35">
+            <a:extLst>
+              <a:ext uri="{FF2B5EF4-FFF2-40B4-BE49-F238E27FC236}">
+                <a16:creationId xmlns:a16="http://schemas.microsoft.com/office/drawing/2014/main" id="{5855095B-62BB-4A86-BAC6-30FC72608B4B}"/>
+              </a:ext>
+            </a:extLst>
+          </p:cNvPr>
+          <p:cNvSpPr/>
+          <p:nvPr/>
+        </p:nvSpPr>
+        <p:spPr>
+          <a:xfrm>
+            <a:off x="1502765" y="4146315"/>
+            <a:ext cx="568171" cy="512134"/>
+          </a:xfrm>
+          <a:prstGeom prst="rect">
+            <a:avLst/>
+          </a:prstGeom>
+        </p:spPr>
+        <p:style>
+          <a:lnRef idx="2">
+            <a:schemeClr val="accent4">
+              <a:shade val="50000"/>
+            </a:schemeClr>
+          </a:lnRef>
+          <a:fillRef idx="1">
+            <a:schemeClr val="accent4"/>
+          </a:fillRef>
+          <a:effectRef idx="0">
+            <a:schemeClr val="accent4"/>
+          </a:effectRef>
+          <a:fontRef idx="minor">
+            <a:schemeClr val="lt1"/>
+          </a:fontRef>
+        </p:style>
+        <p:txBody>
+          <a:bodyPr rtlCol="0" anchor="ctr"/>
+          <a:lstStyle/>
+          <a:p>
+            <a:pPr algn="ctr"/>
+            <a:r>
+              <a:rPr lang="en-US" altLang="zh-CN">
+                <a:solidFill>
+                  <a:schemeClr val="tx1"/>
+                </a:solidFill>
+                <a:latin typeface="Times New Roman" panose="02020603050405020304" pitchFamily="18" charset="0"/>
+                <a:cs typeface="Times New Roman" panose="02020603050405020304" pitchFamily="18" charset="0"/>
+              </a:rPr>
+              <a:t>28</a:t>
+            </a:r>
+            <a:endParaRPr lang="zh-CN" altLang="en-US">
+              <a:solidFill>
+                <a:schemeClr val="tx1"/>
+              </a:solidFill>
+              <a:latin typeface="Times New Roman" panose="02020603050405020304" pitchFamily="18" charset="0"/>
+              <a:cs typeface="Times New Roman" panose="02020603050405020304" pitchFamily="18" charset="0"/>
+            </a:endParaRPr>
+          </a:p>
+        </p:txBody>
+      </p:sp>
+      <p:sp>
+        <p:nvSpPr>
+          <p:cNvPr id="37" name="箭头: 虚尾 36">
+            <a:extLst>
+              <a:ext uri="{FF2B5EF4-FFF2-40B4-BE49-F238E27FC236}">
+                <a16:creationId xmlns:a16="http://schemas.microsoft.com/office/drawing/2014/main" id="{2679DF4C-2C60-4E39-AE62-1B59EDDFBD27}"/>
+              </a:ext>
+            </a:extLst>
+          </p:cNvPr>
+          <p:cNvSpPr/>
+          <p:nvPr/>
+        </p:nvSpPr>
+        <p:spPr>
+          <a:xfrm rot="16200000">
+            <a:off x="3199674" y="5131788"/>
+            <a:ext cx="755679" cy="472945"/>
+          </a:xfrm>
+          <a:prstGeom prst="stripedRightArrow">
+            <a:avLst/>
+          </a:prstGeom>
+        </p:spPr>
+        <p:style>
+          <a:lnRef idx="2">
+            <a:schemeClr val="accent1">
+              <a:shade val="50000"/>
+            </a:schemeClr>
+          </a:lnRef>
+          <a:fillRef idx="1">
+            <a:schemeClr val="accent1"/>
+          </a:fillRef>
+          <a:effectRef idx="0">
+            <a:schemeClr val="accent1"/>
+          </a:effectRef>
+          <a:fontRef idx="minor">
+            <a:schemeClr val="lt1"/>
+          </a:fontRef>
+        </p:style>
+        <p:txBody>
+          <a:bodyPr rtlCol="0" anchor="ctr"/>
+          <a:lstStyle/>
+          <a:p>
+            <a:pPr algn="ctr"/>
+            <a:endParaRPr lang="zh-CN" altLang="en-US" dirty="0"/>
+          </a:p>
+        </p:txBody>
+      </p:sp>
+      <p:sp>
+        <p:nvSpPr>
+          <p:cNvPr id="38" name="箭头: 虚尾 37">
+            <a:extLst>
+              <a:ext uri="{FF2B5EF4-FFF2-40B4-BE49-F238E27FC236}">
+                <a16:creationId xmlns:a16="http://schemas.microsoft.com/office/drawing/2014/main" id="{02C7C737-910C-49AF-9431-20606110F6CE}"/>
+              </a:ext>
+            </a:extLst>
+          </p:cNvPr>
+          <p:cNvSpPr/>
+          <p:nvPr/>
+        </p:nvSpPr>
+        <p:spPr>
+          <a:xfrm rot="16200000">
+            <a:off x="1361398" y="5051923"/>
+            <a:ext cx="755679" cy="472945"/>
+          </a:xfrm>
+          <a:prstGeom prst="stripedRightArrow">
+            <a:avLst/>
+          </a:prstGeom>
+        </p:spPr>
+        <p:style>
+          <a:lnRef idx="2">
+            <a:schemeClr val="accent1">
+              <a:shade val="50000"/>
+            </a:schemeClr>
+          </a:lnRef>
+          <a:fillRef idx="1">
+            <a:schemeClr val="accent1"/>
+          </a:fillRef>
+          <a:effectRef idx="0">
+            <a:schemeClr val="accent1"/>
+          </a:effectRef>
+          <a:fontRef idx="minor">
+            <a:schemeClr val="lt1"/>
+          </a:fontRef>
+        </p:style>
+        <p:txBody>
+          <a:bodyPr rtlCol="0" anchor="ctr"/>
+          <a:lstStyle/>
+          <a:p>
+            <a:pPr algn="ctr"/>
+            <a:endParaRPr lang="zh-CN" altLang="en-US" dirty="0"/>
+          </a:p>
+        </p:txBody>
+      </p:sp>
+      <p:sp>
+        <p:nvSpPr>
+          <p:cNvPr id="39" name="矩形 38">
+            <a:extLst>
+              <a:ext uri="{FF2B5EF4-FFF2-40B4-BE49-F238E27FC236}">
+                <a16:creationId xmlns:a16="http://schemas.microsoft.com/office/drawing/2014/main" id="{81747441-6AD9-4BD5-AD08-464285DFDF8B}"/>
+              </a:ext>
+            </a:extLst>
+          </p:cNvPr>
+          <p:cNvSpPr/>
+          <p:nvPr/>
+        </p:nvSpPr>
+        <p:spPr>
+          <a:xfrm>
+            <a:off x="2453589" y="4132306"/>
+            <a:ext cx="568171" cy="540152"/>
+          </a:xfrm>
+          <a:prstGeom prst="rect">
+            <a:avLst/>
+          </a:prstGeom>
+        </p:spPr>
+        <p:style>
+          <a:lnRef idx="2">
+            <a:schemeClr val="accent6">
+              <a:shade val="50000"/>
+            </a:schemeClr>
+          </a:lnRef>
+          <a:fillRef idx="1">
+            <a:schemeClr val="accent6"/>
+          </a:fillRef>
+          <a:effectRef idx="0">
+            <a:schemeClr val="accent6"/>
+          </a:effectRef>
+          <a:fontRef idx="minor">
+            <a:schemeClr val="lt1"/>
+          </a:fontRef>
+        </p:style>
+        <p:txBody>
+          <a:bodyPr rtlCol="0" anchor="ctr"/>
+          <a:lstStyle/>
+          <a:p>
+            <a:pPr algn="ctr"/>
+            <a:r>
+              <a:rPr lang="en-US" altLang="zh-CN">
+                <a:solidFill>
+                  <a:schemeClr val="tx1"/>
+                </a:solidFill>
+                <a:latin typeface="Times New Roman" panose="02020603050405020304" pitchFamily="18" charset="0"/>
+                <a:cs typeface="Times New Roman" panose="02020603050405020304" pitchFamily="18" charset="0"/>
+              </a:rPr>
+              <a:t>1</a:t>
+            </a:r>
+            <a:endParaRPr lang="zh-CN" altLang="en-US">
+              <a:solidFill>
+                <a:schemeClr val="tx1"/>
+              </a:solidFill>
+              <a:latin typeface="Times New Roman" panose="02020603050405020304" pitchFamily="18" charset="0"/>
+              <a:cs typeface="Times New Roman" panose="02020603050405020304" pitchFamily="18" charset="0"/>
+            </a:endParaRPr>
+          </a:p>
+        </p:txBody>
+      </p:sp>
+      <p:sp>
+        <p:nvSpPr>
+          <p:cNvPr id="40" name="矩形 39">
+            <a:extLst>
+              <a:ext uri="{FF2B5EF4-FFF2-40B4-BE49-F238E27FC236}">
+                <a16:creationId xmlns:a16="http://schemas.microsoft.com/office/drawing/2014/main" id="{33C0750F-19AD-4090-9DDC-149B2FE3141D}"/>
+              </a:ext>
+            </a:extLst>
+          </p:cNvPr>
+          <p:cNvSpPr/>
+          <p:nvPr/>
+        </p:nvSpPr>
+        <p:spPr>
+          <a:xfrm>
+            <a:off x="3341041" y="4195850"/>
+            <a:ext cx="568171" cy="482798"/>
+          </a:xfrm>
+          <a:prstGeom prst="rect">
+            <a:avLst/>
+          </a:prstGeom>
+        </p:spPr>
+        <p:style>
+          <a:lnRef idx="2">
+            <a:schemeClr val="accent6">
+              <a:shade val="50000"/>
+            </a:schemeClr>
+          </a:lnRef>
+          <a:fillRef idx="1">
+            <a:schemeClr val="accent6"/>
+          </a:fillRef>
+          <a:effectRef idx="0">
+            <a:schemeClr val="accent6"/>
+          </a:effectRef>
+          <a:fontRef idx="minor">
+            <a:schemeClr val="lt1"/>
+          </a:fontRef>
+        </p:style>
+        <p:txBody>
+          <a:bodyPr rtlCol="0" anchor="ctr"/>
+          <a:lstStyle/>
+          <a:p>
+            <a:pPr algn="ctr"/>
+            <a:r>
+              <a:rPr lang="en-US" altLang="zh-CN">
+                <a:solidFill>
+                  <a:schemeClr val="tx1"/>
+                </a:solidFill>
+                <a:latin typeface="Times New Roman" panose="02020603050405020304" pitchFamily="18" charset="0"/>
+                <a:cs typeface="Times New Roman" panose="02020603050405020304" pitchFamily="18" charset="0"/>
+              </a:rPr>
+              <a:t>18</a:t>
+            </a:r>
+            <a:endParaRPr lang="zh-CN" altLang="en-US">
+              <a:solidFill>
+                <a:schemeClr val="tx1"/>
+              </a:solidFill>
+              <a:latin typeface="Times New Roman" panose="02020603050405020304" pitchFamily="18" charset="0"/>
+              <a:cs typeface="Times New Roman" panose="02020603050405020304" pitchFamily="18" charset="0"/>
+            </a:endParaRPr>
+          </a:p>
+        </p:txBody>
+      </p:sp>
+      <p:sp>
+        <p:nvSpPr>
+          <p:cNvPr id="45" name="矩形 44">
+            <a:extLst>
+              <a:ext uri="{FF2B5EF4-FFF2-40B4-BE49-F238E27FC236}">
+                <a16:creationId xmlns:a16="http://schemas.microsoft.com/office/drawing/2014/main" id="{AB903BB5-7FA5-441E-A3D7-B81FF73932C1}"/>
+              </a:ext>
+            </a:extLst>
+          </p:cNvPr>
+          <p:cNvSpPr/>
+          <p:nvPr/>
+        </p:nvSpPr>
+        <p:spPr>
+          <a:xfrm>
+            <a:off x="2453588" y="4132306"/>
+            <a:ext cx="568171" cy="540152"/>
+          </a:xfrm>
+          <a:prstGeom prst="rect">
+            <a:avLst/>
+          </a:prstGeom>
+        </p:spPr>
+        <p:style>
+          <a:lnRef idx="2">
+            <a:schemeClr val="accent6">
+              <a:shade val="50000"/>
+            </a:schemeClr>
+          </a:lnRef>
+          <a:fillRef idx="1">
+            <a:schemeClr val="accent6"/>
+          </a:fillRef>
+          <a:effectRef idx="0">
+            <a:schemeClr val="accent6"/>
+          </a:effectRef>
+          <a:fontRef idx="minor">
+            <a:schemeClr val="lt1"/>
+          </a:fontRef>
+        </p:style>
+        <p:txBody>
+          <a:bodyPr rtlCol="0" anchor="ctr"/>
+          <a:lstStyle/>
+          <a:p>
+            <a:pPr algn="ctr"/>
+            <a:r>
+              <a:rPr lang="en-US" altLang="zh-CN">
+                <a:solidFill>
+                  <a:schemeClr val="tx1"/>
+                </a:solidFill>
+                <a:latin typeface="Times New Roman" panose="02020603050405020304" pitchFamily="18" charset="0"/>
+                <a:cs typeface="Times New Roman" panose="02020603050405020304" pitchFamily="18" charset="0"/>
+              </a:rPr>
+              <a:t>1</a:t>
+            </a:r>
+            <a:endParaRPr lang="zh-CN" altLang="en-US">
+              <a:solidFill>
+                <a:schemeClr val="tx1"/>
+              </a:solidFill>
+              <a:latin typeface="Times New Roman" panose="02020603050405020304" pitchFamily="18" charset="0"/>
+              <a:cs typeface="Times New Roman" panose="02020603050405020304" pitchFamily="18" charset="0"/>
+            </a:endParaRPr>
+          </a:p>
+        </p:txBody>
+      </p:sp>
+      <p:sp>
+        <p:nvSpPr>
+          <p:cNvPr id="46" name="矩形 45">
+            <a:extLst>
+              <a:ext uri="{FF2B5EF4-FFF2-40B4-BE49-F238E27FC236}">
+                <a16:creationId xmlns:a16="http://schemas.microsoft.com/office/drawing/2014/main" id="{13F0423E-C37D-4B8A-AA21-3D7B301AEECF}"/>
+              </a:ext>
+            </a:extLst>
+          </p:cNvPr>
+          <p:cNvSpPr/>
+          <p:nvPr/>
+        </p:nvSpPr>
+        <p:spPr>
+          <a:xfrm>
+            <a:off x="551940" y="6023632"/>
+            <a:ext cx="568171" cy="540152"/>
+          </a:xfrm>
+          <a:prstGeom prst="rect">
+            <a:avLst/>
+          </a:prstGeom>
+        </p:spPr>
+        <p:style>
+          <a:lnRef idx="2">
+            <a:schemeClr val="accent6">
+              <a:shade val="50000"/>
+            </a:schemeClr>
+          </a:lnRef>
+          <a:fillRef idx="1">
+            <a:schemeClr val="accent6"/>
+          </a:fillRef>
+          <a:effectRef idx="0">
+            <a:schemeClr val="accent6"/>
+          </a:effectRef>
+          <a:fontRef idx="minor">
+            <a:schemeClr val="lt1"/>
+          </a:fontRef>
+        </p:style>
+        <p:txBody>
+          <a:bodyPr rtlCol="0" anchor="ctr"/>
+          <a:lstStyle/>
+          <a:p>
+            <a:pPr algn="ctr"/>
+            <a:r>
+              <a:rPr lang="en-US" altLang="zh-CN">
+                <a:solidFill>
+                  <a:schemeClr val="tx1"/>
+                </a:solidFill>
+                <a:latin typeface="Times New Roman" panose="02020603050405020304" pitchFamily="18" charset="0"/>
+                <a:cs typeface="Times New Roman" panose="02020603050405020304" pitchFamily="18" charset="0"/>
+              </a:rPr>
+              <a:t>1</a:t>
+            </a:r>
+            <a:endParaRPr lang="zh-CN" altLang="en-US">
+              <a:solidFill>
+                <a:schemeClr val="tx1"/>
+              </a:solidFill>
+              <a:latin typeface="Times New Roman" panose="02020603050405020304" pitchFamily="18" charset="0"/>
+              <a:cs typeface="Times New Roman" panose="02020603050405020304" pitchFamily="18" charset="0"/>
+            </a:endParaRPr>
+          </a:p>
+        </p:txBody>
+      </p:sp>
+      <p:sp>
+        <p:nvSpPr>
+          <p:cNvPr id="47" name="矩形 46">
+            <a:extLst>
+              <a:ext uri="{FF2B5EF4-FFF2-40B4-BE49-F238E27FC236}">
+                <a16:creationId xmlns:a16="http://schemas.microsoft.com/office/drawing/2014/main" id="{95A45B75-6FCB-4906-B49C-91B059BC69CC}"/>
+              </a:ext>
+            </a:extLst>
+          </p:cNvPr>
+          <p:cNvSpPr/>
+          <p:nvPr/>
+        </p:nvSpPr>
+        <p:spPr>
+          <a:xfrm>
+            <a:off x="1625006" y="6055963"/>
+            <a:ext cx="568171" cy="470018"/>
+          </a:xfrm>
+          <a:prstGeom prst="rect">
+            <a:avLst/>
+          </a:prstGeom>
+        </p:spPr>
+        <p:style>
+          <a:lnRef idx="2">
+            <a:schemeClr val="accent4">
+              <a:shade val="50000"/>
+            </a:schemeClr>
+          </a:lnRef>
+          <a:fillRef idx="1">
+            <a:schemeClr val="accent4"/>
+          </a:fillRef>
+          <a:effectRef idx="0">
+            <a:schemeClr val="accent4"/>
+          </a:effectRef>
+          <a:fontRef idx="minor">
+            <a:schemeClr val="lt1"/>
+          </a:fontRef>
+        </p:style>
+        <p:txBody>
+          <a:bodyPr rtlCol="0" anchor="ctr"/>
+          <a:lstStyle/>
+          <a:p>
+            <a:pPr algn="ctr"/>
+            <a:r>
+              <a:rPr lang="en-US" altLang="zh-CN">
+                <a:solidFill>
+                  <a:schemeClr val="tx1"/>
+                </a:solidFill>
+                <a:latin typeface="Times New Roman" panose="02020603050405020304" pitchFamily="18" charset="0"/>
+                <a:cs typeface="Times New Roman" panose="02020603050405020304" pitchFamily="18" charset="0"/>
+              </a:rPr>
+              <a:t>2</a:t>
+            </a:r>
+            <a:endParaRPr lang="zh-CN" altLang="en-US">
+              <a:solidFill>
+                <a:schemeClr val="tx1"/>
+              </a:solidFill>
+              <a:latin typeface="Times New Roman" panose="02020603050405020304" pitchFamily="18" charset="0"/>
+              <a:cs typeface="Times New Roman" panose="02020603050405020304" pitchFamily="18" charset="0"/>
+            </a:endParaRPr>
+          </a:p>
+        </p:txBody>
+      </p:sp>
+      <p:sp>
+        <p:nvSpPr>
+          <p:cNvPr id="51" name="矩形 50">
+            <a:extLst>
+              <a:ext uri="{FF2B5EF4-FFF2-40B4-BE49-F238E27FC236}">
+                <a16:creationId xmlns:a16="http://schemas.microsoft.com/office/drawing/2014/main" id="{00B206B0-E830-4F3A-BE32-F6A01C9723D8}"/>
+              </a:ext>
+            </a:extLst>
+          </p:cNvPr>
+          <p:cNvSpPr/>
+          <p:nvPr/>
+        </p:nvSpPr>
+        <p:spPr>
+          <a:xfrm>
+            <a:off x="2485983" y="6055963"/>
+            <a:ext cx="568171" cy="482798"/>
+          </a:xfrm>
+          <a:prstGeom prst="rect">
+            <a:avLst/>
+          </a:prstGeom>
+        </p:spPr>
+        <p:style>
+          <a:lnRef idx="2">
+            <a:schemeClr val="accent6">
+              <a:shade val="50000"/>
+            </a:schemeClr>
+          </a:lnRef>
+          <a:fillRef idx="1">
+            <a:schemeClr val="accent6"/>
+          </a:fillRef>
+          <a:effectRef idx="0">
+            <a:schemeClr val="accent6"/>
+          </a:effectRef>
+          <a:fontRef idx="minor">
+            <a:schemeClr val="lt1"/>
+          </a:fontRef>
+        </p:style>
+        <p:txBody>
+          <a:bodyPr rtlCol="0" anchor="ctr"/>
+          <a:lstStyle/>
+          <a:p>
+            <a:pPr algn="ctr"/>
+            <a:r>
+              <a:rPr lang="en-US" altLang="zh-CN">
+                <a:solidFill>
+                  <a:schemeClr val="tx1"/>
+                </a:solidFill>
+                <a:latin typeface="Times New Roman" panose="02020603050405020304" pitchFamily="18" charset="0"/>
+                <a:cs typeface="Times New Roman" panose="02020603050405020304" pitchFamily="18" charset="0"/>
+              </a:rPr>
+              <a:t>18</a:t>
+            </a:r>
+            <a:endParaRPr lang="zh-CN" altLang="en-US">
+              <a:solidFill>
+                <a:schemeClr val="tx1"/>
+              </a:solidFill>
+              <a:latin typeface="Times New Roman" panose="02020603050405020304" pitchFamily="18" charset="0"/>
+              <a:cs typeface="Times New Roman" panose="02020603050405020304" pitchFamily="18" charset="0"/>
+            </a:endParaRPr>
+          </a:p>
+        </p:txBody>
+      </p:sp>
+    </p:spTree>
+    <p:extLst>
+      <p:ext uri="{BB962C8B-B14F-4D97-AF65-F5344CB8AC3E}">
+        <p14:creationId xmlns:p14="http://schemas.microsoft.com/office/powerpoint/2010/main" val="675733739"/>
+      </p:ext>
+    </p:extLst>
+  </p:cSld>
+  <p:clrMapOvr>
+    <a:masterClrMapping/>
+  </p:clrMapOvr>
+</p:sld>
+</file>
+
+<file path=ppt/slides/slide12.xml><?xml version="1.0" encoding="utf-8"?>
+<p:sld xmlns:a="http://schemas.openxmlformats.org/drawingml/2006/main" xmlns:r="http://schemas.openxmlformats.org/officeDocument/2006/relationships" xmlns:p="http://schemas.openxmlformats.org/presentationml/2006/main">
+  <p:cSld>
+    <p:spTree>
+      <p:nvGrpSpPr>
+        <p:cNvPr id="1" name=""/>
+        <p:cNvGrpSpPr/>
+        <p:nvPr/>
+      </p:nvGrpSpPr>
+      <p:grpSpPr>
+        <a:xfrm>
+          <a:off x="0" y="0"/>
+          <a:ext cx="0" cy="0"/>
+          <a:chOff x="0" y="0"/>
+          <a:chExt cx="0" cy="0"/>
+        </a:xfrm>
+      </p:grpSpPr>
+      <p:sp>
+        <p:nvSpPr>
+          <p:cNvPr id="2" name="标题 1">
+            <a:extLst>
+              <a:ext uri="{FF2B5EF4-FFF2-40B4-BE49-F238E27FC236}">
+                <a16:creationId xmlns:a16="http://schemas.microsoft.com/office/drawing/2014/main" id="{E81F6451-B986-4134-B043-26A2549520A7}"/>
+              </a:ext>
+            </a:extLst>
+          </p:cNvPr>
+          <p:cNvSpPr>
+            <a:spLocks noGrp="1"/>
+          </p:cNvSpPr>
+          <p:nvPr>
+            <p:ph type="title"/>
+          </p:nvPr>
+        </p:nvSpPr>
+        <p:spPr>
+          <a:xfrm>
+            <a:off x="99645" y="48603"/>
+            <a:ext cx="12092355" cy="629035"/>
+          </a:xfrm>
+        </p:spPr>
+        <p:txBody>
+          <a:bodyPr/>
+          <a:lstStyle/>
+          <a:p>
+            <a:r>
+              <a:rPr lang="zh-CN" altLang="en-US"/>
+              <a:t>二叉树</a:t>
+            </a:r>
+          </a:p>
+        </p:txBody>
+      </p:sp>
+      <p:sp>
+        <p:nvSpPr>
+          <p:cNvPr id="77" name="矩形 76">
+            <a:extLst>
+              <a:ext uri="{FF2B5EF4-FFF2-40B4-BE49-F238E27FC236}">
+                <a16:creationId xmlns:a16="http://schemas.microsoft.com/office/drawing/2014/main" id="{8925F0FB-440D-4635-A53A-67FCC9FA5B66}"/>
+              </a:ext>
+            </a:extLst>
+          </p:cNvPr>
+          <p:cNvSpPr/>
+          <p:nvPr/>
+        </p:nvSpPr>
+        <p:spPr>
+          <a:xfrm>
+            <a:off x="1388617" y="5150033"/>
+            <a:ext cx="568171" cy="470018"/>
+          </a:xfrm>
+          <a:prstGeom prst="rect">
+            <a:avLst/>
+          </a:prstGeom>
+        </p:spPr>
+        <p:style>
+          <a:lnRef idx="2">
+            <a:schemeClr val="accent2"/>
+          </a:lnRef>
+          <a:fillRef idx="1">
+            <a:schemeClr val="lt1"/>
+          </a:fillRef>
+          <a:effectRef idx="0">
+            <a:schemeClr val="accent2"/>
+          </a:effectRef>
+          <a:fontRef idx="minor">
+            <a:schemeClr val="dk1"/>
+          </a:fontRef>
+        </p:style>
+        <p:txBody>
+          <a:bodyPr rtlCol="0" anchor="ctr"/>
+          <a:lstStyle/>
+          <a:p>
+            <a:pPr algn="ctr"/>
+            <a:endParaRPr lang="zh-CN" altLang="en-US">
+              <a:solidFill>
+                <a:schemeClr val="tx1"/>
+              </a:solidFill>
+              <a:latin typeface="Times New Roman" panose="02020603050405020304" pitchFamily="18" charset="0"/>
+              <a:cs typeface="Times New Roman" panose="02020603050405020304" pitchFamily="18" charset="0"/>
+            </a:endParaRPr>
+          </a:p>
+        </p:txBody>
+      </p:sp>
+      <p:cxnSp>
+        <p:nvCxnSpPr>
+          <p:cNvPr id="80" name="直接箭头连接符 79">
+            <a:extLst>
+              <a:ext uri="{FF2B5EF4-FFF2-40B4-BE49-F238E27FC236}">
+                <a16:creationId xmlns:a16="http://schemas.microsoft.com/office/drawing/2014/main" id="{3A5C41EA-D925-4A24-9C63-FFE516BFE624}"/>
+              </a:ext>
+            </a:extLst>
+          </p:cNvPr>
+          <p:cNvCxnSpPr>
+            <a:cxnSpLocks/>
+          </p:cNvCxnSpPr>
+          <p:nvPr/>
+        </p:nvCxnSpPr>
+        <p:spPr>
+          <a:xfrm flipH="1">
+            <a:off x="5490830" y="3569674"/>
+            <a:ext cx="216765" cy="301355"/>
+          </a:xfrm>
+          <a:prstGeom prst="straightConnector1">
+            <a:avLst/>
+          </a:prstGeom>
+          <a:ln>
+            <a:tailEnd type="triangle"/>
+          </a:ln>
+        </p:spPr>
+        <p:style>
+          <a:lnRef idx="2">
+            <a:schemeClr val="accent2"/>
+          </a:lnRef>
+          <a:fillRef idx="1">
+            <a:schemeClr val="lt1"/>
+          </a:fillRef>
+          <a:effectRef idx="0">
+            <a:schemeClr val="accent2"/>
+          </a:effectRef>
+          <a:fontRef idx="minor">
+            <a:schemeClr val="dk1"/>
+          </a:fontRef>
+        </p:style>
+      </p:cxnSp>
+      <p:cxnSp>
+        <p:nvCxnSpPr>
+          <p:cNvPr id="81" name="直接箭头连接符 80">
+            <a:extLst>
+              <a:ext uri="{FF2B5EF4-FFF2-40B4-BE49-F238E27FC236}">
+                <a16:creationId xmlns:a16="http://schemas.microsoft.com/office/drawing/2014/main" id="{A6B0CC23-3138-4049-975F-C2C09DB1D95E}"/>
+              </a:ext>
+            </a:extLst>
+          </p:cNvPr>
+          <p:cNvCxnSpPr>
+            <a:cxnSpLocks/>
+          </p:cNvCxnSpPr>
+          <p:nvPr/>
+        </p:nvCxnSpPr>
+        <p:spPr>
+          <a:xfrm>
+            <a:off x="5707595" y="3569674"/>
+            <a:ext cx="200485" cy="301355"/>
+          </a:xfrm>
+          <a:prstGeom prst="straightConnector1">
+            <a:avLst/>
+          </a:prstGeom>
+          <a:ln>
+            <a:tailEnd type="triangle"/>
+          </a:ln>
+        </p:spPr>
+        <p:style>
+          <a:lnRef idx="2">
+            <a:schemeClr val="accent2"/>
+          </a:lnRef>
+          <a:fillRef idx="1">
+            <a:schemeClr val="lt1"/>
+          </a:fillRef>
+          <a:effectRef idx="0">
+            <a:schemeClr val="accent2"/>
+          </a:effectRef>
+          <a:fontRef idx="minor">
+            <a:schemeClr val="dk1"/>
+          </a:fontRef>
+        </p:style>
+      </p:cxnSp>
+      <p:sp>
+        <p:nvSpPr>
+          <p:cNvPr id="103" name="椭圆 102">
+            <a:extLst>
+              <a:ext uri="{FF2B5EF4-FFF2-40B4-BE49-F238E27FC236}">
+                <a16:creationId xmlns:a16="http://schemas.microsoft.com/office/drawing/2014/main" id="{B27552D2-A02C-4DFB-8FBE-B52AEB0955E3}"/>
+              </a:ext>
+            </a:extLst>
+          </p:cNvPr>
+          <p:cNvSpPr/>
+          <p:nvPr/>
+        </p:nvSpPr>
+        <p:spPr>
+          <a:xfrm>
+            <a:off x="4427594" y="1926849"/>
+            <a:ext cx="1994143" cy="1094864"/>
+          </a:xfrm>
+          <a:prstGeom prst="ellipse">
+            <a:avLst/>
+          </a:prstGeom>
+          <a:noFill/>
+          <a:ln w="28575"/>
+        </p:spPr>
+        <p:style>
+          <a:lnRef idx="2">
+            <a:schemeClr val="accent6"/>
+          </a:lnRef>
+          <a:fillRef idx="1">
+            <a:schemeClr val="lt1"/>
+          </a:fillRef>
+          <a:effectRef idx="0">
+            <a:schemeClr val="accent6"/>
+          </a:effectRef>
+          <a:fontRef idx="minor">
+            <a:schemeClr val="dk1"/>
+          </a:fontRef>
+        </p:style>
+        <p:txBody>
+          <a:bodyPr rtlCol="0" anchor="ctr"/>
+          <a:lstStyle/>
+          <a:p>
+            <a:pPr algn="ctr"/>
+            <a:endParaRPr lang="zh-CN" altLang="en-US"/>
+          </a:p>
+        </p:txBody>
+      </p:sp>
+      <p:sp>
+        <p:nvSpPr>
+          <p:cNvPr id="111" name="矩形 110">
+            <a:extLst>
+              <a:ext uri="{FF2B5EF4-FFF2-40B4-BE49-F238E27FC236}">
+                <a16:creationId xmlns:a16="http://schemas.microsoft.com/office/drawing/2014/main" id="{FE71997B-2B2F-4620-863B-2A5D0498A6B2}"/>
+              </a:ext>
+            </a:extLst>
+          </p:cNvPr>
+          <p:cNvSpPr/>
+          <p:nvPr/>
+        </p:nvSpPr>
+        <p:spPr>
+          <a:xfrm>
+            <a:off x="6749183" y="2128561"/>
+            <a:ext cx="568171" cy="470018"/>
+          </a:xfrm>
+          <a:prstGeom prst="rect">
+            <a:avLst/>
+          </a:prstGeom>
+        </p:spPr>
+        <p:style>
+          <a:lnRef idx="2">
+            <a:schemeClr val="accent2">
+              <a:shade val="50000"/>
+            </a:schemeClr>
+          </a:lnRef>
+          <a:fillRef idx="1">
+            <a:schemeClr val="accent2"/>
+          </a:fillRef>
+          <a:effectRef idx="0">
+            <a:schemeClr val="accent2"/>
+          </a:effectRef>
+          <a:fontRef idx="minor">
+            <a:schemeClr val="lt1"/>
+          </a:fontRef>
+        </p:style>
+        <p:txBody>
+          <a:bodyPr rtlCol="0" anchor="ctr"/>
+          <a:lstStyle/>
+          <a:p>
+            <a:pPr algn="ctr"/>
+            <a:r>
+              <a:rPr lang="en-US" altLang="zh-CN">
+                <a:solidFill>
+                  <a:schemeClr val="tx1"/>
+                </a:solidFill>
+                <a:latin typeface="Times New Roman" panose="02020603050405020304" pitchFamily="18" charset="0"/>
+                <a:cs typeface="Times New Roman" panose="02020603050405020304" pitchFamily="18" charset="0"/>
+              </a:rPr>
+              <a:t>3</a:t>
+            </a:r>
+            <a:endParaRPr lang="zh-CN" altLang="en-US">
+              <a:solidFill>
+                <a:schemeClr val="tx1"/>
+              </a:solidFill>
+              <a:latin typeface="Times New Roman" panose="02020603050405020304" pitchFamily="18" charset="0"/>
+              <a:cs typeface="Times New Roman" panose="02020603050405020304" pitchFamily="18" charset="0"/>
+            </a:endParaRPr>
+          </a:p>
+        </p:txBody>
+      </p:sp>
+      <p:sp>
+        <p:nvSpPr>
+          <p:cNvPr id="112" name="矩形 111">
+            <a:extLst>
+              <a:ext uri="{FF2B5EF4-FFF2-40B4-BE49-F238E27FC236}">
+                <a16:creationId xmlns:a16="http://schemas.microsoft.com/office/drawing/2014/main" id="{24EF8904-E700-4F49-B678-C96E0FD0E149}"/>
+              </a:ext>
+            </a:extLst>
+          </p:cNvPr>
+          <p:cNvSpPr/>
+          <p:nvPr/>
+        </p:nvSpPr>
+        <p:spPr>
+          <a:xfrm>
+            <a:off x="5655046" y="1249062"/>
+            <a:ext cx="568171" cy="540152"/>
+          </a:xfrm>
+          <a:prstGeom prst="rect">
+            <a:avLst/>
+          </a:prstGeom>
+        </p:spPr>
+        <p:style>
+          <a:lnRef idx="2">
+            <a:schemeClr val="accent6">
+              <a:shade val="50000"/>
+            </a:schemeClr>
+          </a:lnRef>
+          <a:fillRef idx="1">
+            <a:schemeClr val="accent6"/>
+          </a:fillRef>
+          <a:effectRef idx="0">
+            <a:schemeClr val="accent6"/>
+          </a:effectRef>
+          <a:fontRef idx="minor">
+            <a:schemeClr val="lt1"/>
+          </a:fontRef>
+        </p:style>
+        <p:txBody>
+          <a:bodyPr rtlCol="0" anchor="ctr"/>
+          <a:lstStyle/>
+          <a:p>
+            <a:pPr algn="ctr"/>
+            <a:r>
+              <a:rPr lang="en-US" altLang="zh-CN">
+                <a:solidFill>
+                  <a:schemeClr val="tx1"/>
+                </a:solidFill>
+                <a:latin typeface="Times New Roman" panose="02020603050405020304" pitchFamily="18" charset="0"/>
+                <a:cs typeface="Times New Roman" panose="02020603050405020304" pitchFamily="18" charset="0"/>
+              </a:rPr>
+              <a:t>1</a:t>
+            </a:r>
+            <a:endParaRPr lang="zh-CN" altLang="en-US">
+              <a:solidFill>
+                <a:schemeClr val="tx1"/>
+              </a:solidFill>
+              <a:latin typeface="Times New Roman" panose="02020603050405020304" pitchFamily="18" charset="0"/>
+              <a:cs typeface="Times New Roman" panose="02020603050405020304" pitchFamily="18" charset="0"/>
+            </a:endParaRPr>
+          </a:p>
+        </p:txBody>
+      </p:sp>
+      <p:sp>
+        <p:nvSpPr>
+          <p:cNvPr id="113" name="矩形 112">
+            <a:extLst>
+              <a:ext uri="{FF2B5EF4-FFF2-40B4-BE49-F238E27FC236}">
+                <a16:creationId xmlns:a16="http://schemas.microsoft.com/office/drawing/2014/main" id="{CB2AFEA7-20D4-4D86-9D18-E55D7F723B4A}"/>
+              </a:ext>
+            </a:extLst>
+          </p:cNvPr>
+          <p:cNvSpPr/>
+          <p:nvPr/>
+        </p:nvSpPr>
+        <p:spPr>
+          <a:xfrm>
+            <a:off x="5039211" y="2107503"/>
+            <a:ext cx="568171" cy="512134"/>
+          </a:xfrm>
+          <a:prstGeom prst="rect">
+            <a:avLst/>
+          </a:prstGeom>
+        </p:spPr>
+        <p:style>
+          <a:lnRef idx="2">
+            <a:schemeClr val="accent1">
+              <a:shade val="50000"/>
+            </a:schemeClr>
+          </a:lnRef>
+          <a:fillRef idx="1">
+            <a:schemeClr val="accent1"/>
+          </a:fillRef>
+          <a:effectRef idx="0">
+            <a:schemeClr val="accent1"/>
+          </a:effectRef>
+          <a:fontRef idx="minor">
+            <a:schemeClr val="lt1"/>
+          </a:fontRef>
+        </p:style>
+        <p:txBody>
+          <a:bodyPr rtlCol="0" anchor="ctr"/>
+          <a:lstStyle/>
+          <a:p>
+            <a:pPr algn="ctr"/>
+            <a:r>
+              <a:rPr lang="en-US" altLang="zh-CN">
+                <a:solidFill>
+                  <a:schemeClr val="tx1"/>
+                </a:solidFill>
+                <a:latin typeface="Times New Roman" panose="02020603050405020304" pitchFamily="18" charset="0"/>
+                <a:cs typeface="Times New Roman" panose="02020603050405020304" pitchFamily="18" charset="0"/>
+              </a:rPr>
+              <a:t>2</a:t>
+            </a:r>
+            <a:endParaRPr lang="zh-CN" altLang="en-US">
+              <a:solidFill>
+                <a:schemeClr val="tx1"/>
+              </a:solidFill>
+              <a:latin typeface="Times New Roman" panose="02020603050405020304" pitchFamily="18" charset="0"/>
+              <a:cs typeface="Times New Roman" panose="02020603050405020304" pitchFamily="18" charset="0"/>
+            </a:endParaRPr>
+          </a:p>
+        </p:txBody>
+      </p:sp>
+      <p:sp>
+        <p:nvSpPr>
+          <p:cNvPr id="116" name="矩形 115">
+            <a:extLst>
+              <a:ext uri="{FF2B5EF4-FFF2-40B4-BE49-F238E27FC236}">
+                <a16:creationId xmlns:a16="http://schemas.microsoft.com/office/drawing/2014/main" id="{1F4A72B0-44E9-4478-9FA3-AF76DF26B93D}"/>
+              </a:ext>
+            </a:extLst>
+          </p:cNvPr>
+          <p:cNvSpPr/>
+          <p:nvPr/>
+        </p:nvSpPr>
+        <p:spPr>
+          <a:xfrm>
+            <a:off x="4556634" y="2987704"/>
+            <a:ext cx="568171" cy="540152"/>
+          </a:xfrm>
+          <a:prstGeom prst="rect">
+            <a:avLst/>
+          </a:prstGeom>
+        </p:spPr>
+        <p:style>
+          <a:lnRef idx="1">
+            <a:schemeClr val="accent5"/>
+          </a:lnRef>
+          <a:fillRef idx="2">
+            <a:schemeClr val="accent5"/>
+          </a:fillRef>
+          <a:effectRef idx="1">
+            <a:schemeClr val="accent5"/>
+          </a:effectRef>
+          <a:fontRef idx="minor">
+            <a:schemeClr val="dk1"/>
+          </a:fontRef>
+        </p:style>
+        <p:txBody>
+          <a:bodyPr rtlCol="0" anchor="ctr"/>
+          <a:lstStyle/>
+          <a:p>
+            <a:pPr algn="ctr"/>
+            <a:r>
+              <a:rPr lang="en-US" altLang="zh-CN">
+                <a:solidFill>
+                  <a:schemeClr val="tx1"/>
+                </a:solidFill>
+                <a:latin typeface="Times New Roman" panose="02020603050405020304" pitchFamily="18" charset="0"/>
+                <a:cs typeface="Times New Roman" panose="02020603050405020304" pitchFamily="18" charset="0"/>
+              </a:rPr>
+              <a:t>4</a:t>
+            </a:r>
+            <a:endParaRPr lang="zh-CN" altLang="en-US">
+              <a:solidFill>
+                <a:schemeClr val="tx1"/>
+              </a:solidFill>
+              <a:latin typeface="Times New Roman" panose="02020603050405020304" pitchFamily="18" charset="0"/>
+              <a:cs typeface="Times New Roman" panose="02020603050405020304" pitchFamily="18" charset="0"/>
+            </a:endParaRPr>
+          </a:p>
+        </p:txBody>
+      </p:sp>
+      <p:sp>
+        <p:nvSpPr>
+          <p:cNvPr id="118" name="矩形 117">
+            <a:extLst>
+              <a:ext uri="{FF2B5EF4-FFF2-40B4-BE49-F238E27FC236}">
+                <a16:creationId xmlns:a16="http://schemas.microsoft.com/office/drawing/2014/main" id="{CD9813AC-8D06-42E1-9327-EC3A02723CDD}"/>
+              </a:ext>
+            </a:extLst>
+          </p:cNvPr>
+          <p:cNvSpPr/>
+          <p:nvPr/>
+        </p:nvSpPr>
+        <p:spPr>
+          <a:xfrm>
+            <a:off x="5480776" y="2987704"/>
+            <a:ext cx="568171" cy="540152"/>
+          </a:xfrm>
+          <a:prstGeom prst="rect">
+            <a:avLst/>
+          </a:prstGeom>
+        </p:spPr>
+        <p:style>
+          <a:lnRef idx="2">
+            <a:schemeClr val="accent1">
+              <a:shade val="50000"/>
+            </a:schemeClr>
+          </a:lnRef>
+          <a:fillRef idx="1">
+            <a:schemeClr val="accent1"/>
+          </a:fillRef>
+          <a:effectRef idx="0">
+            <a:schemeClr val="accent1"/>
+          </a:effectRef>
+          <a:fontRef idx="minor">
+            <a:schemeClr val="lt1"/>
+          </a:fontRef>
+        </p:style>
+        <p:txBody>
+          <a:bodyPr rtlCol="0" anchor="ctr"/>
+          <a:lstStyle/>
+          <a:p>
+            <a:pPr algn="ctr"/>
+            <a:r>
+              <a:rPr lang="en-US" altLang="zh-CN">
+                <a:solidFill>
+                  <a:schemeClr val="tx1"/>
+                </a:solidFill>
+                <a:latin typeface="Times New Roman" panose="02020603050405020304" pitchFamily="18" charset="0"/>
+                <a:cs typeface="Times New Roman" panose="02020603050405020304" pitchFamily="18" charset="0"/>
+              </a:rPr>
+              <a:t>5</a:t>
+            </a:r>
+            <a:endParaRPr lang="zh-CN" altLang="en-US">
+              <a:solidFill>
+                <a:schemeClr val="tx1"/>
+              </a:solidFill>
+              <a:latin typeface="Times New Roman" panose="02020603050405020304" pitchFamily="18" charset="0"/>
+              <a:cs typeface="Times New Roman" panose="02020603050405020304" pitchFamily="18" charset="0"/>
+            </a:endParaRPr>
+          </a:p>
+        </p:txBody>
+      </p:sp>
+      <p:sp>
+        <p:nvSpPr>
+          <p:cNvPr id="121" name="标题 1">
+            <a:extLst>
+              <a:ext uri="{FF2B5EF4-FFF2-40B4-BE49-F238E27FC236}">
+                <a16:creationId xmlns:a16="http://schemas.microsoft.com/office/drawing/2014/main" id="{F66BC209-B5A6-47E3-BF0C-4FD331900D6B}"/>
+              </a:ext>
+            </a:extLst>
+          </p:cNvPr>
+          <p:cNvSpPr txBox="1">
+            <a:spLocks/>
+          </p:cNvSpPr>
+          <p:nvPr/>
+        </p:nvSpPr>
+        <p:spPr>
+          <a:xfrm>
+            <a:off x="99646" y="843482"/>
+            <a:ext cx="894654" cy="405580"/>
+          </a:xfrm>
+          <a:prstGeom prst="rect">
+            <a:avLst/>
+          </a:prstGeom>
+        </p:spPr>
+        <p:style>
+          <a:lnRef idx="2">
+            <a:schemeClr val="accent2">
+              <a:shade val="50000"/>
+            </a:schemeClr>
+          </a:lnRef>
+          <a:fillRef idx="1">
+            <a:schemeClr val="accent2"/>
+          </a:fillRef>
+          <a:effectRef idx="0">
+            <a:schemeClr val="accent2"/>
+          </a:effectRef>
+          <a:fontRef idx="minor">
+            <a:schemeClr val="lt1"/>
+          </a:fontRef>
+        </p:style>
+        <p:txBody>
+          <a:bodyPr vert="horz" lIns="91440" tIns="45720" rIns="91440" bIns="45720" rtlCol="0" anchor="ctr">
+            <a:normAutofit/>
+          </a:bodyPr>
+          <a:lstStyle>
+            <a:lvl1pPr algn="l" defTabSz="914400" rtl="0" eaLnBrk="1" latinLnBrk="0" hangingPunct="1">
+              <a:lnSpc>
+                <a:spcPct val="90000"/>
+              </a:lnSpc>
+              <a:spcBef>
+                <a:spcPct val="0"/>
+              </a:spcBef>
+              <a:buNone/>
+              <a:defRPr sz="3200" b="0" kern="1200" cap="none" spc="0" baseline="0">
+                <a:ln>
+                  <a:noFill/>
+                </a:ln>
+                <a:solidFill>
+                  <a:schemeClr val="tx1"/>
+                </a:solidFill>
+                <a:effectLst/>
+                <a:latin typeface="Times New Roman" panose="02020603050405020304" pitchFamily="18" charset="0"/>
+                <a:ea typeface="微软雅黑" panose="020B0503020204020204" pitchFamily="34" charset="-122"/>
+                <a:cs typeface="+mj-cs"/>
+              </a:defRPr>
+            </a:lvl1pPr>
+          </a:lstStyle>
+          <a:p>
+            <a:r>
+              <a:rPr lang="zh-CN" altLang="en-US" sz="1800"/>
+              <a:t>二叉树</a:t>
+            </a:r>
+          </a:p>
+        </p:txBody>
+      </p:sp>
+      <p:sp>
+        <p:nvSpPr>
+          <p:cNvPr id="122" name="标题 1">
+            <a:extLst>
+              <a:ext uri="{FF2B5EF4-FFF2-40B4-BE49-F238E27FC236}">
+                <a16:creationId xmlns:a16="http://schemas.microsoft.com/office/drawing/2014/main" id="{878EFE8E-2325-446E-9B78-675C95FE513A}"/>
+              </a:ext>
+            </a:extLst>
+          </p:cNvPr>
+          <p:cNvSpPr txBox="1">
+            <a:spLocks/>
+          </p:cNvSpPr>
+          <p:nvPr/>
+        </p:nvSpPr>
+        <p:spPr>
+          <a:xfrm>
+            <a:off x="178957" y="5214471"/>
+            <a:ext cx="717102" cy="405580"/>
+          </a:xfrm>
+          <a:prstGeom prst="rect">
+            <a:avLst/>
+          </a:prstGeom>
+        </p:spPr>
+        <p:style>
+          <a:lnRef idx="2">
+            <a:schemeClr val="accent6">
+              <a:shade val="50000"/>
+            </a:schemeClr>
+          </a:lnRef>
+          <a:fillRef idx="1">
+            <a:schemeClr val="accent6"/>
+          </a:fillRef>
+          <a:effectRef idx="0">
+            <a:schemeClr val="accent6"/>
+          </a:effectRef>
+          <a:fontRef idx="minor">
+            <a:schemeClr val="lt1"/>
+          </a:fontRef>
+        </p:style>
+        <p:txBody>
+          <a:bodyPr vert="horz" lIns="91440" tIns="45720" rIns="91440" bIns="45720" rtlCol="0" anchor="ctr">
+            <a:normAutofit/>
+          </a:bodyPr>
+          <a:lstStyle>
+            <a:lvl1pPr algn="l" defTabSz="914400" rtl="0" eaLnBrk="1" latinLnBrk="0" hangingPunct="1">
+              <a:lnSpc>
+                <a:spcPct val="90000"/>
+              </a:lnSpc>
+              <a:spcBef>
+                <a:spcPct val="0"/>
+              </a:spcBef>
+              <a:buNone/>
+              <a:defRPr sz="3200" b="0" kern="1200" cap="none" spc="0" baseline="0">
+                <a:ln>
+                  <a:noFill/>
+                </a:ln>
+                <a:solidFill>
+                  <a:schemeClr val="tx1"/>
+                </a:solidFill>
+                <a:effectLst/>
+                <a:latin typeface="Times New Roman" panose="02020603050405020304" pitchFamily="18" charset="0"/>
+                <a:ea typeface="微软雅黑" panose="020B0503020204020204" pitchFamily="34" charset="-122"/>
+                <a:cs typeface="+mj-cs"/>
+              </a:defRPr>
+            </a:lvl1pPr>
+          </a:lstStyle>
+          <a:p>
+            <a:r>
+              <a:rPr lang="zh-CN" altLang="en-US" sz="1800"/>
+              <a:t>叶子</a:t>
+            </a:r>
+          </a:p>
+        </p:txBody>
+      </p:sp>
+      <p:sp>
+        <p:nvSpPr>
+          <p:cNvPr id="123" name="矩形 122">
+            <a:extLst>
+              <a:ext uri="{FF2B5EF4-FFF2-40B4-BE49-F238E27FC236}">
+                <a16:creationId xmlns:a16="http://schemas.microsoft.com/office/drawing/2014/main" id="{5E19923A-AA38-42BB-9455-31A2C79D23B1}"/>
+              </a:ext>
+            </a:extLst>
+          </p:cNvPr>
+          <p:cNvSpPr/>
+          <p:nvPr/>
+        </p:nvSpPr>
+        <p:spPr>
+          <a:xfrm>
+            <a:off x="1749328" y="1205717"/>
+            <a:ext cx="434579" cy="285732"/>
+          </a:xfrm>
+          <a:prstGeom prst="rect">
+            <a:avLst/>
+          </a:prstGeom>
+        </p:spPr>
+        <p:style>
+          <a:lnRef idx="2">
+            <a:schemeClr val="accent2"/>
+          </a:lnRef>
+          <a:fillRef idx="1">
+            <a:schemeClr val="lt1"/>
+          </a:fillRef>
+          <a:effectRef idx="0">
+            <a:schemeClr val="accent2"/>
+          </a:effectRef>
+          <a:fontRef idx="minor">
+            <a:schemeClr val="dk1"/>
+          </a:fontRef>
+        </p:style>
+        <p:txBody>
+          <a:bodyPr rtlCol="0" anchor="ctr"/>
+          <a:lstStyle/>
+          <a:p>
+            <a:pPr algn="ctr"/>
+            <a:r>
+              <a:rPr lang="en-US" altLang="zh-CN">
+                <a:solidFill>
+                  <a:schemeClr val="tx1"/>
+                </a:solidFill>
+                <a:latin typeface="Times New Roman" panose="02020603050405020304" pitchFamily="18" charset="0"/>
+                <a:cs typeface="Times New Roman" panose="02020603050405020304" pitchFamily="18" charset="0"/>
+              </a:rPr>
+              <a:t>30</a:t>
+            </a:r>
+            <a:endParaRPr lang="zh-CN" altLang="en-US">
+              <a:solidFill>
+                <a:schemeClr val="tx1"/>
+              </a:solidFill>
+              <a:latin typeface="Times New Roman" panose="02020603050405020304" pitchFamily="18" charset="0"/>
+              <a:cs typeface="Times New Roman" panose="02020603050405020304" pitchFamily="18" charset="0"/>
+            </a:endParaRPr>
+          </a:p>
+        </p:txBody>
+      </p:sp>
+      <p:cxnSp>
+        <p:nvCxnSpPr>
+          <p:cNvPr id="124" name="直接箭头连接符 123">
+            <a:extLst>
+              <a:ext uri="{FF2B5EF4-FFF2-40B4-BE49-F238E27FC236}">
+                <a16:creationId xmlns:a16="http://schemas.microsoft.com/office/drawing/2014/main" id="{0EFD87E4-BEF0-406A-83D5-4AFEEC8E0B15}"/>
+              </a:ext>
+            </a:extLst>
+          </p:cNvPr>
+          <p:cNvCxnSpPr>
+            <a:cxnSpLocks/>
+            <a:stCxn id="123" idx="2"/>
+          </p:cNvCxnSpPr>
+          <p:nvPr/>
+        </p:nvCxnSpPr>
+        <p:spPr>
+          <a:xfrm flipH="1">
+            <a:off x="1532039" y="1491449"/>
+            <a:ext cx="434579" cy="329038"/>
+          </a:xfrm>
+          <a:prstGeom prst="straightConnector1">
+            <a:avLst/>
+          </a:prstGeom>
+          <a:ln>
+            <a:tailEnd type="triangle"/>
+          </a:ln>
+        </p:spPr>
+        <p:style>
+          <a:lnRef idx="2">
+            <a:schemeClr val="accent2"/>
+          </a:lnRef>
+          <a:fillRef idx="1">
+            <a:schemeClr val="lt1"/>
+          </a:fillRef>
+          <a:effectRef idx="0">
+            <a:schemeClr val="accent2"/>
+          </a:effectRef>
+          <a:fontRef idx="minor">
+            <a:schemeClr val="dk1"/>
+          </a:fontRef>
+        </p:style>
+      </p:cxnSp>
+      <p:cxnSp>
+        <p:nvCxnSpPr>
+          <p:cNvPr id="125" name="直接箭头连接符 124">
+            <a:extLst>
+              <a:ext uri="{FF2B5EF4-FFF2-40B4-BE49-F238E27FC236}">
+                <a16:creationId xmlns:a16="http://schemas.microsoft.com/office/drawing/2014/main" id="{CB1B1342-8A43-41F0-8F50-884143771294}"/>
+              </a:ext>
+            </a:extLst>
+          </p:cNvPr>
+          <p:cNvCxnSpPr>
+            <a:cxnSpLocks/>
+            <a:stCxn id="123" idx="2"/>
+          </p:cNvCxnSpPr>
+          <p:nvPr/>
+        </p:nvCxnSpPr>
+        <p:spPr>
+          <a:xfrm>
+            <a:off x="1966618" y="1491449"/>
+            <a:ext cx="291323" cy="329038"/>
+          </a:xfrm>
+          <a:prstGeom prst="straightConnector1">
+            <a:avLst/>
+          </a:prstGeom>
+          <a:ln>
+            <a:tailEnd type="triangle"/>
+          </a:ln>
+        </p:spPr>
+        <p:style>
+          <a:lnRef idx="2">
+            <a:schemeClr val="accent2"/>
+          </a:lnRef>
+          <a:fillRef idx="1">
+            <a:schemeClr val="lt1"/>
+          </a:fillRef>
+          <a:effectRef idx="0">
+            <a:schemeClr val="accent2"/>
+          </a:effectRef>
+          <a:fontRef idx="minor">
+            <a:schemeClr val="dk1"/>
+          </a:fontRef>
+        </p:style>
+      </p:cxnSp>
+      <p:sp>
+        <p:nvSpPr>
+          <p:cNvPr id="137" name="矩形 136">
+            <a:extLst>
+              <a:ext uri="{FF2B5EF4-FFF2-40B4-BE49-F238E27FC236}">
+                <a16:creationId xmlns:a16="http://schemas.microsoft.com/office/drawing/2014/main" id="{9ECB26B8-1A0D-4B5A-A520-329DB05A8E84}"/>
+              </a:ext>
+            </a:extLst>
+          </p:cNvPr>
+          <p:cNvSpPr/>
+          <p:nvPr/>
+        </p:nvSpPr>
+        <p:spPr>
+          <a:xfrm>
+            <a:off x="7329060" y="3022771"/>
+            <a:ext cx="568171" cy="470018"/>
+          </a:xfrm>
+          <a:prstGeom prst="rect">
+            <a:avLst/>
+          </a:prstGeom>
+        </p:spPr>
+        <p:style>
+          <a:lnRef idx="2">
+            <a:schemeClr val="accent2"/>
+          </a:lnRef>
+          <a:fillRef idx="1">
+            <a:schemeClr val="lt1"/>
+          </a:fillRef>
+          <a:effectRef idx="0">
+            <a:schemeClr val="accent2"/>
+          </a:effectRef>
+          <a:fontRef idx="minor">
+            <a:schemeClr val="dk1"/>
+          </a:fontRef>
+        </p:style>
+        <p:txBody>
+          <a:bodyPr rtlCol="0" anchor="ctr"/>
+          <a:lstStyle/>
+          <a:p>
+            <a:pPr algn="ctr"/>
+            <a:r>
+              <a:rPr lang="en-US" altLang="zh-CN">
+                <a:solidFill>
+                  <a:schemeClr val="tx1"/>
+                </a:solidFill>
+                <a:latin typeface="Times New Roman" panose="02020603050405020304" pitchFamily="18" charset="0"/>
+                <a:cs typeface="Times New Roman" panose="02020603050405020304" pitchFamily="18" charset="0"/>
+              </a:rPr>
+              <a:t>7</a:t>
+            </a:r>
+            <a:endParaRPr lang="zh-CN" altLang="en-US">
+              <a:solidFill>
+                <a:schemeClr val="tx1"/>
+              </a:solidFill>
+              <a:latin typeface="Times New Roman" panose="02020603050405020304" pitchFamily="18" charset="0"/>
+              <a:cs typeface="Times New Roman" panose="02020603050405020304" pitchFamily="18" charset="0"/>
+            </a:endParaRPr>
+          </a:p>
+        </p:txBody>
+      </p:sp>
+      <p:cxnSp>
+        <p:nvCxnSpPr>
+          <p:cNvPr id="138" name="直接箭头连接符 137">
+            <a:extLst>
+              <a:ext uri="{FF2B5EF4-FFF2-40B4-BE49-F238E27FC236}">
+                <a16:creationId xmlns:a16="http://schemas.microsoft.com/office/drawing/2014/main" id="{AE7C04F7-FA26-4AFC-8069-4E7C0A75A5B7}"/>
+              </a:ext>
+            </a:extLst>
+          </p:cNvPr>
+          <p:cNvCxnSpPr>
+            <a:cxnSpLocks/>
+            <a:stCxn id="137" idx="2"/>
+          </p:cNvCxnSpPr>
+          <p:nvPr/>
+        </p:nvCxnSpPr>
+        <p:spPr>
+          <a:xfrm flipH="1">
+            <a:off x="7396382" y="3492789"/>
+            <a:ext cx="216764" cy="330956"/>
+          </a:xfrm>
+          <a:prstGeom prst="straightConnector1">
+            <a:avLst/>
+          </a:prstGeom>
+          <a:ln>
+            <a:tailEnd type="triangle"/>
+          </a:ln>
+        </p:spPr>
+        <p:style>
+          <a:lnRef idx="2">
+            <a:schemeClr val="accent2"/>
+          </a:lnRef>
+          <a:fillRef idx="1">
+            <a:schemeClr val="lt1"/>
+          </a:fillRef>
+          <a:effectRef idx="0">
+            <a:schemeClr val="accent2"/>
+          </a:effectRef>
+          <a:fontRef idx="minor">
+            <a:schemeClr val="dk1"/>
+          </a:fontRef>
+        </p:style>
+      </p:cxnSp>
+      <p:cxnSp>
+        <p:nvCxnSpPr>
+          <p:cNvPr id="139" name="直接箭头连接符 138">
+            <a:extLst>
+              <a:ext uri="{FF2B5EF4-FFF2-40B4-BE49-F238E27FC236}">
+                <a16:creationId xmlns:a16="http://schemas.microsoft.com/office/drawing/2014/main" id="{EA2B2606-B700-4CEA-B8D8-B5B4E85F15AC}"/>
+              </a:ext>
+            </a:extLst>
+          </p:cNvPr>
+          <p:cNvCxnSpPr>
+            <a:cxnSpLocks/>
+            <a:stCxn id="137" idx="2"/>
+          </p:cNvCxnSpPr>
+          <p:nvPr/>
+        </p:nvCxnSpPr>
+        <p:spPr>
+          <a:xfrm>
+            <a:off x="7613146" y="3492789"/>
+            <a:ext cx="190258" cy="301032"/>
+          </a:xfrm>
+          <a:prstGeom prst="straightConnector1">
+            <a:avLst/>
+          </a:prstGeom>
+          <a:ln>
+            <a:tailEnd type="triangle"/>
+          </a:ln>
+        </p:spPr>
+        <p:style>
+          <a:lnRef idx="2">
+            <a:schemeClr val="accent2"/>
+          </a:lnRef>
+          <a:fillRef idx="1">
+            <a:schemeClr val="lt1"/>
+          </a:fillRef>
+          <a:effectRef idx="0">
+            <a:schemeClr val="accent2"/>
+          </a:effectRef>
+          <a:fontRef idx="minor">
+            <a:schemeClr val="dk1"/>
+          </a:fontRef>
+        </p:style>
+      </p:cxnSp>
+      <p:sp>
+        <p:nvSpPr>
+          <p:cNvPr id="140" name="矩形 139">
+            <a:extLst>
+              <a:ext uri="{FF2B5EF4-FFF2-40B4-BE49-F238E27FC236}">
+                <a16:creationId xmlns:a16="http://schemas.microsoft.com/office/drawing/2014/main" id="{264D9DD0-EA21-40A7-AA49-25EEB2E1E026}"/>
+              </a:ext>
+            </a:extLst>
+          </p:cNvPr>
+          <p:cNvSpPr/>
+          <p:nvPr/>
+        </p:nvSpPr>
+        <p:spPr>
+          <a:xfrm>
+            <a:off x="6404918" y="3022771"/>
+            <a:ext cx="568171" cy="470018"/>
+          </a:xfrm>
+          <a:prstGeom prst="rect">
+            <a:avLst/>
+          </a:prstGeom>
+        </p:spPr>
+        <p:style>
+          <a:lnRef idx="2">
+            <a:schemeClr val="accent2"/>
+          </a:lnRef>
+          <a:fillRef idx="1">
+            <a:schemeClr val="lt1"/>
+          </a:fillRef>
+          <a:effectRef idx="0">
+            <a:schemeClr val="accent2"/>
+          </a:effectRef>
+          <a:fontRef idx="minor">
+            <a:schemeClr val="dk1"/>
+          </a:fontRef>
+        </p:style>
+        <p:txBody>
+          <a:bodyPr rtlCol="0" anchor="ctr"/>
+          <a:lstStyle/>
+          <a:p>
+            <a:pPr algn="ctr"/>
+            <a:r>
+              <a:rPr lang="en-US" altLang="zh-CN">
+                <a:solidFill>
+                  <a:schemeClr val="tx1"/>
+                </a:solidFill>
+                <a:latin typeface="Times New Roman" panose="02020603050405020304" pitchFamily="18" charset="0"/>
+                <a:cs typeface="Times New Roman" panose="02020603050405020304" pitchFamily="18" charset="0"/>
+              </a:rPr>
+              <a:t>6</a:t>
+            </a:r>
+            <a:endParaRPr lang="zh-CN" altLang="en-US">
+              <a:solidFill>
+                <a:schemeClr val="tx1"/>
+              </a:solidFill>
+              <a:latin typeface="Times New Roman" panose="02020603050405020304" pitchFamily="18" charset="0"/>
+              <a:cs typeface="Times New Roman" panose="02020603050405020304" pitchFamily="18" charset="0"/>
+            </a:endParaRPr>
+          </a:p>
+        </p:txBody>
+      </p:sp>
+      <p:cxnSp>
+        <p:nvCxnSpPr>
+          <p:cNvPr id="141" name="直接箭头连接符 140">
+            <a:extLst>
+              <a:ext uri="{FF2B5EF4-FFF2-40B4-BE49-F238E27FC236}">
+                <a16:creationId xmlns:a16="http://schemas.microsoft.com/office/drawing/2014/main" id="{D150EA4A-A217-4FE1-AF17-0649A0B94EBD}"/>
+              </a:ext>
+            </a:extLst>
+          </p:cNvPr>
+          <p:cNvCxnSpPr>
+            <a:cxnSpLocks/>
+            <a:stCxn id="140" idx="2"/>
+          </p:cNvCxnSpPr>
+          <p:nvPr/>
+        </p:nvCxnSpPr>
+        <p:spPr>
+          <a:xfrm flipH="1">
+            <a:off x="6456952" y="3492789"/>
+            <a:ext cx="232052" cy="308106"/>
+          </a:xfrm>
+          <a:prstGeom prst="straightConnector1">
+            <a:avLst/>
+          </a:prstGeom>
+          <a:ln>
+            <a:tailEnd type="triangle"/>
+          </a:ln>
+        </p:spPr>
+        <p:style>
+          <a:lnRef idx="2">
+            <a:schemeClr val="accent2"/>
+          </a:lnRef>
+          <a:fillRef idx="1">
+            <a:schemeClr val="lt1"/>
+          </a:fillRef>
+          <a:effectRef idx="0">
+            <a:schemeClr val="accent2"/>
+          </a:effectRef>
+          <a:fontRef idx="minor">
+            <a:schemeClr val="dk1"/>
+          </a:fontRef>
+        </p:style>
+      </p:cxnSp>
+      <p:cxnSp>
+        <p:nvCxnSpPr>
+          <p:cNvPr id="142" name="直接箭头连接符 141">
+            <a:extLst>
+              <a:ext uri="{FF2B5EF4-FFF2-40B4-BE49-F238E27FC236}">
+                <a16:creationId xmlns:a16="http://schemas.microsoft.com/office/drawing/2014/main" id="{F0E8F6E9-75DC-4217-A267-45989A479ED7}"/>
+              </a:ext>
+            </a:extLst>
+          </p:cNvPr>
+          <p:cNvCxnSpPr>
+            <a:cxnSpLocks/>
+            <a:stCxn id="140" idx="2"/>
+          </p:cNvCxnSpPr>
+          <p:nvPr/>
+        </p:nvCxnSpPr>
+        <p:spPr>
+          <a:xfrm>
+            <a:off x="6689004" y="3492789"/>
+            <a:ext cx="185196" cy="308106"/>
+          </a:xfrm>
+          <a:prstGeom prst="straightConnector1">
+            <a:avLst/>
+          </a:prstGeom>
+          <a:ln>
+            <a:tailEnd type="triangle"/>
+          </a:ln>
+        </p:spPr>
+        <p:style>
+          <a:lnRef idx="2">
+            <a:schemeClr val="accent2"/>
+          </a:lnRef>
+          <a:fillRef idx="1">
+            <a:schemeClr val="lt1"/>
+          </a:fillRef>
+          <a:effectRef idx="0">
+            <a:schemeClr val="accent2"/>
+          </a:effectRef>
+          <a:fontRef idx="minor">
+            <a:schemeClr val="dk1"/>
+          </a:fontRef>
+        </p:style>
+      </p:cxnSp>
+      <p:cxnSp>
+        <p:nvCxnSpPr>
+          <p:cNvPr id="144" name="直接箭头连接符 143">
+            <a:extLst>
+              <a:ext uri="{FF2B5EF4-FFF2-40B4-BE49-F238E27FC236}">
+                <a16:creationId xmlns:a16="http://schemas.microsoft.com/office/drawing/2014/main" id="{C0A08A90-E1FF-4F94-AAA9-2A6CE6327E03}"/>
+              </a:ext>
+            </a:extLst>
+          </p:cNvPr>
+          <p:cNvCxnSpPr>
+            <a:cxnSpLocks/>
+            <a:stCxn id="116" idx="2"/>
+          </p:cNvCxnSpPr>
+          <p:nvPr/>
+        </p:nvCxnSpPr>
+        <p:spPr>
+          <a:xfrm flipH="1">
+            <a:off x="4556634" y="3527856"/>
+            <a:ext cx="284086" cy="302963"/>
+          </a:xfrm>
+          <a:prstGeom prst="straightConnector1">
+            <a:avLst/>
+          </a:prstGeom>
+          <a:ln>
+            <a:tailEnd type="triangle"/>
+          </a:ln>
+        </p:spPr>
+        <p:style>
+          <a:lnRef idx="2">
+            <a:schemeClr val="accent2"/>
+          </a:lnRef>
+          <a:fillRef idx="1">
+            <a:schemeClr val="lt1"/>
+          </a:fillRef>
+          <a:effectRef idx="0">
+            <a:schemeClr val="accent2"/>
+          </a:effectRef>
+          <a:fontRef idx="minor">
+            <a:schemeClr val="dk1"/>
+          </a:fontRef>
+        </p:style>
+      </p:cxnSp>
+      <p:cxnSp>
+        <p:nvCxnSpPr>
+          <p:cNvPr id="145" name="直接箭头连接符 144">
+            <a:extLst>
+              <a:ext uri="{FF2B5EF4-FFF2-40B4-BE49-F238E27FC236}">
+                <a16:creationId xmlns:a16="http://schemas.microsoft.com/office/drawing/2014/main" id="{E85F012F-BEF3-4847-8C2A-A56CB3637EF2}"/>
+              </a:ext>
+            </a:extLst>
+          </p:cNvPr>
+          <p:cNvCxnSpPr>
+            <a:cxnSpLocks/>
+            <a:stCxn id="116" idx="2"/>
+          </p:cNvCxnSpPr>
+          <p:nvPr/>
+        </p:nvCxnSpPr>
+        <p:spPr>
+          <a:xfrm>
+            <a:off x="4840720" y="3527856"/>
+            <a:ext cx="211614" cy="351801"/>
+          </a:xfrm>
+          <a:prstGeom prst="straightConnector1">
+            <a:avLst/>
+          </a:prstGeom>
+          <a:ln>
+            <a:tailEnd type="triangle"/>
+          </a:ln>
+        </p:spPr>
+        <p:style>
+          <a:lnRef idx="2">
+            <a:schemeClr val="accent2"/>
+          </a:lnRef>
+          <a:fillRef idx="1">
+            <a:schemeClr val="lt1"/>
+          </a:fillRef>
+          <a:effectRef idx="0">
+            <a:schemeClr val="accent2"/>
+          </a:effectRef>
+          <a:fontRef idx="minor">
+            <a:schemeClr val="dk1"/>
+          </a:fontRef>
+        </p:style>
+      </p:cxnSp>
+      <p:cxnSp>
+        <p:nvCxnSpPr>
+          <p:cNvPr id="154" name="直接箭头连接符 153">
+            <a:extLst>
+              <a:ext uri="{FF2B5EF4-FFF2-40B4-BE49-F238E27FC236}">
+                <a16:creationId xmlns:a16="http://schemas.microsoft.com/office/drawing/2014/main" id="{0B21421C-EBB4-491A-9AD3-4B7C54FE4C3B}"/>
+              </a:ext>
+            </a:extLst>
+          </p:cNvPr>
+          <p:cNvCxnSpPr>
+            <a:cxnSpLocks/>
+            <a:stCxn id="112" idx="2"/>
+          </p:cNvCxnSpPr>
+          <p:nvPr/>
+        </p:nvCxnSpPr>
+        <p:spPr>
+          <a:xfrm flipH="1">
+            <a:off x="5528575" y="1789214"/>
+            <a:ext cx="410557" cy="352224"/>
+          </a:xfrm>
+          <a:prstGeom prst="straightConnector1">
+            <a:avLst/>
+          </a:prstGeom>
+          <a:ln>
+            <a:tailEnd type="triangle"/>
+          </a:ln>
+        </p:spPr>
+        <p:style>
+          <a:lnRef idx="2">
+            <a:schemeClr val="accent2"/>
+          </a:lnRef>
+          <a:fillRef idx="1">
+            <a:schemeClr val="lt1"/>
+          </a:fillRef>
+          <a:effectRef idx="0">
+            <a:schemeClr val="accent2"/>
+          </a:effectRef>
+          <a:fontRef idx="minor">
+            <a:schemeClr val="dk1"/>
+          </a:fontRef>
+        </p:style>
+      </p:cxnSp>
+      <p:cxnSp>
+        <p:nvCxnSpPr>
+          <p:cNvPr id="155" name="直接箭头连接符 154">
+            <a:extLst>
+              <a:ext uri="{FF2B5EF4-FFF2-40B4-BE49-F238E27FC236}">
+                <a16:creationId xmlns:a16="http://schemas.microsoft.com/office/drawing/2014/main" id="{1CD59674-FF1F-4A7B-A4E9-4DB34B7FC7F1}"/>
+              </a:ext>
+            </a:extLst>
+          </p:cNvPr>
+          <p:cNvCxnSpPr>
+            <a:cxnSpLocks/>
+            <a:stCxn id="112" idx="2"/>
+            <a:endCxn id="111" idx="0"/>
+          </p:cNvCxnSpPr>
+          <p:nvPr/>
+        </p:nvCxnSpPr>
+        <p:spPr>
+          <a:xfrm>
+            <a:off x="5939132" y="1789214"/>
+            <a:ext cx="1094137" cy="339347"/>
+          </a:xfrm>
+          <a:prstGeom prst="straightConnector1">
+            <a:avLst/>
+          </a:prstGeom>
+          <a:ln>
+            <a:tailEnd type="triangle"/>
+          </a:ln>
+        </p:spPr>
+        <p:style>
+          <a:lnRef idx="2">
+            <a:schemeClr val="accent2"/>
+          </a:lnRef>
+          <a:fillRef idx="1">
+            <a:schemeClr val="lt1"/>
+          </a:fillRef>
+          <a:effectRef idx="0">
+            <a:schemeClr val="accent2"/>
+          </a:effectRef>
+          <a:fontRef idx="minor">
+            <a:schemeClr val="dk1"/>
+          </a:fontRef>
+        </p:style>
+      </p:cxnSp>
+      <p:cxnSp>
+        <p:nvCxnSpPr>
+          <p:cNvPr id="164" name="直接箭头连接符 163">
+            <a:extLst>
+              <a:ext uri="{FF2B5EF4-FFF2-40B4-BE49-F238E27FC236}">
+                <a16:creationId xmlns:a16="http://schemas.microsoft.com/office/drawing/2014/main" id="{C2B8E86A-9194-48E2-B4BD-D9E1A9007E59}"/>
+              </a:ext>
+            </a:extLst>
+          </p:cNvPr>
+          <p:cNvCxnSpPr>
+            <a:cxnSpLocks/>
+          </p:cNvCxnSpPr>
+          <p:nvPr/>
+        </p:nvCxnSpPr>
+        <p:spPr>
+          <a:xfrm flipH="1">
+            <a:off x="4975976" y="2589253"/>
+            <a:ext cx="410557" cy="352224"/>
+          </a:xfrm>
+          <a:prstGeom prst="straightConnector1">
+            <a:avLst/>
+          </a:prstGeom>
+          <a:ln>
+            <a:tailEnd type="triangle"/>
+          </a:ln>
+        </p:spPr>
+        <p:style>
+          <a:lnRef idx="2">
+            <a:schemeClr val="accent2"/>
+          </a:lnRef>
+          <a:fillRef idx="1">
+            <a:schemeClr val="lt1"/>
+          </a:fillRef>
+          <a:effectRef idx="0">
+            <a:schemeClr val="accent2"/>
+          </a:effectRef>
+          <a:fontRef idx="minor">
+            <a:schemeClr val="dk1"/>
+          </a:fontRef>
+        </p:style>
+      </p:cxnSp>
+      <p:cxnSp>
+        <p:nvCxnSpPr>
+          <p:cNvPr id="165" name="直接箭头连接符 164">
+            <a:extLst>
+              <a:ext uri="{FF2B5EF4-FFF2-40B4-BE49-F238E27FC236}">
+                <a16:creationId xmlns:a16="http://schemas.microsoft.com/office/drawing/2014/main" id="{4039FE23-86E2-4051-AA30-86BA7BB15EE4}"/>
+              </a:ext>
+            </a:extLst>
+          </p:cNvPr>
+          <p:cNvCxnSpPr>
+            <a:cxnSpLocks/>
+          </p:cNvCxnSpPr>
+          <p:nvPr/>
+        </p:nvCxnSpPr>
+        <p:spPr>
+          <a:xfrm>
+            <a:off x="5386533" y="2589253"/>
+            <a:ext cx="284085" cy="352224"/>
+          </a:xfrm>
+          <a:prstGeom prst="straightConnector1">
+            <a:avLst/>
+          </a:prstGeom>
+          <a:ln>
+            <a:tailEnd type="triangle"/>
+          </a:ln>
+        </p:spPr>
+        <p:style>
+          <a:lnRef idx="2">
+            <a:schemeClr val="accent2"/>
+          </a:lnRef>
+          <a:fillRef idx="1">
+            <a:schemeClr val="lt1"/>
+          </a:fillRef>
+          <a:effectRef idx="0">
+            <a:schemeClr val="accent2"/>
+          </a:effectRef>
+          <a:fontRef idx="minor">
+            <a:schemeClr val="dk1"/>
+          </a:fontRef>
+        </p:style>
+      </p:cxnSp>
+      <p:cxnSp>
+        <p:nvCxnSpPr>
+          <p:cNvPr id="166" name="直接箭头连接符 165">
+            <a:extLst>
+              <a:ext uri="{FF2B5EF4-FFF2-40B4-BE49-F238E27FC236}">
+                <a16:creationId xmlns:a16="http://schemas.microsoft.com/office/drawing/2014/main" id="{0CC8EF46-9C0E-45E4-9940-759D31DDF559}"/>
+              </a:ext>
+            </a:extLst>
+          </p:cNvPr>
+          <p:cNvCxnSpPr>
+            <a:cxnSpLocks/>
+            <a:endCxn id="140" idx="0"/>
+          </p:cNvCxnSpPr>
+          <p:nvPr/>
+        </p:nvCxnSpPr>
+        <p:spPr>
+          <a:xfrm flipH="1">
+            <a:off x="6689004" y="2614973"/>
+            <a:ext cx="344268" cy="407798"/>
+          </a:xfrm>
+          <a:prstGeom prst="straightConnector1">
+            <a:avLst/>
+          </a:prstGeom>
+          <a:ln>
+            <a:tailEnd type="triangle"/>
+          </a:ln>
+        </p:spPr>
+        <p:style>
+          <a:lnRef idx="2">
+            <a:schemeClr val="accent2"/>
+          </a:lnRef>
+          <a:fillRef idx="1">
+            <a:schemeClr val="lt1"/>
+          </a:fillRef>
+          <a:effectRef idx="0">
+            <a:schemeClr val="accent2"/>
+          </a:effectRef>
+          <a:fontRef idx="minor">
+            <a:schemeClr val="dk1"/>
+          </a:fontRef>
+        </p:style>
+      </p:cxnSp>
+      <p:cxnSp>
+        <p:nvCxnSpPr>
+          <p:cNvPr id="167" name="直接箭头连接符 166">
+            <a:extLst>
+              <a:ext uri="{FF2B5EF4-FFF2-40B4-BE49-F238E27FC236}">
+                <a16:creationId xmlns:a16="http://schemas.microsoft.com/office/drawing/2014/main" id="{4E5072B7-4198-4EF3-97F7-1DCFB016B622}"/>
+              </a:ext>
+            </a:extLst>
+          </p:cNvPr>
+          <p:cNvCxnSpPr>
+            <a:cxnSpLocks/>
+            <a:endCxn id="137" idx="0"/>
+          </p:cNvCxnSpPr>
+          <p:nvPr/>
+        </p:nvCxnSpPr>
+        <p:spPr>
+          <a:xfrm>
+            <a:off x="7049451" y="2607899"/>
+            <a:ext cx="563695" cy="414872"/>
+          </a:xfrm>
+          <a:prstGeom prst="straightConnector1">
+            <a:avLst/>
+          </a:prstGeom>
+          <a:ln>
+            <a:tailEnd type="triangle"/>
+          </a:ln>
+        </p:spPr>
+        <p:style>
+          <a:lnRef idx="2">
+            <a:schemeClr val="accent2"/>
+          </a:lnRef>
+          <a:fillRef idx="1">
+            <a:schemeClr val="lt1"/>
+          </a:fillRef>
+          <a:effectRef idx="0">
+            <a:schemeClr val="accent2"/>
+          </a:effectRef>
+          <a:fontRef idx="minor">
+            <a:schemeClr val="dk1"/>
+          </a:fontRef>
+        </p:style>
+      </p:cxnSp>
+    </p:spTree>
+    <p:extLst>
+      <p:ext uri="{BB962C8B-B14F-4D97-AF65-F5344CB8AC3E}">
+        <p14:creationId xmlns:p14="http://schemas.microsoft.com/office/powerpoint/2010/main" val="620756341"/>
       </p:ext>
     </p:extLst>
   </p:cSld>
